--- a/Presentation/lesson-12-wpf.pptx
+++ b/Presentation/lesson-12-wpf.pptx
@@ -9,8 +9,8 @@
   </p:notesMasterIdLst>
   <p:sldIdLst>
     <p:sldId id="256" r:id="rId2"/>
-    <p:sldId id="257" r:id="rId3"/>
-    <p:sldId id="264" r:id="rId4"/>
+    <p:sldId id="264" r:id="rId3"/>
+    <p:sldId id="277" r:id="rId4"/>
     <p:sldId id="265" r:id="rId5"/>
     <p:sldId id="259" r:id="rId6"/>
     <p:sldId id="258" r:id="rId7"/>
@@ -212,7 +212,7 @@
           <a:p>
             <a:fld id="{B24A7054-7FFB-49F4-A126-5DF6E687FF53}" type="datetimeFigureOut">
               <a:rPr lang="ru-RU" smtClean="0"/>
-              <a:t>22.12.2012</a:t>
+              <a:t>27.03.2013</a:t>
             </a:fld>
             <a:endParaRPr lang="ru-RU"/>
           </a:p>
@@ -1275,7 +1275,7 @@
           <a:p>
             <a:fld id="{8E6E6A2A-E9D3-4A0D-B04A-ABDD367A1E08}" type="datetimeFigureOut">
               <a:rPr lang="ru-RU" smtClean="0"/>
-              <a:t>22.12.2012</a:t>
+              <a:t>27.03.2013</a:t>
             </a:fld>
             <a:endParaRPr lang="ru-RU"/>
           </a:p>
@@ -2723,7 +2723,7 @@
           <a:p>
             <a:fld id="{AC3D3127-B7C4-45E3-9797-C527EC9FDD78}" type="datetimeFigureOut">
               <a:rPr lang="ru-RU" smtClean="0"/>
-              <a:t>22.12.2012</a:t>
+              <a:t>27.03.2013</a:t>
             </a:fld>
             <a:endParaRPr lang="ru-RU"/>
           </a:p>
@@ -3673,11 +3673,7 @@
             </a:r>
             <a:r>
               <a:rPr lang="ru-RU" smtClean="0"/>
-              <a:t>в </a:t>
-            </a:r>
-            <a:r>
-              <a:rPr lang="ru-RU" smtClean="0"/>
-              <a:t>ресурсах </a:t>
+              <a:t>в ресурсах </a:t>
             </a:r>
             <a:r>
               <a:rPr lang="ru-RU" dirty="0" smtClean="0"/>
@@ -6149,46 +6145,65 @@
       </p:grpSpPr>
       <p:sp>
         <p:nvSpPr>
-          <p:cNvPr id="3" name="Rectangle 2"/>
-          <p:cNvSpPr/>
-          <p:nvPr/>
+          <p:cNvPr id="2" name="Title 1"/>
+          <p:cNvSpPr>
+            <a:spLocks noGrp="1"/>
+          </p:cNvSpPr>
+          <p:nvPr>
+            <p:ph type="title"/>
+          </p:nvPr>
         </p:nvSpPr>
-        <p:spPr>
-          <a:xfrm>
-            <a:off x="251520" y="3136613"/>
-            <a:ext cx="8640960" cy="584775"/>
-          </a:xfrm>
-          <a:prstGeom prst="rect">
-            <a:avLst/>
-          </a:prstGeom>
-        </p:spPr>
+        <p:spPr/>
         <p:txBody>
-          <a:bodyPr wrap="square">
-            <a:spAutoFit/>
-          </a:bodyPr>
+          <a:bodyPr/>
           <a:lstStyle/>
           <a:p>
-            <a:pPr lvl="0" algn="ctr"/>
-            <a:r>
-              <a:rPr lang="en-US" sz="3200" dirty="0">
-                <a:solidFill>
-                  <a:schemeClr val="bg1"/>
-                </a:solidFill>
-              </a:rPr>
-              <a:t>https://github.com/bazile/Training</a:t>
-            </a:r>
-            <a:endParaRPr lang="en-US" sz="3200" dirty="0" smtClean="0">
-              <a:solidFill>
-                <a:schemeClr val="bg1"/>
-              </a:solidFill>
-            </a:endParaRPr>
+            <a:r>
+              <a:rPr lang="ru-RU" dirty="0" smtClean="0"/>
+              <a:t>Литература</a:t>
+            </a:r>
+            <a:endParaRPr lang="en-US" dirty="0"/>
+          </a:p>
+        </p:txBody>
+      </p:sp>
+      <p:sp>
+        <p:nvSpPr>
+          <p:cNvPr id="3" name="Content Placeholder 2"/>
+          <p:cNvSpPr>
+            <a:spLocks noGrp="1"/>
+          </p:cNvSpPr>
+          <p:nvPr>
+            <p:ph idx="1"/>
+          </p:nvPr>
+        </p:nvSpPr>
+        <p:spPr/>
+        <p:txBody>
+          <a:bodyPr/>
+          <a:lstStyle/>
+          <a:p>
+            <a:r>
+              <a:rPr lang="en-US" dirty="0" smtClean="0"/>
+              <a:t>Pro WPF in C# 2010, Mathew McDonald, </a:t>
+            </a:r>
+            <a:r>
+              <a:rPr lang="en-US" dirty="0" err="1" smtClean="0"/>
+              <a:t>Apress</a:t>
+            </a:r>
+            <a:r>
+              <a:rPr lang="en-US" dirty="0" smtClean="0"/>
+              <a:t>; ISBN </a:t>
+            </a:r>
+            <a:r>
+              <a:rPr lang="en-US" dirty="0"/>
+              <a:t>978-1-4302-7205-2</a:t>
+            </a:r>
           </a:p>
         </p:txBody>
       </p:sp>
     </p:spTree>
     <p:extLst>
       <p:ext uri="{BB962C8B-B14F-4D97-AF65-F5344CB8AC3E}">
-        <p14:creationId xmlns:p14="http://schemas.microsoft.com/office/powerpoint/2010/main" val="627961551"/>
+        <p14:creationId xmlns:p14="http://schemas.microsoft.com/office/powerpoint/2010/main" val="3525476021"/>
       </p:ext>
     </p:extLst>
   </p:cSld>
@@ -6767,10 +6782,18 @@
           <a:lstStyle/>
           <a:p>
             <a:r>
-              <a:rPr lang="ru-RU" dirty="0" smtClean="0"/>
-              <a:t>Литература</a:t>
-            </a:r>
-            <a:endParaRPr lang="en-US" dirty="0"/>
+              <a:rPr lang="ru-RU" dirty="0">
+                <a:solidFill>
+                  <a:schemeClr val="bg1"/>
+                </a:solidFill>
+              </a:rPr>
+              <a:t>Материалы для обучения</a:t>
+            </a:r>
+            <a:endParaRPr lang="en-US" dirty="0">
+              <a:solidFill>
+                <a:schemeClr val="bg1"/>
+              </a:solidFill>
+            </a:endParaRPr>
           </a:p>
         </p:txBody>
       </p:sp>
@@ -6790,41 +6813,117 @@
           <a:lstStyle/>
           <a:p>
             <a:r>
-              <a:rPr lang="en-US" dirty="0" smtClean="0"/>
-              <a:t>Pro WPF in C# 2010, Mathew McDonald, </a:t>
-            </a:r>
-            <a:r>
-              <a:rPr lang="en-US" dirty="0" err="1" smtClean="0"/>
-              <a:t>Apress</a:t>
-            </a:r>
-            <a:r>
-              <a:rPr lang="en-US" dirty="0" smtClean="0"/>
-              <a:t>; ISBN </a:t>
-            </a:r>
-            <a:r>
-              <a:rPr lang="en-US" dirty="0"/>
-              <a:t>978-1-4302-7205-2</a:t>
-            </a:r>
+              <a:rPr lang="en-US" dirty="0">
+                <a:solidFill>
+                  <a:schemeClr val="bg1"/>
+                </a:solidFill>
+                <a:hlinkClick r:id="rId2"/>
+              </a:rPr>
+              <a:t>https://</a:t>
+            </a:r>
+            <a:r>
+              <a:rPr lang="en-US" dirty="0" smtClean="0">
+                <a:solidFill>
+                  <a:schemeClr val="bg1"/>
+                </a:solidFill>
+                <a:hlinkClick r:id="rId2"/>
+              </a:rPr>
+              <a:t>github.com/bazile/Training</a:t>
+            </a:r>
+            <a:r>
+              <a:rPr lang="en-US" dirty="0" smtClean="0">
+                <a:solidFill>
+                  <a:schemeClr val="bg1"/>
+                </a:solidFill>
+              </a:rPr>
+              <a:t/>
+            </a:r>
+            <a:br>
+              <a:rPr lang="en-US" dirty="0" smtClean="0">
+                <a:solidFill>
+                  <a:schemeClr val="bg1"/>
+                </a:solidFill>
+              </a:rPr>
+            </a:br>
+            <a:r>
+              <a:rPr lang="ru-RU" dirty="0" smtClean="0">
+                <a:solidFill>
+                  <a:schemeClr val="bg1"/>
+                </a:solidFill>
+              </a:rPr>
+              <a:t>Презентации и примеры кода используемые во время занятия</a:t>
+            </a:r>
+          </a:p>
+          <a:p>
+            <a:endParaRPr lang="ru-RU" dirty="0" smtClean="0">
+              <a:solidFill>
+                <a:schemeClr val="bg1"/>
+              </a:solidFill>
+            </a:endParaRPr>
+          </a:p>
+          <a:p>
+            <a:r>
+              <a:rPr lang="en-US" dirty="0">
+                <a:solidFill>
+                  <a:schemeClr val="bg1"/>
+                </a:solidFill>
+                <a:hlinkClick r:id="rId3"/>
+              </a:rPr>
+              <a:t>http://belhard.nullptr.ru</a:t>
+            </a:r>
+            <a:r>
+              <a:rPr lang="en-US" dirty="0" smtClean="0">
+                <a:solidFill>
+                  <a:schemeClr val="bg1"/>
+                </a:solidFill>
+                <a:hlinkClick r:id="rId3"/>
+              </a:rPr>
+              <a:t>/</a:t>
+            </a:r>
+            <a:r>
+              <a:rPr lang="ru-RU" dirty="0" smtClean="0">
+                <a:solidFill>
+                  <a:schemeClr val="bg1"/>
+                </a:solidFill>
+              </a:rPr>
+              <a:t/>
+            </a:r>
+            <a:br>
+              <a:rPr lang="ru-RU" dirty="0" smtClean="0">
+                <a:solidFill>
+                  <a:schemeClr val="bg1"/>
+                </a:solidFill>
+              </a:rPr>
+            </a:br>
+            <a:r>
+              <a:rPr lang="ru-RU" dirty="0" smtClean="0">
+                <a:solidFill>
+                  <a:schemeClr val="bg1"/>
+                </a:solidFill>
+              </a:rPr>
+              <a:t>Книги, примеры к ним и другие полезные файлы.</a:t>
+            </a:r>
+            <a:endParaRPr lang="ru-RU" dirty="0">
+              <a:solidFill>
+                <a:schemeClr val="bg1"/>
+              </a:solidFill>
+            </a:endParaRPr>
+          </a:p>
+          <a:p>
+            <a:endParaRPr lang="en-US" dirty="0"/>
           </a:p>
         </p:txBody>
       </p:sp>
     </p:spTree>
     <p:extLst>
       <p:ext uri="{BB962C8B-B14F-4D97-AF65-F5344CB8AC3E}">
-        <p14:creationId xmlns:p14="http://schemas.microsoft.com/office/powerpoint/2010/main" val="3525476021"/>
+        <p14:creationId xmlns:p14="http://schemas.microsoft.com/office/powerpoint/2010/main" val="79165798"/>
       </p:ext>
     </p:extLst>
   </p:cSld>
   <p:clrMapOvr>
     <a:masterClrMapping/>
   </p:clrMapOvr>
-  <p:timing>
-    <p:tnLst>
-      <p:par>
-        <p:cTn id="1" dur="indefinite" restart="never" nodeType="tmRoot"/>
-      </p:par>
-    </p:tnLst>
-  </p:timing>
 </p:sld>
 </file>
 

--- a/Presentation/lesson-12-wpf.pptx
+++ b/Presentation/lesson-12-wpf.pptx
@@ -5,7 +5,7 @@
     <p:sldMasterId id="2147483648" r:id="rId1"/>
   </p:sldMasterIdLst>
   <p:notesMasterIdLst>
-    <p:notesMasterId r:id="rId23"/>
+    <p:notesMasterId r:id="rId24"/>
   </p:notesMasterIdLst>
   <p:sldIdLst>
     <p:sldId id="256" r:id="rId2"/>
@@ -29,6 +29,7 @@
     <p:sldId id="274" r:id="rId20"/>
     <p:sldId id="275" r:id="rId21"/>
     <p:sldId id="276" r:id="rId22"/>
+    <p:sldId id="278" r:id="rId23"/>
   </p:sldIdLst>
   <p:sldSz cx="9144000" cy="6858000" type="screen4x3"/>
   <p:notesSz cx="6858000" cy="9144000"/>
@@ -212,7 +213,7 @@
           <a:p>
             <a:fld id="{B24A7054-7FFB-49F4-A126-5DF6E687FF53}" type="datetimeFigureOut">
               <a:rPr lang="ru-RU" smtClean="0"/>
-              <a:t>27.03.2013</a:t>
+              <a:t>10.10.2013</a:t>
             </a:fld>
             <a:endParaRPr lang="ru-RU"/>
           </a:p>
@@ -1275,7 +1276,7 @@
           <a:p>
             <a:fld id="{8E6E6A2A-E9D3-4A0D-B04A-ABDD367A1E08}" type="datetimeFigureOut">
               <a:rPr lang="ru-RU" smtClean="0"/>
-              <a:t>27.03.2013</a:t>
+              <a:t>10.10.2013</a:t>
             </a:fld>
             <a:endParaRPr lang="ru-RU"/>
           </a:p>
@@ -2723,7 +2724,7 @@
           <a:p>
             <a:fld id="{AC3D3127-B7C4-45E3-9797-C527EC9FDD78}" type="datetimeFigureOut">
               <a:rPr lang="ru-RU" smtClean="0"/>
-              <a:t>27.03.2013</a:t>
+              <a:t>10.10.2013</a:t>
             </a:fld>
             <a:endParaRPr lang="ru-RU"/>
           </a:p>
@@ -6749,6 +6750,113 @@
 </p:sld>
 </file>
 
+<file path=ppt/slides/slide22.xml><?xml version="1.0" encoding="utf-8"?>
+<p:sld xmlns:a="http://schemas.openxmlformats.org/drawingml/2006/main" xmlns:r="http://schemas.openxmlformats.org/officeDocument/2006/relationships" xmlns:p="http://schemas.openxmlformats.org/presentationml/2006/main">
+  <p:cSld>
+    <p:spTree>
+      <p:nvGrpSpPr>
+        <p:cNvPr id="1" name=""/>
+        <p:cNvGrpSpPr/>
+        <p:nvPr/>
+      </p:nvGrpSpPr>
+      <p:grpSpPr>
+        <a:xfrm>
+          <a:off x="0" y="0"/>
+          <a:ext cx="0" cy="0"/>
+          <a:chOff x="0" y="0"/>
+          <a:chExt cx="0" cy="0"/>
+        </a:xfrm>
+      </p:grpSpPr>
+      <p:sp>
+        <p:nvSpPr>
+          <p:cNvPr id="2" name="Title 1"/>
+          <p:cNvSpPr>
+            <a:spLocks noGrp="1"/>
+          </p:cNvSpPr>
+          <p:nvPr>
+            <p:ph type="title"/>
+          </p:nvPr>
+        </p:nvSpPr>
+        <p:spPr/>
+        <p:txBody>
+          <a:bodyPr/>
+          <a:lstStyle/>
+          <a:p>
+            <a:r>
+              <a:rPr lang="en-US" dirty="0" smtClean="0"/>
+              <a:t>MVVM: Model View View-Model</a:t>
+            </a:r>
+            <a:endParaRPr lang="en-US" dirty="0"/>
+          </a:p>
+        </p:txBody>
+      </p:sp>
+      <p:pic>
+        <p:nvPicPr>
+          <p:cNvPr id="1026" name="Picture 2"/>
+          <p:cNvPicPr>
+            <a:picLocks noChangeAspect="1" noChangeArrowheads="1"/>
+          </p:cNvPicPr>
+          <p:nvPr/>
+        </p:nvPicPr>
+        <p:blipFill>
+          <a:blip r:embed="rId2">
+            <a:extLst>
+              <a:ext uri="{28A0092B-C50C-407E-A947-70E740481C1C}">
+                <a14:useLocalDpi xmlns:a14="http://schemas.microsoft.com/office/drawing/2010/main" val="0"/>
+              </a:ext>
+            </a:extLst>
+          </a:blip>
+          <a:srcRect/>
+          <a:stretch>
+            <a:fillRect/>
+          </a:stretch>
+        </p:blipFill>
+        <p:spPr bwMode="auto">
+          <a:xfrm>
+            <a:off x="1724025" y="1700808"/>
+            <a:ext cx="5695950" cy="4362450"/>
+          </a:xfrm>
+          <a:prstGeom prst="rect">
+            <a:avLst/>
+          </a:prstGeom>
+          <a:noFill/>
+          <a:ln>
+            <a:noFill/>
+          </a:ln>
+          <a:extLst>
+            <a:ext uri="{909E8E84-426E-40DD-AFC4-6F175D3DCCD1}">
+              <a14:hiddenFill xmlns:a14="http://schemas.microsoft.com/office/drawing/2010/main">
+                <a:solidFill>
+                  <a:schemeClr val="accent1"/>
+                </a:solidFill>
+              </a14:hiddenFill>
+            </a:ext>
+            <a:ext uri="{91240B29-F687-4F45-9708-019B960494DF}">
+              <a14:hiddenLine xmlns:a14="http://schemas.microsoft.com/office/drawing/2010/main" w="9525">
+                <a:solidFill>
+                  <a:schemeClr val="tx1"/>
+                </a:solidFill>
+                <a:miter lim="800000"/>
+                <a:headEnd/>
+                <a:tailEnd/>
+              </a14:hiddenLine>
+            </a:ext>
+          </a:extLst>
+        </p:spPr>
+      </p:pic>
+    </p:spTree>
+    <p:extLst>
+      <p:ext uri="{BB962C8B-B14F-4D97-AF65-F5344CB8AC3E}">
+        <p14:creationId xmlns:p14="http://schemas.microsoft.com/office/powerpoint/2010/main" val="2939539671"/>
+      </p:ext>
+    </p:extLst>
+  </p:cSld>
+  <p:clrMapOvr>
+    <a:masterClrMapping/>
+  </p:clrMapOvr>
+</p:sld>
+</file>
+
 <file path=ppt/slides/slide3.xml><?xml version="1.0" encoding="utf-8"?>
 <p:sld xmlns:a="http://schemas.openxmlformats.org/drawingml/2006/main" xmlns:r="http://schemas.openxmlformats.org/officeDocument/2006/relationships" xmlns:p="http://schemas.openxmlformats.org/presentationml/2006/main">
   <p:cSld>

--- a/Presentation/lesson-12-wpf.pptx
+++ b/Presentation/lesson-12-wpf.pptx
@@ -5,7 +5,7 @@
     <p:sldMasterId id="2147483648" r:id="rId1"/>
   </p:sldMasterIdLst>
   <p:notesMasterIdLst>
-    <p:notesMasterId r:id="rId24"/>
+    <p:notesMasterId r:id="rId25"/>
   </p:notesMasterIdLst>
   <p:sldIdLst>
     <p:sldId id="256" r:id="rId2"/>
@@ -26,10 +26,11 @@
     <p:sldId id="271" r:id="rId17"/>
     <p:sldId id="272" r:id="rId18"/>
     <p:sldId id="273" r:id="rId19"/>
-    <p:sldId id="274" r:id="rId20"/>
-    <p:sldId id="275" r:id="rId21"/>
-    <p:sldId id="276" r:id="rId22"/>
-    <p:sldId id="278" r:id="rId23"/>
+    <p:sldId id="279" r:id="rId20"/>
+    <p:sldId id="274" r:id="rId21"/>
+    <p:sldId id="275" r:id="rId22"/>
+    <p:sldId id="276" r:id="rId23"/>
+    <p:sldId id="278" r:id="rId24"/>
   </p:sldIdLst>
   <p:sldSz cx="9144000" cy="6858000" type="screen4x3"/>
   <p:notesSz cx="6858000" cy="9144000"/>
@@ -213,7 +214,7 @@
           <a:p>
             <a:fld id="{B24A7054-7FFB-49F4-A126-5DF6E687FF53}" type="datetimeFigureOut">
               <a:rPr lang="ru-RU" smtClean="0"/>
-              <a:t>10.10.2013</a:t>
+              <a:t>30.10.2013</a:t>
             </a:fld>
             <a:endParaRPr lang="ru-RU"/>
           </a:p>
@@ -1276,7 +1277,7 @@
           <a:p>
             <a:fld id="{8E6E6A2A-E9D3-4A0D-B04A-ABDD367A1E08}" type="datetimeFigureOut">
               <a:rPr lang="ru-RU" smtClean="0"/>
-              <a:t>10.10.2013</a:t>
+              <a:t>30.10.2013</a:t>
             </a:fld>
             <a:endParaRPr lang="ru-RU"/>
           </a:p>
@@ -2724,7 +2725,7 @@
           <a:p>
             <a:fld id="{AC3D3127-B7C4-45E3-9797-C527EC9FDD78}" type="datetimeFigureOut">
               <a:rPr lang="ru-RU" smtClean="0"/>
-              <a:t>10.10.2013</a:t>
+              <a:t>30.10.2013</a:t>
             </a:fld>
             <a:endParaRPr lang="ru-RU"/>
           </a:p>
@@ -5013,6 +5014,351 @@
         </p:nvSpPr>
         <p:spPr/>
         <p:txBody>
+          <a:bodyPr>
+            <a:normAutofit/>
+          </a:bodyPr>
+          <a:lstStyle/>
+          <a:p>
+            <a:r>
+              <a:rPr lang="en-US" dirty="0" smtClean="0"/>
+              <a:t>Margin (</a:t>
+            </a:r>
+            <a:r>
+              <a:rPr lang="ru-RU" dirty="0" smtClean="0"/>
+              <a:t>граница</a:t>
+            </a:r>
+            <a:r>
+              <a:rPr lang="en-US" dirty="0" smtClean="0"/>
+              <a:t>)</a:t>
+            </a:r>
+            <a:endParaRPr lang="en-US" dirty="0"/>
+          </a:p>
+        </p:txBody>
+      </p:sp>
+      <p:pic>
+        <p:nvPicPr>
+          <p:cNvPr id="1026" name="Picture 2"/>
+          <p:cNvPicPr>
+            <a:picLocks noChangeAspect="1" noChangeArrowheads="1"/>
+          </p:cNvPicPr>
+          <p:nvPr/>
+        </p:nvPicPr>
+        <p:blipFill>
+          <a:blip r:embed="rId2">
+            <a:extLst>
+              <a:ext uri="{28A0092B-C50C-407E-A947-70E740481C1C}">
+                <a14:useLocalDpi xmlns:a14="http://schemas.microsoft.com/office/drawing/2010/main" val="0"/>
+              </a:ext>
+            </a:extLst>
+          </a:blip>
+          <a:srcRect/>
+          <a:stretch>
+            <a:fillRect/>
+          </a:stretch>
+        </p:blipFill>
+        <p:spPr bwMode="auto">
+          <a:xfrm>
+            <a:off x="2526030" y="1268760"/>
+            <a:ext cx="4091940" cy="3345180"/>
+          </a:xfrm>
+          <a:prstGeom prst="rect">
+            <a:avLst/>
+          </a:prstGeom>
+          <a:noFill/>
+          <a:ln>
+            <a:noFill/>
+          </a:ln>
+          <a:extLst>
+            <a:ext uri="{909E8E84-426E-40DD-AFC4-6F175D3DCCD1}">
+              <a14:hiddenFill xmlns:a14="http://schemas.microsoft.com/office/drawing/2010/main">
+                <a:solidFill>
+                  <a:schemeClr val="accent1"/>
+                </a:solidFill>
+              </a14:hiddenFill>
+            </a:ext>
+            <a:ext uri="{91240B29-F687-4F45-9708-019B960494DF}">
+              <a14:hiddenLine xmlns:a14="http://schemas.microsoft.com/office/drawing/2010/main" w="9525">
+                <a:solidFill>
+                  <a:schemeClr val="tx1"/>
+                </a:solidFill>
+                <a:miter lim="800000"/>
+                <a:headEnd/>
+                <a:tailEnd/>
+              </a14:hiddenLine>
+            </a:ext>
+          </a:extLst>
+        </p:spPr>
+      </p:pic>
+      <p:sp>
+        <p:nvSpPr>
+          <p:cNvPr id="5" name="TextBox 4"/>
+          <p:cNvSpPr txBox="1"/>
+          <p:nvPr/>
+        </p:nvSpPr>
+        <p:spPr>
+          <a:xfrm>
+            <a:off x="395536" y="4653136"/>
+            <a:ext cx="8280920" cy="2308324"/>
+          </a:xfrm>
+          <a:prstGeom prst="rect">
+            <a:avLst/>
+          </a:prstGeom>
+          <a:noFill/>
+        </p:spPr>
+        <p:txBody>
+          <a:bodyPr wrap="square" rtlCol="0">
+            <a:spAutoFit/>
+          </a:bodyPr>
+          <a:lstStyle/>
+          <a:p>
+            <a:r>
+              <a:rPr lang="ru-RU" sz="2400" dirty="0" smtClean="0"/>
+              <a:t>Свойство </a:t>
+            </a:r>
+            <a:r>
+              <a:rPr lang="en-US" sz="2400" dirty="0"/>
+              <a:t>Margin </a:t>
+            </a:r>
+            <a:r>
+              <a:rPr lang="ru-RU" sz="2400" dirty="0" smtClean="0"/>
+              <a:t>позволяет задать отступы вокруг элемента который запрещено занимать другим:</a:t>
+            </a:r>
+          </a:p>
+          <a:p>
+            <a:pPr marL="342900" indent="-342900">
+              <a:buFont typeface="Arial" panose="020B0604020202020204" pitchFamily="34" charset="0"/>
+              <a:buChar char="•"/>
+            </a:pPr>
+            <a:r>
+              <a:rPr lang="en-US" sz="2400" dirty="0" smtClean="0"/>
+              <a:t>Margin="</a:t>
+            </a:r>
+            <a:r>
+              <a:rPr lang="ru-RU" sz="2400" dirty="0" smtClean="0"/>
+              <a:t>слева</a:t>
+            </a:r>
+            <a:r>
+              <a:rPr lang="en-US" sz="2400" dirty="0" smtClean="0"/>
+              <a:t>,</a:t>
+            </a:r>
+            <a:r>
+              <a:rPr lang="ru-RU" sz="2400" dirty="0" smtClean="0"/>
+              <a:t>сверху</a:t>
+            </a:r>
+            <a:r>
+              <a:rPr lang="en-US" sz="2400" dirty="0" smtClean="0"/>
+              <a:t>,</a:t>
+            </a:r>
+            <a:r>
+              <a:rPr lang="ru-RU" sz="2400" dirty="0" smtClean="0"/>
+              <a:t>справа</a:t>
+            </a:r>
+            <a:r>
+              <a:rPr lang="en-US" sz="2400" dirty="0" smtClean="0"/>
+              <a:t>,</a:t>
+            </a:r>
+            <a:r>
+              <a:rPr lang="ru-RU" sz="2400" dirty="0" smtClean="0"/>
+              <a:t>снизу</a:t>
+            </a:r>
+            <a:r>
+              <a:rPr lang="en-US" sz="2400" dirty="0" smtClean="0"/>
+              <a:t>"</a:t>
+            </a:r>
+            <a:endParaRPr lang="ru-RU" sz="2400" dirty="0" smtClean="0"/>
+          </a:p>
+          <a:p>
+            <a:pPr marL="342900" indent="-342900">
+              <a:buFont typeface="Arial" panose="020B0604020202020204" pitchFamily="34" charset="0"/>
+              <a:buChar char="•"/>
+            </a:pPr>
+            <a:r>
+              <a:rPr lang="en-US" sz="2400" dirty="0" smtClean="0"/>
+              <a:t>Margin="</a:t>
+            </a:r>
+            <a:r>
+              <a:rPr lang="ru-RU" sz="2400" dirty="0" smtClean="0"/>
+              <a:t>слева и справа</a:t>
+            </a:r>
+            <a:r>
+              <a:rPr lang="en-US" sz="2400" dirty="0" smtClean="0"/>
+              <a:t>,</a:t>
+            </a:r>
+            <a:r>
+              <a:rPr lang="ru-RU" sz="2400" dirty="0" smtClean="0"/>
+              <a:t>сверху и снизу</a:t>
+            </a:r>
+            <a:r>
+              <a:rPr lang="en-US" sz="2400" dirty="0" smtClean="0"/>
+              <a:t>«</a:t>
+            </a:r>
+            <a:endParaRPr lang="ru-RU" sz="2400" dirty="0" smtClean="0"/>
+          </a:p>
+          <a:p>
+            <a:pPr marL="342900" indent="-342900">
+              <a:buFont typeface="Arial" panose="020B0604020202020204" pitchFamily="34" charset="0"/>
+              <a:buChar char="•"/>
+            </a:pPr>
+            <a:r>
+              <a:rPr lang="en-US" sz="2400" dirty="0"/>
+              <a:t>Margin</a:t>
+            </a:r>
+            <a:r>
+              <a:rPr lang="en-US" sz="2400" dirty="0" smtClean="0"/>
+              <a:t>="</a:t>
+            </a:r>
+            <a:r>
+              <a:rPr lang="ru-RU" sz="2400" dirty="0" smtClean="0"/>
+              <a:t>одинаковый отсуп со всех сторон</a:t>
+            </a:r>
+            <a:r>
+              <a:rPr lang="en-US" sz="2400" dirty="0" smtClean="0"/>
+              <a:t>"</a:t>
+            </a:r>
+            <a:endParaRPr lang="en-US" sz="2400" dirty="0"/>
+          </a:p>
+          <a:p>
+            <a:pPr algn="ctr"/>
+            <a:endParaRPr lang="en-US" sz="2400" dirty="0" smtClean="0"/>
+          </a:p>
+        </p:txBody>
+      </p:sp>
+    </p:spTree>
+    <p:extLst>
+      <p:ext uri="{BB962C8B-B14F-4D97-AF65-F5344CB8AC3E}">
+        <p14:creationId xmlns:p14="http://schemas.microsoft.com/office/powerpoint/2010/main" val="1425892575"/>
+      </p:ext>
+    </p:extLst>
+  </p:cSld>
+  <p:clrMapOvr>
+    <a:masterClrMapping/>
+  </p:clrMapOvr>
+</p:sld>
+</file>
+
+<file path=ppt/slides/slide2.xml><?xml version="1.0" encoding="utf-8"?>
+<p:sld xmlns:a="http://schemas.openxmlformats.org/drawingml/2006/main" xmlns:r="http://schemas.openxmlformats.org/officeDocument/2006/relationships" xmlns:p="http://schemas.openxmlformats.org/presentationml/2006/main">
+  <p:cSld>
+    <p:spTree>
+      <p:nvGrpSpPr>
+        <p:cNvPr id="1" name=""/>
+        <p:cNvGrpSpPr/>
+        <p:nvPr/>
+      </p:nvGrpSpPr>
+      <p:grpSpPr>
+        <a:xfrm>
+          <a:off x="0" y="0"/>
+          <a:ext cx="0" cy="0"/>
+          <a:chOff x="0" y="0"/>
+          <a:chExt cx="0" cy="0"/>
+        </a:xfrm>
+      </p:grpSpPr>
+      <p:sp>
+        <p:nvSpPr>
+          <p:cNvPr id="2" name="Title 1"/>
+          <p:cNvSpPr>
+            <a:spLocks noGrp="1"/>
+          </p:cNvSpPr>
+          <p:nvPr>
+            <p:ph type="title"/>
+          </p:nvPr>
+        </p:nvSpPr>
+        <p:spPr/>
+        <p:txBody>
+          <a:bodyPr/>
+          <a:lstStyle/>
+          <a:p>
+            <a:r>
+              <a:rPr lang="ru-RU" dirty="0" smtClean="0"/>
+              <a:t>Литература</a:t>
+            </a:r>
+            <a:endParaRPr lang="en-US" dirty="0"/>
+          </a:p>
+        </p:txBody>
+      </p:sp>
+      <p:sp>
+        <p:nvSpPr>
+          <p:cNvPr id="3" name="Content Placeholder 2"/>
+          <p:cNvSpPr>
+            <a:spLocks noGrp="1"/>
+          </p:cNvSpPr>
+          <p:nvPr>
+            <p:ph idx="1"/>
+          </p:nvPr>
+        </p:nvSpPr>
+        <p:spPr/>
+        <p:txBody>
+          <a:bodyPr/>
+          <a:lstStyle/>
+          <a:p>
+            <a:r>
+              <a:rPr lang="en-US" dirty="0" smtClean="0"/>
+              <a:t>Pro WPF in C# 2010, Mathew McDonald, </a:t>
+            </a:r>
+            <a:r>
+              <a:rPr lang="en-US" dirty="0" err="1" smtClean="0"/>
+              <a:t>Apress</a:t>
+            </a:r>
+            <a:r>
+              <a:rPr lang="en-US" dirty="0" smtClean="0"/>
+              <a:t>; ISBN </a:t>
+            </a:r>
+            <a:r>
+              <a:rPr lang="en-US" dirty="0"/>
+              <a:t>978-1-4302-7205-2</a:t>
+            </a:r>
+          </a:p>
+        </p:txBody>
+      </p:sp>
+    </p:spTree>
+    <p:extLst>
+      <p:ext uri="{BB962C8B-B14F-4D97-AF65-F5344CB8AC3E}">
+        <p14:creationId xmlns:p14="http://schemas.microsoft.com/office/powerpoint/2010/main" val="3525476021"/>
+      </p:ext>
+    </p:extLst>
+  </p:cSld>
+  <p:clrMapOvr>
+    <a:masterClrMapping/>
+  </p:clrMapOvr>
+  <p:timing>
+    <p:tnLst>
+      <p:par>
+        <p:cTn id="1" dur="indefinite" restart="never" nodeType="tmRoot"/>
+      </p:par>
+    </p:tnLst>
+  </p:timing>
+</p:sld>
+</file>
+
+<file path=ppt/slides/slide20.xml><?xml version="1.0" encoding="utf-8"?>
+<p:sld xmlns:a="http://schemas.openxmlformats.org/drawingml/2006/main" xmlns:r="http://schemas.openxmlformats.org/officeDocument/2006/relationships" xmlns:p="http://schemas.openxmlformats.org/presentationml/2006/main">
+  <p:cSld>
+    <p:spTree>
+      <p:nvGrpSpPr>
+        <p:cNvPr id="1" name=""/>
+        <p:cNvGrpSpPr/>
+        <p:nvPr/>
+      </p:nvGrpSpPr>
+      <p:grpSpPr>
+        <a:xfrm>
+          <a:off x="0" y="0"/>
+          <a:ext cx="0" cy="0"/>
+          <a:chOff x="0" y="0"/>
+          <a:chExt cx="0" cy="0"/>
+        </a:xfrm>
+      </p:grpSpPr>
+      <p:sp>
+        <p:nvSpPr>
+          <p:cNvPr id="2" name="Title 1"/>
+          <p:cNvSpPr>
+            <a:spLocks noGrp="1"/>
+          </p:cNvSpPr>
+          <p:nvPr>
+            <p:ph type="title"/>
+          </p:nvPr>
+        </p:nvSpPr>
+        <p:spPr/>
+        <p:txBody>
           <a:bodyPr/>
           <a:lstStyle/>
           <a:p>
@@ -5034,14 +5380,14 @@
             <p:ph idx="1"/>
             <p:extLst>
               <p:ext uri="{D42A27DB-BD31-4B8C-83A1-F6EECF244321}">
-                <p14:modId xmlns:p14="http://schemas.microsoft.com/office/powerpoint/2010/main" val="1589327572"/>
+                <p14:modId xmlns:p14="http://schemas.microsoft.com/office/powerpoint/2010/main" val="599122477"/>
               </p:ext>
             </p:extLst>
           </p:nvPr>
         </p:nvGraphicFramePr>
         <p:xfrm>
           <a:off x="457200" y="1600200"/>
-          <a:ext cx="8229600" cy="4241800"/>
+          <a:ext cx="8229600" cy="4485640"/>
         </p:xfrm>
         <a:graphic>
           <a:graphicData uri="http://schemas.openxmlformats.org/drawingml/2006/table">
@@ -5134,28 +5480,20 @@
                     <a:lstStyle/>
                     <a:p>
                       <a:r>
-                        <a:rPr lang="en-US" sz="1600" b="0" dirty="0" smtClean="0">
-                          <a:solidFill>
-                            <a:srgbClr val="002060"/>
-                          </a:solidFill>
-                        </a:rPr>
-                        <a:t>Places elements in a horizontal or vertical stack. This layout container is</a:t>
-                      </a:r>
-                      <a:r>
                         <a:rPr lang="ru-RU" sz="1600" b="0" dirty="0" smtClean="0">
                           <a:solidFill>
                             <a:srgbClr val="002060"/>
                           </a:solidFill>
                         </a:rPr>
-                        <a:t> </a:t>
+                        <a:t>Размещает элементы по горизонтали или по вертикали.</a:t>
                       </a:r>
                       <a:r>
-                        <a:rPr lang="en-US" sz="1600" b="0" dirty="0" smtClean="0">
+                        <a:rPr lang="ru-RU" sz="1600" b="0" baseline="0" dirty="0" smtClean="0">
                           <a:solidFill>
                             <a:srgbClr val="002060"/>
                           </a:solidFill>
                         </a:rPr>
-                        <a:t>typically used for small sections of a larger, more complex window.</a:t>
+                        <a:t> Этот контейнер обычно используется для отдельных частей более сложного окна.</a:t>
                       </a:r>
                       <a:endParaRPr lang="en-US" sz="1600" b="0" dirty="0">
                         <a:solidFill>
@@ -5293,94 +5631,22 @@
                     <a:lstStyle/>
                     <a:p>
                       <a:r>
-                        <a:rPr lang="en-US" sz="1600" b="0" dirty="0" smtClean="0">
-                          <a:solidFill>
-                            <a:srgbClr val="002060"/>
-                          </a:solidFill>
-                        </a:rPr>
-                        <a:t>Places elements in a series of wrapped lines. In horizontal orientation, the</a:t>
-                      </a:r>
-                      <a:r>
                         <a:rPr lang="ru-RU" sz="1600" b="0" dirty="0" smtClean="0">
                           <a:solidFill>
                             <a:srgbClr val="002060"/>
                           </a:solidFill>
                         </a:rPr>
-                        <a:t> </a:t>
+                        <a:t>Размещает элементы построчно, перенося их по мере необходимости. При </a:t>
                       </a:r>
                       <a:r>
-                        <a:rPr lang="en-US" sz="1600" b="0" dirty="0" err="1" smtClean="0">
+                        <a:rPr lang="ru-RU" sz="1600" b="0" baseline="0" dirty="0" smtClean="0">
                           <a:solidFill>
                             <a:srgbClr val="002060"/>
                           </a:solidFill>
                         </a:rPr>
-                        <a:t>WrapPanel</a:t>
+                        <a:t>горизонтальной ориентации элементы располагются слева направо с переносом на следующие строки. При вертикальной ориентации элементы располагаются сверху вниз формируя дополнительные колонки для размещения оставшихся элементов.</a:t>
                       </a:r>
-                      <a:r>
-                        <a:rPr lang="en-US" sz="1600" b="0" dirty="0" smtClean="0">
-                          <a:solidFill>
-                            <a:srgbClr val="002060"/>
-                          </a:solidFill>
-                        </a:rPr>
-                        <a:t> lays items out in a row from left to right and then onto subsequent</a:t>
-                      </a:r>
-                      <a:r>
-                        <a:rPr lang="ru-RU" sz="1600" b="0" dirty="0" smtClean="0">
-                          <a:solidFill>
-                            <a:srgbClr val="002060"/>
-                          </a:solidFill>
-                        </a:rPr>
-                        <a:t> </a:t>
-                      </a:r>
-                      <a:r>
-                        <a:rPr lang="en-US" sz="1600" b="0" dirty="0" smtClean="0">
-                          <a:solidFill>
-                            <a:srgbClr val="002060"/>
-                          </a:solidFill>
-                        </a:rPr>
-                        <a:t>lines. In vertical orientation, the</a:t>
-                      </a:r>
-                      <a:r>
-                        <a:rPr lang="ru-RU" sz="1600" b="0" dirty="0" smtClean="0">
-                          <a:solidFill>
-                            <a:srgbClr val="002060"/>
-                          </a:solidFill>
-                        </a:rPr>
-                        <a:t> </a:t>
-                      </a:r>
-                      <a:r>
-                        <a:rPr lang="en-US" sz="1600" b="0" dirty="0" err="1" smtClean="0">
-                          <a:solidFill>
-                            <a:srgbClr val="002060"/>
-                          </a:solidFill>
-                        </a:rPr>
-                        <a:t>WrapPanel</a:t>
-                      </a:r>
-                      <a:r>
-                        <a:rPr lang="en-US" sz="1600" b="0" dirty="0" smtClean="0">
-                          <a:solidFill>
-                            <a:srgbClr val="002060"/>
-                          </a:solidFill>
-                        </a:rPr>
-                        <a:t> lays out items in a top-to-bottom</a:t>
-                      </a:r>
-                      <a:r>
-                        <a:rPr lang="ru-RU" sz="1600" b="0" dirty="0" smtClean="0">
-                          <a:solidFill>
-                            <a:srgbClr val="002060"/>
-                          </a:solidFill>
-                        </a:rPr>
-                        <a:t> </a:t>
-                      </a:r>
-                      <a:r>
-                        <a:rPr lang="en-US" sz="1600" b="0" dirty="0" smtClean="0">
-                          <a:solidFill>
-                            <a:srgbClr val="002060"/>
-                          </a:solidFill>
-                        </a:rPr>
-                        <a:t>column and then uses additional columns to fit the remaining items</a:t>
-                      </a:r>
-                      <a:endParaRPr lang="en-US" sz="1600" b="0" dirty="0">
+                      <a:endParaRPr lang="ru-RU" sz="1600" b="0" dirty="0" smtClean="0">
                         <a:solidFill>
                           <a:srgbClr val="002060"/>
                         </a:solidFill>
@@ -5509,12 +5775,12 @@
                     <a:lstStyle/>
                     <a:p>
                       <a:r>
-                        <a:rPr lang="en-US" sz="1600" b="0" dirty="0" smtClean="0">
+                        <a:rPr lang="ru-RU" sz="1600" b="0" dirty="0" smtClean="0">
                           <a:solidFill>
                             <a:srgbClr val="002060"/>
                           </a:solidFill>
                         </a:rPr>
-                        <a:t>Aligns elements against an entire edge of the container.</a:t>
+                        <a:t>Выравнивает элементы границе контейнера.</a:t>
                       </a:r>
                       <a:endParaRPr lang="en-US" sz="1600" b="0" dirty="0">
                         <a:solidFill>
@@ -5662,28 +5928,20 @@
                     <a:lstStyle/>
                     <a:p>
                       <a:r>
-                        <a:rPr lang="en-US" sz="1600" b="0" dirty="0" smtClean="0">
-                          <a:solidFill>
-                            <a:srgbClr val="002060"/>
-                          </a:solidFill>
-                        </a:rPr>
-                        <a:t>Arranges elements in rows and columns according to an invisible table. This is</a:t>
-                      </a:r>
-                      <a:r>
                         <a:rPr lang="ru-RU" sz="1600" b="0" dirty="0" smtClean="0">
                           <a:solidFill>
                             <a:srgbClr val="002060"/>
                           </a:solidFill>
                         </a:rPr>
-                        <a:t> </a:t>
+                        <a:t>Размещает элементы</a:t>
                       </a:r>
                       <a:r>
-                        <a:rPr lang="en-US" sz="1600" b="0" dirty="0" smtClean="0">
+                        <a:rPr lang="ru-RU" sz="1600" b="0" baseline="0" dirty="0" smtClean="0">
                           <a:solidFill>
                             <a:srgbClr val="002060"/>
                           </a:solidFill>
                         </a:rPr>
-                        <a:t>one of the most flexible and commonly used layout containers.</a:t>
+                        <a:t> в строках и колонках невидимой таблицы. Это один из самых гибких и широко используемых контейнеров.</a:t>
                       </a:r>
                       <a:endParaRPr lang="en-US" sz="1600" b="0" dirty="0">
                         <a:solidFill>
@@ -5831,28 +6089,36 @@
                     <a:lstStyle/>
                     <a:p>
                       <a:r>
-                        <a:rPr lang="en-US" sz="1600" b="0" dirty="0" smtClean="0">
-                          <a:solidFill>
-                            <a:srgbClr val="002060"/>
-                          </a:solidFill>
-                        </a:rPr>
-                        <a:t>Places elements in an invisible table but forces all cells to have the same size.</a:t>
-                      </a:r>
-                      <a:r>
                         <a:rPr lang="ru-RU" sz="1600" b="0" dirty="0" smtClean="0">
                           <a:solidFill>
                             <a:srgbClr val="002060"/>
                           </a:solidFill>
                         </a:rPr>
-                        <a:t> </a:t>
+                        <a:t>Размещает элементы</a:t>
                       </a:r>
                       <a:r>
-                        <a:rPr lang="en-US" sz="1600" b="0" dirty="0" smtClean="0">
+                        <a:rPr lang="ru-RU" sz="1600" b="0" baseline="0" dirty="0" smtClean="0">
                           <a:solidFill>
                             <a:srgbClr val="002060"/>
                           </a:solidFill>
                         </a:rPr>
-                        <a:t>This layout container is used infrequently.</a:t>
+                        <a:t> в строках и колонках невидимой таблицы. В отличие от </a:t>
+                      </a:r>
+                      <a:r>
+                        <a:rPr lang="en-US" sz="1600" b="0" baseline="0" dirty="0" smtClean="0">
+                          <a:solidFill>
+                            <a:srgbClr val="002060"/>
+                          </a:solidFill>
+                        </a:rPr>
+                        <a:t>Grid </a:t>
+                      </a:r>
+                      <a:r>
+                        <a:rPr lang="ru-RU" sz="1600" b="0" baseline="0" dirty="0" smtClean="0">
+                          <a:solidFill>
+                            <a:srgbClr val="002060"/>
+                          </a:solidFill>
+                        </a:rPr>
+                        <a:t>все ячейки имеют одинаковый размер.</a:t>
                       </a:r>
                       <a:endParaRPr lang="en-US" sz="1600" b="0" dirty="0">
                         <a:solidFill>
@@ -6000,60 +6266,84 @@
                     <a:lstStyle/>
                     <a:p>
                       <a:r>
-                        <a:rPr lang="en-US" sz="1600" b="0" dirty="0" smtClean="0">
-                          <a:solidFill>
-                            <a:srgbClr val="002060"/>
-                          </a:solidFill>
-                        </a:rPr>
-                        <a:t>Allows elements to be positioned absolutely using fixed coordinates. This</a:t>
-                      </a:r>
-                      <a:r>
                         <a:rPr lang="ru-RU" sz="1600" b="0" dirty="0" smtClean="0">
                           <a:solidFill>
                             <a:srgbClr val="002060"/>
                           </a:solidFill>
                         </a:rPr>
-                        <a:t> </a:t>
+                        <a:t>Позволяет размещать элементы</a:t>
                       </a:r>
                       <a:r>
-                        <a:rPr lang="en-US" sz="1600" b="0" dirty="0" smtClean="0">
+                        <a:rPr lang="ru-RU" sz="1600" b="0" baseline="0" dirty="0" smtClean="0">
                           <a:solidFill>
                             <a:srgbClr val="002060"/>
                           </a:solidFill>
                         </a:rPr>
-                        <a:t>layout container is the most similar to traditional Windows Forms, but it</a:t>
+                        <a:t> используя абсолютные координаты. Эта схема размещения очень похожа на подход принятый в </a:t>
                       </a:r>
                       <a:r>
-                        <a:rPr lang="ru-RU" sz="1600" b="0" dirty="0" smtClean="0">
+                        <a:rPr lang="en-US" sz="1600" b="0" baseline="0" dirty="0" smtClean="0">
                           <a:solidFill>
                             <a:srgbClr val="002060"/>
                           </a:solidFill>
                         </a:rPr>
-                        <a:t> </a:t>
+                        <a:t>Windows Forms.</a:t>
                       </a:r>
                       <a:r>
-                        <a:rPr lang="en-US" sz="1600" b="0" dirty="0" smtClean="0">
+                        <a:rPr lang="ru-RU" sz="1600" b="0" baseline="0" dirty="0" smtClean="0">
                           <a:solidFill>
                             <a:srgbClr val="002060"/>
                           </a:solidFill>
                         </a:rPr>
-                        <a:t>doesn’t provide anchoring or docking features. As a result, it’s an unsuitable</a:t>
+                        <a:t> Однако</a:t>
                       </a:r>
                       <a:r>
-                        <a:rPr lang="ru-RU" sz="1600" b="0" dirty="0" smtClean="0">
+                        <a:rPr lang="en-US" sz="1600" b="0" baseline="0" dirty="0" smtClean="0">
                           <a:solidFill>
                             <a:srgbClr val="002060"/>
                           </a:solidFill>
                         </a:rPr>
-                        <a:t> </a:t>
+                        <a:t> Canvas </a:t>
                       </a:r>
                       <a:r>
-                        <a:rPr lang="en-US" sz="1600" b="0" dirty="0" smtClean="0">
+                        <a:rPr lang="ru-RU" sz="1600" b="0" baseline="0" dirty="0" smtClean="0">
                           <a:solidFill>
                             <a:srgbClr val="002060"/>
                           </a:solidFill>
                         </a:rPr>
-                        <a:t>choice for a resizable window unless you’re willing to do a fair bit of work.</a:t>
+                        <a:t>не поддерживает </a:t>
+                      </a:r>
+                      <a:r>
+                        <a:rPr lang="en-US" sz="1600" b="0" baseline="0" dirty="0" smtClean="0">
+                          <a:solidFill>
+                            <a:srgbClr val="002060"/>
+                          </a:solidFill>
+                        </a:rPr>
+                        <a:t>anchor </a:t>
+                      </a:r>
+                      <a:r>
+                        <a:rPr lang="ru-RU" sz="1600" b="0" baseline="0" dirty="0" smtClean="0">
+                          <a:solidFill>
+                            <a:srgbClr val="002060"/>
+                          </a:solidFill>
+                        </a:rPr>
+                        <a:t>и </a:t>
+                      </a:r>
+                      <a:r>
+                        <a:rPr lang="en-US" sz="1600" b="0" baseline="0" dirty="0" smtClean="0">
+                          <a:solidFill>
+                            <a:srgbClr val="002060"/>
+                          </a:solidFill>
+                        </a:rPr>
+                        <a:t>dock </a:t>
+                      </a:r>
+                      <a:r>
+                        <a:rPr lang="ru-RU" sz="1600" b="0" baseline="0" dirty="0" smtClean="0">
+                          <a:solidFill>
+                            <a:srgbClr val="002060"/>
+                          </a:solidFill>
+                        </a:rPr>
+                        <a:t>и поэтому не подходит для создания окон с изменяемым размером.</a:t>
                       </a:r>
                       <a:endParaRPr lang="en-US" sz="1600" b="0" dirty="0">
                         <a:solidFill>
@@ -6127,476 +6417,6 @@
 </p:sld>
 </file>
 
-<file path=ppt/slides/slide2.xml><?xml version="1.0" encoding="utf-8"?>
-<p:sld xmlns:a="http://schemas.openxmlformats.org/drawingml/2006/main" xmlns:r="http://schemas.openxmlformats.org/officeDocument/2006/relationships" xmlns:p="http://schemas.openxmlformats.org/presentationml/2006/main">
-  <p:cSld>
-    <p:spTree>
-      <p:nvGrpSpPr>
-        <p:cNvPr id="1" name=""/>
-        <p:cNvGrpSpPr/>
-        <p:nvPr/>
-      </p:nvGrpSpPr>
-      <p:grpSpPr>
-        <a:xfrm>
-          <a:off x="0" y="0"/>
-          <a:ext cx="0" cy="0"/>
-          <a:chOff x="0" y="0"/>
-          <a:chExt cx="0" cy="0"/>
-        </a:xfrm>
-      </p:grpSpPr>
-      <p:sp>
-        <p:nvSpPr>
-          <p:cNvPr id="2" name="Title 1"/>
-          <p:cNvSpPr>
-            <a:spLocks noGrp="1"/>
-          </p:cNvSpPr>
-          <p:nvPr>
-            <p:ph type="title"/>
-          </p:nvPr>
-        </p:nvSpPr>
-        <p:spPr/>
-        <p:txBody>
-          <a:bodyPr/>
-          <a:lstStyle/>
-          <a:p>
-            <a:r>
-              <a:rPr lang="ru-RU" dirty="0" smtClean="0"/>
-              <a:t>Литература</a:t>
-            </a:r>
-            <a:endParaRPr lang="en-US" dirty="0"/>
-          </a:p>
-        </p:txBody>
-      </p:sp>
-      <p:sp>
-        <p:nvSpPr>
-          <p:cNvPr id="3" name="Content Placeholder 2"/>
-          <p:cNvSpPr>
-            <a:spLocks noGrp="1"/>
-          </p:cNvSpPr>
-          <p:nvPr>
-            <p:ph idx="1"/>
-          </p:nvPr>
-        </p:nvSpPr>
-        <p:spPr/>
-        <p:txBody>
-          <a:bodyPr/>
-          <a:lstStyle/>
-          <a:p>
-            <a:r>
-              <a:rPr lang="en-US" dirty="0" smtClean="0"/>
-              <a:t>Pro WPF in C# 2010, Mathew McDonald, </a:t>
-            </a:r>
-            <a:r>
-              <a:rPr lang="en-US" dirty="0" err="1" smtClean="0"/>
-              <a:t>Apress</a:t>
-            </a:r>
-            <a:r>
-              <a:rPr lang="en-US" dirty="0" smtClean="0"/>
-              <a:t>; ISBN </a:t>
-            </a:r>
-            <a:r>
-              <a:rPr lang="en-US" dirty="0"/>
-              <a:t>978-1-4302-7205-2</a:t>
-            </a:r>
-          </a:p>
-        </p:txBody>
-      </p:sp>
-    </p:spTree>
-    <p:extLst>
-      <p:ext uri="{BB962C8B-B14F-4D97-AF65-F5344CB8AC3E}">
-        <p14:creationId xmlns:p14="http://schemas.microsoft.com/office/powerpoint/2010/main" val="3525476021"/>
-      </p:ext>
-    </p:extLst>
-  </p:cSld>
-  <p:clrMapOvr>
-    <a:masterClrMapping/>
-  </p:clrMapOvr>
-  <p:timing>
-    <p:tnLst>
-      <p:par>
-        <p:cTn id="1" dur="indefinite" restart="never" nodeType="tmRoot"/>
-      </p:par>
-    </p:tnLst>
-  </p:timing>
-</p:sld>
-</file>
-
-<file path=ppt/slides/slide20.xml><?xml version="1.0" encoding="utf-8"?>
-<p:sld xmlns:a="http://schemas.openxmlformats.org/drawingml/2006/main" xmlns:r="http://schemas.openxmlformats.org/officeDocument/2006/relationships" xmlns:p="http://schemas.openxmlformats.org/presentationml/2006/main">
-  <p:cSld>
-    <p:spTree>
-      <p:nvGrpSpPr>
-        <p:cNvPr id="1" name=""/>
-        <p:cNvGrpSpPr/>
-        <p:nvPr/>
-      </p:nvGrpSpPr>
-      <p:grpSpPr>
-        <a:xfrm>
-          <a:off x="0" y="0"/>
-          <a:ext cx="0" cy="0"/>
-          <a:chOff x="0" y="0"/>
-          <a:chExt cx="0" cy="0"/>
-        </a:xfrm>
-      </p:grpSpPr>
-      <p:sp>
-        <p:nvSpPr>
-          <p:cNvPr id="2" name="Title 1"/>
-          <p:cNvSpPr>
-            <a:spLocks noGrp="1"/>
-          </p:cNvSpPr>
-          <p:nvPr>
-            <p:ph type="title"/>
-          </p:nvPr>
-        </p:nvSpPr>
-        <p:spPr/>
-        <p:txBody>
-          <a:bodyPr/>
-          <a:lstStyle/>
-          <a:p>
-            <a:r>
-              <a:rPr lang="en-US" dirty="0"/>
-              <a:t>Dependency Properties</a:t>
-            </a:r>
-          </a:p>
-        </p:txBody>
-      </p:sp>
-      <p:sp>
-        <p:nvSpPr>
-          <p:cNvPr id="3" name="Content Placeholder 2"/>
-          <p:cNvSpPr>
-            <a:spLocks noGrp="1"/>
-          </p:cNvSpPr>
-          <p:nvPr>
-            <p:ph idx="1"/>
-          </p:nvPr>
-        </p:nvSpPr>
-        <p:spPr/>
-        <p:txBody>
-          <a:bodyPr>
-            <a:normAutofit fontScale="55000" lnSpcReduction="20000"/>
-          </a:bodyPr>
-          <a:lstStyle/>
-          <a:p>
-            <a:r>
-              <a:rPr lang="ru-RU" dirty="0" smtClean="0"/>
-              <a:t>Объявление</a:t>
-            </a:r>
-          </a:p>
-          <a:p>
-            <a:pPr lvl="1"/>
-            <a:r>
-              <a:rPr lang="en-US" dirty="0"/>
-              <a:t>public class </a:t>
-            </a:r>
-            <a:r>
-              <a:rPr lang="en-US" dirty="0" err="1"/>
-              <a:t>FrameworkElement</a:t>
-            </a:r>
-            <a:r>
-              <a:rPr lang="en-US" dirty="0"/>
-              <a:t>: </a:t>
-            </a:r>
-            <a:r>
-              <a:rPr lang="en-US" dirty="0" err="1"/>
-              <a:t>UIElement</a:t>
-            </a:r>
-            <a:r>
-              <a:rPr lang="en-US" dirty="0"/>
-              <a:t>, ...</a:t>
-            </a:r>
-            <a:r>
-              <a:rPr lang="ru-RU" dirty="0" smtClean="0"/>
-              <a:t/>
-            </a:r>
-            <a:br>
-              <a:rPr lang="ru-RU" dirty="0" smtClean="0"/>
-            </a:br>
-            <a:r>
-              <a:rPr lang="en-US" dirty="0" smtClean="0"/>
-              <a:t>{</a:t>
-            </a:r>
-            <a:br>
-              <a:rPr lang="en-US" dirty="0" smtClean="0"/>
-            </a:br>
-            <a:r>
-              <a:rPr lang="en-US" dirty="0" smtClean="0"/>
-              <a:t>public </a:t>
-            </a:r>
-            <a:r>
-              <a:rPr lang="en-US" dirty="0"/>
-              <a:t>static </a:t>
-            </a:r>
-            <a:r>
-              <a:rPr lang="en-US" dirty="0" err="1"/>
-              <a:t>readonly</a:t>
-            </a:r>
-            <a:r>
-              <a:rPr lang="en-US" dirty="0"/>
-              <a:t> </a:t>
-            </a:r>
-            <a:r>
-              <a:rPr lang="en-US" dirty="0" err="1">
-                <a:solidFill>
-                  <a:srgbClr val="FFFF00"/>
-                </a:solidFill>
-              </a:rPr>
-              <a:t>DependencyProperty</a:t>
-            </a:r>
-            <a:r>
-              <a:rPr lang="en-US" dirty="0"/>
-              <a:t> </a:t>
-            </a:r>
-            <a:r>
-              <a:rPr lang="en-US" dirty="0" err="1"/>
-              <a:t>Margin</a:t>
-            </a:r>
-            <a:r>
-              <a:rPr lang="en-US" dirty="0" err="1">
-                <a:solidFill>
-                  <a:srgbClr val="FFFF00"/>
-                </a:solidFill>
-              </a:rPr>
-              <a:t>Property</a:t>
-            </a:r>
-            <a:r>
-              <a:rPr lang="en-US" dirty="0" smtClean="0"/>
-              <a:t>;</a:t>
-            </a:r>
-            <a:br>
-              <a:rPr lang="en-US" dirty="0" smtClean="0"/>
-            </a:br>
-            <a:r>
-              <a:rPr lang="en-US" dirty="0" smtClean="0"/>
-              <a:t>}</a:t>
-            </a:r>
-            <a:endParaRPr lang="ru-RU" dirty="0" smtClean="0"/>
-          </a:p>
-          <a:p>
-            <a:r>
-              <a:rPr lang="ru-RU" dirty="0" smtClean="0"/>
-              <a:t>Регистрация</a:t>
-            </a:r>
-          </a:p>
-          <a:p>
-            <a:pPr lvl="1"/>
-            <a:r>
-              <a:rPr lang="en-US" dirty="0" err="1" smtClean="0"/>
-              <a:t>FrameworkPropertyMetadata</a:t>
-            </a:r>
-            <a:endParaRPr lang="ru-RU" dirty="0" smtClean="0"/>
-          </a:p>
-          <a:p>
-            <a:pPr lvl="1"/>
-            <a:r>
-              <a:rPr lang="en-US" dirty="0" err="1" smtClean="0"/>
-              <a:t>DependencyProperty.Register</a:t>
-            </a:r>
-            <a:endParaRPr lang="ru-RU" dirty="0" smtClean="0"/>
-          </a:p>
-          <a:p>
-            <a:r>
-              <a:rPr lang="ru-RU" dirty="0" smtClean="0"/>
-              <a:t>Объявление</a:t>
-            </a:r>
-          </a:p>
-          <a:p>
-            <a:pPr lvl="1"/>
-            <a:r>
-              <a:rPr lang="en-US" dirty="0"/>
-              <a:t>public Thickness </a:t>
-            </a:r>
-            <a:r>
-              <a:rPr lang="en-US" dirty="0" smtClean="0"/>
-              <a:t>Margin</a:t>
-            </a:r>
-            <a:r>
-              <a:rPr lang="ru-RU" dirty="0" smtClean="0"/>
-              <a:t/>
-            </a:r>
-            <a:br>
-              <a:rPr lang="ru-RU" dirty="0" smtClean="0"/>
-            </a:br>
-            <a:r>
-              <a:rPr lang="en-US" dirty="0" smtClean="0"/>
-              <a:t>{</a:t>
-            </a:r>
-            <a:r>
-              <a:rPr lang="ru-RU" dirty="0" smtClean="0"/>
-              <a:t/>
-            </a:r>
-            <a:br>
-              <a:rPr lang="ru-RU" dirty="0" smtClean="0"/>
-            </a:br>
-            <a:r>
-              <a:rPr lang="en-US" dirty="0" smtClean="0"/>
-              <a:t>set </a:t>
-            </a:r>
-            <a:r>
-              <a:rPr lang="en-US" dirty="0"/>
-              <a:t>{ </a:t>
-            </a:r>
-            <a:r>
-              <a:rPr lang="en-US" dirty="0" err="1"/>
-              <a:t>SetValue</a:t>
-            </a:r>
-            <a:r>
-              <a:rPr lang="en-US" dirty="0"/>
-              <a:t>(</a:t>
-            </a:r>
-            <a:r>
-              <a:rPr lang="en-US" dirty="0" err="1"/>
-              <a:t>MarginProperty</a:t>
-            </a:r>
-            <a:r>
-              <a:rPr lang="en-US" dirty="0"/>
-              <a:t>, value); </a:t>
-            </a:r>
-            <a:r>
-              <a:rPr lang="en-US" dirty="0" smtClean="0"/>
-              <a:t>}</a:t>
-            </a:r>
-            <a:r>
-              <a:rPr lang="ru-RU" dirty="0" smtClean="0"/>
-              <a:t/>
-            </a:r>
-            <a:br>
-              <a:rPr lang="ru-RU" dirty="0" smtClean="0"/>
-            </a:br>
-            <a:r>
-              <a:rPr lang="en-US" dirty="0" smtClean="0"/>
-              <a:t>get </a:t>
-            </a:r>
-            <a:r>
-              <a:rPr lang="en-US" dirty="0"/>
-              <a:t>{ return (Thickness)</a:t>
-            </a:r>
-            <a:r>
-              <a:rPr lang="en-US" dirty="0" err="1"/>
-              <a:t>GetValue</a:t>
-            </a:r>
-            <a:r>
-              <a:rPr lang="en-US" dirty="0"/>
-              <a:t>(</a:t>
-            </a:r>
-            <a:r>
-              <a:rPr lang="en-US" dirty="0" err="1"/>
-              <a:t>MarginProperty</a:t>
-            </a:r>
-            <a:r>
-              <a:rPr lang="en-US" dirty="0"/>
-              <a:t>); </a:t>
-            </a:r>
-            <a:r>
-              <a:rPr lang="en-US" dirty="0" smtClean="0"/>
-              <a:t>}</a:t>
-            </a:r>
-            <a:r>
-              <a:rPr lang="ru-RU" dirty="0" smtClean="0"/>
-              <a:t/>
-            </a:r>
-            <a:br>
-              <a:rPr lang="ru-RU" dirty="0" smtClean="0"/>
-            </a:br>
-            <a:r>
-              <a:rPr lang="en-US" dirty="0" smtClean="0"/>
-              <a:t>}</a:t>
-            </a:r>
-            <a:endParaRPr lang="ru-RU" dirty="0" smtClean="0"/>
-          </a:p>
-          <a:p>
-            <a:pPr lvl="1"/>
-            <a:r>
-              <a:rPr lang="ru-RU" dirty="0" smtClean="0">
-                <a:solidFill>
-                  <a:srgbClr val="FFFF00"/>
-                </a:solidFill>
-              </a:rPr>
-              <a:t>Только так! Ничего другого быть не должно!</a:t>
-            </a:r>
-            <a:r>
-              <a:rPr lang="ru-RU" dirty="0"/>
-              <a:t> </a:t>
-            </a:r>
-            <a:endParaRPr lang="ru-RU" dirty="0" smtClean="0"/>
-          </a:p>
-          <a:p>
-            <a:r>
-              <a:rPr lang="ru-RU" dirty="0" smtClean="0"/>
-              <a:t>Очистка</a:t>
-            </a:r>
-          </a:p>
-          <a:p>
-            <a:pPr lvl="1"/>
-            <a:r>
-              <a:rPr lang="en-US" dirty="0" err="1"/>
-              <a:t>myElement.ClearValue</a:t>
-            </a:r>
-            <a:r>
-              <a:rPr lang="en-US" dirty="0"/>
-              <a:t>(</a:t>
-            </a:r>
-            <a:r>
-              <a:rPr lang="en-US" dirty="0" err="1"/>
-              <a:t>FrameworkElement.MarginProperty</a:t>
-            </a:r>
-            <a:r>
-              <a:rPr lang="en-US" dirty="0" smtClean="0"/>
-              <a:t>);</a:t>
-            </a:r>
-            <a:endParaRPr lang="ru-RU" dirty="0" smtClean="0"/>
-          </a:p>
-          <a:p>
-            <a:r>
-              <a:rPr lang="ru-RU" dirty="0" smtClean="0">
-                <a:solidFill>
-                  <a:schemeClr val="bg1"/>
-                </a:solidFill>
-              </a:rPr>
-              <a:t>Достоинства</a:t>
-            </a:r>
-          </a:p>
-          <a:p>
-            <a:pPr lvl="1"/>
-            <a:r>
-              <a:rPr lang="ru-RU" dirty="0" smtClean="0">
-                <a:solidFill>
-                  <a:schemeClr val="bg1"/>
-                </a:solidFill>
-              </a:rPr>
-              <a:t>Тратят меньше памяти, если значение не было указано</a:t>
-            </a:r>
-          </a:p>
-          <a:p>
-            <a:pPr lvl="1"/>
-            <a:r>
-              <a:rPr lang="ru-RU" dirty="0" smtClean="0">
-                <a:solidFill>
-                  <a:schemeClr val="bg1"/>
-                </a:solidFill>
-              </a:rPr>
-              <a:t>Поддержка стилей</a:t>
-            </a:r>
-            <a:endParaRPr lang="en-US" dirty="0">
-              <a:solidFill>
-                <a:schemeClr val="bg1"/>
-              </a:solidFill>
-            </a:endParaRPr>
-          </a:p>
-        </p:txBody>
-      </p:sp>
-    </p:spTree>
-    <p:extLst>
-      <p:ext uri="{BB962C8B-B14F-4D97-AF65-F5344CB8AC3E}">
-        <p14:creationId xmlns:p14="http://schemas.microsoft.com/office/powerpoint/2010/main" val="205489790"/>
-      </p:ext>
-    </p:extLst>
-  </p:cSld>
-  <p:clrMapOvr>
-    <a:masterClrMapping/>
-  </p:clrMapOvr>
-</p:sld>
-</file>
-
 <file path=ppt/slides/slide21.xml><?xml version="1.0" encoding="utf-8"?>
 <p:sld xmlns:a="http://schemas.openxmlformats.org/drawingml/2006/main" xmlns:r="http://schemas.openxmlformats.org/officeDocument/2006/relationships" xmlns:p="http://schemas.openxmlformats.org/presentationml/2006/main">
   <p:cSld>
@@ -6630,6 +6450,382 @@
           <a:lstStyle/>
           <a:p>
             <a:r>
+              <a:rPr lang="en-US" dirty="0"/>
+              <a:t>Dependency Properties</a:t>
+            </a:r>
+          </a:p>
+        </p:txBody>
+      </p:sp>
+      <p:sp>
+        <p:nvSpPr>
+          <p:cNvPr id="3" name="Content Placeholder 2"/>
+          <p:cNvSpPr>
+            <a:spLocks noGrp="1"/>
+          </p:cNvSpPr>
+          <p:nvPr>
+            <p:ph idx="1"/>
+          </p:nvPr>
+        </p:nvSpPr>
+        <p:spPr/>
+        <p:txBody>
+          <a:bodyPr>
+            <a:normAutofit fontScale="55000" lnSpcReduction="20000"/>
+          </a:bodyPr>
+          <a:lstStyle/>
+          <a:p>
+            <a:r>
+              <a:rPr lang="ru-RU" dirty="0" smtClean="0"/>
+              <a:t>Объявление</a:t>
+            </a:r>
+          </a:p>
+          <a:p>
+            <a:pPr lvl="1"/>
+            <a:r>
+              <a:rPr lang="en-US" dirty="0"/>
+              <a:t>public class </a:t>
+            </a:r>
+            <a:r>
+              <a:rPr lang="en-US" dirty="0" err="1"/>
+              <a:t>FrameworkElement</a:t>
+            </a:r>
+            <a:r>
+              <a:rPr lang="en-US" dirty="0"/>
+              <a:t>: </a:t>
+            </a:r>
+            <a:r>
+              <a:rPr lang="en-US" dirty="0" err="1"/>
+              <a:t>UIElement</a:t>
+            </a:r>
+            <a:r>
+              <a:rPr lang="en-US" dirty="0"/>
+              <a:t>, ...</a:t>
+            </a:r>
+            <a:r>
+              <a:rPr lang="ru-RU" dirty="0" smtClean="0"/>
+              <a:t/>
+            </a:r>
+            <a:br>
+              <a:rPr lang="ru-RU" dirty="0" smtClean="0"/>
+            </a:br>
+            <a:r>
+              <a:rPr lang="en-US" dirty="0" smtClean="0"/>
+              <a:t>{</a:t>
+            </a:r>
+            <a:br>
+              <a:rPr lang="en-US" dirty="0" smtClean="0"/>
+            </a:br>
+            <a:r>
+              <a:rPr lang="en-US" dirty="0" smtClean="0"/>
+              <a:t>public </a:t>
+            </a:r>
+            <a:r>
+              <a:rPr lang="en-US" dirty="0"/>
+              <a:t>static </a:t>
+            </a:r>
+            <a:r>
+              <a:rPr lang="en-US" dirty="0" err="1"/>
+              <a:t>readonly</a:t>
+            </a:r>
+            <a:r>
+              <a:rPr lang="en-US" dirty="0"/>
+              <a:t> </a:t>
+            </a:r>
+            <a:r>
+              <a:rPr lang="en-US" dirty="0" err="1">
+                <a:solidFill>
+                  <a:srgbClr val="FFFF00"/>
+                </a:solidFill>
+              </a:rPr>
+              <a:t>DependencyProperty</a:t>
+            </a:r>
+            <a:r>
+              <a:rPr lang="en-US" dirty="0"/>
+              <a:t> </a:t>
+            </a:r>
+            <a:r>
+              <a:rPr lang="en-US" dirty="0" err="1"/>
+              <a:t>Margin</a:t>
+            </a:r>
+            <a:r>
+              <a:rPr lang="en-US" dirty="0" err="1">
+                <a:solidFill>
+                  <a:srgbClr val="FFFF00"/>
+                </a:solidFill>
+              </a:rPr>
+              <a:t>Property</a:t>
+            </a:r>
+            <a:r>
+              <a:rPr lang="en-US" dirty="0" smtClean="0"/>
+              <a:t>;</a:t>
+            </a:r>
+            <a:br>
+              <a:rPr lang="en-US" dirty="0" smtClean="0"/>
+            </a:br>
+            <a:r>
+              <a:rPr lang="en-US" dirty="0" smtClean="0"/>
+              <a:t>}</a:t>
+            </a:r>
+            <a:endParaRPr lang="ru-RU" dirty="0" smtClean="0"/>
+          </a:p>
+          <a:p>
+            <a:r>
+              <a:rPr lang="ru-RU" dirty="0" smtClean="0"/>
+              <a:t>Регистрация</a:t>
+            </a:r>
+          </a:p>
+          <a:p>
+            <a:pPr lvl="1"/>
+            <a:r>
+              <a:rPr lang="en-US" dirty="0" err="1" smtClean="0"/>
+              <a:t>FrameworkPropertyMetadata</a:t>
+            </a:r>
+            <a:endParaRPr lang="ru-RU" dirty="0" smtClean="0"/>
+          </a:p>
+          <a:p>
+            <a:pPr lvl="1"/>
+            <a:r>
+              <a:rPr lang="en-US" dirty="0" err="1" smtClean="0"/>
+              <a:t>DependencyProperty.Register</a:t>
+            </a:r>
+            <a:endParaRPr lang="ru-RU" dirty="0" smtClean="0"/>
+          </a:p>
+          <a:p>
+            <a:r>
+              <a:rPr lang="ru-RU" dirty="0" smtClean="0"/>
+              <a:t>Объявление</a:t>
+            </a:r>
+          </a:p>
+          <a:p>
+            <a:pPr lvl="1"/>
+            <a:r>
+              <a:rPr lang="en-US" dirty="0"/>
+              <a:t>public Thickness </a:t>
+            </a:r>
+            <a:r>
+              <a:rPr lang="en-US" dirty="0" smtClean="0"/>
+              <a:t>Margin</a:t>
+            </a:r>
+            <a:r>
+              <a:rPr lang="ru-RU" dirty="0" smtClean="0"/>
+              <a:t/>
+            </a:r>
+            <a:br>
+              <a:rPr lang="ru-RU" dirty="0" smtClean="0"/>
+            </a:br>
+            <a:r>
+              <a:rPr lang="en-US" dirty="0" smtClean="0"/>
+              <a:t>{</a:t>
+            </a:r>
+            <a:r>
+              <a:rPr lang="ru-RU" dirty="0" smtClean="0"/>
+              <a:t/>
+            </a:r>
+            <a:br>
+              <a:rPr lang="ru-RU" dirty="0" smtClean="0"/>
+            </a:br>
+            <a:r>
+              <a:rPr lang="en-US" dirty="0" smtClean="0"/>
+              <a:t>set </a:t>
+            </a:r>
+            <a:r>
+              <a:rPr lang="en-US" dirty="0"/>
+              <a:t>{ </a:t>
+            </a:r>
+            <a:r>
+              <a:rPr lang="en-US" dirty="0" err="1"/>
+              <a:t>SetValue</a:t>
+            </a:r>
+            <a:r>
+              <a:rPr lang="en-US" dirty="0"/>
+              <a:t>(</a:t>
+            </a:r>
+            <a:r>
+              <a:rPr lang="en-US" dirty="0" err="1"/>
+              <a:t>MarginProperty</a:t>
+            </a:r>
+            <a:r>
+              <a:rPr lang="en-US" dirty="0"/>
+              <a:t>, value); </a:t>
+            </a:r>
+            <a:r>
+              <a:rPr lang="en-US" dirty="0" smtClean="0"/>
+              <a:t>}</a:t>
+            </a:r>
+            <a:r>
+              <a:rPr lang="ru-RU" dirty="0" smtClean="0"/>
+              <a:t/>
+            </a:r>
+            <a:br>
+              <a:rPr lang="ru-RU" dirty="0" smtClean="0"/>
+            </a:br>
+            <a:r>
+              <a:rPr lang="en-US" dirty="0" smtClean="0"/>
+              <a:t>get </a:t>
+            </a:r>
+            <a:r>
+              <a:rPr lang="en-US" dirty="0"/>
+              <a:t>{ return (Thickness)</a:t>
+            </a:r>
+            <a:r>
+              <a:rPr lang="en-US" dirty="0" err="1"/>
+              <a:t>GetValue</a:t>
+            </a:r>
+            <a:r>
+              <a:rPr lang="en-US" dirty="0"/>
+              <a:t>(</a:t>
+            </a:r>
+            <a:r>
+              <a:rPr lang="en-US" dirty="0" err="1"/>
+              <a:t>MarginProperty</a:t>
+            </a:r>
+            <a:r>
+              <a:rPr lang="en-US" dirty="0"/>
+              <a:t>); </a:t>
+            </a:r>
+            <a:r>
+              <a:rPr lang="en-US" dirty="0" smtClean="0"/>
+              <a:t>}</a:t>
+            </a:r>
+            <a:r>
+              <a:rPr lang="ru-RU" dirty="0" smtClean="0"/>
+              <a:t/>
+            </a:r>
+            <a:br>
+              <a:rPr lang="ru-RU" dirty="0" smtClean="0"/>
+            </a:br>
+            <a:r>
+              <a:rPr lang="en-US" dirty="0" smtClean="0"/>
+              <a:t>}</a:t>
+            </a:r>
+            <a:endParaRPr lang="ru-RU" dirty="0" smtClean="0"/>
+          </a:p>
+          <a:p>
+            <a:pPr lvl="1"/>
+            <a:r>
+              <a:rPr lang="ru-RU" dirty="0" smtClean="0">
+                <a:solidFill>
+                  <a:srgbClr val="FFFF00"/>
+                </a:solidFill>
+              </a:rPr>
+              <a:t>Только так! Ничего другого быть не должно!</a:t>
+            </a:r>
+            <a:r>
+              <a:rPr lang="ru-RU" dirty="0"/>
+              <a:t> </a:t>
+            </a:r>
+            <a:endParaRPr lang="ru-RU" dirty="0" smtClean="0"/>
+          </a:p>
+          <a:p>
+            <a:r>
+              <a:rPr lang="ru-RU" dirty="0" smtClean="0"/>
+              <a:t>Очистка</a:t>
+            </a:r>
+          </a:p>
+          <a:p>
+            <a:pPr lvl="1"/>
+            <a:r>
+              <a:rPr lang="en-US" dirty="0" err="1"/>
+              <a:t>myElement.ClearValue</a:t>
+            </a:r>
+            <a:r>
+              <a:rPr lang="en-US" dirty="0"/>
+              <a:t>(</a:t>
+            </a:r>
+            <a:r>
+              <a:rPr lang="en-US" dirty="0" err="1"/>
+              <a:t>FrameworkElement.MarginProperty</a:t>
+            </a:r>
+            <a:r>
+              <a:rPr lang="en-US" dirty="0" smtClean="0"/>
+              <a:t>);</a:t>
+            </a:r>
+            <a:endParaRPr lang="ru-RU" dirty="0" smtClean="0"/>
+          </a:p>
+          <a:p>
+            <a:r>
+              <a:rPr lang="ru-RU" dirty="0" smtClean="0">
+                <a:solidFill>
+                  <a:schemeClr val="bg1"/>
+                </a:solidFill>
+              </a:rPr>
+              <a:t>Достоинства</a:t>
+            </a:r>
+          </a:p>
+          <a:p>
+            <a:pPr lvl="1"/>
+            <a:r>
+              <a:rPr lang="ru-RU" dirty="0" smtClean="0">
+                <a:solidFill>
+                  <a:schemeClr val="bg1"/>
+                </a:solidFill>
+              </a:rPr>
+              <a:t>Тратят меньше памяти, если значение не было указано</a:t>
+            </a:r>
+          </a:p>
+          <a:p>
+            <a:pPr lvl="1"/>
+            <a:r>
+              <a:rPr lang="ru-RU" dirty="0" smtClean="0">
+                <a:solidFill>
+                  <a:schemeClr val="bg1"/>
+                </a:solidFill>
+              </a:rPr>
+              <a:t>Поддержка стилей</a:t>
+            </a:r>
+            <a:endParaRPr lang="en-US" dirty="0">
+              <a:solidFill>
+                <a:schemeClr val="bg1"/>
+              </a:solidFill>
+            </a:endParaRPr>
+          </a:p>
+        </p:txBody>
+      </p:sp>
+    </p:spTree>
+    <p:extLst>
+      <p:ext uri="{BB962C8B-B14F-4D97-AF65-F5344CB8AC3E}">
+        <p14:creationId xmlns:p14="http://schemas.microsoft.com/office/powerpoint/2010/main" val="205489790"/>
+      </p:ext>
+    </p:extLst>
+  </p:cSld>
+  <p:clrMapOvr>
+    <a:masterClrMapping/>
+  </p:clrMapOvr>
+</p:sld>
+</file>
+
+<file path=ppt/slides/slide22.xml><?xml version="1.0" encoding="utf-8"?>
+<p:sld xmlns:a="http://schemas.openxmlformats.org/drawingml/2006/main" xmlns:r="http://schemas.openxmlformats.org/officeDocument/2006/relationships" xmlns:p="http://schemas.openxmlformats.org/presentationml/2006/main">
+  <p:cSld>
+    <p:spTree>
+      <p:nvGrpSpPr>
+        <p:cNvPr id="1" name=""/>
+        <p:cNvGrpSpPr/>
+        <p:nvPr/>
+      </p:nvGrpSpPr>
+      <p:grpSpPr>
+        <a:xfrm>
+          <a:off x="0" y="0"/>
+          <a:ext cx="0" cy="0"/>
+          <a:chOff x="0" y="0"/>
+          <a:chExt cx="0" cy="0"/>
+        </a:xfrm>
+      </p:grpSpPr>
+      <p:sp>
+        <p:nvSpPr>
+          <p:cNvPr id="2" name="Title 1"/>
+          <p:cNvSpPr>
+            <a:spLocks noGrp="1"/>
+          </p:cNvSpPr>
+          <p:nvPr>
+            <p:ph type="title"/>
+          </p:nvPr>
+        </p:nvSpPr>
+        <p:spPr/>
+        <p:txBody>
+          <a:bodyPr/>
+          <a:lstStyle/>
+          <a:p>
+            <a:r>
               <a:rPr lang="ru-RU" dirty="0" smtClean="0"/>
               <a:t>Валидация</a:t>
             </a:r>
@@ -6750,7 +6946,7 @@
 </p:sld>
 </file>
 
-<file path=ppt/slides/slide22.xml><?xml version="1.0" encoding="utf-8"?>
+<file path=ppt/slides/slide23.xml><?xml version="1.0" encoding="utf-8"?>
 <p:sld xmlns:a="http://schemas.openxmlformats.org/drawingml/2006/main" xmlns:r="http://schemas.openxmlformats.org/officeDocument/2006/relationships" xmlns:p="http://schemas.openxmlformats.org/presentationml/2006/main">
   <p:cSld>
     <p:spTree>

--- a/Presentation/lesson-12-wpf.pptx
+++ b/Presentation/lesson-12-wpf.pptx
@@ -5,7 +5,7 @@
     <p:sldMasterId id="2147483648" r:id="rId1"/>
   </p:sldMasterIdLst>
   <p:notesMasterIdLst>
-    <p:notesMasterId r:id="rId25"/>
+    <p:notesMasterId r:id="rId26"/>
   </p:notesMasterIdLst>
   <p:sldIdLst>
     <p:sldId id="256" r:id="rId2"/>
@@ -28,9 +28,10 @@
     <p:sldId id="273" r:id="rId19"/>
     <p:sldId id="279" r:id="rId20"/>
     <p:sldId id="274" r:id="rId21"/>
-    <p:sldId id="275" r:id="rId22"/>
-    <p:sldId id="276" r:id="rId23"/>
-    <p:sldId id="278" r:id="rId24"/>
+    <p:sldId id="280" r:id="rId22"/>
+    <p:sldId id="275" r:id="rId23"/>
+    <p:sldId id="276" r:id="rId24"/>
+    <p:sldId id="278" r:id="rId25"/>
   </p:sldIdLst>
   <p:sldSz cx="9144000" cy="6858000" type="screen4x3"/>
   <p:notesSz cx="6858000" cy="9144000"/>
@@ -214,7 +215,7 @@
           <a:p>
             <a:fld id="{B24A7054-7FFB-49F4-A126-5DF6E687FF53}" type="datetimeFigureOut">
               <a:rPr lang="ru-RU" smtClean="0"/>
-              <a:t>30.10.2013</a:t>
+              <a:t>14.11.2013</a:t>
             </a:fld>
             <a:endParaRPr lang="ru-RU"/>
           </a:p>
@@ -1277,7 +1278,7 @@
           <a:p>
             <a:fld id="{8E6E6A2A-E9D3-4A0D-B04A-ABDD367A1E08}" type="datetimeFigureOut">
               <a:rPr lang="ru-RU" smtClean="0"/>
-              <a:t>30.10.2013</a:t>
+              <a:t>14.11.2013</a:t>
             </a:fld>
             <a:endParaRPr lang="ru-RU"/>
           </a:p>
@@ -2725,7 +2726,7 @@
           <a:p>
             <a:fld id="{AC3D3127-B7C4-45E3-9797-C527EC9FDD78}" type="datetimeFigureOut">
               <a:rPr lang="ru-RU" smtClean="0"/>
-              <a:t>30.10.2013</a:t>
+              <a:t>14.11.2013</a:t>
             </a:fld>
             <a:endParaRPr lang="ru-RU"/>
           </a:p>
@@ -5208,8 +5209,12 @@
               <a:t>="</a:t>
             </a:r>
             <a:r>
+              <a:rPr lang="ru-RU" sz="2400" smtClean="0"/>
+              <a:t>одинаковый отступ </a:t>
+            </a:r>
+            <a:r>
               <a:rPr lang="ru-RU" sz="2400" dirty="0" smtClean="0"/>
-              <a:t>одинаковый отсуп со всех сторон</a:t>
+              <a:t>со всех сторон</a:t>
             </a:r>
             <a:r>
               <a:rPr lang="en-US" sz="2400" dirty="0" smtClean="0"/>
@@ -6450,9 +6455,10 @@
           <a:lstStyle/>
           <a:p>
             <a:r>
-              <a:rPr lang="en-US" dirty="0"/>
-              <a:t>Dependency Properties</a:t>
-            </a:r>
+              <a:rPr lang="en-US" dirty="0" smtClean="0"/>
+              <a:t>Document Outline</a:t>
+            </a:r>
+            <a:endParaRPr lang="en-US" dirty="0"/>
           </a:p>
         </p:txBody>
       </p:sp>
@@ -6466,324 +6472,131 @@
             <p:ph idx="1"/>
           </p:nvPr>
         </p:nvSpPr>
-        <p:spPr/>
+        <p:spPr>
+          <a:xfrm>
+            <a:off x="457200" y="1600201"/>
+            <a:ext cx="8229600" cy="1540768"/>
+          </a:xfrm>
+        </p:spPr>
         <p:txBody>
           <a:bodyPr>
-            <a:normAutofit fontScale="55000" lnSpcReduction="20000"/>
+            <a:normAutofit fontScale="70000" lnSpcReduction="20000"/>
           </a:bodyPr>
           <a:lstStyle/>
           <a:p>
+            <a:pPr marL="0" indent="0">
+              <a:buNone/>
+            </a:pPr>
             <a:r>
               <a:rPr lang="ru-RU" dirty="0" smtClean="0"/>
-              <a:t>Объявление</a:t>
-            </a:r>
-          </a:p>
-          <a:p>
-            <a:pPr lvl="1"/>
+              <a:t>Для упрощения работы с </a:t>
+            </a:r>
+            <a:r>
+              <a:rPr lang="en-US" dirty="0" smtClean="0"/>
+              <a:t>XAML </a:t>
+            </a:r>
+            <a:r>
+              <a:rPr lang="ru-RU" dirty="0" smtClean="0"/>
+              <a:t>«деревом» в </a:t>
+            </a:r>
+            <a:r>
+              <a:rPr lang="en-US" dirty="0" smtClean="0"/>
+              <a:t>Visual Studio </a:t>
+            </a:r>
+            <a:r>
+              <a:rPr lang="ru-RU" dirty="0" smtClean="0"/>
+              <a:t>есть окно </a:t>
+            </a:r>
             <a:r>
               <a:rPr lang="en-US" dirty="0"/>
-              <a:t>public class </a:t>
-            </a:r>
-            <a:r>
-              <a:rPr lang="en-US" dirty="0" err="1"/>
-              <a:t>FrameworkElement</a:t>
-            </a:r>
-            <a:r>
-              <a:rPr lang="en-US" dirty="0"/>
-              <a:t>: </a:t>
-            </a:r>
-            <a:r>
-              <a:rPr lang="en-US" dirty="0" err="1"/>
-              <a:t>UIElement</a:t>
-            </a:r>
-            <a:r>
-              <a:rPr lang="en-US" dirty="0"/>
-              <a:t>, ...</a:t>
+              <a:t>Document </a:t>
+            </a:r>
+            <a:r>
+              <a:rPr lang="en-US" dirty="0" smtClean="0"/>
+              <a:t>Outline</a:t>
             </a:r>
             <a:r>
               <a:rPr lang="ru-RU" dirty="0" smtClean="0"/>
-              <a:t/>
-            </a:r>
-            <a:br>
+              <a:t>. Вывести его можно из меню </a:t>
+            </a:r>
+            <a:r>
+              <a:rPr lang="en-US" dirty="0" smtClean="0"/>
+              <a:t>View -&gt; Other Windows -&gt; Document Outline. </a:t>
+            </a:r>
+            <a:r>
               <a:rPr lang="ru-RU" dirty="0" smtClean="0"/>
-            </a:br>
+              <a:t>Окно показывает элементы текущего </a:t>
+            </a:r>
             <a:r>
               <a:rPr lang="en-US" dirty="0" smtClean="0"/>
-              <a:t>{</a:t>
-            </a:r>
-            <a:br>
-              <a:rPr lang="en-US" dirty="0" smtClean="0"/>
-            </a:br>
-            <a:r>
-              <a:rPr lang="en-US" dirty="0" smtClean="0"/>
-              <a:t>public </a:t>
-            </a:r>
-            <a:r>
-              <a:rPr lang="en-US" dirty="0"/>
-              <a:t>static </a:t>
-            </a:r>
-            <a:r>
-              <a:rPr lang="en-US" dirty="0" err="1"/>
-              <a:t>readonly</a:t>
-            </a:r>
-            <a:r>
-              <a:rPr lang="en-US" dirty="0"/>
-              <a:t> </a:t>
-            </a:r>
-            <a:r>
-              <a:rPr lang="en-US" dirty="0" err="1">
-                <a:solidFill>
-                  <a:srgbClr val="FFFF00"/>
-                </a:solidFill>
-              </a:rPr>
-              <a:t>DependencyProperty</a:t>
-            </a:r>
-            <a:r>
-              <a:rPr lang="en-US" dirty="0"/>
-              <a:t> </a:t>
-            </a:r>
-            <a:r>
-              <a:rPr lang="en-US" dirty="0" err="1"/>
-              <a:t>Margin</a:t>
-            </a:r>
-            <a:r>
-              <a:rPr lang="en-US" dirty="0" err="1">
-                <a:solidFill>
-                  <a:srgbClr val="FFFF00"/>
-                </a:solidFill>
-              </a:rPr>
-              <a:t>Property</a:t>
-            </a:r>
-            <a:r>
-              <a:rPr lang="en-US" dirty="0" smtClean="0"/>
-              <a:t>;</a:t>
-            </a:r>
-            <a:br>
-              <a:rPr lang="en-US" dirty="0" smtClean="0"/>
-            </a:br>
-            <a:r>
-              <a:rPr lang="en-US" dirty="0" smtClean="0"/>
-              <a:t>}</a:t>
-            </a:r>
-            <a:endParaRPr lang="ru-RU" dirty="0" smtClean="0"/>
-          </a:p>
-          <a:p>
+              <a:t>XAML </a:t>
+            </a:r>
             <a:r>
               <a:rPr lang="ru-RU" dirty="0" smtClean="0"/>
-              <a:t>Регистрация</a:t>
-            </a:r>
-          </a:p>
-          <a:p>
-            <a:pPr lvl="1"/>
-            <a:r>
-              <a:rPr lang="en-US" dirty="0" err="1" smtClean="0"/>
-              <a:t>FrameworkPropertyMetadata</a:t>
-            </a:r>
-            <a:endParaRPr lang="ru-RU" dirty="0" smtClean="0"/>
-          </a:p>
-          <a:p>
-            <a:pPr lvl="1"/>
-            <a:r>
-              <a:rPr lang="en-US" dirty="0" err="1" smtClean="0"/>
-              <a:t>DependencyProperty.Register</a:t>
-            </a:r>
-            <a:endParaRPr lang="ru-RU" dirty="0" smtClean="0"/>
-          </a:p>
-          <a:p>
-            <a:r>
-              <a:rPr lang="ru-RU" dirty="0" smtClean="0"/>
-              <a:t>Объявление</a:t>
-            </a:r>
-          </a:p>
-          <a:p>
-            <a:pPr lvl="1"/>
-            <a:r>
-              <a:rPr lang="en-US" dirty="0"/>
-              <a:t>public Thickness </a:t>
-            </a:r>
-            <a:r>
-              <a:rPr lang="en-US" dirty="0" smtClean="0"/>
-              <a:t>Margin</a:t>
-            </a:r>
-            <a:r>
-              <a:rPr lang="ru-RU" dirty="0" smtClean="0"/>
-              <a:t/>
-            </a:r>
-            <a:br>
-              <a:rPr lang="ru-RU" dirty="0" smtClean="0"/>
-            </a:br>
-            <a:r>
-              <a:rPr lang="en-US" dirty="0" smtClean="0"/>
-              <a:t>{</a:t>
-            </a:r>
-            <a:r>
-              <a:rPr lang="ru-RU" dirty="0" smtClean="0"/>
-              <a:t/>
-            </a:r>
-            <a:br>
-              <a:rPr lang="ru-RU" dirty="0" smtClean="0"/>
-            </a:br>
-            <a:r>
-              <a:rPr lang="en-US" dirty="0" smtClean="0"/>
-              <a:t>set </a:t>
-            </a:r>
-            <a:r>
-              <a:rPr lang="en-US" dirty="0"/>
-              <a:t>{ </a:t>
-            </a:r>
-            <a:r>
-              <a:rPr lang="en-US" dirty="0" err="1"/>
-              <a:t>SetValue</a:t>
-            </a:r>
-            <a:r>
-              <a:rPr lang="en-US" dirty="0"/>
-              <a:t>(</a:t>
-            </a:r>
-            <a:r>
-              <a:rPr lang="en-US" dirty="0" err="1"/>
-              <a:t>MarginProperty</a:t>
-            </a:r>
-            <a:r>
-              <a:rPr lang="en-US" dirty="0"/>
-              <a:t>, value); </a:t>
-            </a:r>
-            <a:r>
-              <a:rPr lang="en-US" dirty="0" smtClean="0"/>
-              <a:t>}</a:t>
-            </a:r>
-            <a:r>
-              <a:rPr lang="ru-RU" dirty="0" smtClean="0"/>
-              <a:t/>
-            </a:r>
-            <a:br>
-              <a:rPr lang="ru-RU" dirty="0" smtClean="0"/>
-            </a:br>
-            <a:r>
-              <a:rPr lang="en-US" dirty="0" smtClean="0"/>
-              <a:t>get </a:t>
-            </a:r>
-            <a:r>
-              <a:rPr lang="en-US" dirty="0"/>
-              <a:t>{ return (Thickness)</a:t>
-            </a:r>
-            <a:r>
-              <a:rPr lang="en-US" dirty="0" err="1"/>
-              <a:t>GetValue</a:t>
-            </a:r>
-            <a:r>
-              <a:rPr lang="en-US" dirty="0"/>
-              <a:t>(</a:t>
-            </a:r>
-            <a:r>
-              <a:rPr lang="en-US" dirty="0" err="1"/>
-              <a:t>MarginProperty</a:t>
-            </a:r>
-            <a:r>
-              <a:rPr lang="en-US" dirty="0"/>
-              <a:t>); </a:t>
-            </a:r>
-            <a:r>
-              <a:rPr lang="en-US" dirty="0" smtClean="0"/>
-              <a:t>}</a:t>
-            </a:r>
-            <a:r>
-              <a:rPr lang="ru-RU" dirty="0" smtClean="0"/>
-              <a:t/>
-            </a:r>
-            <a:br>
-              <a:rPr lang="ru-RU" dirty="0" smtClean="0"/>
-            </a:br>
-            <a:r>
-              <a:rPr lang="en-US" dirty="0" smtClean="0"/>
-              <a:t>}</a:t>
-            </a:r>
-            <a:endParaRPr lang="ru-RU" dirty="0" smtClean="0"/>
-          </a:p>
-          <a:p>
-            <a:pPr lvl="1"/>
-            <a:r>
-              <a:rPr lang="ru-RU" dirty="0" smtClean="0">
-                <a:solidFill>
-                  <a:srgbClr val="FFFF00"/>
-                </a:solidFill>
-              </a:rPr>
-              <a:t>Только так! Ничего другого быть не должно!</a:t>
-            </a:r>
-            <a:r>
-              <a:rPr lang="ru-RU" dirty="0"/>
-              <a:t> </a:t>
-            </a:r>
-            <a:endParaRPr lang="ru-RU" dirty="0" smtClean="0"/>
-          </a:p>
-          <a:p>
-            <a:r>
-              <a:rPr lang="ru-RU" dirty="0" smtClean="0"/>
-              <a:t>Очистка</a:t>
-            </a:r>
-          </a:p>
-          <a:p>
-            <a:pPr lvl="1"/>
-            <a:r>
-              <a:rPr lang="en-US" dirty="0" err="1"/>
-              <a:t>myElement.ClearValue</a:t>
-            </a:r>
-            <a:r>
-              <a:rPr lang="en-US" dirty="0"/>
-              <a:t>(</a:t>
-            </a:r>
-            <a:r>
-              <a:rPr lang="en-US" dirty="0" err="1"/>
-              <a:t>FrameworkElement.MarginProperty</a:t>
-            </a:r>
-            <a:r>
-              <a:rPr lang="en-US" dirty="0" smtClean="0"/>
-              <a:t>);</a:t>
-            </a:r>
-            <a:endParaRPr lang="ru-RU" dirty="0" smtClean="0"/>
-          </a:p>
-          <a:p>
-            <a:r>
-              <a:rPr lang="ru-RU" dirty="0" smtClean="0">
-                <a:solidFill>
-                  <a:schemeClr val="bg1"/>
-                </a:solidFill>
-              </a:rPr>
-              <a:t>Достоинства</a:t>
-            </a:r>
-          </a:p>
-          <a:p>
-            <a:pPr lvl="1"/>
-            <a:r>
-              <a:rPr lang="ru-RU" dirty="0" smtClean="0">
-                <a:solidFill>
-                  <a:schemeClr val="bg1"/>
-                </a:solidFill>
-              </a:rPr>
-              <a:t>Тратят меньше памяти, если значение не было указано</a:t>
-            </a:r>
-          </a:p>
-          <a:p>
-            <a:pPr lvl="1"/>
-            <a:r>
-              <a:rPr lang="ru-RU" dirty="0" smtClean="0">
-                <a:solidFill>
-                  <a:schemeClr val="bg1"/>
-                </a:solidFill>
-              </a:rPr>
-              <a:t>Поддержка стилей</a:t>
-            </a:r>
-            <a:endParaRPr lang="en-US" dirty="0">
-              <a:solidFill>
-                <a:schemeClr val="bg1"/>
-              </a:solidFill>
-            </a:endParaRPr>
+              <a:t>документа в виде дерева. Выбор элемента в дереве выбирает его в визаульном дизайнере и окне свойств.</a:t>
+            </a:r>
+            <a:endParaRPr lang="en-US" dirty="0"/>
           </a:p>
         </p:txBody>
       </p:sp>
+      <p:pic>
+        <p:nvPicPr>
+          <p:cNvPr id="1026" name="Picture 2"/>
+          <p:cNvPicPr>
+            <a:picLocks noChangeAspect="1" noChangeArrowheads="1"/>
+          </p:cNvPicPr>
+          <p:nvPr/>
+        </p:nvPicPr>
+        <p:blipFill>
+          <a:blip r:embed="rId2">
+            <a:extLst>
+              <a:ext uri="{28A0092B-C50C-407E-A947-70E740481C1C}">
+                <a14:useLocalDpi xmlns:a14="http://schemas.microsoft.com/office/drawing/2010/main" val="0"/>
+              </a:ext>
+            </a:extLst>
+          </a:blip>
+          <a:srcRect/>
+          <a:stretch>
+            <a:fillRect/>
+          </a:stretch>
+        </p:blipFill>
+        <p:spPr bwMode="auto">
+          <a:xfrm>
+            <a:off x="3314700" y="3429000"/>
+            <a:ext cx="2514600" cy="2771775"/>
+          </a:xfrm>
+          <a:prstGeom prst="rect">
+            <a:avLst/>
+          </a:prstGeom>
+          <a:noFill/>
+          <a:ln>
+            <a:noFill/>
+          </a:ln>
+          <a:extLst>
+            <a:ext uri="{909E8E84-426E-40DD-AFC4-6F175D3DCCD1}">
+              <a14:hiddenFill xmlns:a14="http://schemas.microsoft.com/office/drawing/2010/main">
+                <a:solidFill>
+                  <a:schemeClr val="accent1"/>
+                </a:solidFill>
+              </a14:hiddenFill>
+            </a:ext>
+            <a:ext uri="{91240B29-F687-4F45-9708-019B960494DF}">
+              <a14:hiddenLine xmlns:a14="http://schemas.microsoft.com/office/drawing/2010/main" w="9525">
+                <a:solidFill>
+                  <a:schemeClr val="tx1"/>
+                </a:solidFill>
+                <a:miter lim="800000"/>
+                <a:headEnd/>
+                <a:tailEnd/>
+              </a14:hiddenLine>
+            </a:ext>
+          </a:extLst>
+        </p:spPr>
+      </p:pic>
     </p:spTree>
     <p:extLst>
       <p:ext uri="{BB962C8B-B14F-4D97-AF65-F5344CB8AC3E}">
-        <p14:creationId xmlns:p14="http://schemas.microsoft.com/office/powerpoint/2010/main" val="205489790"/>
+        <p14:creationId xmlns:p14="http://schemas.microsoft.com/office/powerpoint/2010/main" val="1313020148"/>
       </p:ext>
     </p:extLst>
   </p:cSld>
@@ -6826,6 +6639,382 @@
           <a:lstStyle/>
           <a:p>
             <a:r>
+              <a:rPr lang="en-US" dirty="0"/>
+              <a:t>Dependency Properties</a:t>
+            </a:r>
+          </a:p>
+        </p:txBody>
+      </p:sp>
+      <p:sp>
+        <p:nvSpPr>
+          <p:cNvPr id="3" name="Content Placeholder 2"/>
+          <p:cNvSpPr>
+            <a:spLocks noGrp="1"/>
+          </p:cNvSpPr>
+          <p:nvPr>
+            <p:ph idx="1"/>
+          </p:nvPr>
+        </p:nvSpPr>
+        <p:spPr/>
+        <p:txBody>
+          <a:bodyPr>
+            <a:normAutofit fontScale="55000" lnSpcReduction="20000"/>
+          </a:bodyPr>
+          <a:lstStyle/>
+          <a:p>
+            <a:r>
+              <a:rPr lang="ru-RU" dirty="0" smtClean="0"/>
+              <a:t>Объявление</a:t>
+            </a:r>
+          </a:p>
+          <a:p>
+            <a:pPr lvl="1"/>
+            <a:r>
+              <a:rPr lang="en-US" dirty="0"/>
+              <a:t>public class </a:t>
+            </a:r>
+            <a:r>
+              <a:rPr lang="en-US" dirty="0" err="1"/>
+              <a:t>FrameworkElement</a:t>
+            </a:r>
+            <a:r>
+              <a:rPr lang="en-US" dirty="0"/>
+              <a:t>: </a:t>
+            </a:r>
+            <a:r>
+              <a:rPr lang="en-US" dirty="0" err="1"/>
+              <a:t>UIElement</a:t>
+            </a:r>
+            <a:r>
+              <a:rPr lang="en-US" dirty="0"/>
+              <a:t>, ...</a:t>
+            </a:r>
+            <a:r>
+              <a:rPr lang="ru-RU" dirty="0" smtClean="0"/>
+              <a:t/>
+            </a:r>
+            <a:br>
+              <a:rPr lang="ru-RU" dirty="0" smtClean="0"/>
+            </a:br>
+            <a:r>
+              <a:rPr lang="en-US" dirty="0" smtClean="0"/>
+              <a:t>{</a:t>
+            </a:r>
+            <a:br>
+              <a:rPr lang="en-US" dirty="0" smtClean="0"/>
+            </a:br>
+            <a:r>
+              <a:rPr lang="en-US" dirty="0" smtClean="0"/>
+              <a:t>public </a:t>
+            </a:r>
+            <a:r>
+              <a:rPr lang="en-US" dirty="0"/>
+              <a:t>static </a:t>
+            </a:r>
+            <a:r>
+              <a:rPr lang="en-US" dirty="0" err="1"/>
+              <a:t>readonly</a:t>
+            </a:r>
+            <a:r>
+              <a:rPr lang="en-US" dirty="0"/>
+              <a:t> </a:t>
+            </a:r>
+            <a:r>
+              <a:rPr lang="en-US" dirty="0" err="1">
+                <a:solidFill>
+                  <a:srgbClr val="FFFF00"/>
+                </a:solidFill>
+              </a:rPr>
+              <a:t>DependencyProperty</a:t>
+            </a:r>
+            <a:r>
+              <a:rPr lang="en-US" dirty="0"/>
+              <a:t> </a:t>
+            </a:r>
+            <a:r>
+              <a:rPr lang="en-US" dirty="0" err="1"/>
+              <a:t>Margin</a:t>
+            </a:r>
+            <a:r>
+              <a:rPr lang="en-US" dirty="0" err="1">
+                <a:solidFill>
+                  <a:srgbClr val="FFFF00"/>
+                </a:solidFill>
+              </a:rPr>
+              <a:t>Property</a:t>
+            </a:r>
+            <a:r>
+              <a:rPr lang="en-US" dirty="0" smtClean="0"/>
+              <a:t>;</a:t>
+            </a:r>
+            <a:br>
+              <a:rPr lang="en-US" dirty="0" smtClean="0"/>
+            </a:br>
+            <a:r>
+              <a:rPr lang="en-US" dirty="0" smtClean="0"/>
+              <a:t>}</a:t>
+            </a:r>
+            <a:endParaRPr lang="ru-RU" dirty="0" smtClean="0"/>
+          </a:p>
+          <a:p>
+            <a:r>
+              <a:rPr lang="ru-RU" dirty="0" smtClean="0"/>
+              <a:t>Регистрация</a:t>
+            </a:r>
+          </a:p>
+          <a:p>
+            <a:pPr lvl="1"/>
+            <a:r>
+              <a:rPr lang="en-US" dirty="0" err="1" smtClean="0"/>
+              <a:t>FrameworkPropertyMetadata</a:t>
+            </a:r>
+            <a:endParaRPr lang="ru-RU" dirty="0" smtClean="0"/>
+          </a:p>
+          <a:p>
+            <a:pPr lvl="1"/>
+            <a:r>
+              <a:rPr lang="en-US" dirty="0" err="1" smtClean="0"/>
+              <a:t>DependencyProperty.Register</a:t>
+            </a:r>
+            <a:endParaRPr lang="ru-RU" dirty="0" smtClean="0"/>
+          </a:p>
+          <a:p>
+            <a:r>
+              <a:rPr lang="ru-RU" dirty="0" smtClean="0"/>
+              <a:t>Объявление</a:t>
+            </a:r>
+          </a:p>
+          <a:p>
+            <a:pPr lvl="1"/>
+            <a:r>
+              <a:rPr lang="en-US" dirty="0"/>
+              <a:t>public Thickness </a:t>
+            </a:r>
+            <a:r>
+              <a:rPr lang="en-US" dirty="0" smtClean="0"/>
+              <a:t>Margin</a:t>
+            </a:r>
+            <a:r>
+              <a:rPr lang="ru-RU" dirty="0" smtClean="0"/>
+              <a:t/>
+            </a:r>
+            <a:br>
+              <a:rPr lang="ru-RU" dirty="0" smtClean="0"/>
+            </a:br>
+            <a:r>
+              <a:rPr lang="en-US" dirty="0" smtClean="0"/>
+              <a:t>{</a:t>
+            </a:r>
+            <a:r>
+              <a:rPr lang="ru-RU" dirty="0" smtClean="0"/>
+              <a:t/>
+            </a:r>
+            <a:br>
+              <a:rPr lang="ru-RU" dirty="0" smtClean="0"/>
+            </a:br>
+            <a:r>
+              <a:rPr lang="en-US" dirty="0" smtClean="0"/>
+              <a:t>set </a:t>
+            </a:r>
+            <a:r>
+              <a:rPr lang="en-US" dirty="0"/>
+              <a:t>{ </a:t>
+            </a:r>
+            <a:r>
+              <a:rPr lang="en-US" dirty="0" err="1"/>
+              <a:t>SetValue</a:t>
+            </a:r>
+            <a:r>
+              <a:rPr lang="en-US" dirty="0"/>
+              <a:t>(</a:t>
+            </a:r>
+            <a:r>
+              <a:rPr lang="en-US" dirty="0" err="1"/>
+              <a:t>MarginProperty</a:t>
+            </a:r>
+            <a:r>
+              <a:rPr lang="en-US" dirty="0"/>
+              <a:t>, value); </a:t>
+            </a:r>
+            <a:r>
+              <a:rPr lang="en-US" dirty="0" smtClean="0"/>
+              <a:t>}</a:t>
+            </a:r>
+            <a:r>
+              <a:rPr lang="ru-RU" dirty="0" smtClean="0"/>
+              <a:t/>
+            </a:r>
+            <a:br>
+              <a:rPr lang="ru-RU" dirty="0" smtClean="0"/>
+            </a:br>
+            <a:r>
+              <a:rPr lang="en-US" dirty="0" smtClean="0"/>
+              <a:t>get </a:t>
+            </a:r>
+            <a:r>
+              <a:rPr lang="en-US" dirty="0"/>
+              <a:t>{ return (Thickness)</a:t>
+            </a:r>
+            <a:r>
+              <a:rPr lang="en-US" dirty="0" err="1"/>
+              <a:t>GetValue</a:t>
+            </a:r>
+            <a:r>
+              <a:rPr lang="en-US" dirty="0"/>
+              <a:t>(</a:t>
+            </a:r>
+            <a:r>
+              <a:rPr lang="en-US" dirty="0" err="1"/>
+              <a:t>MarginProperty</a:t>
+            </a:r>
+            <a:r>
+              <a:rPr lang="en-US" dirty="0"/>
+              <a:t>); </a:t>
+            </a:r>
+            <a:r>
+              <a:rPr lang="en-US" dirty="0" smtClean="0"/>
+              <a:t>}</a:t>
+            </a:r>
+            <a:r>
+              <a:rPr lang="ru-RU" dirty="0" smtClean="0"/>
+              <a:t/>
+            </a:r>
+            <a:br>
+              <a:rPr lang="ru-RU" dirty="0" smtClean="0"/>
+            </a:br>
+            <a:r>
+              <a:rPr lang="en-US" dirty="0" smtClean="0"/>
+              <a:t>}</a:t>
+            </a:r>
+            <a:endParaRPr lang="ru-RU" dirty="0" smtClean="0"/>
+          </a:p>
+          <a:p>
+            <a:pPr lvl="1"/>
+            <a:r>
+              <a:rPr lang="ru-RU" dirty="0" smtClean="0">
+                <a:solidFill>
+                  <a:srgbClr val="FFFF00"/>
+                </a:solidFill>
+              </a:rPr>
+              <a:t>Только так! Ничего другого быть не должно!</a:t>
+            </a:r>
+            <a:r>
+              <a:rPr lang="ru-RU" dirty="0"/>
+              <a:t> </a:t>
+            </a:r>
+            <a:endParaRPr lang="ru-RU" dirty="0" smtClean="0"/>
+          </a:p>
+          <a:p>
+            <a:r>
+              <a:rPr lang="ru-RU" dirty="0" smtClean="0"/>
+              <a:t>Очистка</a:t>
+            </a:r>
+          </a:p>
+          <a:p>
+            <a:pPr lvl="1"/>
+            <a:r>
+              <a:rPr lang="en-US" dirty="0" err="1"/>
+              <a:t>myElement.ClearValue</a:t>
+            </a:r>
+            <a:r>
+              <a:rPr lang="en-US" dirty="0"/>
+              <a:t>(</a:t>
+            </a:r>
+            <a:r>
+              <a:rPr lang="en-US" dirty="0" err="1"/>
+              <a:t>FrameworkElement.MarginProperty</a:t>
+            </a:r>
+            <a:r>
+              <a:rPr lang="en-US" dirty="0" smtClean="0"/>
+              <a:t>);</a:t>
+            </a:r>
+            <a:endParaRPr lang="ru-RU" dirty="0" smtClean="0"/>
+          </a:p>
+          <a:p>
+            <a:r>
+              <a:rPr lang="ru-RU" dirty="0" smtClean="0">
+                <a:solidFill>
+                  <a:schemeClr val="bg1"/>
+                </a:solidFill>
+              </a:rPr>
+              <a:t>Достоинства</a:t>
+            </a:r>
+          </a:p>
+          <a:p>
+            <a:pPr lvl="1"/>
+            <a:r>
+              <a:rPr lang="ru-RU" dirty="0" smtClean="0">
+                <a:solidFill>
+                  <a:schemeClr val="bg1"/>
+                </a:solidFill>
+              </a:rPr>
+              <a:t>Тратят меньше памяти, если значение не было указано</a:t>
+            </a:r>
+          </a:p>
+          <a:p>
+            <a:pPr lvl="1"/>
+            <a:r>
+              <a:rPr lang="ru-RU" dirty="0" smtClean="0">
+                <a:solidFill>
+                  <a:schemeClr val="bg1"/>
+                </a:solidFill>
+              </a:rPr>
+              <a:t>Поддержка стилей</a:t>
+            </a:r>
+            <a:endParaRPr lang="en-US" dirty="0">
+              <a:solidFill>
+                <a:schemeClr val="bg1"/>
+              </a:solidFill>
+            </a:endParaRPr>
+          </a:p>
+        </p:txBody>
+      </p:sp>
+    </p:spTree>
+    <p:extLst>
+      <p:ext uri="{BB962C8B-B14F-4D97-AF65-F5344CB8AC3E}">
+        <p14:creationId xmlns:p14="http://schemas.microsoft.com/office/powerpoint/2010/main" val="205489790"/>
+      </p:ext>
+    </p:extLst>
+  </p:cSld>
+  <p:clrMapOvr>
+    <a:masterClrMapping/>
+  </p:clrMapOvr>
+</p:sld>
+</file>
+
+<file path=ppt/slides/slide23.xml><?xml version="1.0" encoding="utf-8"?>
+<p:sld xmlns:a="http://schemas.openxmlformats.org/drawingml/2006/main" xmlns:r="http://schemas.openxmlformats.org/officeDocument/2006/relationships" xmlns:p="http://schemas.openxmlformats.org/presentationml/2006/main">
+  <p:cSld>
+    <p:spTree>
+      <p:nvGrpSpPr>
+        <p:cNvPr id="1" name=""/>
+        <p:cNvGrpSpPr/>
+        <p:nvPr/>
+      </p:nvGrpSpPr>
+      <p:grpSpPr>
+        <a:xfrm>
+          <a:off x="0" y="0"/>
+          <a:ext cx="0" cy="0"/>
+          <a:chOff x="0" y="0"/>
+          <a:chExt cx="0" cy="0"/>
+        </a:xfrm>
+      </p:grpSpPr>
+      <p:sp>
+        <p:nvSpPr>
+          <p:cNvPr id="2" name="Title 1"/>
+          <p:cNvSpPr>
+            <a:spLocks noGrp="1"/>
+          </p:cNvSpPr>
+          <p:nvPr>
+            <p:ph type="title"/>
+          </p:nvPr>
+        </p:nvSpPr>
+        <p:spPr/>
+        <p:txBody>
+          <a:bodyPr/>
+          <a:lstStyle/>
+          <a:p>
+            <a:r>
               <a:rPr lang="ru-RU" dirty="0" smtClean="0"/>
               <a:t>Валидация</a:t>
             </a:r>
@@ -6946,7 +7135,7 @@
 </p:sld>
 </file>
 
-<file path=ppt/slides/slide23.xml><?xml version="1.0" encoding="utf-8"?>
+<file path=ppt/slides/slide24.xml><?xml version="1.0" encoding="utf-8"?>
 <p:sld xmlns:a="http://schemas.openxmlformats.org/drawingml/2006/main" xmlns:r="http://schemas.openxmlformats.org/officeDocument/2006/relationships" xmlns:p="http://schemas.openxmlformats.org/presentationml/2006/main">
   <p:cSld>
     <p:spTree>

--- a/Presentation/lesson-12-wpf.pptx
+++ b/Presentation/lesson-12-wpf.pptx
@@ -5,7 +5,7 @@
     <p:sldMasterId id="2147483648" r:id="rId1"/>
   </p:sldMasterIdLst>
   <p:notesMasterIdLst>
-    <p:notesMasterId r:id="rId26"/>
+    <p:notesMasterId r:id="rId27"/>
   </p:notesMasterIdLst>
   <p:sldIdLst>
     <p:sldId id="256" r:id="rId2"/>
@@ -13,25 +13,26 @@
     <p:sldId id="277" r:id="rId4"/>
     <p:sldId id="265" r:id="rId5"/>
     <p:sldId id="259" r:id="rId6"/>
-    <p:sldId id="258" r:id="rId7"/>
-    <p:sldId id="260" r:id="rId8"/>
-    <p:sldId id="261" r:id="rId9"/>
-    <p:sldId id="263" r:id="rId10"/>
-    <p:sldId id="262" r:id="rId11"/>
-    <p:sldId id="266" r:id="rId12"/>
-    <p:sldId id="267" r:id="rId13"/>
-    <p:sldId id="268" r:id="rId14"/>
-    <p:sldId id="269" r:id="rId15"/>
-    <p:sldId id="270" r:id="rId16"/>
-    <p:sldId id="271" r:id="rId17"/>
-    <p:sldId id="272" r:id="rId18"/>
-    <p:sldId id="273" r:id="rId19"/>
-    <p:sldId id="279" r:id="rId20"/>
-    <p:sldId id="274" r:id="rId21"/>
-    <p:sldId id="280" r:id="rId22"/>
-    <p:sldId id="275" r:id="rId23"/>
-    <p:sldId id="276" r:id="rId24"/>
-    <p:sldId id="278" r:id="rId25"/>
+    <p:sldId id="281" r:id="rId7"/>
+    <p:sldId id="258" r:id="rId8"/>
+    <p:sldId id="260" r:id="rId9"/>
+    <p:sldId id="261" r:id="rId10"/>
+    <p:sldId id="263" r:id="rId11"/>
+    <p:sldId id="262" r:id="rId12"/>
+    <p:sldId id="266" r:id="rId13"/>
+    <p:sldId id="267" r:id="rId14"/>
+    <p:sldId id="268" r:id="rId15"/>
+    <p:sldId id="269" r:id="rId16"/>
+    <p:sldId id="270" r:id="rId17"/>
+    <p:sldId id="271" r:id="rId18"/>
+    <p:sldId id="272" r:id="rId19"/>
+    <p:sldId id="273" r:id="rId20"/>
+    <p:sldId id="279" r:id="rId21"/>
+    <p:sldId id="274" r:id="rId22"/>
+    <p:sldId id="280" r:id="rId23"/>
+    <p:sldId id="275" r:id="rId24"/>
+    <p:sldId id="276" r:id="rId25"/>
+    <p:sldId id="278" r:id="rId26"/>
   </p:sldIdLst>
   <p:sldSz cx="9144000" cy="6858000" type="screen4x3"/>
   <p:notesSz cx="6858000" cy="9144000"/>
@@ -215,7 +216,7 @@
           <a:p>
             <a:fld id="{B24A7054-7FFB-49F4-A126-5DF6E687FF53}" type="datetimeFigureOut">
               <a:rPr lang="ru-RU" smtClean="0"/>
-              <a:t>14.11.2013</a:t>
+              <a:t>04.03.2014</a:t>
             </a:fld>
             <a:endParaRPr lang="ru-RU"/>
           </a:p>
@@ -1278,7 +1279,7 @@
           <a:p>
             <a:fld id="{8E6E6A2A-E9D3-4A0D-B04A-ABDD367A1E08}" type="datetimeFigureOut">
               <a:rPr lang="ru-RU" smtClean="0"/>
-              <a:t>14.11.2013</a:t>
+              <a:t>04.03.2014</a:t>
             </a:fld>
             <a:endParaRPr lang="ru-RU"/>
           </a:p>
@@ -2726,7 +2727,7 @@
           <a:p>
             <a:fld id="{AC3D3127-B7C4-45E3-9797-C527EC9FDD78}" type="datetimeFigureOut">
               <a:rPr lang="ru-RU" smtClean="0"/>
-              <a:t>14.11.2013</a:t>
+              <a:t>04.03.2014</a:t>
             </a:fld>
             <a:endParaRPr lang="ru-RU"/>
           </a:p>
@@ -3299,6 +3300,14 @@
 <file path=ppt/slides/slide10.xml><?xml version="1.0" encoding="utf-8"?>
 <p:sld xmlns:a="http://schemas.openxmlformats.org/drawingml/2006/main" xmlns:r="http://schemas.openxmlformats.org/officeDocument/2006/relationships" xmlns:p="http://schemas.openxmlformats.org/presentationml/2006/main">
   <p:cSld>
+    <p:bg>
+      <p:bgPr>
+        <a:solidFill>
+          <a:schemeClr val="accent1"/>
+        </a:solidFill>
+        <a:effectLst/>
+      </p:bgPr>
+    </p:bg>
     <p:spTree>
       <p:nvGrpSpPr>
         <p:cNvPr id="1" name=""/>
@@ -3331,138 +3340,136 @@
           <a:lstStyle/>
           <a:p>
             <a:r>
-              <a:rPr lang="en-US" dirty="0"/>
-              <a:t>Extensible Application Markup </a:t>
-            </a:r>
-            <a:r>
-              <a:rPr lang="en-US" dirty="0" smtClean="0"/>
-              <a:t>Language </a:t>
-            </a:r>
-            <a:r>
-              <a:rPr lang="ru-RU" dirty="0" smtClean="0"/>
-              <a:t>(</a:t>
-            </a:r>
-            <a:r>
-              <a:rPr lang="en-US" dirty="0"/>
-              <a:t>XAML</a:t>
-            </a:r>
-            <a:r>
-              <a:rPr lang="ru-RU" dirty="0" smtClean="0"/>
-              <a:t>)</a:t>
-            </a:r>
-            <a:endParaRPr lang="en-US" dirty="0"/>
+              <a:rPr lang="ru-RU" dirty="0" smtClean="0">
+                <a:solidFill>
+                  <a:srgbClr val="002060"/>
+                </a:solidFill>
+              </a:rPr>
+              <a:t>Иерархия классов </a:t>
+            </a:r>
+            <a:r>
+              <a:rPr lang="en-US" dirty="0" smtClean="0">
+                <a:solidFill>
+                  <a:srgbClr val="002060"/>
+                </a:solidFill>
+              </a:rPr>
+              <a:t>WPF</a:t>
+            </a:r>
+            <a:r>
+              <a:rPr lang="ru-RU" dirty="0">
+                <a:solidFill>
+                  <a:srgbClr val="002060"/>
+                </a:solidFill>
+              </a:rPr>
+              <a:t/>
+            </a:r>
+            <a:br>
+              <a:rPr lang="ru-RU" dirty="0">
+                <a:solidFill>
+                  <a:srgbClr val="002060"/>
+                </a:solidFill>
+              </a:rPr>
+            </a:br>
+            <a:r>
+              <a:rPr lang="en-US" dirty="0" err="1" smtClean="0">
+                <a:solidFill>
+                  <a:srgbClr val="002060"/>
+                </a:solidFill>
+              </a:rPr>
+              <a:t>System.Windows</a:t>
+            </a:r>
+            <a:r>
+              <a:rPr lang="ru-RU" dirty="0" smtClean="0">
+                <a:solidFill>
+                  <a:srgbClr val="002060"/>
+                </a:solidFill>
+              </a:rPr>
+              <a:t> </a:t>
+            </a:r>
+            <a:r>
+              <a:rPr lang="en-US" dirty="0" smtClean="0">
+                <a:solidFill>
+                  <a:srgbClr val="002060"/>
+                </a:solidFill>
+              </a:rPr>
+              <a:t>namespace</a:t>
+            </a:r>
+            <a:endParaRPr lang="en-US" dirty="0">
+              <a:solidFill>
+                <a:srgbClr val="002060"/>
+              </a:solidFill>
+            </a:endParaRPr>
           </a:p>
         </p:txBody>
       </p:sp>
-      <p:sp>
-        <p:nvSpPr>
-          <p:cNvPr id="3" name="Content Placeholder 2"/>
-          <p:cNvSpPr>
-            <a:spLocks noGrp="1"/>
-          </p:cNvSpPr>
-          <p:nvPr>
-            <p:ph idx="1"/>
-          </p:nvPr>
-        </p:nvSpPr>
-        <p:spPr/>
-        <p:txBody>
-          <a:bodyPr/>
-          <a:lstStyle/>
-          <a:p>
-            <a:r>
-              <a:rPr lang="ru-RU" dirty="0" smtClean="0"/>
-              <a:t>Произносится как «</a:t>
-            </a:r>
-            <a:r>
-              <a:rPr lang="en-US" dirty="0" err="1" smtClean="0"/>
-              <a:t>zammel</a:t>
-            </a:r>
-            <a:r>
-              <a:rPr lang="ru-RU" dirty="0" smtClean="0"/>
-              <a:t>»</a:t>
-            </a:r>
-          </a:p>
-          <a:p>
-            <a:r>
-              <a:rPr lang="ru-RU" dirty="0" smtClean="0"/>
-              <a:t>Язык описания </a:t>
-            </a:r>
-            <a:r>
-              <a:rPr lang="en-US" dirty="0" smtClean="0"/>
-              <a:t>UI </a:t>
-            </a:r>
-            <a:r>
-              <a:rPr lang="ru-RU" dirty="0" smtClean="0"/>
-              <a:t>на основе </a:t>
-            </a:r>
-            <a:r>
-              <a:rPr lang="en-US" dirty="0" smtClean="0"/>
-              <a:t>XML</a:t>
-            </a:r>
-            <a:endParaRPr lang="ru-RU" dirty="0" smtClean="0"/>
-          </a:p>
-          <a:p>
-            <a:pPr lvl="1"/>
-            <a:r>
-              <a:rPr lang="ru-RU" dirty="0" smtClean="0"/>
-              <a:t>Использует те же спецсимволы для </a:t>
-            </a:r>
-            <a:r>
-              <a:rPr lang="en-US" dirty="0" smtClean="0"/>
-              <a:t>&lt;, &gt; </a:t>
-            </a:r>
-            <a:r>
-              <a:rPr lang="ru-RU" dirty="0" smtClean="0"/>
-              <a:t>и </a:t>
-            </a:r>
-            <a:r>
-              <a:rPr lang="en-US" dirty="0" smtClean="0"/>
-              <a:t>&amp;</a:t>
-            </a:r>
-            <a:endParaRPr lang="ru-RU" dirty="0" smtClean="0"/>
-          </a:p>
-          <a:p>
-            <a:pPr lvl="1"/>
-            <a:r>
-              <a:rPr lang="en-US" dirty="0" err="1"/>
-              <a:t>xml:space</a:t>
-            </a:r>
-            <a:r>
-              <a:rPr lang="en-US" dirty="0"/>
-              <a:t>="preserve"</a:t>
-            </a:r>
-            <a:endParaRPr lang="en-US" dirty="0" smtClean="0"/>
-          </a:p>
-          <a:p>
-            <a:r>
-              <a:rPr lang="ru-RU" dirty="0" smtClean="0"/>
-              <a:t>Разделяет описание интерфейса от кода</a:t>
-            </a:r>
-          </a:p>
-          <a:p>
-            <a:r>
-              <a:rPr lang="en-US" dirty="0">
-                <a:hlinkClick r:id="rId2"/>
-              </a:rPr>
-              <a:t>http://</a:t>
-            </a:r>
-            <a:r>
-              <a:rPr lang="en-US" dirty="0" smtClean="0">
-                <a:hlinkClick r:id="rId2"/>
-              </a:rPr>
-              <a:t>windowsclient.net/wpf/white-papers/thenewiteration.aspx</a:t>
-            </a:r>
-            <a:endParaRPr lang="ru-RU" dirty="0" smtClean="0"/>
-          </a:p>
-          <a:p>
-            <a:endParaRPr lang="en-US" dirty="0"/>
-          </a:p>
-        </p:txBody>
-      </p:sp>
+      <p:pic>
+        <p:nvPicPr>
+          <p:cNvPr id="2050" name="Picture 2"/>
+          <p:cNvPicPr>
+            <a:picLocks noChangeAspect="1" noChangeArrowheads="1"/>
+          </p:cNvPicPr>
+          <p:nvPr/>
+        </p:nvPicPr>
+        <p:blipFill>
+          <a:blip r:embed="rId2">
+            <a:extLst>
+              <a:ext uri="{28A0092B-C50C-407E-A947-70E740481C1C}">
+                <a14:useLocalDpi xmlns:a14="http://schemas.microsoft.com/office/drawing/2010/main" val="0"/>
+              </a:ext>
+            </a:extLst>
+          </a:blip>
+          <a:srcRect/>
+          <a:stretch>
+            <a:fillRect/>
+          </a:stretch>
+        </p:blipFill>
+        <p:spPr bwMode="auto">
+          <a:xfrm>
+            <a:off x="2094548" y="1515576"/>
+            <a:ext cx="4954905" cy="4937760"/>
+          </a:xfrm>
+          <a:prstGeom prst="rect">
+            <a:avLst/>
+          </a:prstGeom>
+          <a:noFill/>
+          <a:ln>
+            <a:noFill/>
+          </a:ln>
+          <a:effectLst/>
+          <a:extLst>
+            <a:ext uri="{909E8E84-426E-40DD-AFC4-6F175D3DCCD1}">
+              <a14:hiddenFill xmlns:a14="http://schemas.microsoft.com/office/drawing/2010/main">
+                <a:solidFill>
+                  <a:schemeClr val="accent1"/>
+                </a:solidFill>
+              </a14:hiddenFill>
+            </a:ext>
+            <a:ext uri="{91240B29-F687-4F45-9708-019B960494DF}">
+              <a14:hiddenLine xmlns:a14="http://schemas.microsoft.com/office/drawing/2010/main" w="9525">
+                <a:solidFill>
+                  <a:schemeClr val="tx1"/>
+                </a:solidFill>
+                <a:miter lim="800000"/>
+                <a:headEnd/>
+                <a:tailEnd/>
+              </a14:hiddenLine>
+            </a:ext>
+            <a:ext uri="{AF507438-7753-43E0-B8FC-AC1667EBCBE1}">
+              <a14:hiddenEffects xmlns:a14="http://schemas.microsoft.com/office/drawing/2010/main">
+                <a:effectLst>
+                  <a:outerShdw dist="35921" dir="2700000" algn="ctr" rotWithShape="0">
+                    <a:schemeClr val="bg2"/>
+                  </a:outerShdw>
+                </a:effectLst>
+              </a14:hiddenEffects>
+            </a:ext>
+          </a:extLst>
+        </p:spPr>
+      </p:pic>
     </p:spTree>
     <p:extLst>
       <p:ext uri="{BB962C8B-B14F-4D97-AF65-F5344CB8AC3E}">
-        <p14:creationId xmlns:p14="http://schemas.microsoft.com/office/powerpoint/2010/main" val="1758403367"/>
+        <p14:creationId xmlns:p14="http://schemas.microsoft.com/office/powerpoint/2010/main" val="32627630"/>
       </p:ext>
     </p:extLst>
   </p:cSld>
@@ -3508,16 +3515,30 @@
         </p:nvSpPr>
         <p:spPr/>
         <p:txBody>
-          <a:bodyPr/>
+          <a:bodyPr>
+            <a:normAutofit fontScale="90000"/>
+          </a:bodyPr>
           <a:lstStyle/>
           <a:p>
             <a:r>
+              <a:rPr lang="en-US" dirty="0"/>
+              <a:t>Extensible Application Markup </a:t>
+            </a:r>
+            <a:r>
+              <a:rPr lang="en-US" dirty="0" smtClean="0"/>
+              <a:t>Language </a:t>
+            </a:r>
+            <a:r>
               <a:rPr lang="ru-RU" dirty="0" smtClean="0"/>
-              <a:t>Виды </a:t>
-            </a:r>
-            <a:r>
-              <a:rPr lang="en-US" dirty="0" smtClean="0"/>
+              <a:t>(</a:t>
+            </a:r>
+            <a:r>
+              <a:rPr lang="en-US" dirty="0"/>
               <a:t>XAML</a:t>
+            </a:r>
+            <a:r>
+              <a:rPr lang="ru-RU" dirty="0" smtClean="0"/>
+              <a:t>)</a:t>
             </a:r>
             <a:endParaRPr lang="en-US" dirty="0"/>
           </a:p>
@@ -3535,47 +3556,95 @@
         </p:nvSpPr>
         <p:spPr/>
         <p:txBody>
-          <a:bodyPr>
-            <a:normAutofit/>
-          </a:bodyPr>
+          <a:bodyPr/>
           <a:lstStyle/>
           <a:p>
             <a:r>
+              <a:rPr lang="ru-RU" dirty="0" smtClean="0"/>
+              <a:t>Произносится как «</a:t>
+            </a:r>
+            <a:r>
+              <a:rPr lang="en-US" dirty="0" err="1" smtClean="0"/>
+              <a:t>zammel</a:t>
+            </a:r>
+            <a:r>
+              <a:rPr lang="ru-RU" dirty="0" smtClean="0"/>
+              <a:t>»</a:t>
+            </a:r>
+          </a:p>
+          <a:p>
+            <a:r>
+              <a:rPr lang="ru-RU" dirty="0" smtClean="0"/>
+              <a:t>Язык описания </a:t>
+            </a:r>
+            <a:r>
+              <a:rPr lang="en-US" dirty="0" smtClean="0"/>
+              <a:t>UI </a:t>
+            </a:r>
+            <a:r>
+              <a:rPr lang="ru-RU" dirty="0" smtClean="0"/>
+              <a:t>на основе </a:t>
+            </a:r>
+            <a:r>
+              <a:rPr lang="en-US" dirty="0" smtClean="0"/>
+              <a:t>XML</a:t>
+            </a:r>
+            <a:endParaRPr lang="ru-RU" dirty="0" smtClean="0"/>
+          </a:p>
+          <a:p>
+            <a:pPr lvl="1"/>
+            <a:r>
+              <a:rPr lang="ru-RU" dirty="0" smtClean="0"/>
+              <a:t>Использует те же спецсимволы для </a:t>
+            </a:r>
+            <a:r>
+              <a:rPr lang="en-US" dirty="0" smtClean="0"/>
+              <a:t>&lt;, &gt; </a:t>
+            </a:r>
+            <a:r>
+              <a:rPr lang="ru-RU" dirty="0" smtClean="0"/>
+              <a:t>и </a:t>
+            </a:r>
+            <a:r>
+              <a:rPr lang="en-US" dirty="0" smtClean="0"/>
+              <a:t>&amp;</a:t>
+            </a:r>
+            <a:endParaRPr lang="ru-RU" dirty="0" smtClean="0"/>
+          </a:p>
+          <a:p>
+            <a:pPr lvl="1"/>
+            <a:r>
+              <a:rPr lang="en-US" dirty="0" err="1"/>
+              <a:t>xml:space</a:t>
+            </a:r>
+            <a:r>
               <a:rPr lang="en-US" dirty="0"/>
-              <a:t>WPF </a:t>
-            </a:r>
-            <a:r>
-              <a:rPr lang="en-US" dirty="0" smtClean="0"/>
-              <a:t>XAML</a:t>
-            </a:r>
-            <a:endParaRPr lang="en-US" dirty="0"/>
-          </a:p>
-          <a:p>
-            <a:r>
-              <a:rPr lang="en-US" dirty="0"/>
-              <a:t> XPS </a:t>
-            </a:r>
-            <a:r>
-              <a:rPr lang="en-US" dirty="0" smtClean="0"/>
-              <a:t>XAML</a:t>
-            </a:r>
-          </a:p>
-          <a:p>
-            <a:r>
-              <a:rPr lang="en-US" dirty="0" smtClean="0"/>
-              <a:t> Silverlight XAML</a:t>
-            </a:r>
-            <a:endParaRPr lang="en-US" dirty="0"/>
-          </a:p>
-          <a:p>
-            <a:r>
-              <a:rPr lang="en-US" dirty="0"/>
-              <a:t> WF </a:t>
-            </a:r>
-            <a:r>
-              <a:rPr lang="en-US" dirty="0" smtClean="0"/>
-              <a:t>XAML</a:t>
-            </a:r>
+              <a:t>="preserve"</a:t>
+            </a:r>
+            <a:endParaRPr lang="en-US" dirty="0" smtClean="0"/>
+          </a:p>
+          <a:p>
+            <a:r>
+              <a:rPr lang="ru-RU" dirty="0" smtClean="0"/>
+              <a:t>Разделяет описание интерфейса от кода</a:t>
+            </a:r>
+          </a:p>
+          <a:p>
+            <a:r>
+              <a:rPr lang="en-US" dirty="0">
+                <a:hlinkClick r:id="rId2"/>
+              </a:rPr>
+              <a:t>http://</a:t>
+            </a:r>
+            <a:r>
+              <a:rPr lang="en-US" dirty="0" smtClean="0">
+                <a:hlinkClick r:id="rId2"/>
+              </a:rPr>
+              <a:t>windowsclient.net/wpf/white-papers/thenewiteration.aspx</a:t>
+            </a:r>
+            <a:endParaRPr lang="ru-RU" dirty="0" smtClean="0"/>
+          </a:p>
+          <a:p>
             <a:endParaRPr lang="en-US" dirty="0"/>
           </a:p>
         </p:txBody>
@@ -3583,7 +3652,7 @@
     </p:spTree>
     <p:extLst>
       <p:ext uri="{BB962C8B-B14F-4D97-AF65-F5344CB8AC3E}">
-        <p14:creationId xmlns:p14="http://schemas.microsoft.com/office/powerpoint/2010/main" val="3879714524"/>
+        <p14:creationId xmlns:p14="http://schemas.microsoft.com/office/powerpoint/2010/main" val="1758403367"/>
       </p:ext>
     </p:extLst>
   </p:cSld>
@@ -3629,19 +3698,18 @@
         </p:nvSpPr>
         <p:spPr/>
         <p:txBody>
-          <a:bodyPr>
-            <a:normAutofit fontScale="90000"/>
-          </a:bodyPr>
+          <a:bodyPr/>
           <a:lstStyle/>
           <a:p>
             <a:r>
+              <a:rPr lang="ru-RU" dirty="0" smtClean="0"/>
+              <a:t>Виды </a:t>
+            </a:r>
+            <a:r>
               <a:rPr lang="en-US" dirty="0" smtClean="0"/>
-              <a:t>Binary </a:t>
-            </a:r>
-            <a:r>
-              <a:rPr lang="en-US" dirty="0"/>
-              <a:t>Application Markup Language (BAML).</a:t>
-            </a:r>
+              <a:t>XAML</a:t>
+            </a:r>
+            <a:endParaRPr lang="en-US" dirty="0"/>
           </a:p>
         </p:txBody>
       </p:sp>
@@ -3657,30 +3725,46 @@
         </p:nvSpPr>
         <p:spPr/>
         <p:txBody>
-          <a:bodyPr/>
+          <a:bodyPr>
+            <a:normAutofit/>
+          </a:bodyPr>
           <a:lstStyle/>
           <a:p>
             <a:r>
-              <a:rPr lang="ru-RU" dirty="0" smtClean="0"/>
-              <a:t>Компилированая версия </a:t>
+              <a:rPr lang="en-US" dirty="0"/>
+              <a:t>WPF </a:t>
             </a:r>
             <a:r>
               <a:rPr lang="en-US" dirty="0" smtClean="0"/>
               <a:t>XAML</a:t>
             </a:r>
-          </a:p>
-          <a:p>
-            <a:r>
-              <a:rPr lang="ru-RU" dirty="0" smtClean="0"/>
-              <a:t>Хранится </a:t>
-            </a:r>
-            <a:r>
-              <a:rPr lang="ru-RU" smtClean="0"/>
-              <a:t>в ресурсах </a:t>
-            </a:r>
-            <a:r>
-              <a:rPr lang="ru-RU" dirty="0" smtClean="0"/>
-              <a:t>сборки</a:t>
+            <a:endParaRPr lang="en-US" dirty="0"/>
+          </a:p>
+          <a:p>
+            <a:r>
+              <a:rPr lang="en-US" dirty="0"/>
+              <a:t> XPS </a:t>
+            </a:r>
+            <a:r>
+              <a:rPr lang="en-US" dirty="0" smtClean="0"/>
+              <a:t>XAML</a:t>
+            </a:r>
+          </a:p>
+          <a:p>
+            <a:r>
+              <a:rPr lang="en-US" dirty="0" smtClean="0"/>
+              <a:t> Silverlight XAML</a:t>
+            </a:r>
+            <a:endParaRPr lang="en-US" dirty="0"/>
+          </a:p>
+          <a:p>
+            <a:r>
+              <a:rPr lang="en-US" dirty="0"/>
+              <a:t> WF </a:t>
+            </a:r>
+            <a:r>
+              <a:rPr lang="en-US" dirty="0" smtClean="0"/>
+              <a:t>XAML</a:t>
             </a:r>
             <a:endParaRPr lang="en-US" dirty="0"/>
           </a:p>
@@ -3689,7 +3773,7 @@
     </p:spTree>
     <p:extLst>
       <p:ext uri="{BB962C8B-B14F-4D97-AF65-F5344CB8AC3E}">
-        <p14:creationId xmlns:p14="http://schemas.microsoft.com/office/powerpoint/2010/main" val="4123361945"/>
+        <p14:creationId xmlns:p14="http://schemas.microsoft.com/office/powerpoint/2010/main" val="3879714524"/>
       </p:ext>
     </p:extLst>
   </p:cSld>
@@ -3735,18 +3819,19 @@
         </p:nvSpPr>
         <p:spPr/>
         <p:txBody>
-          <a:bodyPr/>
+          <a:bodyPr>
+            <a:normAutofit fontScale="90000"/>
+          </a:bodyPr>
           <a:lstStyle/>
           <a:p>
             <a:r>
-              <a:rPr lang="ru-RU" dirty="0" smtClean="0"/>
-              <a:t>Пример </a:t>
-            </a:r>
-            <a:r>
               <a:rPr lang="en-US" dirty="0" smtClean="0"/>
-              <a:t>XAML</a:t>
-            </a:r>
-            <a:endParaRPr lang="en-US" dirty="0"/>
+              <a:t>Binary </a:t>
+            </a:r>
+            <a:r>
+              <a:rPr lang="en-US" dirty="0"/>
+              <a:t>Application Markup Language (BAML).</a:t>
+            </a:r>
           </a:p>
         </p:txBody>
       </p:sp>
@@ -3760,340 +3845,41 @@
             <p:ph idx="1"/>
           </p:nvPr>
         </p:nvSpPr>
-        <p:spPr>
-          <a:xfrm>
-            <a:off x="457200" y="1600201"/>
-            <a:ext cx="8229600" cy="2620888"/>
-          </a:xfrm>
-        </p:spPr>
+        <p:spPr/>
         <p:txBody>
-          <a:bodyPr>
-            <a:normAutofit/>
-          </a:bodyPr>
+          <a:bodyPr/>
           <a:lstStyle/>
           <a:p>
-            <a:pPr marL="0" indent="0">
-              <a:buNone/>
-            </a:pPr>
-            <a:r>
-              <a:rPr lang="en-US" sz="1400" dirty="0" smtClean="0">
-                <a:latin typeface="Courier New" pitchFamily="49" charset="0"/>
-                <a:cs typeface="Courier New" pitchFamily="49" charset="0"/>
-              </a:rPr>
-              <a:t>&lt;Window</a:t>
-            </a:r>
-            <a:br>
-              <a:rPr lang="en-US" sz="1400" dirty="0" smtClean="0">
-                <a:latin typeface="Courier New" pitchFamily="49" charset="0"/>
-                <a:cs typeface="Courier New" pitchFamily="49" charset="0"/>
-              </a:rPr>
-            </a:br>
-            <a:r>
-              <a:rPr lang="en-US" sz="1400" dirty="0" smtClean="0">
-                <a:latin typeface="Courier New" pitchFamily="49" charset="0"/>
-                <a:cs typeface="Courier New" pitchFamily="49" charset="0"/>
-              </a:rPr>
-              <a:t>     x:Class=“</a:t>
-            </a:r>
-            <a:r>
-              <a:rPr lang="en-US" sz="1400" dirty="0" smtClean="0">
-                <a:solidFill>
-                  <a:srgbClr val="FFFF00"/>
-                </a:solidFill>
-                <a:latin typeface="Courier New" pitchFamily="49" charset="0"/>
-                <a:cs typeface="Courier New" pitchFamily="49" charset="0"/>
-              </a:rPr>
-              <a:t>WindowsApplication1.Window1</a:t>
-            </a:r>
-            <a:r>
-              <a:rPr lang="en-US" sz="1400" dirty="0" smtClean="0">
-                <a:latin typeface="Courier New" pitchFamily="49" charset="0"/>
-                <a:cs typeface="Courier New" pitchFamily="49" charset="0"/>
-              </a:rPr>
-              <a:t>”</a:t>
-            </a:r>
-            <a:br>
-              <a:rPr lang="en-US" sz="1400" dirty="0" smtClean="0">
-                <a:latin typeface="Courier New" pitchFamily="49" charset="0"/>
-                <a:cs typeface="Courier New" pitchFamily="49" charset="0"/>
-              </a:rPr>
-            </a:br>
-            <a:r>
-              <a:rPr lang="en-US" sz="1400" dirty="0" smtClean="0">
-                <a:latin typeface="Courier New" pitchFamily="49" charset="0"/>
-                <a:cs typeface="Courier New" pitchFamily="49" charset="0"/>
-              </a:rPr>
-              <a:t>     </a:t>
-            </a:r>
-            <a:r>
-              <a:rPr lang="en-US" sz="1400" dirty="0" err="1" smtClean="0">
-                <a:latin typeface="Courier New" pitchFamily="49" charset="0"/>
-                <a:cs typeface="Courier New" pitchFamily="49" charset="0"/>
-              </a:rPr>
-              <a:t>xmlns</a:t>
-            </a:r>
-            <a:r>
-              <a:rPr lang="en-US" sz="1400" dirty="0" smtClean="0">
-                <a:latin typeface="Courier New" pitchFamily="49" charset="0"/>
-                <a:cs typeface="Courier New" pitchFamily="49" charset="0"/>
-              </a:rPr>
-              <a:t>=“http</a:t>
-            </a:r>
-            <a:r>
-              <a:rPr lang="en-US" sz="1400" dirty="0">
-                <a:latin typeface="Courier New" pitchFamily="49" charset="0"/>
-                <a:cs typeface="Courier New" pitchFamily="49" charset="0"/>
-              </a:rPr>
-              <a:t>://</a:t>
-            </a:r>
-            <a:r>
-              <a:rPr lang="en-US" sz="1400" dirty="0" smtClean="0">
-                <a:latin typeface="Courier New" pitchFamily="49" charset="0"/>
-                <a:cs typeface="Courier New" pitchFamily="49" charset="0"/>
-              </a:rPr>
-              <a:t>schemas.microsoft.com/</a:t>
-            </a:r>
-            <a:r>
-              <a:rPr lang="en-US" sz="1400" dirty="0" err="1" smtClean="0">
-                <a:latin typeface="Courier New" pitchFamily="49" charset="0"/>
-                <a:cs typeface="Courier New" pitchFamily="49" charset="0"/>
-              </a:rPr>
-              <a:t>winfx</a:t>
-            </a:r>
-            <a:r>
-              <a:rPr lang="en-US" sz="1400" dirty="0" smtClean="0">
-                <a:latin typeface="Courier New" pitchFamily="49" charset="0"/>
-                <a:cs typeface="Courier New" pitchFamily="49" charset="0"/>
-              </a:rPr>
-              <a:t>/2006/</a:t>
-            </a:r>
-            <a:r>
-              <a:rPr lang="en-US" sz="1400" dirty="0" err="1" smtClean="0">
-                <a:latin typeface="Courier New" pitchFamily="49" charset="0"/>
-                <a:cs typeface="Courier New" pitchFamily="49" charset="0"/>
-              </a:rPr>
-              <a:t>xaml</a:t>
-            </a:r>
-            <a:r>
-              <a:rPr lang="en-US" sz="1400" dirty="0" smtClean="0">
-                <a:latin typeface="Courier New" pitchFamily="49" charset="0"/>
-                <a:cs typeface="Courier New" pitchFamily="49" charset="0"/>
-              </a:rPr>
-              <a:t>/presentation”</a:t>
-            </a:r>
-            <a:br>
-              <a:rPr lang="en-US" sz="1400" dirty="0" smtClean="0">
-                <a:latin typeface="Courier New" pitchFamily="49" charset="0"/>
-                <a:cs typeface="Courier New" pitchFamily="49" charset="0"/>
-              </a:rPr>
-            </a:br>
-            <a:r>
-              <a:rPr lang="en-US" sz="1400" dirty="0" smtClean="0">
-                <a:latin typeface="Courier New" pitchFamily="49" charset="0"/>
-                <a:cs typeface="Courier New" pitchFamily="49" charset="0"/>
-              </a:rPr>
-              <a:t>     </a:t>
-            </a:r>
-            <a:r>
-              <a:rPr lang="en-US" sz="1400" dirty="0" err="1" smtClean="0">
-                <a:latin typeface="Courier New" pitchFamily="49" charset="0"/>
-                <a:cs typeface="Courier New" pitchFamily="49" charset="0"/>
-              </a:rPr>
-              <a:t>xmlns:x</a:t>
-            </a:r>
-            <a:r>
-              <a:rPr lang="en-US" sz="1400" dirty="0" smtClean="0">
-                <a:latin typeface="Courier New" pitchFamily="49" charset="0"/>
-                <a:cs typeface="Courier New" pitchFamily="49" charset="0"/>
-              </a:rPr>
-              <a:t>=“http</a:t>
-            </a:r>
-            <a:r>
-              <a:rPr lang="en-US" sz="1400" dirty="0">
-                <a:latin typeface="Courier New" pitchFamily="49" charset="0"/>
-                <a:cs typeface="Courier New" pitchFamily="49" charset="0"/>
-              </a:rPr>
-              <a:t>://</a:t>
-            </a:r>
-            <a:r>
-              <a:rPr lang="en-US" sz="1400" dirty="0" smtClean="0">
-                <a:latin typeface="Courier New" pitchFamily="49" charset="0"/>
-                <a:cs typeface="Courier New" pitchFamily="49" charset="0"/>
-              </a:rPr>
-              <a:t>schemas.microsoft.com/</a:t>
-            </a:r>
-            <a:r>
-              <a:rPr lang="en-US" sz="1400" dirty="0" err="1" smtClean="0">
-                <a:latin typeface="Courier New" pitchFamily="49" charset="0"/>
-                <a:cs typeface="Courier New" pitchFamily="49" charset="0"/>
-              </a:rPr>
-              <a:t>winfx</a:t>
-            </a:r>
-            <a:r>
-              <a:rPr lang="en-US" sz="1400" dirty="0" smtClean="0">
-                <a:latin typeface="Courier New" pitchFamily="49" charset="0"/>
-                <a:cs typeface="Courier New" pitchFamily="49" charset="0"/>
-              </a:rPr>
-              <a:t>/2006/</a:t>
-            </a:r>
-            <a:r>
-              <a:rPr lang="en-US" sz="1400" dirty="0" err="1" smtClean="0">
-                <a:latin typeface="Courier New" pitchFamily="49" charset="0"/>
-                <a:cs typeface="Courier New" pitchFamily="49" charset="0"/>
-              </a:rPr>
-              <a:t>xaml</a:t>
-            </a:r>
-            <a:r>
-              <a:rPr lang="en-US" sz="1400" dirty="0" smtClean="0">
-                <a:latin typeface="Courier New" pitchFamily="49" charset="0"/>
-                <a:cs typeface="Courier New" pitchFamily="49" charset="0"/>
-              </a:rPr>
-              <a:t>”</a:t>
-            </a:r>
-            <a:endParaRPr lang="en-US" sz="1400" dirty="0">
-              <a:latin typeface="Courier New" pitchFamily="49" charset="0"/>
-              <a:cs typeface="Courier New" pitchFamily="49" charset="0"/>
-            </a:endParaRPr>
-          </a:p>
-          <a:p>
-            <a:pPr marL="0" indent="0">
-              <a:buNone/>
-            </a:pPr>
-            <a:r>
-              <a:rPr lang="en-US" sz="1400" dirty="0" smtClean="0">
-                <a:latin typeface="Courier New" pitchFamily="49" charset="0"/>
-                <a:cs typeface="Courier New" pitchFamily="49" charset="0"/>
-              </a:rPr>
-              <a:t>     Title=“Window1”</a:t>
-            </a:r>
-          </a:p>
-          <a:p>
-            <a:pPr marL="0" indent="0">
-              <a:buNone/>
-            </a:pPr>
-            <a:r>
-              <a:rPr lang="en-US" sz="1400" dirty="0">
-                <a:latin typeface="Courier New" pitchFamily="49" charset="0"/>
-                <a:cs typeface="Courier New" pitchFamily="49" charset="0"/>
-              </a:rPr>
-              <a:t> </a:t>
-            </a:r>
-            <a:r>
-              <a:rPr lang="en-US" sz="1400" dirty="0" smtClean="0">
-                <a:latin typeface="Courier New" pitchFamily="49" charset="0"/>
-                <a:cs typeface="Courier New" pitchFamily="49" charset="0"/>
-              </a:rPr>
-              <a:t>    Height=“300” Width=“300”</a:t>
-            </a:r>
-          </a:p>
-          <a:p>
-            <a:pPr marL="0" indent="0">
-              <a:buNone/>
-            </a:pPr>
-            <a:r>
-              <a:rPr lang="en-US" sz="1400" dirty="0" smtClean="0">
-                <a:latin typeface="Courier New" pitchFamily="49" charset="0"/>
-                <a:cs typeface="Courier New" pitchFamily="49" charset="0"/>
-              </a:rPr>
-              <a:t>&gt;</a:t>
-            </a:r>
-            <a:endParaRPr lang="en-US" sz="1400" dirty="0">
-              <a:latin typeface="Courier New" pitchFamily="49" charset="0"/>
-              <a:cs typeface="Courier New" pitchFamily="49" charset="0"/>
-            </a:endParaRPr>
-          </a:p>
-          <a:p>
-            <a:pPr marL="0" indent="0">
-              <a:buNone/>
-            </a:pPr>
-            <a:r>
-              <a:rPr lang="en-US" sz="1400" dirty="0" smtClean="0">
-                <a:latin typeface="Courier New" pitchFamily="49" charset="0"/>
-                <a:cs typeface="Courier New" pitchFamily="49" charset="0"/>
-              </a:rPr>
-              <a:t>  &lt;</a:t>
-            </a:r>
-            <a:r>
-              <a:rPr lang="en-US" sz="1400" dirty="0">
-                <a:latin typeface="Courier New" pitchFamily="49" charset="0"/>
-                <a:cs typeface="Courier New" pitchFamily="49" charset="0"/>
-              </a:rPr>
-              <a:t>Grid&gt;</a:t>
-            </a:r>
-          </a:p>
-          <a:p>
-            <a:pPr marL="0" indent="0">
-              <a:buNone/>
-            </a:pPr>
-            <a:r>
-              <a:rPr lang="en-US" sz="1400" dirty="0" smtClean="0">
-                <a:latin typeface="Courier New" pitchFamily="49" charset="0"/>
-                <a:cs typeface="Courier New" pitchFamily="49" charset="0"/>
-              </a:rPr>
-              <a:t>  &lt;/</a:t>
-            </a:r>
-            <a:r>
-              <a:rPr lang="en-US" sz="1400" dirty="0">
-                <a:latin typeface="Courier New" pitchFamily="49" charset="0"/>
-                <a:cs typeface="Courier New" pitchFamily="49" charset="0"/>
-              </a:rPr>
-              <a:t>Grid&gt;</a:t>
-            </a:r>
-          </a:p>
-          <a:p>
-            <a:pPr marL="0" indent="0">
-              <a:buNone/>
-            </a:pPr>
-            <a:r>
-              <a:rPr lang="en-US" sz="1400" dirty="0" smtClean="0">
-                <a:latin typeface="Courier New" pitchFamily="49" charset="0"/>
-                <a:cs typeface="Courier New" pitchFamily="49" charset="0"/>
-              </a:rPr>
-              <a:t>&lt;/</a:t>
-            </a:r>
-            <a:r>
-              <a:rPr lang="en-US" sz="1400" dirty="0">
-                <a:latin typeface="Courier New" pitchFamily="49" charset="0"/>
-                <a:cs typeface="Courier New" pitchFamily="49" charset="0"/>
-              </a:rPr>
-              <a:t>Window&gt;</a:t>
-            </a:r>
-          </a:p>
-        </p:txBody>
-      </p:sp>
-      <p:sp>
-        <p:nvSpPr>
-          <p:cNvPr id="4" name="TextBox 3"/>
-          <p:cNvSpPr txBox="1"/>
-          <p:nvPr/>
-        </p:nvSpPr>
-        <p:spPr>
-          <a:xfrm>
-            <a:off x="107504" y="4951413"/>
-            <a:ext cx="8928992" cy="584775"/>
-          </a:xfrm>
-          <a:prstGeom prst="rect">
-            <a:avLst/>
-          </a:prstGeom>
-          <a:noFill/>
-        </p:spPr>
-        <p:txBody>
-          <a:bodyPr wrap="square" rtlCol="0">
-            <a:spAutoFit/>
-          </a:bodyPr>
-          <a:lstStyle/>
-          <a:p>
-            <a:r>
-              <a:rPr lang="en-US" sz="3200" dirty="0" smtClean="0"/>
-              <a:t>Window, Page, Application</a:t>
-            </a:r>
+            <a:r>
+              <a:rPr lang="ru-RU" dirty="0" smtClean="0"/>
+              <a:t>Компилированая версия </a:t>
+            </a:r>
+            <a:r>
+              <a:rPr lang="en-US" dirty="0" smtClean="0"/>
+              <a:t>XAML</a:t>
+            </a:r>
+          </a:p>
+          <a:p>
+            <a:r>
+              <a:rPr lang="ru-RU" dirty="0" smtClean="0"/>
+              <a:t>Хранится </a:t>
+            </a:r>
+            <a:r>
+              <a:rPr lang="ru-RU" smtClean="0"/>
+              <a:t>в ресурсах </a:t>
+            </a:r>
+            <a:r>
+              <a:rPr lang="ru-RU" dirty="0" smtClean="0"/>
+              <a:t>сборки</a:t>
+            </a:r>
+            <a:endParaRPr lang="en-US" dirty="0"/>
           </a:p>
         </p:txBody>
       </p:sp>
     </p:spTree>
     <p:extLst>
       <p:ext uri="{BB962C8B-B14F-4D97-AF65-F5344CB8AC3E}">
-        <p14:creationId xmlns:p14="http://schemas.microsoft.com/office/powerpoint/2010/main" val="1148772594"/>
+        <p14:creationId xmlns:p14="http://schemas.microsoft.com/office/powerpoint/2010/main" val="4123361945"/>
       </p:ext>
     </p:extLst>
   </p:cSld>
@@ -4144,7 +3930,11 @@
           <a:p>
             <a:r>
               <a:rPr lang="ru-RU" dirty="0" smtClean="0"/>
-              <a:t>Свойства</a:t>
+              <a:t>Пример </a:t>
+            </a:r>
+            <a:r>
+              <a:rPr lang="en-US" dirty="0" smtClean="0"/>
+              <a:t>XAML</a:t>
             </a:r>
             <a:endParaRPr lang="en-US" dirty="0"/>
           </a:p>
@@ -4160,192 +3950,340 @@
             <p:ph idx="1"/>
           </p:nvPr>
         </p:nvSpPr>
-        <p:spPr/>
+        <p:spPr>
+          <a:xfrm>
+            <a:off x="457200" y="1600201"/>
+            <a:ext cx="8229600" cy="2620888"/>
+          </a:xfrm>
+        </p:spPr>
         <p:txBody>
           <a:bodyPr>
-            <a:normAutofit fontScale="70000" lnSpcReduction="20000"/>
+            <a:normAutofit/>
           </a:bodyPr>
           <a:lstStyle/>
           <a:p>
-            <a:r>
-              <a:rPr lang="en-US" dirty="0"/>
-              <a:t>Simple Properties and Type </a:t>
-            </a:r>
-            <a:r>
-              <a:rPr lang="en-US" dirty="0" smtClean="0"/>
-              <a:t>Converters</a:t>
-            </a:r>
-            <a:endParaRPr lang="ru-RU" dirty="0" smtClean="0"/>
-          </a:p>
-          <a:p>
-            <a:pPr lvl="1"/>
-            <a:r>
-              <a:rPr lang="en-US" dirty="0" err="1" smtClean="0"/>
-              <a:t>TypeConverter</a:t>
-            </a:r>
-            <a:r>
-              <a:rPr lang="en-US" dirty="0" smtClean="0"/>
-              <a:t>(</a:t>
-            </a:r>
-            <a:r>
-              <a:rPr lang="en-US" dirty="0" err="1" smtClean="0"/>
-              <a:t>typeof</a:t>
-            </a:r>
-            <a:r>
-              <a:rPr lang="en-US" dirty="0" smtClean="0"/>
-              <a:t>(</a:t>
-            </a:r>
-            <a:r>
-              <a:rPr lang="ru-RU" dirty="0" smtClean="0"/>
-              <a:t>ИмяТипа</a:t>
-            </a:r>
-            <a:r>
-              <a:rPr lang="en-US" dirty="0" smtClean="0"/>
-              <a:t>))</a:t>
-            </a:r>
-            <a:endParaRPr lang="ru-RU" dirty="0" smtClean="0"/>
-          </a:p>
-          <a:p>
-            <a:r>
-              <a:rPr lang="en-US" dirty="0"/>
-              <a:t>Complex </a:t>
-            </a:r>
-            <a:r>
-              <a:rPr lang="en-US" dirty="0" smtClean="0"/>
-              <a:t>Properties</a:t>
-            </a:r>
-            <a:r>
-              <a:rPr lang="ru-RU" dirty="0" smtClean="0"/>
+            <a:pPr marL="0" indent="0">
+              <a:buNone/>
+            </a:pPr>
+            <a:r>
+              <a:rPr lang="en-US" sz="1400" dirty="0" smtClean="0">
+                <a:latin typeface="Courier New" pitchFamily="49" charset="0"/>
+                <a:cs typeface="Courier New" pitchFamily="49" charset="0"/>
+              </a:rPr>
+              <a:t>&lt;Window</a:t>
+            </a:r>
+            <a:br>
+              <a:rPr lang="en-US" sz="1400" dirty="0" smtClean="0">
+                <a:latin typeface="Courier New" pitchFamily="49" charset="0"/>
+                <a:cs typeface="Courier New" pitchFamily="49" charset="0"/>
+              </a:rPr>
+            </a:br>
+            <a:r>
+              <a:rPr lang="en-US" sz="1400" dirty="0" smtClean="0">
+                <a:latin typeface="Courier New" pitchFamily="49" charset="0"/>
+                <a:cs typeface="Courier New" pitchFamily="49" charset="0"/>
+              </a:rPr>
+              <a:t>     x:Class=“</a:t>
+            </a:r>
+            <a:r>
+              <a:rPr lang="en-US" sz="1400" dirty="0" smtClean="0">
+                <a:solidFill>
+                  <a:srgbClr val="FFFF00"/>
+                </a:solidFill>
+                <a:latin typeface="Courier New" pitchFamily="49" charset="0"/>
+                <a:cs typeface="Courier New" pitchFamily="49" charset="0"/>
+              </a:rPr>
+              <a:t>WindowsApplication1.Window1</a:t>
+            </a:r>
+            <a:r>
+              <a:rPr lang="en-US" sz="1400" dirty="0" smtClean="0">
+                <a:latin typeface="Courier New" pitchFamily="49" charset="0"/>
+                <a:cs typeface="Courier New" pitchFamily="49" charset="0"/>
+              </a:rPr>
+              <a:t>”</a:t>
+            </a:r>
+            <a:br>
+              <a:rPr lang="en-US" sz="1400" dirty="0" smtClean="0">
+                <a:latin typeface="Courier New" pitchFamily="49" charset="0"/>
+                <a:cs typeface="Courier New" pitchFamily="49" charset="0"/>
+              </a:rPr>
+            </a:br>
+            <a:r>
+              <a:rPr lang="en-US" sz="1400" dirty="0" smtClean="0">
+                <a:latin typeface="Courier New" pitchFamily="49" charset="0"/>
+                <a:cs typeface="Courier New" pitchFamily="49" charset="0"/>
+              </a:rPr>
+              <a:t>     </a:t>
+            </a:r>
+            <a:r>
+              <a:rPr lang="en-US" sz="1400" dirty="0" err="1" smtClean="0">
+                <a:latin typeface="Courier New" pitchFamily="49" charset="0"/>
+                <a:cs typeface="Courier New" pitchFamily="49" charset="0"/>
+              </a:rPr>
+              <a:t>xmlns</a:t>
+            </a:r>
+            <a:r>
+              <a:rPr lang="en-US" sz="1400" dirty="0" smtClean="0">
+                <a:latin typeface="Courier New" pitchFamily="49" charset="0"/>
+                <a:cs typeface="Courier New" pitchFamily="49" charset="0"/>
+              </a:rPr>
+              <a:t>=“http</a:t>
+            </a:r>
+            <a:r>
+              <a:rPr lang="en-US" sz="1400" dirty="0">
+                <a:latin typeface="Courier New" pitchFamily="49" charset="0"/>
+                <a:cs typeface="Courier New" pitchFamily="49" charset="0"/>
+              </a:rPr>
+              <a:t>://</a:t>
+            </a:r>
+            <a:r>
+              <a:rPr lang="en-US" sz="1400" dirty="0" smtClean="0">
+                <a:latin typeface="Courier New" pitchFamily="49" charset="0"/>
+                <a:cs typeface="Courier New" pitchFamily="49" charset="0"/>
+              </a:rPr>
+              <a:t>schemas.microsoft.com/</a:t>
+            </a:r>
+            <a:r>
+              <a:rPr lang="en-US" sz="1400" dirty="0" err="1" smtClean="0">
+                <a:latin typeface="Courier New" pitchFamily="49" charset="0"/>
+                <a:cs typeface="Courier New" pitchFamily="49" charset="0"/>
+              </a:rPr>
+              <a:t>winfx</a:t>
+            </a:r>
+            <a:r>
+              <a:rPr lang="en-US" sz="1400" dirty="0" smtClean="0">
+                <a:latin typeface="Courier New" pitchFamily="49" charset="0"/>
+                <a:cs typeface="Courier New" pitchFamily="49" charset="0"/>
+              </a:rPr>
+              <a:t>/2006/</a:t>
+            </a:r>
+            <a:r>
+              <a:rPr lang="en-US" sz="1400" dirty="0" err="1" smtClean="0">
+                <a:latin typeface="Courier New" pitchFamily="49" charset="0"/>
+                <a:cs typeface="Courier New" pitchFamily="49" charset="0"/>
+              </a:rPr>
+              <a:t>xaml</a:t>
+            </a:r>
+            <a:r>
+              <a:rPr lang="en-US" sz="1400" dirty="0" smtClean="0">
+                <a:latin typeface="Courier New" pitchFamily="49" charset="0"/>
+                <a:cs typeface="Courier New" pitchFamily="49" charset="0"/>
+              </a:rPr>
+              <a:t>/presentation”</a:t>
+            </a:r>
+            <a:br>
+              <a:rPr lang="en-US" sz="1400" dirty="0" smtClean="0">
+                <a:latin typeface="Courier New" pitchFamily="49" charset="0"/>
+                <a:cs typeface="Courier New" pitchFamily="49" charset="0"/>
+              </a:rPr>
+            </a:br>
+            <a:r>
+              <a:rPr lang="en-US" sz="1400" dirty="0" smtClean="0">
+                <a:latin typeface="Courier New" pitchFamily="49" charset="0"/>
+                <a:cs typeface="Courier New" pitchFamily="49" charset="0"/>
+              </a:rPr>
+              <a:t>     </a:t>
+            </a:r>
+            <a:r>
+              <a:rPr lang="en-US" sz="1400" dirty="0" err="1" smtClean="0">
+                <a:latin typeface="Courier New" pitchFamily="49" charset="0"/>
+                <a:cs typeface="Courier New" pitchFamily="49" charset="0"/>
+              </a:rPr>
+              <a:t>xmlns:x</a:t>
+            </a:r>
+            <a:r>
+              <a:rPr lang="en-US" sz="1400" dirty="0" smtClean="0">
+                <a:latin typeface="Courier New" pitchFamily="49" charset="0"/>
+                <a:cs typeface="Courier New" pitchFamily="49" charset="0"/>
+              </a:rPr>
+              <a:t>=“http</a:t>
+            </a:r>
+            <a:r>
+              <a:rPr lang="en-US" sz="1400" dirty="0">
+                <a:latin typeface="Courier New" pitchFamily="49" charset="0"/>
+                <a:cs typeface="Courier New" pitchFamily="49" charset="0"/>
+              </a:rPr>
+              <a:t>://</a:t>
+            </a:r>
+            <a:r>
+              <a:rPr lang="en-US" sz="1400" dirty="0" smtClean="0">
+                <a:latin typeface="Courier New" pitchFamily="49" charset="0"/>
+                <a:cs typeface="Courier New" pitchFamily="49" charset="0"/>
+              </a:rPr>
+              <a:t>schemas.microsoft.com/</a:t>
+            </a:r>
+            <a:r>
+              <a:rPr lang="en-US" sz="1400" dirty="0" err="1" smtClean="0">
+                <a:latin typeface="Courier New" pitchFamily="49" charset="0"/>
+                <a:cs typeface="Courier New" pitchFamily="49" charset="0"/>
+              </a:rPr>
+              <a:t>winfx</a:t>
+            </a:r>
+            <a:r>
+              <a:rPr lang="en-US" sz="1400" dirty="0" smtClean="0">
+                <a:latin typeface="Courier New" pitchFamily="49" charset="0"/>
+                <a:cs typeface="Courier New" pitchFamily="49" charset="0"/>
+              </a:rPr>
+              <a:t>/2006/</a:t>
+            </a:r>
+            <a:r>
+              <a:rPr lang="en-US" sz="1400" dirty="0" err="1" smtClean="0">
+                <a:latin typeface="Courier New" pitchFamily="49" charset="0"/>
+                <a:cs typeface="Courier New" pitchFamily="49" charset="0"/>
+              </a:rPr>
+              <a:t>xaml</a:t>
+            </a:r>
+            <a:r>
+              <a:rPr lang="en-US" sz="1400" dirty="0" smtClean="0">
+                <a:latin typeface="Courier New" pitchFamily="49" charset="0"/>
+                <a:cs typeface="Courier New" pitchFamily="49" charset="0"/>
+              </a:rPr>
+              <a:t>”</a:t>
+            </a:r>
+            <a:endParaRPr lang="en-US" sz="1400" dirty="0">
+              <a:latin typeface="Courier New" pitchFamily="49" charset="0"/>
+              <a:cs typeface="Courier New" pitchFamily="49" charset="0"/>
+            </a:endParaRPr>
+          </a:p>
+          <a:p>
+            <a:pPr marL="0" indent="0">
+              <a:buNone/>
+            </a:pPr>
+            <a:r>
+              <a:rPr lang="en-US" sz="1400" dirty="0" smtClean="0">
+                <a:latin typeface="Courier New" pitchFamily="49" charset="0"/>
+                <a:cs typeface="Courier New" pitchFamily="49" charset="0"/>
+              </a:rPr>
+              <a:t>     Title=“Window1”</a:t>
+            </a:r>
+          </a:p>
+          <a:p>
+            <a:pPr marL="0" indent="0">
+              <a:buNone/>
+            </a:pPr>
+            <a:r>
+              <a:rPr lang="en-US" sz="1400" dirty="0">
+                <a:latin typeface="Courier New" pitchFamily="49" charset="0"/>
+                <a:cs typeface="Courier New" pitchFamily="49" charset="0"/>
+              </a:rPr>
               <a:t> </a:t>
             </a:r>
             <a:r>
-              <a:rPr lang="en-US" dirty="0"/>
-              <a:t>and property-element </a:t>
-            </a:r>
-            <a:r>
-              <a:rPr lang="en-US" dirty="0" smtClean="0"/>
-              <a:t>syntax</a:t>
-            </a:r>
-          </a:p>
-          <a:p>
-            <a:pPr lvl="1"/>
-            <a:r>
-              <a:rPr lang="en-US" dirty="0" err="1" smtClean="0"/>
-              <a:t>EightBall</a:t>
-            </a:r>
-            <a:r>
-              <a:rPr lang="en-US" dirty="0" smtClean="0"/>
-              <a:t> demo (Chapter02)</a:t>
-            </a:r>
-          </a:p>
-          <a:p>
-            <a:r>
-              <a:rPr lang="en-US" dirty="0"/>
-              <a:t>Markup </a:t>
-            </a:r>
-            <a:r>
-              <a:rPr lang="en-US" dirty="0" smtClean="0"/>
-              <a:t>Extensions</a:t>
-            </a:r>
-          </a:p>
-          <a:p>
-            <a:pPr lvl="1"/>
-            <a:r>
-              <a:rPr lang="ru-RU" dirty="0" smtClean="0"/>
-              <a:t>Для ссылок на другие объекты или для подстановки динамических значений</a:t>
-            </a:r>
-          </a:p>
-          <a:p>
-            <a:pPr lvl="1"/>
-            <a:r>
-              <a:rPr lang="en-US" dirty="0"/>
-              <a:t>&lt;Button ... Foreground="{</a:t>
-            </a:r>
-            <a:r>
-              <a:rPr lang="en-US" dirty="0" err="1"/>
-              <a:t>x:Static</a:t>
-            </a:r>
-            <a:r>
-              <a:rPr lang="en-US" dirty="0"/>
-              <a:t> </a:t>
-            </a:r>
-            <a:r>
-              <a:rPr lang="en-US" dirty="0" err="1"/>
-              <a:t>SystemColors.ActiveCaptionBrush</a:t>
-            </a:r>
-            <a:r>
-              <a:rPr lang="en-US" dirty="0"/>
-              <a:t>}" &gt;</a:t>
-            </a:r>
-            <a:endParaRPr lang="ru-RU" dirty="0" smtClean="0"/>
-          </a:p>
-          <a:p>
-            <a:pPr lvl="1"/>
-            <a:r>
-              <a:rPr lang="en-US" dirty="0" err="1" smtClean="0"/>
-              <a:t>System.Windows.Markup.MarkupExtension</a:t>
-            </a:r>
-            <a:endParaRPr lang="ru-RU" dirty="0" smtClean="0"/>
-          </a:p>
-          <a:p>
-            <a:r>
-              <a:rPr lang="en-US" dirty="0" smtClean="0"/>
-              <a:t>Attached properties</a:t>
-            </a:r>
-          </a:p>
-          <a:p>
-            <a:pPr lvl="1"/>
-            <a:r>
-              <a:rPr lang="en-US" dirty="0"/>
-              <a:t>&lt;</a:t>
-            </a:r>
-            <a:r>
-              <a:rPr lang="en-US" dirty="0" err="1"/>
-              <a:t>TextBox</a:t>
-            </a:r>
-            <a:r>
-              <a:rPr lang="en-US" dirty="0"/>
-              <a:t> ... </a:t>
-            </a:r>
-            <a:r>
-              <a:rPr lang="en-US" dirty="0" err="1"/>
-              <a:t>Grid.Row</a:t>
-            </a:r>
-            <a:r>
-              <a:rPr lang="en-US" dirty="0"/>
-              <a:t>="0</a:t>
-            </a:r>
-            <a:r>
-              <a:rPr lang="en-US" dirty="0" smtClean="0"/>
-              <a:t>"&gt;</a:t>
-            </a:r>
-          </a:p>
-          <a:p>
-            <a:pPr lvl="1"/>
-            <a:r>
-              <a:rPr lang="ru-RU" dirty="0" smtClean="0"/>
-              <a:t>Транслируются в вызовы методов </a:t>
-            </a:r>
-            <a:r>
-              <a:rPr lang="en-US" dirty="0" err="1"/>
-              <a:t>DefiningType.SetPropertyName</a:t>
-            </a:r>
-            <a:r>
-              <a:rPr lang="en-US" dirty="0"/>
-              <a:t>()</a:t>
-            </a:r>
-            <a:endParaRPr lang="ru-RU" dirty="0" smtClean="0"/>
-          </a:p>
-          <a:p>
-            <a:pPr lvl="1"/>
-            <a:endParaRPr lang="en-US" dirty="0"/>
+              <a:rPr lang="en-US" sz="1400" dirty="0" smtClean="0">
+                <a:latin typeface="Courier New" pitchFamily="49" charset="0"/>
+                <a:cs typeface="Courier New" pitchFamily="49" charset="0"/>
+              </a:rPr>
+              <a:t>    Height=“300” Width=“300”</a:t>
+            </a:r>
+          </a:p>
+          <a:p>
+            <a:pPr marL="0" indent="0">
+              <a:buNone/>
+            </a:pPr>
+            <a:r>
+              <a:rPr lang="en-US" sz="1400" dirty="0" smtClean="0">
+                <a:latin typeface="Courier New" pitchFamily="49" charset="0"/>
+                <a:cs typeface="Courier New" pitchFamily="49" charset="0"/>
+              </a:rPr>
+              <a:t>&gt;</a:t>
+            </a:r>
+            <a:endParaRPr lang="en-US" sz="1400" dirty="0">
+              <a:latin typeface="Courier New" pitchFamily="49" charset="0"/>
+              <a:cs typeface="Courier New" pitchFamily="49" charset="0"/>
+            </a:endParaRPr>
+          </a:p>
+          <a:p>
+            <a:pPr marL="0" indent="0">
+              <a:buNone/>
+            </a:pPr>
+            <a:r>
+              <a:rPr lang="en-US" sz="1400" dirty="0" smtClean="0">
+                <a:latin typeface="Courier New" pitchFamily="49" charset="0"/>
+                <a:cs typeface="Courier New" pitchFamily="49" charset="0"/>
+              </a:rPr>
+              <a:t>  &lt;</a:t>
+            </a:r>
+            <a:r>
+              <a:rPr lang="en-US" sz="1400" dirty="0">
+                <a:latin typeface="Courier New" pitchFamily="49" charset="0"/>
+                <a:cs typeface="Courier New" pitchFamily="49" charset="0"/>
+              </a:rPr>
+              <a:t>Grid&gt;</a:t>
+            </a:r>
+          </a:p>
+          <a:p>
+            <a:pPr marL="0" indent="0">
+              <a:buNone/>
+            </a:pPr>
+            <a:r>
+              <a:rPr lang="en-US" sz="1400" dirty="0" smtClean="0">
+                <a:latin typeface="Courier New" pitchFamily="49" charset="0"/>
+                <a:cs typeface="Courier New" pitchFamily="49" charset="0"/>
+              </a:rPr>
+              <a:t>  &lt;/</a:t>
+            </a:r>
+            <a:r>
+              <a:rPr lang="en-US" sz="1400" dirty="0">
+                <a:latin typeface="Courier New" pitchFamily="49" charset="0"/>
+                <a:cs typeface="Courier New" pitchFamily="49" charset="0"/>
+              </a:rPr>
+              <a:t>Grid&gt;</a:t>
+            </a:r>
+          </a:p>
+          <a:p>
+            <a:pPr marL="0" indent="0">
+              <a:buNone/>
+            </a:pPr>
+            <a:r>
+              <a:rPr lang="en-US" sz="1400" dirty="0" smtClean="0">
+                <a:latin typeface="Courier New" pitchFamily="49" charset="0"/>
+                <a:cs typeface="Courier New" pitchFamily="49" charset="0"/>
+              </a:rPr>
+              <a:t>&lt;/</a:t>
+            </a:r>
+            <a:r>
+              <a:rPr lang="en-US" sz="1400" dirty="0">
+                <a:latin typeface="Courier New" pitchFamily="49" charset="0"/>
+                <a:cs typeface="Courier New" pitchFamily="49" charset="0"/>
+              </a:rPr>
+              <a:t>Window&gt;</a:t>
+            </a:r>
+          </a:p>
+        </p:txBody>
+      </p:sp>
+      <p:sp>
+        <p:nvSpPr>
+          <p:cNvPr id="4" name="TextBox 3"/>
+          <p:cNvSpPr txBox="1"/>
+          <p:nvPr/>
+        </p:nvSpPr>
+        <p:spPr>
+          <a:xfrm>
+            <a:off x="107504" y="4951413"/>
+            <a:ext cx="8928992" cy="584775"/>
+          </a:xfrm>
+          <a:prstGeom prst="rect">
+            <a:avLst/>
+          </a:prstGeom>
+          <a:noFill/>
+        </p:spPr>
+        <p:txBody>
+          <a:bodyPr wrap="square" rtlCol="0">
+            <a:spAutoFit/>
+          </a:bodyPr>
+          <a:lstStyle/>
+          <a:p>
+            <a:r>
+              <a:rPr lang="en-US" sz="3200" dirty="0" smtClean="0"/>
+              <a:t>Window, Page, Application</a:t>
+            </a:r>
           </a:p>
         </p:txBody>
       </p:sp>
     </p:spTree>
     <p:extLst>
       <p:ext uri="{BB962C8B-B14F-4D97-AF65-F5344CB8AC3E}">
-        <p14:creationId xmlns:p14="http://schemas.microsoft.com/office/powerpoint/2010/main" val="3238612866"/>
+        <p14:creationId xmlns:p14="http://schemas.microsoft.com/office/powerpoint/2010/main" val="1148772594"/>
       </p:ext>
     </p:extLst>
   </p:cSld>
@@ -4396,7 +4334,7 @@
           <a:p>
             <a:r>
               <a:rPr lang="ru-RU" dirty="0" smtClean="0"/>
-              <a:t>Типы из других сборок</a:t>
+              <a:t>Свойства</a:t>
             </a:r>
             <a:endParaRPr lang="en-US" dirty="0"/>
           </a:p>
@@ -4414,126 +4352,179 @@
         </p:nvSpPr>
         <p:spPr/>
         <p:txBody>
-          <a:bodyPr/>
+          <a:bodyPr>
+            <a:normAutofit fontScale="70000" lnSpcReduction="20000"/>
+          </a:bodyPr>
           <a:lstStyle/>
           <a:p>
             <a:r>
-              <a:rPr lang="en-US" sz="2000" dirty="0" err="1"/>
-              <a:t>xmlns:Prefix</a:t>
-            </a:r>
-            <a:r>
-              <a:rPr lang="en-US" sz="2000" dirty="0"/>
-              <a:t>="</a:t>
-            </a:r>
-            <a:r>
-              <a:rPr lang="en-US" sz="2000" dirty="0" err="1" smtClean="0"/>
-              <a:t>clr-namespace:Namespace;assembly</a:t>
-            </a:r>
-            <a:r>
-              <a:rPr lang="en-US" sz="2000" dirty="0" smtClean="0"/>
-              <a:t>=</a:t>
-            </a:r>
-            <a:r>
-              <a:rPr lang="en-US" sz="2000" dirty="0" err="1" smtClean="0"/>
-              <a:t>AssemblyName</a:t>
-            </a:r>
-            <a:r>
-              <a:rPr lang="en-US" sz="2000" dirty="0" smtClean="0"/>
-              <a:t>“</a:t>
-            </a:r>
+              <a:rPr lang="en-US" dirty="0"/>
+              <a:t>Simple Properties and Type </a:t>
+            </a:r>
+            <a:r>
+              <a:rPr lang="en-US" dirty="0" smtClean="0"/>
+              <a:t>Converters</a:t>
+            </a:r>
+            <a:endParaRPr lang="ru-RU" dirty="0" smtClean="0"/>
           </a:p>
           <a:p>
             <a:pPr lvl="1"/>
             <a:r>
-              <a:rPr lang="en-US" sz="2000" dirty="0" err="1"/>
-              <a:t>xmlns:sys</a:t>
-            </a:r>
-            <a:r>
-              <a:rPr lang="en-US" sz="2000" dirty="0"/>
-              <a:t>="</a:t>
-            </a:r>
-            <a:r>
-              <a:rPr lang="en-US" sz="2000" dirty="0" err="1" smtClean="0"/>
-              <a:t>clr-namespace:System;assembly</a:t>
-            </a:r>
-            <a:r>
-              <a:rPr lang="en-US" sz="2000" dirty="0" smtClean="0"/>
-              <a:t>=</a:t>
-            </a:r>
-            <a:r>
-              <a:rPr lang="en-US" sz="2000" dirty="0" err="1" smtClean="0"/>
-              <a:t>mscorlib</a:t>
-            </a:r>
-            <a:r>
-              <a:rPr lang="en-US" sz="2000" dirty="0" smtClean="0"/>
-              <a:t>“</a:t>
-            </a:r>
-          </a:p>
-          <a:p>
-            <a:pPr lvl="2"/>
-            <a:r>
-              <a:rPr lang="en-US" sz="2000" dirty="0"/>
+              <a:rPr lang="en-US" dirty="0" err="1" smtClean="0"/>
+              <a:t>TypeConverter</a:t>
+            </a:r>
+            <a:r>
+              <a:rPr lang="en-US" dirty="0" smtClean="0"/>
+              <a:t>(</a:t>
+            </a:r>
+            <a:r>
+              <a:rPr lang="en-US" dirty="0" err="1" smtClean="0"/>
+              <a:t>typeof</a:t>
+            </a:r>
+            <a:r>
+              <a:rPr lang="en-US" dirty="0" smtClean="0"/>
+              <a:t>(</a:t>
+            </a:r>
+            <a:r>
+              <a:rPr lang="ru-RU" dirty="0" smtClean="0"/>
+              <a:t>ИмяТипа</a:t>
+            </a:r>
+            <a:r>
+              <a:rPr lang="en-US" dirty="0" smtClean="0"/>
+              <a:t>))</a:t>
+            </a:r>
+            <a:endParaRPr lang="ru-RU" dirty="0" smtClean="0"/>
+          </a:p>
+          <a:p>
+            <a:r>
+              <a:rPr lang="en-US" dirty="0"/>
+              <a:t>Complex </a:t>
+            </a:r>
+            <a:r>
+              <a:rPr lang="en-US" dirty="0" smtClean="0"/>
+              <a:t>Properties</a:t>
+            </a:r>
+            <a:r>
+              <a:rPr lang="ru-RU" dirty="0" smtClean="0"/>
+              <a:t> </a:t>
+            </a:r>
+            <a:r>
+              <a:rPr lang="en-US" dirty="0"/>
+              <a:t>and property-element </a:t>
+            </a:r>
+            <a:r>
+              <a:rPr lang="en-US" dirty="0" smtClean="0"/>
+              <a:t>syntax</a:t>
+            </a:r>
+          </a:p>
+          <a:p>
+            <a:pPr lvl="1"/>
+            <a:r>
+              <a:rPr lang="en-US" dirty="0" err="1" smtClean="0"/>
+              <a:t>EightBall</a:t>
+            </a:r>
+            <a:r>
+              <a:rPr lang="en-US" dirty="0" smtClean="0"/>
+              <a:t> demo (Chapter02)</a:t>
+            </a:r>
+          </a:p>
+          <a:p>
+            <a:r>
+              <a:rPr lang="en-US" dirty="0"/>
+              <a:t>Markup </a:t>
+            </a:r>
+            <a:r>
+              <a:rPr lang="en-US" dirty="0" smtClean="0"/>
+              <a:t>Extensions</a:t>
+            </a:r>
+          </a:p>
+          <a:p>
+            <a:pPr lvl="1"/>
+            <a:r>
+              <a:rPr lang="ru-RU" dirty="0" smtClean="0"/>
+              <a:t>Для ссылок на другие объекты или для подстановки динамических значений</a:t>
+            </a:r>
+          </a:p>
+          <a:p>
+            <a:pPr lvl="1"/>
+            <a:r>
+              <a:rPr lang="en-US" dirty="0"/>
+              <a:t>&lt;Button ... Foreground="{</a:t>
+            </a:r>
+            <a:r>
+              <a:rPr lang="en-US" dirty="0" err="1"/>
+              <a:t>x:Static</a:t>
+            </a:r>
+            <a:r>
+              <a:rPr lang="en-US" dirty="0"/>
+              <a:t> </a:t>
+            </a:r>
+            <a:r>
+              <a:rPr lang="en-US" dirty="0" err="1"/>
+              <a:t>SystemColors.ActiveCaptionBrush</a:t>
+            </a:r>
+            <a:r>
+              <a:rPr lang="en-US" dirty="0"/>
+              <a:t>}" &gt;</a:t>
+            </a:r>
+            <a:endParaRPr lang="ru-RU" dirty="0" smtClean="0"/>
+          </a:p>
+          <a:p>
+            <a:pPr lvl="1"/>
+            <a:r>
+              <a:rPr lang="en-US" dirty="0" err="1" smtClean="0"/>
+              <a:t>System.Windows.Markup.MarkupExtension</a:t>
+            </a:r>
+            <a:endParaRPr lang="ru-RU" dirty="0" smtClean="0"/>
+          </a:p>
+          <a:p>
+            <a:r>
+              <a:rPr lang="en-US" dirty="0" smtClean="0"/>
+              <a:t>Attached properties</a:t>
+            </a:r>
+          </a:p>
+          <a:p>
+            <a:pPr lvl="1"/>
+            <a:r>
+              <a:rPr lang="en-US" dirty="0"/>
               <a:t>&lt;</a:t>
             </a:r>
             <a:r>
-              <a:rPr lang="en-US" sz="2000" dirty="0" err="1"/>
-              <a:t>sys:DateTime</a:t>
-            </a:r>
-            <a:r>
-              <a:rPr lang="en-US" sz="2000" dirty="0"/>
-              <a:t>&gt;10/30/2010 4:30 PM&lt;/</a:t>
-            </a:r>
-            <a:r>
-              <a:rPr lang="en-US" sz="2000" dirty="0" err="1"/>
-              <a:t>sys:DateTime</a:t>
-            </a:r>
-            <a:r>
-              <a:rPr lang="en-US" sz="2000" dirty="0"/>
-              <a:t>&gt;</a:t>
+              <a:rPr lang="en-US" dirty="0" err="1"/>
+              <a:t>TextBox</a:t>
+            </a:r>
+            <a:r>
+              <a:rPr lang="en-US" dirty="0"/>
+              <a:t> ... </a:t>
+            </a:r>
+            <a:r>
+              <a:rPr lang="en-US" dirty="0" err="1"/>
+              <a:t>Grid.Row</a:t>
+            </a:r>
+            <a:r>
+              <a:rPr lang="en-US" dirty="0"/>
+              <a:t>="0</a:t>
+            </a:r>
+            <a:r>
+              <a:rPr lang="en-US" dirty="0" smtClean="0"/>
+              <a:t>"&gt;</a:t>
             </a:r>
           </a:p>
           <a:p>
             <a:pPr lvl="1"/>
             <a:r>
-              <a:rPr lang="en-US" sz="2000" dirty="0" err="1" smtClean="0"/>
-              <a:t>xmlns:local</a:t>
-            </a:r>
-            <a:r>
-              <a:rPr lang="en-US" sz="2000" dirty="0"/>
-              <a:t>="</a:t>
-            </a:r>
-            <a:r>
-              <a:rPr lang="en-US" sz="2000" dirty="0" err="1" smtClean="0"/>
-              <a:t>clr-namespace:MyNamespace</a:t>
-            </a:r>
-            <a:r>
-              <a:rPr lang="en-US" sz="2000" dirty="0" smtClean="0"/>
-              <a:t>“</a:t>
-            </a:r>
-          </a:p>
-          <a:p>
-            <a:pPr lvl="2"/>
-            <a:r>
-              <a:rPr lang="en-US" sz="2000" dirty="0" smtClean="0"/>
-              <a:t>&lt;</a:t>
-            </a:r>
-            <a:r>
-              <a:rPr lang="en-US" sz="2000" dirty="0" err="1"/>
-              <a:t>local:MyObject</a:t>
-            </a:r>
-            <a:r>
-              <a:rPr lang="en-US" sz="2000" dirty="0"/>
-              <a:t> ...&gt;&lt;/</a:t>
-            </a:r>
-            <a:r>
-              <a:rPr lang="en-US" sz="2000" dirty="0" err="1"/>
-              <a:t>local:MyObject</a:t>
-            </a:r>
-            <a:r>
-              <a:rPr lang="en-US" sz="2000" dirty="0"/>
-              <a:t>&gt;</a:t>
-            </a:r>
-            <a:endParaRPr lang="ru-RU" sz="2000" dirty="0" smtClean="0"/>
+              <a:rPr lang="ru-RU" dirty="0" smtClean="0"/>
+              <a:t>Транслируются в вызовы методов </a:t>
+            </a:r>
+            <a:r>
+              <a:rPr lang="en-US" dirty="0" err="1"/>
+              <a:t>DefiningType.SetPropertyName</a:t>
+            </a:r>
+            <a:r>
+              <a:rPr lang="en-US" dirty="0"/>
+              <a:t>()</a:t>
+            </a:r>
+            <a:endParaRPr lang="ru-RU" dirty="0" smtClean="0"/>
           </a:p>
           <a:p>
             <a:pPr lvl="1"/>
@@ -4544,7 +4535,7 @@
     </p:spTree>
     <p:extLst>
       <p:ext uri="{BB962C8B-B14F-4D97-AF65-F5344CB8AC3E}">
-        <p14:creationId xmlns:p14="http://schemas.microsoft.com/office/powerpoint/2010/main" val="2666370571"/>
+        <p14:creationId xmlns:p14="http://schemas.microsoft.com/office/powerpoint/2010/main" val="3238612866"/>
       </p:ext>
     </p:extLst>
   </p:cSld>
@@ -4595,11 +4586,7 @@
           <a:p>
             <a:r>
               <a:rPr lang="ru-RU" dirty="0" smtClean="0"/>
-              <a:t>Модели работы с </a:t>
-            </a:r>
-            <a:r>
-              <a:rPr lang="en-US" dirty="0" smtClean="0"/>
-              <a:t>XAML</a:t>
+              <a:t>Типы из других сборок</a:t>
             </a:r>
             <a:endParaRPr lang="en-US" dirty="0"/>
           </a:p>
@@ -4617,89 +4604,129 @@
         </p:nvSpPr>
         <p:spPr/>
         <p:txBody>
-          <a:bodyPr>
-            <a:normAutofit lnSpcReduction="10000"/>
-          </a:bodyPr>
+          <a:bodyPr/>
           <a:lstStyle/>
           <a:p>
             <a:r>
-              <a:rPr lang="en-US" dirty="0"/>
-              <a:t>Code and compiled markup (BAML)</a:t>
+              <a:rPr lang="en-US" sz="2000" dirty="0" err="1"/>
+              <a:t>xmlns:Prefix</a:t>
+            </a:r>
+            <a:r>
+              <a:rPr lang="en-US" sz="2000" dirty="0"/>
+              <a:t>="</a:t>
+            </a:r>
+            <a:r>
+              <a:rPr lang="en-US" sz="2000" dirty="0" err="1" smtClean="0"/>
+              <a:t>clr-namespace:Namespace;assembly</a:t>
+            </a:r>
+            <a:r>
+              <a:rPr lang="en-US" sz="2000" dirty="0" smtClean="0"/>
+              <a:t>=</a:t>
+            </a:r>
+            <a:r>
+              <a:rPr lang="en-US" sz="2000" dirty="0" err="1" smtClean="0"/>
+              <a:t>AssemblyName</a:t>
+            </a:r>
+            <a:r>
+              <a:rPr lang="en-US" sz="2000" dirty="0" smtClean="0"/>
+              <a:t>“</a:t>
             </a:r>
           </a:p>
           <a:p>
             <a:pPr lvl="1"/>
             <a:r>
-              <a:rPr lang="ru-RU" dirty="0"/>
-              <a:t>Предпочтительный подход используемый по </a:t>
-            </a:r>
-            <a:r>
-              <a:rPr lang="ru-RU" dirty="0" smtClean="0"/>
-              <a:t>умолчанию</a:t>
-            </a:r>
-          </a:p>
-          <a:p>
-            <a:r>
-              <a:rPr lang="en-US" dirty="0"/>
-              <a:t>Code and </a:t>
-            </a:r>
-            <a:r>
-              <a:rPr lang="en-US" dirty="0" err="1"/>
-              <a:t>uncompiled</a:t>
-            </a:r>
-            <a:r>
-              <a:rPr lang="en-US" dirty="0"/>
-              <a:t> markup (XAML)</a:t>
+              <a:rPr lang="en-US" sz="2000" dirty="0" err="1"/>
+              <a:t>xmlns:sys</a:t>
+            </a:r>
+            <a:r>
+              <a:rPr lang="en-US" sz="2000" dirty="0"/>
+              <a:t>="</a:t>
+            </a:r>
+            <a:r>
+              <a:rPr lang="en-US" sz="2000" dirty="0" err="1" smtClean="0"/>
+              <a:t>clr-namespace:System;assembly</a:t>
+            </a:r>
+            <a:r>
+              <a:rPr lang="en-US" sz="2000" dirty="0" smtClean="0"/>
+              <a:t>=</a:t>
+            </a:r>
+            <a:r>
+              <a:rPr lang="en-US" sz="2000" dirty="0" err="1" smtClean="0"/>
+              <a:t>mscorlib</a:t>
+            </a:r>
+            <a:r>
+              <a:rPr lang="en-US" sz="2000" dirty="0" smtClean="0"/>
+              <a:t>“</a:t>
+            </a:r>
+          </a:p>
+          <a:p>
+            <a:pPr lvl="2"/>
+            <a:r>
+              <a:rPr lang="en-US" sz="2000" dirty="0"/>
+              <a:t>&lt;</a:t>
+            </a:r>
+            <a:r>
+              <a:rPr lang="en-US" sz="2000" dirty="0" err="1"/>
+              <a:t>sys:DateTime</a:t>
+            </a:r>
+            <a:r>
+              <a:rPr lang="en-US" sz="2000" dirty="0"/>
+              <a:t>&gt;10/30/2010 4:30 PM&lt;/</a:t>
+            </a:r>
+            <a:r>
+              <a:rPr lang="en-US" sz="2000" dirty="0" err="1"/>
+              <a:t>sys:DateTime</a:t>
+            </a:r>
+            <a:r>
+              <a:rPr lang="en-US" sz="2000" dirty="0"/>
+              <a:t>&gt;</a:t>
             </a:r>
           </a:p>
           <a:p>
             <a:pPr lvl="1"/>
             <a:r>
-              <a:rPr lang="ru-RU" dirty="0"/>
-              <a:t>Полезен для динамических интерфейсов. Читаем </a:t>
-            </a:r>
-            <a:r>
-              <a:rPr lang="en-US" dirty="0"/>
-              <a:t>XAML c </a:t>
-            </a:r>
-            <a:r>
-              <a:rPr lang="ru-RU" dirty="0"/>
-              <a:t>помощью класса </a:t>
-            </a:r>
-            <a:r>
-              <a:rPr lang="en-US" dirty="0" err="1"/>
-              <a:t>System.Windows.Markup</a:t>
-            </a:r>
-            <a:r>
-              <a:rPr lang="ru-RU" dirty="0"/>
-              <a:t>.</a:t>
-            </a:r>
-            <a:r>
-              <a:rPr lang="en-US" dirty="0" err="1" smtClean="0"/>
-              <a:t>XamlReader</a:t>
-            </a:r>
-            <a:endParaRPr lang="ru-RU" dirty="0" smtClean="0"/>
-          </a:p>
-          <a:p>
-            <a:r>
-              <a:rPr lang="en-US" dirty="0" smtClean="0"/>
-              <a:t>Code-only</a:t>
-            </a:r>
-            <a:endParaRPr lang="ru-RU" dirty="0" smtClean="0"/>
+              <a:rPr lang="en-US" sz="2000" dirty="0" err="1" smtClean="0"/>
+              <a:t>xmlns:local</a:t>
+            </a:r>
+            <a:r>
+              <a:rPr lang="en-US" sz="2000" dirty="0"/>
+              <a:t>="</a:t>
+            </a:r>
+            <a:r>
+              <a:rPr lang="en-US" sz="2000" dirty="0" err="1" smtClean="0"/>
+              <a:t>clr-namespace:MyNamespace</a:t>
+            </a:r>
+            <a:r>
+              <a:rPr lang="en-US" sz="2000" dirty="0" smtClean="0"/>
+              <a:t>“</a:t>
+            </a:r>
+          </a:p>
+          <a:p>
+            <a:pPr lvl="2"/>
+            <a:r>
+              <a:rPr lang="en-US" sz="2000" dirty="0" smtClean="0"/>
+              <a:t>&lt;</a:t>
+            </a:r>
+            <a:r>
+              <a:rPr lang="en-US" sz="2000" dirty="0" err="1"/>
+              <a:t>local:MyObject</a:t>
+            </a:r>
+            <a:r>
+              <a:rPr lang="en-US" sz="2000" dirty="0"/>
+              <a:t> ...&gt;&lt;/</a:t>
+            </a:r>
+            <a:r>
+              <a:rPr lang="en-US" sz="2000" dirty="0" err="1"/>
+              <a:t>local:MyObject</a:t>
+            </a:r>
+            <a:r>
+              <a:rPr lang="en-US" sz="2000" dirty="0"/>
+              <a:t>&gt;</a:t>
+            </a:r>
+            <a:endParaRPr lang="ru-RU" sz="2000" dirty="0" smtClean="0"/>
           </a:p>
           <a:p>
             <a:pPr lvl="1"/>
-            <a:r>
-              <a:rPr lang="ru-RU" dirty="0" smtClean="0"/>
-              <a:t>Традиционный подход из </a:t>
-            </a:r>
-            <a:r>
-              <a:rPr lang="en-US" dirty="0" err="1" smtClean="0"/>
-              <a:t>WinForms</a:t>
-            </a:r>
-            <a:endParaRPr lang="en-US" dirty="0" smtClean="0"/>
-          </a:p>
-          <a:p>
             <a:endParaRPr lang="en-US" dirty="0"/>
           </a:p>
         </p:txBody>
@@ -4707,13 +4734,20 @@
     </p:spTree>
     <p:extLst>
       <p:ext uri="{BB962C8B-B14F-4D97-AF65-F5344CB8AC3E}">
-        <p14:creationId xmlns:p14="http://schemas.microsoft.com/office/powerpoint/2010/main" val="3561738914"/>
+        <p14:creationId xmlns:p14="http://schemas.microsoft.com/office/powerpoint/2010/main" val="2666370571"/>
       </p:ext>
     </p:extLst>
   </p:cSld>
   <p:clrMapOvr>
     <a:masterClrMapping/>
   </p:clrMapOvr>
+  <p:timing>
+    <p:tnLst>
+      <p:par>
+        <p:cTn id="1" dur="indefinite" restart="never" nodeType="tmRoot"/>
+      </p:par>
+    </p:tnLst>
+  </p:timing>
 </p:sld>
 </file>
 
@@ -4750,16 +4784,12 @@
           <a:lstStyle/>
           <a:p>
             <a:r>
+              <a:rPr lang="ru-RU" dirty="0" smtClean="0"/>
+              <a:t>Модели работы с </a:t>
+            </a:r>
+            <a:r>
               <a:rPr lang="en-US" dirty="0" smtClean="0"/>
-              <a:t>Layout</a:t>
-            </a:r>
-            <a:r>
-              <a:rPr lang="ru-RU" dirty="0" smtClean="0"/>
-              <a:t> в </a:t>
-            </a:r>
-            <a:r>
-              <a:rPr lang="en-US" dirty="0" smtClean="0"/>
-              <a:t>Windows Forms</a:t>
+              <a:t>XAML</a:t>
             </a:r>
             <a:endParaRPr lang="en-US" dirty="0"/>
           </a:p>
@@ -4777,71 +4807,89 @@
         </p:nvSpPr>
         <p:spPr/>
         <p:txBody>
-          <a:bodyPr/>
+          <a:bodyPr>
+            <a:normAutofit lnSpcReduction="10000"/>
+          </a:bodyPr>
           <a:lstStyle/>
           <a:p>
             <a:r>
+              <a:rPr lang="en-US" dirty="0"/>
+              <a:t>Code and compiled markup (BAML)</a:t>
+            </a:r>
+          </a:p>
+          <a:p>
+            <a:pPr lvl="1"/>
+            <a:r>
+              <a:rPr lang="ru-RU" dirty="0"/>
+              <a:t>Предпочтительный подход используемый по </a:t>
+            </a:r>
+            <a:r>
               <a:rPr lang="ru-RU" dirty="0" smtClean="0"/>
-              <a:t>Жестко заданные координаты и размеры элементов управления</a:t>
+              <a:t>умолчанию</a:t>
+            </a:r>
+          </a:p>
+          <a:p>
+            <a:r>
+              <a:rPr lang="en-US" dirty="0"/>
+              <a:t>Code and </a:t>
+            </a:r>
+            <a:r>
+              <a:rPr lang="en-US" dirty="0" err="1"/>
+              <a:t>uncompiled</a:t>
+            </a:r>
+            <a:r>
+              <a:rPr lang="en-US" dirty="0"/>
+              <a:t> markup (XAML)</a:t>
+            </a:r>
+          </a:p>
+          <a:p>
+            <a:pPr lvl="1"/>
+            <a:r>
+              <a:rPr lang="ru-RU" dirty="0"/>
+              <a:t>Полезен для динамических интерфейсов. Читаем </a:t>
+            </a:r>
+            <a:r>
+              <a:rPr lang="en-US" dirty="0"/>
+              <a:t>XAML c </a:t>
+            </a:r>
+            <a:r>
+              <a:rPr lang="ru-RU" dirty="0"/>
+              <a:t>помощью класса </a:t>
+            </a:r>
+            <a:r>
+              <a:rPr lang="en-US" dirty="0" err="1"/>
+              <a:t>System.Windows.Markup</a:t>
+            </a:r>
+            <a:r>
+              <a:rPr lang="ru-RU" dirty="0"/>
+              <a:t>.</a:t>
+            </a:r>
+            <a:r>
+              <a:rPr lang="en-US" dirty="0" err="1" smtClean="0"/>
+              <a:t>XamlReader</a:t>
+            </a:r>
+            <a:endParaRPr lang="ru-RU" dirty="0" smtClean="0"/>
+          </a:p>
+          <a:p>
+            <a:r>
+              <a:rPr lang="en-US" dirty="0" smtClean="0"/>
+              <a:t>Code-only</a:t>
+            </a:r>
+            <a:endParaRPr lang="ru-RU" dirty="0" smtClean="0"/>
+          </a:p>
+          <a:p>
+            <a:pPr lvl="1"/>
+            <a:r>
+              <a:rPr lang="ru-RU" dirty="0" smtClean="0"/>
+              <a:t>Традиционный подход из </a:t>
+            </a:r>
+            <a:r>
+              <a:rPr lang="en-US" dirty="0" err="1" smtClean="0"/>
+              <a:t>WinForms</a:t>
             </a:r>
             <a:endParaRPr lang="en-US" dirty="0" smtClean="0"/>
           </a:p>
           <a:p>
-            <a:r>
-              <a:rPr lang="ru-RU" dirty="0" smtClean="0"/>
-              <a:t>В </a:t>
-            </a:r>
-            <a:r>
-              <a:rPr lang="en-US" dirty="0" smtClean="0"/>
-              <a:t>.NET 1 </a:t>
-            </a:r>
-            <a:r>
-              <a:rPr lang="ru-RU" dirty="0" smtClean="0"/>
-              <a:t>был доступен только </a:t>
-            </a:r>
-            <a:r>
-              <a:rPr lang="en-US" dirty="0" smtClean="0"/>
-              <a:t>anchoring</a:t>
-            </a:r>
-            <a:r>
-              <a:rPr lang="ru-RU" dirty="0" smtClean="0"/>
-              <a:t> и</a:t>
-            </a:r>
-            <a:r>
-              <a:rPr lang="en-US" dirty="0" smtClean="0"/>
-              <a:t> docking</a:t>
-            </a:r>
-            <a:endParaRPr lang="ru-RU" dirty="0" smtClean="0"/>
-          </a:p>
-          <a:p>
-            <a:r>
-              <a:rPr lang="ru-RU" dirty="0" smtClean="0"/>
-              <a:t>В </a:t>
-            </a:r>
-            <a:r>
-              <a:rPr lang="en-US" dirty="0" smtClean="0"/>
-              <a:t>.NET 2 </a:t>
-            </a:r>
-            <a:r>
-              <a:rPr lang="ru-RU" dirty="0" smtClean="0"/>
-              <a:t>добавили </a:t>
-            </a:r>
-            <a:r>
-              <a:rPr lang="en-US" dirty="0" err="1" smtClean="0"/>
-              <a:t>FlowLayoutPanel</a:t>
-            </a:r>
-            <a:r>
-              <a:rPr lang="ru-RU" dirty="0" smtClean="0"/>
-              <a:t> и</a:t>
-            </a:r>
-            <a:r>
-              <a:rPr lang="en-US" dirty="0" smtClean="0"/>
-              <a:t> </a:t>
-            </a:r>
-            <a:r>
-              <a:rPr lang="en-US" dirty="0" err="1" smtClean="0"/>
-              <a:t>TableLayoutPanel</a:t>
-            </a:r>
             <a:endParaRPr lang="en-US" dirty="0"/>
           </a:p>
         </p:txBody>
@@ -4849,13 +4897,20 @@
     </p:spTree>
     <p:extLst>
       <p:ext uri="{BB962C8B-B14F-4D97-AF65-F5344CB8AC3E}">
-        <p14:creationId xmlns:p14="http://schemas.microsoft.com/office/powerpoint/2010/main" val="1607687639"/>
+        <p14:creationId xmlns:p14="http://schemas.microsoft.com/office/powerpoint/2010/main" val="3561738914"/>
       </p:ext>
     </p:extLst>
   </p:cSld>
   <p:clrMapOvr>
     <a:masterClrMapping/>
   </p:clrMapOvr>
+  <p:timing>
+    <p:tnLst>
+      <p:par>
+        <p:cTn id="1" dur="indefinite" restart="never" nodeType="tmRoot"/>
+      </p:par>
+    </p:tnLst>
+  </p:timing>
 </p:sld>
 </file>
 
@@ -4901,7 +4956,7 @@
             </a:r>
             <a:r>
               <a:rPr lang="en-US" dirty="0" smtClean="0"/>
-              <a:t>WPF</a:t>
+              <a:t>Windows Forms</a:t>
             </a:r>
             <a:endParaRPr lang="en-US" dirty="0"/>
           </a:p>
@@ -4924,6 +4979,155 @@
           <a:p>
             <a:r>
               <a:rPr lang="ru-RU" dirty="0" smtClean="0"/>
+              <a:t>Жестко заданные координаты и размеры элементов управления</a:t>
+            </a:r>
+            <a:endParaRPr lang="en-US" dirty="0" smtClean="0"/>
+          </a:p>
+          <a:p>
+            <a:r>
+              <a:rPr lang="ru-RU" dirty="0" smtClean="0"/>
+              <a:t>В </a:t>
+            </a:r>
+            <a:r>
+              <a:rPr lang="en-US" dirty="0" smtClean="0"/>
+              <a:t>.NET 1 </a:t>
+            </a:r>
+            <a:r>
+              <a:rPr lang="ru-RU" dirty="0" smtClean="0"/>
+              <a:t>был доступен только </a:t>
+            </a:r>
+            <a:r>
+              <a:rPr lang="en-US" dirty="0" smtClean="0"/>
+              <a:t>anchoring</a:t>
+            </a:r>
+            <a:r>
+              <a:rPr lang="ru-RU" dirty="0" smtClean="0"/>
+              <a:t> и</a:t>
+            </a:r>
+            <a:r>
+              <a:rPr lang="en-US" dirty="0" smtClean="0"/>
+              <a:t> docking</a:t>
+            </a:r>
+            <a:endParaRPr lang="ru-RU" dirty="0" smtClean="0"/>
+          </a:p>
+          <a:p>
+            <a:r>
+              <a:rPr lang="ru-RU" dirty="0" smtClean="0"/>
+              <a:t>В </a:t>
+            </a:r>
+            <a:r>
+              <a:rPr lang="en-US" dirty="0" smtClean="0"/>
+              <a:t>.NET 2 </a:t>
+            </a:r>
+            <a:r>
+              <a:rPr lang="ru-RU" dirty="0" smtClean="0"/>
+              <a:t>добавили </a:t>
+            </a:r>
+            <a:r>
+              <a:rPr lang="en-US" dirty="0" err="1" smtClean="0"/>
+              <a:t>FlowLayoutPanel</a:t>
+            </a:r>
+            <a:r>
+              <a:rPr lang="ru-RU" dirty="0" smtClean="0"/>
+              <a:t> и</a:t>
+            </a:r>
+            <a:r>
+              <a:rPr lang="en-US" dirty="0" smtClean="0"/>
+              <a:t> </a:t>
+            </a:r>
+            <a:r>
+              <a:rPr lang="en-US" dirty="0" err="1" smtClean="0"/>
+              <a:t>TableLayoutPanel</a:t>
+            </a:r>
+            <a:endParaRPr lang="en-US" dirty="0"/>
+          </a:p>
+        </p:txBody>
+      </p:sp>
+    </p:spTree>
+    <p:extLst>
+      <p:ext uri="{BB962C8B-B14F-4D97-AF65-F5344CB8AC3E}">
+        <p14:creationId xmlns:p14="http://schemas.microsoft.com/office/powerpoint/2010/main" val="1607687639"/>
+      </p:ext>
+    </p:extLst>
+  </p:cSld>
+  <p:clrMapOvr>
+    <a:masterClrMapping/>
+  </p:clrMapOvr>
+  <p:timing>
+    <p:tnLst>
+      <p:par>
+        <p:cTn id="1" dur="indefinite" restart="never" nodeType="tmRoot"/>
+      </p:par>
+    </p:tnLst>
+  </p:timing>
+</p:sld>
+</file>
+
+<file path=ppt/slides/slide19.xml><?xml version="1.0" encoding="utf-8"?>
+<p:sld xmlns:a="http://schemas.openxmlformats.org/drawingml/2006/main" xmlns:r="http://schemas.openxmlformats.org/officeDocument/2006/relationships" xmlns:p="http://schemas.openxmlformats.org/presentationml/2006/main">
+  <p:cSld>
+    <p:spTree>
+      <p:nvGrpSpPr>
+        <p:cNvPr id="1" name=""/>
+        <p:cNvGrpSpPr/>
+        <p:nvPr/>
+      </p:nvGrpSpPr>
+      <p:grpSpPr>
+        <a:xfrm>
+          <a:off x="0" y="0"/>
+          <a:ext cx="0" cy="0"/>
+          <a:chOff x="0" y="0"/>
+          <a:chExt cx="0" cy="0"/>
+        </a:xfrm>
+      </p:grpSpPr>
+      <p:sp>
+        <p:nvSpPr>
+          <p:cNvPr id="2" name="Title 1"/>
+          <p:cNvSpPr>
+            <a:spLocks noGrp="1"/>
+          </p:cNvSpPr>
+          <p:nvPr>
+            <p:ph type="title"/>
+          </p:nvPr>
+        </p:nvSpPr>
+        <p:spPr/>
+        <p:txBody>
+          <a:bodyPr/>
+          <a:lstStyle/>
+          <a:p>
+            <a:r>
+              <a:rPr lang="en-US" dirty="0" smtClean="0"/>
+              <a:t>Layout</a:t>
+            </a:r>
+            <a:r>
+              <a:rPr lang="ru-RU" dirty="0" smtClean="0"/>
+              <a:t> в </a:t>
+            </a:r>
+            <a:r>
+              <a:rPr lang="en-US" dirty="0" smtClean="0"/>
+              <a:t>WPF</a:t>
+            </a:r>
+            <a:endParaRPr lang="en-US" dirty="0"/>
+          </a:p>
+        </p:txBody>
+      </p:sp>
+      <p:sp>
+        <p:nvSpPr>
+          <p:cNvPr id="3" name="Content Placeholder 2"/>
+          <p:cNvSpPr>
+            <a:spLocks noGrp="1"/>
+          </p:cNvSpPr>
+          <p:nvPr>
+            <p:ph idx="1"/>
+          </p:nvPr>
+        </p:nvSpPr>
+        <p:spPr/>
+        <p:txBody>
+          <a:bodyPr/>
+          <a:lstStyle/>
+          <a:p>
+            <a:r>
+              <a:rPr lang="ru-RU" dirty="0" smtClean="0"/>
               <a:t>В идеале:</a:t>
             </a:r>
           </a:p>
@@ -4983,10 +5187,111 @@
   <p:clrMapOvr>
     <a:masterClrMapping/>
   </p:clrMapOvr>
+  <p:timing>
+    <p:tnLst>
+      <p:par>
+        <p:cTn id="1" dur="indefinite" restart="never" nodeType="tmRoot"/>
+      </p:par>
+    </p:tnLst>
+  </p:timing>
 </p:sld>
 </file>
 
-<file path=ppt/slides/slide19.xml><?xml version="1.0" encoding="utf-8"?>
+<file path=ppt/slides/slide2.xml><?xml version="1.0" encoding="utf-8"?>
+<p:sld xmlns:a="http://schemas.openxmlformats.org/drawingml/2006/main" xmlns:r="http://schemas.openxmlformats.org/officeDocument/2006/relationships" xmlns:p="http://schemas.openxmlformats.org/presentationml/2006/main">
+  <p:cSld>
+    <p:spTree>
+      <p:nvGrpSpPr>
+        <p:cNvPr id="1" name=""/>
+        <p:cNvGrpSpPr/>
+        <p:nvPr/>
+      </p:nvGrpSpPr>
+      <p:grpSpPr>
+        <a:xfrm>
+          <a:off x="0" y="0"/>
+          <a:ext cx="0" cy="0"/>
+          <a:chOff x="0" y="0"/>
+          <a:chExt cx="0" cy="0"/>
+        </a:xfrm>
+      </p:grpSpPr>
+      <p:sp>
+        <p:nvSpPr>
+          <p:cNvPr id="2" name="Title 1"/>
+          <p:cNvSpPr>
+            <a:spLocks noGrp="1"/>
+          </p:cNvSpPr>
+          <p:nvPr>
+            <p:ph type="title"/>
+          </p:nvPr>
+        </p:nvSpPr>
+        <p:spPr/>
+        <p:txBody>
+          <a:bodyPr/>
+          <a:lstStyle/>
+          <a:p>
+            <a:r>
+              <a:rPr lang="ru-RU" dirty="0" smtClean="0"/>
+              <a:t>Литература</a:t>
+            </a:r>
+            <a:endParaRPr lang="en-US" dirty="0"/>
+          </a:p>
+        </p:txBody>
+      </p:sp>
+      <p:sp>
+        <p:nvSpPr>
+          <p:cNvPr id="3" name="Content Placeholder 2"/>
+          <p:cNvSpPr>
+            <a:spLocks noGrp="1"/>
+          </p:cNvSpPr>
+          <p:nvPr>
+            <p:ph idx="1"/>
+          </p:nvPr>
+        </p:nvSpPr>
+        <p:spPr/>
+        <p:txBody>
+          <a:bodyPr/>
+          <a:lstStyle/>
+          <a:p>
+            <a:r>
+              <a:rPr lang="en-US" dirty="0" smtClean="0"/>
+              <a:t>Pro WPF in C# 2010, Mathew McDonald, </a:t>
+            </a:r>
+            <a:r>
+              <a:rPr lang="en-US" dirty="0" err="1" smtClean="0"/>
+              <a:t>Apress</a:t>
+            </a:r>
+            <a:r>
+              <a:rPr lang="en-US" dirty="0" smtClean="0"/>
+              <a:t>; ISBN </a:t>
+            </a:r>
+            <a:r>
+              <a:rPr lang="en-US" dirty="0"/>
+              <a:t>978-1-4302-7205-2</a:t>
+            </a:r>
+          </a:p>
+        </p:txBody>
+      </p:sp>
+    </p:spTree>
+    <p:extLst>
+      <p:ext uri="{BB962C8B-B14F-4D97-AF65-F5344CB8AC3E}">
+        <p14:creationId xmlns:p14="http://schemas.microsoft.com/office/powerpoint/2010/main" val="3525476021"/>
+      </p:ext>
+    </p:extLst>
+  </p:cSld>
+  <p:clrMapOvr>
+    <a:masterClrMapping/>
+  </p:clrMapOvr>
+  <p:timing>
+    <p:tnLst>
+      <p:par>
+        <p:cTn id="1" dur="indefinite" restart="never" nodeType="tmRoot"/>
+      </p:par>
+    </p:tnLst>
+  </p:timing>
+</p:sld>
+</file>
+
+<file path=ppt/slides/slide20.xml><?xml version="1.0" encoding="utf-8"?>
 <p:sld xmlns:a="http://schemas.openxmlformats.org/drawingml/2006/main" xmlns:r="http://schemas.openxmlformats.org/officeDocument/2006/relationships" xmlns:p="http://schemas.openxmlformats.org/presentationml/2006/main">
   <p:cSld>
     <p:spTree>
@@ -5238,93 +5543,6 @@
   <p:clrMapOvr>
     <a:masterClrMapping/>
   </p:clrMapOvr>
-</p:sld>
-</file>
-
-<file path=ppt/slides/slide2.xml><?xml version="1.0" encoding="utf-8"?>
-<p:sld xmlns:a="http://schemas.openxmlformats.org/drawingml/2006/main" xmlns:r="http://schemas.openxmlformats.org/officeDocument/2006/relationships" xmlns:p="http://schemas.openxmlformats.org/presentationml/2006/main">
-  <p:cSld>
-    <p:spTree>
-      <p:nvGrpSpPr>
-        <p:cNvPr id="1" name=""/>
-        <p:cNvGrpSpPr/>
-        <p:nvPr/>
-      </p:nvGrpSpPr>
-      <p:grpSpPr>
-        <a:xfrm>
-          <a:off x="0" y="0"/>
-          <a:ext cx="0" cy="0"/>
-          <a:chOff x="0" y="0"/>
-          <a:chExt cx="0" cy="0"/>
-        </a:xfrm>
-      </p:grpSpPr>
-      <p:sp>
-        <p:nvSpPr>
-          <p:cNvPr id="2" name="Title 1"/>
-          <p:cNvSpPr>
-            <a:spLocks noGrp="1"/>
-          </p:cNvSpPr>
-          <p:nvPr>
-            <p:ph type="title"/>
-          </p:nvPr>
-        </p:nvSpPr>
-        <p:spPr/>
-        <p:txBody>
-          <a:bodyPr/>
-          <a:lstStyle/>
-          <a:p>
-            <a:r>
-              <a:rPr lang="ru-RU" dirty="0" smtClean="0"/>
-              <a:t>Литература</a:t>
-            </a:r>
-            <a:endParaRPr lang="en-US" dirty="0"/>
-          </a:p>
-        </p:txBody>
-      </p:sp>
-      <p:sp>
-        <p:nvSpPr>
-          <p:cNvPr id="3" name="Content Placeholder 2"/>
-          <p:cNvSpPr>
-            <a:spLocks noGrp="1"/>
-          </p:cNvSpPr>
-          <p:nvPr>
-            <p:ph idx="1"/>
-          </p:nvPr>
-        </p:nvSpPr>
-        <p:spPr/>
-        <p:txBody>
-          <a:bodyPr/>
-          <a:lstStyle/>
-          <a:p>
-            <a:r>
-              <a:rPr lang="en-US" dirty="0" smtClean="0"/>
-              <a:t>Pro WPF in C# 2010, Mathew McDonald, </a:t>
-            </a:r>
-            <a:r>
-              <a:rPr lang="en-US" dirty="0" err="1" smtClean="0"/>
-              <a:t>Apress</a:t>
-            </a:r>
-            <a:r>
-              <a:rPr lang="en-US" dirty="0" smtClean="0"/>
-              <a:t>; ISBN </a:t>
-            </a:r>
-            <a:r>
-              <a:rPr lang="en-US" dirty="0"/>
-              <a:t>978-1-4302-7205-2</a:t>
-            </a:r>
-          </a:p>
-        </p:txBody>
-      </p:sp>
-    </p:spTree>
-    <p:extLst>
-      <p:ext uri="{BB962C8B-B14F-4D97-AF65-F5344CB8AC3E}">
-        <p14:creationId xmlns:p14="http://schemas.microsoft.com/office/powerpoint/2010/main" val="3525476021"/>
-      </p:ext>
-    </p:extLst>
-  </p:cSld>
-  <p:clrMapOvr>
-    <a:masterClrMapping/>
-  </p:clrMapOvr>
   <p:timing>
     <p:tnLst>
       <p:par>
@@ -5335,7 +5553,7 @@
 </p:sld>
 </file>
 
-<file path=ppt/slides/slide20.xml><?xml version="1.0" encoding="utf-8"?>
+<file path=ppt/slides/slide21.xml><?xml version="1.0" encoding="utf-8"?>
 <p:sld xmlns:a="http://schemas.openxmlformats.org/drawingml/2006/main" xmlns:r="http://schemas.openxmlformats.org/officeDocument/2006/relationships" xmlns:p="http://schemas.openxmlformats.org/presentationml/2006/main">
   <p:cSld>
     <p:spTree>
@@ -6419,10 +6637,17 @@
   <p:clrMapOvr>
     <a:masterClrMapping/>
   </p:clrMapOvr>
+  <p:timing>
+    <p:tnLst>
+      <p:par>
+        <p:cTn id="1" dur="indefinite" restart="never" nodeType="tmRoot"/>
+      </p:par>
+    </p:tnLst>
+  </p:timing>
 </p:sld>
 </file>
 
-<file path=ppt/slides/slide21.xml><?xml version="1.0" encoding="utf-8"?>
+<file path=ppt/slides/slide22.xml><?xml version="1.0" encoding="utf-8"?>
 <p:sld xmlns:a="http://schemas.openxmlformats.org/drawingml/2006/main" xmlns:r="http://schemas.openxmlformats.org/officeDocument/2006/relationships" xmlns:p="http://schemas.openxmlformats.org/presentationml/2006/main">
   <p:cSld>
     <p:spTree>
@@ -6603,382 +6828,13 @@
   <p:clrMapOvr>
     <a:masterClrMapping/>
   </p:clrMapOvr>
-</p:sld>
-</file>
-
-<file path=ppt/slides/slide22.xml><?xml version="1.0" encoding="utf-8"?>
-<p:sld xmlns:a="http://schemas.openxmlformats.org/drawingml/2006/main" xmlns:r="http://schemas.openxmlformats.org/officeDocument/2006/relationships" xmlns:p="http://schemas.openxmlformats.org/presentationml/2006/main">
-  <p:cSld>
-    <p:spTree>
-      <p:nvGrpSpPr>
-        <p:cNvPr id="1" name=""/>
-        <p:cNvGrpSpPr/>
-        <p:nvPr/>
-      </p:nvGrpSpPr>
-      <p:grpSpPr>
-        <a:xfrm>
-          <a:off x="0" y="0"/>
-          <a:ext cx="0" cy="0"/>
-          <a:chOff x="0" y="0"/>
-          <a:chExt cx="0" cy="0"/>
-        </a:xfrm>
-      </p:grpSpPr>
-      <p:sp>
-        <p:nvSpPr>
-          <p:cNvPr id="2" name="Title 1"/>
-          <p:cNvSpPr>
-            <a:spLocks noGrp="1"/>
-          </p:cNvSpPr>
-          <p:nvPr>
-            <p:ph type="title"/>
-          </p:nvPr>
-        </p:nvSpPr>
-        <p:spPr/>
-        <p:txBody>
-          <a:bodyPr/>
-          <a:lstStyle/>
-          <a:p>
-            <a:r>
-              <a:rPr lang="en-US" dirty="0"/>
-              <a:t>Dependency Properties</a:t>
-            </a:r>
-          </a:p>
-        </p:txBody>
-      </p:sp>
-      <p:sp>
-        <p:nvSpPr>
-          <p:cNvPr id="3" name="Content Placeholder 2"/>
-          <p:cNvSpPr>
-            <a:spLocks noGrp="1"/>
-          </p:cNvSpPr>
-          <p:nvPr>
-            <p:ph idx="1"/>
-          </p:nvPr>
-        </p:nvSpPr>
-        <p:spPr/>
-        <p:txBody>
-          <a:bodyPr>
-            <a:normAutofit fontScale="55000" lnSpcReduction="20000"/>
-          </a:bodyPr>
-          <a:lstStyle/>
-          <a:p>
-            <a:r>
-              <a:rPr lang="ru-RU" dirty="0" smtClean="0"/>
-              <a:t>Объявление</a:t>
-            </a:r>
-          </a:p>
-          <a:p>
-            <a:pPr lvl="1"/>
-            <a:r>
-              <a:rPr lang="en-US" dirty="0"/>
-              <a:t>public class </a:t>
-            </a:r>
-            <a:r>
-              <a:rPr lang="en-US" dirty="0" err="1"/>
-              <a:t>FrameworkElement</a:t>
-            </a:r>
-            <a:r>
-              <a:rPr lang="en-US" dirty="0"/>
-              <a:t>: </a:t>
-            </a:r>
-            <a:r>
-              <a:rPr lang="en-US" dirty="0" err="1"/>
-              <a:t>UIElement</a:t>
-            </a:r>
-            <a:r>
-              <a:rPr lang="en-US" dirty="0"/>
-              <a:t>, ...</a:t>
-            </a:r>
-            <a:r>
-              <a:rPr lang="ru-RU" dirty="0" smtClean="0"/>
-              <a:t/>
-            </a:r>
-            <a:br>
-              <a:rPr lang="ru-RU" dirty="0" smtClean="0"/>
-            </a:br>
-            <a:r>
-              <a:rPr lang="en-US" dirty="0" smtClean="0"/>
-              <a:t>{</a:t>
-            </a:r>
-            <a:br>
-              <a:rPr lang="en-US" dirty="0" smtClean="0"/>
-            </a:br>
-            <a:r>
-              <a:rPr lang="en-US" dirty="0" smtClean="0"/>
-              <a:t>public </a:t>
-            </a:r>
-            <a:r>
-              <a:rPr lang="en-US" dirty="0"/>
-              <a:t>static </a:t>
-            </a:r>
-            <a:r>
-              <a:rPr lang="en-US" dirty="0" err="1"/>
-              <a:t>readonly</a:t>
-            </a:r>
-            <a:r>
-              <a:rPr lang="en-US" dirty="0"/>
-              <a:t> </a:t>
-            </a:r>
-            <a:r>
-              <a:rPr lang="en-US" dirty="0" err="1">
-                <a:solidFill>
-                  <a:srgbClr val="FFFF00"/>
-                </a:solidFill>
-              </a:rPr>
-              <a:t>DependencyProperty</a:t>
-            </a:r>
-            <a:r>
-              <a:rPr lang="en-US" dirty="0"/>
-              <a:t> </a:t>
-            </a:r>
-            <a:r>
-              <a:rPr lang="en-US" dirty="0" err="1"/>
-              <a:t>Margin</a:t>
-            </a:r>
-            <a:r>
-              <a:rPr lang="en-US" dirty="0" err="1">
-                <a:solidFill>
-                  <a:srgbClr val="FFFF00"/>
-                </a:solidFill>
-              </a:rPr>
-              <a:t>Property</a:t>
-            </a:r>
-            <a:r>
-              <a:rPr lang="en-US" dirty="0" smtClean="0"/>
-              <a:t>;</a:t>
-            </a:r>
-            <a:br>
-              <a:rPr lang="en-US" dirty="0" smtClean="0"/>
-            </a:br>
-            <a:r>
-              <a:rPr lang="en-US" dirty="0" smtClean="0"/>
-              <a:t>}</a:t>
-            </a:r>
-            <a:endParaRPr lang="ru-RU" dirty="0" smtClean="0"/>
-          </a:p>
-          <a:p>
-            <a:r>
-              <a:rPr lang="ru-RU" dirty="0" smtClean="0"/>
-              <a:t>Регистрация</a:t>
-            </a:r>
-          </a:p>
-          <a:p>
-            <a:pPr lvl="1"/>
-            <a:r>
-              <a:rPr lang="en-US" dirty="0" err="1" smtClean="0"/>
-              <a:t>FrameworkPropertyMetadata</a:t>
-            </a:r>
-            <a:endParaRPr lang="ru-RU" dirty="0" smtClean="0"/>
-          </a:p>
-          <a:p>
-            <a:pPr lvl="1"/>
-            <a:r>
-              <a:rPr lang="en-US" dirty="0" err="1" smtClean="0"/>
-              <a:t>DependencyProperty.Register</a:t>
-            </a:r>
-            <a:endParaRPr lang="ru-RU" dirty="0" smtClean="0"/>
-          </a:p>
-          <a:p>
-            <a:r>
-              <a:rPr lang="ru-RU" dirty="0" smtClean="0"/>
-              <a:t>Объявление</a:t>
-            </a:r>
-          </a:p>
-          <a:p>
-            <a:pPr lvl="1"/>
-            <a:r>
-              <a:rPr lang="en-US" dirty="0"/>
-              <a:t>public Thickness </a:t>
-            </a:r>
-            <a:r>
-              <a:rPr lang="en-US" dirty="0" smtClean="0"/>
-              <a:t>Margin</a:t>
-            </a:r>
-            <a:r>
-              <a:rPr lang="ru-RU" dirty="0" smtClean="0"/>
-              <a:t/>
-            </a:r>
-            <a:br>
-              <a:rPr lang="ru-RU" dirty="0" smtClean="0"/>
-            </a:br>
-            <a:r>
-              <a:rPr lang="en-US" dirty="0" smtClean="0"/>
-              <a:t>{</a:t>
-            </a:r>
-            <a:r>
-              <a:rPr lang="ru-RU" dirty="0" smtClean="0"/>
-              <a:t/>
-            </a:r>
-            <a:br>
-              <a:rPr lang="ru-RU" dirty="0" smtClean="0"/>
-            </a:br>
-            <a:r>
-              <a:rPr lang="en-US" dirty="0" smtClean="0"/>
-              <a:t>set </a:t>
-            </a:r>
-            <a:r>
-              <a:rPr lang="en-US" dirty="0"/>
-              <a:t>{ </a:t>
-            </a:r>
-            <a:r>
-              <a:rPr lang="en-US" dirty="0" err="1"/>
-              <a:t>SetValue</a:t>
-            </a:r>
-            <a:r>
-              <a:rPr lang="en-US" dirty="0"/>
-              <a:t>(</a:t>
-            </a:r>
-            <a:r>
-              <a:rPr lang="en-US" dirty="0" err="1"/>
-              <a:t>MarginProperty</a:t>
-            </a:r>
-            <a:r>
-              <a:rPr lang="en-US" dirty="0"/>
-              <a:t>, value); </a:t>
-            </a:r>
-            <a:r>
-              <a:rPr lang="en-US" dirty="0" smtClean="0"/>
-              <a:t>}</a:t>
-            </a:r>
-            <a:r>
-              <a:rPr lang="ru-RU" dirty="0" smtClean="0"/>
-              <a:t/>
-            </a:r>
-            <a:br>
-              <a:rPr lang="ru-RU" dirty="0" smtClean="0"/>
-            </a:br>
-            <a:r>
-              <a:rPr lang="en-US" dirty="0" smtClean="0"/>
-              <a:t>get </a:t>
-            </a:r>
-            <a:r>
-              <a:rPr lang="en-US" dirty="0"/>
-              <a:t>{ return (Thickness)</a:t>
-            </a:r>
-            <a:r>
-              <a:rPr lang="en-US" dirty="0" err="1"/>
-              <a:t>GetValue</a:t>
-            </a:r>
-            <a:r>
-              <a:rPr lang="en-US" dirty="0"/>
-              <a:t>(</a:t>
-            </a:r>
-            <a:r>
-              <a:rPr lang="en-US" dirty="0" err="1"/>
-              <a:t>MarginProperty</a:t>
-            </a:r>
-            <a:r>
-              <a:rPr lang="en-US" dirty="0"/>
-              <a:t>); </a:t>
-            </a:r>
-            <a:r>
-              <a:rPr lang="en-US" dirty="0" smtClean="0"/>
-              <a:t>}</a:t>
-            </a:r>
-            <a:r>
-              <a:rPr lang="ru-RU" dirty="0" smtClean="0"/>
-              <a:t/>
-            </a:r>
-            <a:br>
-              <a:rPr lang="ru-RU" dirty="0" smtClean="0"/>
-            </a:br>
-            <a:r>
-              <a:rPr lang="en-US" dirty="0" smtClean="0"/>
-              <a:t>}</a:t>
-            </a:r>
-            <a:endParaRPr lang="ru-RU" dirty="0" smtClean="0"/>
-          </a:p>
-          <a:p>
-            <a:pPr lvl="1"/>
-            <a:r>
-              <a:rPr lang="ru-RU" dirty="0" smtClean="0">
-                <a:solidFill>
-                  <a:srgbClr val="FFFF00"/>
-                </a:solidFill>
-              </a:rPr>
-              <a:t>Только так! Ничего другого быть не должно!</a:t>
-            </a:r>
-            <a:r>
-              <a:rPr lang="ru-RU" dirty="0"/>
-              <a:t> </a:t>
-            </a:r>
-            <a:endParaRPr lang="ru-RU" dirty="0" smtClean="0"/>
-          </a:p>
-          <a:p>
-            <a:r>
-              <a:rPr lang="ru-RU" dirty="0" smtClean="0"/>
-              <a:t>Очистка</a:t>
-            </a:r>
-          </a:p>
-          <a:p>
-            <a:pPr lvl="1"/>
-            <a:r>
-              <a:rPr lang="en-US" dirty="0" err="1"/>
-              <a:t>myElement.ClearValue</a:t>
-            </a:r>
-            <a:r>
-              <a:rPr lang="en-US" dirty="0"/>
-              <a:t>(</a:t>
-            </a:r>
-            <a:r>
-              <a:rPr lang="en-US" dirty="0" err="1"/>
-              <a:t>FrameworkElement.MarginProperty</a:t>
-            </a:r>
-            <a:r>
-              <a:rPr lang="en-US" dirty="0" smtClean="0"/>
-              <a:t>);</a:t>
-            </a:r>
-            <a:endParaRPr lang="ru-RU" dirty="0" smtClean="0"/>
-          </a:p>
-          <a:p>
-            <a:r>
-              <a:rPr lang="ru-RU" dirty="0" smtClean="0">
-                <a:solidFill>
-                  <a:schemeClr val="bg1"/>
-                </a:solidFill>
-              </a:rPr>
-              <a:t>Достоинства</a:t>
-            </a:r>
-          </a:p>
-          <a:p>
-            <a:pPr lvl="1"/>
-            <a:r>
-              <a:rPr lang="ru-RU" dirty="0" smtClean="0">
-                <a:solidFill>
-                  <a:schemeClr val="bg1"/>
-                </a:solidFill>
-              </a:rPr>
-              <a:t>Тратят меньше памяти, если значение не было указано</a:t>
-            </a:r>
-          </a:p>
-          <a:p>
-            <a:pPr lvl="1"/>
-            <a:r>
-              <a:rPr lang="ru-RU" dirty="0" smtClean="0">
-                <a:solidFill>
-                  <a:schemeClr val="bg1"/>
-                </a:solidFill>
-              </a:rPr>
-              <a:t>Поддержка стилей</a:t>
-            </a:r>
-            <a:endParaRPr lang="en-US" dirty="0">
-              <a:solidFill>
-                <a:schemeClr val="bg1"/>
-              </a:solidFill>
-            </a:endParaRPr>
-          </a:p>
-        </p:txBody>
-      </p:sp>
-    </p:spTree>
-    <p:extLst>
-      <p:ext uri="{BB962C8B-B14F-4D97-AF65-F5344CB8AC3E}">
-        <p14:creationId xmlns:p14="http://schemas.microsoft.com/office/powerpoint/2010/main" val="205489790"/>
-      </p:ext>
-    </p:extLst>
-  </p:cSld>
-  <p:clrMapOvr>
-    <a:masterClrMapping/>
-  </p:clrMapOvr>
+  <p:timing>
+    <p:tnLst>
+      <p:par>
+        <p:cTn id="1" dur="indefinite" restart="never" nodeType="tmRoot"/>
+      </p:par>
+    </p:tnLst>
+  </p:timing>
 </p:sld>
 </file>
 
@@ -7015,6 +6871,389 @@
           <a:lstStyle/>
           <a:p>
             <a:r>
+              <a:rPr lang="en-US" dirty="0"/>
+              <a:t>Dependency Properties</a:t>
+            </a:r>
+          </a:p>
+        </p:txBody>
+      </p:sp>
+      <p:sp>
+        <p:nvSpPr>
+          <p:cNvPr id="3" name="Content Placeholder 2"/>
+          <p:cNvSpPr>
+            <a:spLocks noGrp="1"/>
+          </p:cNvSpPr>
+          <p:nvPr>
+            <p:ph idx="1"/>
+          </p:nvPr>
+        </p:nvSpPr>
+        <p:spPr/>
+        <p:txBody>
+          <a:bodyPr>
+            <a:normAutofit fontScale="55000" lnSpcReduction="20000"/>
+          </a:bodyPr>
+          <a:lstStyle/>
+          <a:p>
+            <a:r>
+              <a:rPr lang="ru-RU" dirty="0" smtClean="0"/>
+              <a:t>Объявление</a:t>
+            </a:r>
+          </a:p>
+          <a:p>
+            <a:pPr lvl="1"/>
+            <a:r>
+              <a:rPr lang="en-US" dirty="0"/>
+              <a:t>public class </a:t>
+            </a:r>
+            <a:r>
+              <a:rPr lang="en-US" dirty="0" err="1"/>
+              <a:t>FrameworkElement</a:t>
+            </a:r>
+            <a:r>
+              <a:rPr lang="en-US" dirty="0"/>
+              <a:t>: </a:t>
+            </a:r>
+            <a:r>
+              <a:rPr lang="en-US" dirty="0" err="1"/>
+              <a:t>UIElement</a:t>
+            </a:r>
+            <a:r>
+              <a:rPr lang="en-US" dirty="0"/>
+              <a:t>, ...</a:t>
+            </a:r>
+            <a:r>
+              <a:rPr lang="ru-RU" dirty="0" smtClean="0"/>
+              <a:t/>
+            </a:r>
+            <a:br>
+              <a:rPr lang="ru-RU" dirty="0" smtClean="0"/>
+            </a:br>
+            <a:r>
+              <a:rPr lang="en-US" dirty="0" smtClean="0"/>
+              <a:t>{</a:t>
+            </a:r>
+            <a:br>
+              <a:rPr lang="en-US" dirty="0" smtClean="0"/>
+            </a:br>
+            <a:r>
+              <a:rPr lang="en-US" dirty="0" smtClean="0"/>
+              <a:t>public </a:t>
+            </a:r>
+            <a:r>
+              <a:rPr lang="en-US" dirty="0"/>
+              <a:t>static </a:t>
+            </a:r>
+            <a:r>
+              <a:rPr lang="en-US" dirty="0" err="1"/>
+              <a:t>readonly</a:t>
+            </a:r>
+            <a:r>
+              <a:rPr lang="en-US" dirty="0"/>
+              <a:t> </a:t>
+            </a:r>
+            <a:r>
+              <a:rPr lang="en-US" dirty="0" err="1">
+                <a:solidFill>
+                  <a:srgbClr val="FFFF00"/>
+                </a:solidFill>
+              </a:rPr>
+              <a:t>DependencyProperty</a:t>
+            </a:r>
+            <a:r>
+              <a:rPr lang="en-US" dirty="0"/>
+              <a:t> </a:t>
+            </a:r>
+            <a:r>
+              <a:rPr lang="en-US" dirty="0" err="1"/>
+              <a:t>Margin</a:t>
+            </a:r>
+            <a:r>
+              <a:rPr lang="en-US" dirty="0" err="1">
+                <a:solidFill>
+                  <a:srgbClr val="FFFF00"/>
+                </a:solidFill>
+              </a:rPr>
+              <a:t>Property</a:t>
+            </a:r>
+            <a:r>
+              <a:rPr lang="en-US" dirty="0" smtClean="0"/>
+              <a:t>;</a:t>
+            </a:r>
+            <a:br>
+              <a:rPr lang="en-US" dirty="0" smtClean="0"/>
+            </a:br>
+            <a:r>
+              <a:rPr lang="en-US" dirty="0" smtClean="0"/>
+              <a:t>}</a:t>
+            </a:r>
+            <a:endParaRPr lang="ru-RU" dirty="0" smtClean="0"/>
+          </a:p>
+          <a:p>
+            <a:r>
+              <a:rPr lang="ru-RU" dirty="0" smtClean="0"/>
+              <a:t>Регистрация</a:t>
+            </a:r>
+          </a:p>
+          <a:p>
+            <a:pPr lvl="1"/>
+            <a:r>
+              <a:rPr lang="en-US" dirty="0" err="1" smtClean="0"/>
+              <a:t>FrameworkPropertyMetadata</a:t>
+            </a:r>
+            <a:endParaRPr lang="ru-RU" dirty="0" smtClean="0"/>
+          </a:p>
+          <a:p>
+            <a:pPr lvl="1"/>
+            <a:r>
+              <a:rPr lang="en-US" dirty="0" err="1" smtClean="0"/>
+              <a:t>DependencyProperty.Register</a:t>
+            </a:r>
+            <a:endParaRPr lang="ru-RU" dirty="0" smtClean="0"/>
+          </a:p>
+          <a:p>
+            <a:r>
+              <a:rPr lang="ru-RU" dirty="0" smtClean="0"/>
+              <a:t>Объявление</a:t>
+            </a:r>
+          </a:p>
+          <a:p>
+            <a:pPr lvl="1"/>
+            <a:r>
+              <a:rPr lang="en-US" dirty="0"/>
+              <a:t>public Thickness </a:t>
+            </a:r>
+            <a:r>
+              <a:rPr lang="en-US" dirty="0" smtClean="0"/>
+              <a:t>Margin</a:t>
+            </a:r>
+            <a:r>
+              <a:rPr lang="ru-RU" dirty="0" smtClean="0"/>
+              <a:t/>
+            </a:r>
+            <a:br>
+              <a:rPr lang="ru-RU" dirty="0" smtClean="0"/>
+            </a:br>
+            <a:r>
+              <a:rPr lang="en-US" dirty="0" smtClean="0"/>
+              <a:t>{</a:t>
+            </a:r>
+            <a:r>
+              <a:rPr lang="ru-RU" dirty="0" smtClean="0"/>
+              <a:t/>
+            </a:r>
+            <a:br>
+              <a:rPr lang="ru-RU" dirty="0" smtClean="0"/>
+            </a:br>
+            <a:r>
+              <a:rPr lang="en-US" dirty="0" smtClean="0"/>
+              <a:t>set </a:t>
+            </a:r>
+            <a:r>
+              <a:rPr lang="en-US" dirty="0"/>
+              <a:t>{ </a:t>
+            </a:r>
+            <a:r>
+              <a:rPr lang="en-US" dirty="0" err="1"/>
+              <a:t>SetValue</a:t>
+            </a:r>
+            <a:r>
+              <a:rPr lang="en-US" dirty="0"/>
+              <a:t>(</a:t>
+            </a:r>
+            <a:r>
+              <a:rPr lang="en-US" dirty="0" err="1"/>
+              <a:t>MarginProperty</a:t>
+            </a:r>
+            <a:r>
+              <a:rPr lang="en-US" dirty="0"/>
+              <a:t>, value); </a:t>
+            </a:r>
+            <a:r>
+              <a:rPr lang="en-US" dirty="0" smtClean="0"/>
+              <a:t>}</a:t>
+            </a:r>
+            <a:r>
+              <a:rPr lang="ru-RU" dirty="0" smtClean="0"/>
+              <a:t/>
+            </a:r>
+            <a:br>
+              <a:rPr lang="ru-RU" dirty="0" smtClean="0"/>
+            </a:br>
+            <a:r>
+              <a:rPr lang="en-US" dirty="0" smtClean="0"/>
+              <a:t>get </a:t>
+            </a:r>
+            <a:r>
+              <a:rPr lang="en-US" dirty="0"/>
+              <a:t>{ return (Thickness)</a:t>
+            </a:r>
+            <a:r>
+              <a:rPr lang="en-US" dirty="0" err="1"/>
+              <a:t>GetValue</a:t>
+            </a:r>
+            <a:r>
+              <a:rPr lang="en-US" dirty="0"/>
+              <a:t>(</a:t>
+            </a:r>
+            <a:r>
+              <a:rPr lang="en-US" dirty="0" err="1"/>
+              <a:t>MarginProperty</a:t>
+            </a:r>
+            <a:r>
+              <a:rPr lang="en-US" dirty="0"/>
+              <a:t>); </a:t>
+            </a:r>
+            <a:r>
+              <a:rPr lang="en-US" dirty="0" smtClean="0"/>
+              <a:t>}</a:t>
+            </a:r>
+            <a:r>
+              <a:rPr lang="ru-RU" dirty="0" smtClean="0"/>
+              <a:t/>
+            </a:r>
+            <a:br>
+              <a:rPr lang="ru-RU" dirty="0" smtClean="0"/>
+            </a:br>
+            <a:r>
+              <a:rPr lang="en-US" dirty="0" smtClean="0"/>
+              <a:t>}</a:t>
+            </a:r>
+            <a:endParaRPr lang="ru-RU" dirty="0" smtClean="0"/>
+          </a:p>
+          <a:p>
+            <a:pPr lvl="1"/>
+            <a:r>
+              <a:rPr lang="ru-RU" dirty="0" smtClean="0">
+                <a:solidFill>
+                  <a:srgbClr val="FFFF00"/>
+                </a:solidFill>
+              </a:rPr>
+              <a:t>Только так! Ничего другого быть не должно!</a:t>
+            </a:r>
+            <a:r>
+              <a:rPr lang="ru-RU" dirty="0"/>
+              <a:t> </a:t>
+            </a:r>
+            <a:endParaRPr lang="ru-RU" dirty="0" smtClean="0"/>
+          </a:p>
+          <a:p>
+            <a:r>
+              <a:rPr lang="ru-RU" dirty="0" smtClean="0"/>
+              <a:t>Очистка</a:t>
+            </a:r>
+          </a:p>
+          <a:p>
+            <a:pPr lvl="1"/>
+            <a:r>
+              <a:rPr lang="en-US" dirty="0" err="1"/>
+              <a:t>myElement.ClearValue</a:t>
+            </a:r>
+            <a:r>
+              <a:rPr lang="en-US" dirty="0"/>
+              <a:t>(</a:t>
+            </a:r>
+            <a:r>
+              <a:rPr lang="en-US" dirty="0" err="1"/>
+              <a:t>FrameworkElement.MarginProperty</a:t>
+            </a:r>
+            <a:r>
+              <a:rPr lang="en-US" dirty="0" smtClean="0"/>
+              <a:t>);</a:t>
+            </a:r>
+            <a:endParaRPr lang="ru-RU" dirty="0" smtClean="0"/>
+          </a:p>
+          <a:p>
+            <a:r>
+              <a:rPr lang="ru-RU" dirty="0" smtClean="0">
+                <a:solidFill>
+                  <a:schemeClr val="bg1"/>
+                </a:solidFill>
+              </a:rPr>
+              <a:t>Достоинства</a:t>
+            </a:r>
+          </a:p>
+          <a:p>
+            <a:pPr lvl="1"/>
+            <a:r>
+              <a:rPr lang="ru-RU" dirty="0" smtClean="0">
+                <a:solidFill>
+                  <a:schemeClr val="bg1"/>
+                </a:solidFill>
+              </a:rPr>
+              <a:t>Тратят меньше памяти, если значение не было указано</a:t>
+            </a:r>
+          </a:p>
+          <a:p>
+            <a:pPr lvl="1"/>
+            <a:r>
+              <a:rPr lang="ru-RU" dirty="0" smtClean="0">
+                <a:solidFill>
+                  <a:schemeClr val="bg1"/>
+                </a:solidFill>
+              </a:rPr>
+              <a:t>Поддержка стилей</a:t>
+            </a:r>
+            <a:endParaRPr lang="en-US" dirty="0">
+              <a:solidFill>
+                <a:schemeClr val="bg1"/>
+              </a:solidFill>
+            </a:endParaRPr>
+          </a:p>
+        </p:txBody>
+      </p:sp>
+    </p:spTree>
+    <p:extLst>
+      <p:ext uri="{BB962C8B-B14F-4D97-AF65-F5344CB8AC3E}">
+        <p14:creationId xmlns:p14="http://schemas.microsoft.com/office/powerpoint/2010/main" val="205489790"/>
+      </p:ext>
+    </p:extLst>
+  </p:cSld>
+  <p:clrMapOvr>
+    <a:masterClrMapping/>
+  </p:clrMapOvr>
+  <p:timing>
+    <p:tnLst>
+      <p:par>
+        <p:cTn id="1" dur="indefinite" restart="never" nodeType="tmRoot"/>
+      </p:par>
+    </p:tnLst>
+  </p:timing>
+</p:sld>
+</file>
+
+<file path=ppt/slides/slide24.xml><?xml version="1.0" encoding="utf-8"?>
+<p:sld xmlns:a="http://schemas.openxmlformats.org/drawingml/2006/main" xmlns:r="http://schemas.openxmlformats.org/officeDocument/2006/relationships" xmlns:p="http://schemas.openxmlformats.org/presentationml/2006/main">
+  <p:cSld>
+    <p:spTree>
+      <p:nvGrpSpPr>
+        <p:cNvPr id="1" name=""/>
+        <p:cNvGrpSpPr/>
+        <p:nvPr/>
+      </p:nvGrpSpPr>
+      <p:grpSpPr>
+        <a:xfrm>
+          <a:off x="0" y="0"/>
+          <a:ext cx="0" cy="0"/>
+          <a:chOff x="0" y="0"/>
+          <a:chExt cx="0" cy="0"/>
+        </a:xfrm>
+      </p:grpSpPr>
+      <p:sp>
+        <p:nvSpPr>
+          <p:cNvPr id="2" name="Title 1"/>
+          <p:cNvSpPr>
+            <a:spLocks noGrp="1"/>
+          </p:cNvSpPr>
+          <p:nvPr>
+            <p:ph type="title"/>
+          </p:nvPr>
+        </p:nvSpPr>
+        <p:spPr/>
+        <p:txBody>
+          <a:bodyPr/>
+          <a:lstStyle/>
+          <a:p>
+            <a:r>
               <a:rPr lang="ru-RU" dirty="0" smtClean="0"/>
               <a:t>Валидация</a:t>
             </a:r>
@@ -7132,10 +7371,17 @@
   <p:clrMapOvr>
     <a:masterClrMapping/>
   </p:clrMapOvr>
+  <p:timing>
+    <p:tnLst>
+      <p:par>
+        <p:cTn id="1" dur="indefinite" restart="never" nodeType="tmRoot"/>
+      </p:par>
+    </p:tnLst>
+  </p:timing>
 </p:sld>
 </file>
 
-<file path=ppt/slides/slide24.xml><?xml version="1.0" encoding="utf-8"?>
+<file path=ppt/slides/slide25.xml><?xml version="1.0" encoding="utf-8"?>
 <p:sld xmlns:a="http://schemas.openxmlformats.org/drawingml/2006/main" xmlns:r="http://schemas.openxmlformats.org/officeDocument/2006/relationships" xmlns:p="http://schemas.openxmlformats.org/presentationml/2006/main">
   <p:cSld>
     <p:spTree>
@@ -7239,6 +7485,13 @@
   <p:clrMapOvr>
     <a:masterClrMapping/>
   </p:clrMapOvr>
+  <p:timing>
+    <p:tnLst>
+      <p:par>
+        <p:cTn id="1" dur="indefinite" restart="never" nodeType="tmRoot"/>
+      </p:par>
+    </p:tnLst>
+  </p:timing>
 </p:sld>
 </file>
 
@@ -7417,6 +7670,13 @@
   <p:clrMapOvr>
     <a:masterClrMapping/>
   </p:clrMapOvr>
+  <p:timing>
+    <p:tnLst>
+      <p:par>
+        <p:cTn id="1" dur="indefinite" restart="never" nodeType="tmRoot"/>
+      </p:par>
+    </p:tnLst>
+  </p:timing>
 </p:sld>
 </file>
 
@@ -7689,9 +7949,9 @@
           <a:p>
             <a:r>
               <a:rPr lang="en-US" dirty="0" smtClean="0"/>
-              <a:t>WPF</a:t>
-            </a:r>
-            <a:endParaRPr lang="en-US" dirty="0"/>
+              <a:t>WPF vs Windows Forms</a:t>
+            </a:r>
+            <a:endParaRPr lang="ru-RU" dirty="0"/>
           </a:p>
         </p:txBody>
       </p:sp>
@@ -7707,145 +7967,92 @@
         </p:nvSpPr>
         <p:spPr/>
         <p:txBody>
-          <a:bodyPr>
-            <a:normAutofit fontScale="92500" lnSpcReduction="10000"/>
-          </a:bodyPr>
+          <a:bodyPr/>
           <a:lstStyle/>
           <a:p>
             <a:r>
+              <a:rPr lang="en-US" dirty="0" smtClean="0"/>
+              <a:t>WPF </a:t>
+            </a:r>
+            <a:r>
               <a:rPr lang="ru-RU" dirty="0" smtClean="0"/>
-              <a:t>Работает через </a:t>
+              <a:t>не </a:t>
+            </a:r>
+            <a:r>
+              <a:rPr lang="ru-RU" dirty="0"/>
+              <a:t>заменяет, а дополняет </a:t>
+            </a:r>
+            <a:r>
+              <a:rPr lang="en-US" dirty="0"/>
+              <a:t>Windows </a:t>
             </a:r>
             <a:r>
               <a:rPr lang="en-US" dirty="0" smtClean="0"/>
-              <a:t>DirectX </a:t>
+              <a:t>Forms</a:t>
+            </a:r>
+            <a:endParaRPr lang="ru-RU" dirty="0" smtClean="0"/>
+          </a:p>
+          <a:p>
+            <a:r>
+              <a:rPr lang="en-US" dirty="0" smtClean="0"/>
+              <a:t>Windows Store </a:t>
+            </a:r>
+            <a:r>
+              <a:rPr lang="ru-RU" dirty="0"/>
+              <a:t>п</a:t>
             </a:r>
             <a:r>
               <a:rPr lang="ru-RU" dirty="0" smtClean="0"/>
-              <a:t>т.е. использует аппаратную акселерацию</a:t>
-            </a:r>
-            <a:endParaRPr lang="en-US" dirty="0" smtClean="0"/>
-          </a:p>
-          <a:p>
-            <a:pPr lvl="1"/>
-            <a:r>
-              <a:rPr lang="en-US" dirty="0"/>
-              <a:t>Rendering Tier 0. </a:t>
+              <a:t>риложения для </a:t>
+            </a:r>
+            <a:r>
+              <a:rPr lang="en-US" dirty="0" smtClean="0"/>
+              <a:t>Windows 8.x</a:t>
+            </a:r>
+            <a:r>
+              <a:rPr lang="ru-RU" dirty="0"/>
+              <a:t> </a:t>
             </a:r>
             <a:r>
               <a:rPr lang="ru-RU" dirty="0" smtClean="0"/>
-              <a:t>Аппаратное ускорение отсутствует</a:t>
+              <a:t>пишутся с использованием </a:t>
             </a:r>
             <a:r>
               <a:rPr lang="en-US" dirty="0" smtClean="0"/>
-              <a:t>. DirectX &lt; 7.0</a:t>
-            </a:r>
-            <a:endParaRPr lang="en-US" dirty="0"/>
-          </a:p>
-          <a:p>
-            <a:pPr lvl="1"/>
+              <a:t>WPF</a:t>
+            </a:r>
+          </a:p>
+          <a:p>
+            <a:r>
+              <a:rPr lang="ru-RU" dirty="0" smtClean="0"/>
+              <a:t>Технология </a:t>
+            </a:r>
             <a:r>
               <a:rPr lang="en-US" dirty="0" smtClean="0"/>
-              <a:t>Rendering </a:t>
-            </a:r>
-            <a:r>
-              <a:rPr lang="en-US" dirty="0"/>
-              <a:t>Tier </a:t>
-            </a:r>
-            <a:r>
-              <a:rPr lang="en-US" dirty="0" smtClean="0"/>
-              <a:t>1. </a:t>
+              <a:t>WPF </a:t>
             </a:r>
             <a:r>
               <a:rPr lang="ru-RU" dirty="0" smtClean="0"/>
-              <a:t>Частичное аппаратное ускорение</a:t>
-            </a:r>
-            <a:r>
-              <a:rPr lang="en-US" dirty="0" smtClean="0"/>
-              <a:t>. </a:t>
-            </a:r>
-            <a:r>
-              <a:rPr lang="en-US" dirty="0"/>
-              <a:t>7.0 </a:t>
-            </a:r>
-            <a:r>
-              <a:rPr lang="en-US" dirty="0" smtClean="0"/>
-              <a:t>&lt;= DirectX  &lt; 9.0</a:t>
-            </a:r>
-            <a:r>
-              <a:rPr lang="en-US" dirty="0"/>
-              <a:t>.</a:t>
-            </a:r>
-          </a:p>
-          <a:p>
-            <a:pPr lvl="1"/>
-            <a:r>
-              <a:rPr lang="en-US" dirty="0" smtClean="0"/>
-              <a:t>Rendering </a:t>
-            </a:r>
-            <a:r>
-              <a:rPr lang="en-US" dirty="0"/>
-              <a:t>Tier 2</a:t>
-            </a:r>
-            <a:r>
-              <a:rPr lang="en-US" dirty="0" smtClean="0"/>
-              <a:t>.</a:t>
-            </a:r>
-            <a:r>
-              <a:rPr lang="ru-RU" dirty="0" smtClean="0"/>
-              <a:t> Полное аппаратное ускорение</a:t>
-            </a:r>
-            <a:r>
-              <a:rPr lang="en-US" dirty="0" smtClean="0"/>
-              <a:t>. DirectX &gt;</a:t>
-            </a:r>
-            <a:r>
-              <a:rPr lang="ru-RU" dirty="0" smtClean="0"/>
-              <a:t>= </a:t>
-            </a:r>
-            <a:r>
-              <a:rPr lang="en-US" dirty="0" smtClean="0"/>
-              <a:t>9.0</a:t>
-            </a:r>
-          </a:p>
-          <a:p>
-            <a:pPr lvl="1"/>
-            <a:r>
-              <a:rPr lang="en-US" dirty="0" err="1" smtClean="0"/>
-              <a:t>System.Windows.Media.RenderCapability</a:t>
-            </a:r>
-            <a:endParaRPr lang="en-US" dirty="0" smtClean="0"/>
-          </a:p>
-          <a:p>
-            <a:r>
-              <a:rPr lang="ru-RU" dirty="0" smtClean="0"/>
-              <a:t>Не заменяет, а дополняет </a:t>
-            </a:r>
-            <a:r>
-              <a:rPr lang="en-US" dirty="0" smtClean="0"/>
-              <a:t>Windows Forms</a:t>
-            </a:r>
-            <a:endParaRPr lang="en-US" dirty="0"/>
+              <a:t>более сложная в освоении, </a:t>
+            </a:r>
+            <a:r>
+              <a:rPr lang="ru-RU" smtClean="0"/>
+              <a:t>но дающая больше встроенных инструментов для правильной организации приложений</a:t>
+            </a:r>
+            <a:endParaRPr lang="ru-RU" dirty="0"/>
           </a:p>
         </p:txBody>
       </p:sp>
     </p:spTree>
     <p:extLst>
       <p:ext uri="{BB962C8B-B14F-4D97-AF65-F5344CB8AC3E}">
-        <p14:creationId xmlns:p14="http://schemas.microsoft.com/office/powerpoint/2010/main" val="622353422"/>
+        <p14:creationId xmlns:p14="http://schemas.microsoft.com/office/powerpoint/2010/main" val="326031182"/>
       </p:ext>
     </p:extLst>
   </p:cSld>
   <p:clrMapOvr>
     <a:masterClrMapping/>
   </p:clrMapOvr>
-  <p:timing>
-    <p:tnLst>
-      <p:par>
-        <p:cTn id="1" dur="indefinite" restart="never" nodeType="tmRoot"/>
-      </p:par>
-    </p:tnLst>
-  </p:timing>
 </p:sld>
 </file>
 
@@ -7883,6 +8090,189 @@
           <a:p>
             <a:r>
               <a:rPr lang="en-US" dirty="0" smtClean="0"/>
+              <a:t>WPF</a:t>
+            </a:r>
+            <a:endParaRPr lang="en-US" dirty="0"/>
+          </a:p>
+        </p:txBody>
+      </p:sp>
+      <p:sp>
+        <p:nvSpPr>
+          <p:cNvPr id="3" name="Content Placeholder 2"/>
+          <p:cNvSpPr>
+            <a:spLocks noGrp="1"/>
+          </p:cNvSpPr>
+          <p:nvPr>
+            <p:ph idx="1"/>
+          </p:nvPr>
+        </p:nvSpPr>
+        <p:spPr/>
+        <p:txBody>
+          <a:bodyPr>
+            <a:normAutofit/>
+          </a:bodyPr>
+          <a:lstStyle/>
+          <a:p>
+            <a:r>
+              <a:rPr lang="ru-RU" dirty="0" smtClean="0"/>
+              <a:t>Работает через </a:t>
+            </a:r>
+            <a:r>
+              <a:rPr lang="en-US" dirty="0" smtClean="0"/>
+              <a:t>DirectX </a:t>
+            </a:r>
+            <a:r>
+              <a:rPr lang="ru-RU" dirty="0" smtClean="0"/>
+              <a:t>т.е. использует аппаратную акселерацию</a:t>
+            </a:r>
+            <a:endParaRPr lang="en-US" dirty="0" smtClean="0"/>
+          </a:p>
+          <a:p>
+            <a:pPr lvl="1"/>
+            <a:r>
+              <a:rPr lang="en-US" dirty="0"/>
+              <a:t>Rendering Tier 0. </a:t>
+            </a:r>
+            <a:r>
+              <a:rPr lang="ru-RU" dirty="0" smtClean="0"/>
+              <a:t>Аппаратное ускорение отсутствует</a:t>
+            </a:r>
+            <a:r>
+              <a:rPr lang="en-US" dirty="0" smtClean="0"/>
+              <a:t>. DirectX &lt; 7.0</a:t>
+            </a:r>
+            <a:endParaRPr lang="en-US" dirty="0"/>
+          </a:p>
+          <a:p>
+            <a:pPr lvl="1"/>
+            <a:r>
+              <a:rPr lang="en-US" dirty="0" smtClean="0"/>
+              <a:t>Rendering </a:t>
+            </a:r>
+            <a:r>
+              <a:rPr lang="en-US" dirty="0"/>
+              <a:t>Tier </a:t>
+            </a:r>
+            <a:r>
+              <a:rPr lang="en-US" dirty="0" smtClean="0"/>
+              <a:t>1. </a:t>
+            </a:r>
+            <a:r>
+              <a:rPr lang="ru-RU" dirty="0" smtClean="0"/>
+              <a:t>Частичное аппаратное ускорение</a:t>
+            </a:r>
+            <a:r>
+              <a:rPr lang="en-US" dirty="0" smtClean="0"/>
+              <a:t>. </a:t>
+            </a:r>
+            <a:r>
+              <a:rPr lang="en-US" dirty="0"/>
+              <a:t>7.0 </a:t>
+            </a:r>
+            <a:r>
+              <a:rPr lang="en-US" dirty="0" smtClean="0"/>
+              <a:t>&lt;= DirectX  &lt; 9.0</a:t>
+            </a:r>
+            <a:r>
+              <a:rPr lang="en-US" dirty="0"/>
+              <a:t>.</a:t>
+            </a:r>
+          </a:p>
+          <a:p>
+            <a:pPr lvl="1"/>
+            <a:r>
+              <a:rPr lang="en-US" dirty="0" smtClean="0"/>
+              <a:t>Rendering </a:t>
+            </a:r>
+            <a:r>
+              <a:rPr lang="en-US" dirty="0"/>
+              <a:t>Tier 2</a:t>
+            </a:r>
+            <a:r>
+              <a:rPr lang="en-US" dirty="0" smtClean="0"/>
+              <a:t>.</a:t>
+            </a:r>
+            <a:r>
+              <a:rPr lang="ru-RU" dirty="0" smtClean="0"/>
+              <a:t> Полное аппаратное ускорение</a:t>
+            </a:r>
+            <a:r>
+              <a:rPr lang="en-US" dirty="0" smtClean="0"/>
+              <a:t>. DirectX &gt;</a:t>
+            </a:r>
+            <a:r>
+              <a:rPr lang="ru-RU" dirty="0" smtClean="0"/>
+              <a:t>= </a:t>
+            </a:r>
+            <a:r>
+              <a:rPr lang="en-US" dirty="0" smtClean="0"/>
+              <a:t>9.0</a:t>
+            </a:r>
+          </a:p>
+          <a:p>
+            <a:pPr lvl="1"/>
+            <a:r>
+              <a:rPr lang="en-US" dirty="0" err="1" smtClean="0"/>
+              <a:t>System.Windows.Media.RenderCapability</a:t>
+            </a:r>
+            <a:endParaRPr lang="en-US" dirty="0"/>
+          </a:p>
+        </p:txBody>
+      </p:sp>
+    </p:spTree>
+    <p:extLst>
+      <p:ext uri="{BB962C8B-B14F-4D97-AF65-F5344CB8AC3E}">
+        <p14:creationId xmlns:p14="http://schemas.microsoft.com/office/powerpoint/2010/main" val="622353422"/>
+      </p:ext>
+    </p:extLst>
+  </p:cSld>
+  <p:clrMapOvr>
+    <a:masterClrMapping/>
+  </p:clrMapOvr>
+  <p:timing>
+    <p:tnLst>
+      <p:par>
+        <p:cTn id="1" dur="indefinite" restart="never" nodeType="tmRoot"/>
+      </p:par>
+    </p:tnLst>
+  </p:timing>
+</p:sld>
+</file>
+
+<file path=ppt/slides/slide8.xml><?xml version="1.0" encoding="utf-8"?>
+<p:sld xmlns:a="http://schemas.openxmlformats.org/drawingml/2006/main" xmlns:r="http://schemas.openxmlformats.org/officeDocument/2006/relationships" xmlns:p="http://schemas.openxmlformats.org/presentationml/2006/main">
+  <p:cSld>
+    <p:spTree>
+      <p:nvGrpSpPr>
+        <p:cNvPr id="1" name=""/>
+        <p:cNvGrpSpPr/>
+        <p:nvPr/>
+      </p:nvGrpSpPr>
+      <p:grpSpPr>
+        <a:xfrm>
+          <a:off x="0" y="0"/>
+          <a:ext cx="0" cy="0"/>
+          <a:chOff x="0" y="0"/>
+          <a:chExt cx="0" cy="0"/>
+        </a:xfrm>
+      </p:grpSpPr>
+      <p:sp>
+        <p:nvSpPr>
+          <p:cNvPr id="2" name="Title 1"/>
+          <p:cNvSpPr>
+            <a:spLocks noGrp="1"/>
+          </p:cNvSpPr>
+          <p:nvPr>
+            <p:ph type="title"/>
+          </p:nvPr>
+        </p:nvSpPr>
+        <p:spPr/>
+        <p:txBody>
+          <a:bodyPr/>
+          <a:lstStyle/>
+          <a:p>
+            <a:r>
+              <a:rPr lang="en-US" dirty="0" smtClean="0"/>
               <a:t>Silverlight</a:t>
             </a:r>
             <a:endParaRPr lang="en-US" dirty="0"/>
@@ -7948,7 +8338,7 @@
 </p:sld>
 </file>
 
-<file path=ppt/slides/slide8.xml><?xml version="1.0" encoding="utf-8"?>
+<file path=ppt/slides/slide9.xml><?xml version="1.0" encoding="utf-8"?>
 <p:sld xmlns:a="http://schemas.openxmlformats.org/drawingml/2006/main" xmlns:r="http://schemas.openxmlformats.org/officeDocument/2006/relationships" xmlns:p="http://schemas.openxmlformats.org/presentationml/2006/main">
   <p:cSld>
     <p:bg>
@@ -8080,195 +8470,6 @@
     <p:extLst>
       <p:ext uri="{BB962C8B-B14F-4D97-AF65-F5344CB8AC3E}">
         <p14:creationId xmlns:p14="http://schemas.microsoft.com/office/powerpoint/2010/main" val="550215289"/>
-      </p:ext>
-    </p:extLst>
-  </p:cSld>
-  <p:clrMapOvr>
-    <a:masterClrMapping/>
-  </p:clrMapOvr>
-  <p:timing>
-    <p:tnLst>
-      <p:par>
-        <p:cTn id="1" dur="indefinite" restart="never" nodeType="tmRoot"/>
-      </p:par>
-    </p:tnLst>
-  </p:timing>
-</p:sld>
-</file>
-
-<file path=ppt/slides/slide9.xml><?xml version="1.0" encoding="utf-8"?>
-<p:sld xmlns:a="http://schemas.openxmlformats.org/drawingml/2006/main" xmlns:r="http://schemas.openxmlformats.org/officeDocument/2006/relationships" xmlns:p="http://schemas.openxmlformats.org/presentationml/2006/main">
-  <p:cSld>
-    <p:bg>
-      <p:bgPr>
-        <a:solidFill>
-          <a:schemeClr val="accent1"/>
-        </a:solidFill>
-        <a:effectLst/>
-      </p:bgPr>
-    </p:bg>
-    <p:spTree>
-      <p:nvGrpSpPr>
-        <p:cNvPr id="1" name=""/>
-        <p:cNvGrpSpPr/>
-        <p:nvPr/>
-      </p:nvGrpSpPr>
-      <p:grpSpPr>
-        <a:xfrm>
-          <a:off x="0" y="0"/>
-          <a:ext cx="0" cy="0"/>
-          <a:chOff x="0" y="0"/>
-          <a:chExt cx="0" cy="0"/>
-        </a:xfrm>
-      </p:grpSpPr>
-      <p:sp>
-        <p:nvSpPr>
-          <p:cNvPr id="2" name="Title 1"/>
-          <p:cNvSpPr>
-            <a:spLocks noGrp="1"/>
-          </p:cNvSpPr>
-          <p:nvPr>
-            <p:ph type="title"/>
-          </p:nvPr>
-        </p:nvSpPr>
-        <p:spPr/>
-        <p:txBody>
-          <a:bodyPr>
-            <a:normAutofit fontScale="90000"/>
-          </a:bodyPr>
-          <a:lstStyle/>
-          <a:p>
-            <a:r>
-              <a:rPr lang="ru-RU" dirty="0" smtClean="0">
-                <a:solidFill>
-                  <a:srgbClr val="002060"/>
-                </a:solidFill>
-              </a:rPr>
-              <a:t>Иерархия классов </a:t>
-            </a:r>
-            <a:r>
-              <a:rPr lang="en-US" dirty="0" smtClean="0">
-                <a:solidFill>
-                  <a:srgbClr val="002060"/>
-                </a:solidFill>
-              </a:rPr>
-              <a:t>WPF</a:t>
-            </a:r>
-            <a:r>
-              <a:rPr lang="ru-RU" dirty="0">
-                <a:solidFill>
-                  <a:srgbClr val="002060"/>
-                </a:solidFill>
-              </a:rPr>
-              <a:t/>
-            </a:r>
-            <a:br>
-              <a:rPr lang="ru-RU" dirty="0">
-                <a:solidFill>
-                  <a:srgbClr val="002060"/>
-                </a:solidFill>
-              </a:rPr>
-            </a:br>
-            <a:r>
-              <a:rPr lang="en-US" dirty="0" err="1" smtClean="0">
-                <a:solidFill>
-                  <a:srgbClr val="002060"/>
-                </a:solidFill>
-              </a:rPr>
-              <a:t>System.Windows</a:t>
-            </a:r>
-            <a:r>
-              <a:rPr lang="ru-RU" dirty="0" smtClean="0">
-                <a:solidFill>
-                  <a:srgbClr val="002060"/>
-                </a:solidFill>
-              </a:rPr>
-              <a:t> </a:t>
-            </a:r>
-            <a:r>
-              <a:rPr lang="en-US" dirty="0" smtClean="0">
-                <a:solidFill>
-                  <a:srgbClr val="002060"/>
-                </a:solidFill>
-              </a:rPr>
-              <a:t>namespace</a:t>
-            </a:r>
-            <a:endParaRPr lang="en-US" dirty="0">
-              <a:solidFill>
-                <a:srgbClr val="002060"/>
-              </a:solidFill>
-            </a:endParaRPr>
-          </a:p>
-        </p:txBody>
-      </p:sp>
-      <p:pic>
-        <p:nvPicPr>
-          <p:cNvPr id="2050" name="Picture 2"/>
-          <p:cNvPicPr>
-            <a:picLocks noChangeAspect="1" noChangeArrowheads="1"/>
-          </p:cNvPicPr>
-          <p:nvPr/>
-        </p:nvPicPr>
-        <p:blipFill>
-          <a:blip r:embed="rId2">
-            <a:extLst>
-              <a:ext uri="{28A0092B-C50C-407E-A947-70E740481C1C}">
-                <a14:useLocalDpi xmlns:a14="http://schemas.microsoft.com/office/drawing/2010/main" val="0"/>
-              </a:ext>
-            </a:extLst>
-          </a:blip>
-          <a:srcRect/>
-          <a:stretch>
-            <a:fillRect/>
-          </a:stretch>
-        </p:blipFill>
-        <p:spPr bwMode="auto">
-          <a:xfrm>
-            <a:off x="2094548" y="1515576"/>
-            <a:ext cx="4954905" cy="4937760"/>
-          </a:xfrm>
-          <a:prstGeom prst="rect">
-            <a:avLst/>
-          </a:prstGeom>
-          <a:noFill/>
-          <a:ln>
-            <a:noFill/>
-          </a:ln>
-          <a:effectLst/>
-          <a:extLst>
-            <a:ext uri="{909E8E84-426E-40DD-AFC4-6F175D3DCCD1}">
-              <a14:hiddenFill xmlns:a14="http://schemas.microsoft.com/office/drawing/2010/main">
-                <a:solidFill>
-                  <a:schemeClr val="accent1"/>
-                </a:solidFill>
-              </a14:hiddenFill>
-            </a:ext>
-            <a:ext uri="{91240B29-F687-4F45-9708-019B960494DF}">
-              <a14:hiddenLine xmlns:a14="http://schemas.microsoft.com/office/drawing/2010/main" w="9525">
-                <a:solidFill>
-                  <a:schemeClr val="tx1"/>
-                </a:solidFill>
-                <a:miter lim="800000"/>
-                <a:headEnd/>
-                <a:tailEnd/>
-              </a14:hiddenLine>
-            </a:ext>
-            <a:ext uri="{AF507438-7753-43E0-B8FC-AC1667EBCBE1}">
-              <a14:hiddenEffects xmlns:a14="http://schemas.microsoft.com/office/drawing/2010/main">
-                <a:effectLst>
-                  <a:outerShdw dist="35921" dir="2700000" algn="ctr" rotWithShape="0">
-                    <a:schemeClr val="bg2"/>
-                  </a:outerShdw>
-                </a:effectLst>
-              </a14:hiddenEffects>
-            </a:ext>
-          </a:extLst>
-        </p:spPr>
-      </p:pic>
-    </p:spTree>
-    <p:extLst>
-      <p:ext uri="{BB962C8B-B14F-4D97-AF65-F5344CB8AC3E}">
-        <p14:creationId xmlns:p14="http://schemas.microsoft.com/office/powerpoint/2010/main" val="32627630"/>
       </p:ext>
     </p:extLst>
   </p:cSld>

--- a/Presentation/lesson-12-wpf.pptx
+++ b/Presentation/lesson-12-wpf.pptx
@@ -216,7 +216,7 @@
           <a:p>
             <a:fld id="{B24A7054-7FFB-49F4-A126-5DF6E687FF53}" type="datetimeFigureOut">
               <a:rPr lang="ru-RU" smtClean="0"/>
-              <a:t>04.03.2014</a:t>
+              <a:t>12.09.2014</a:t>
             </a:fld>
             <a:endParaRPr lang="ru-RU"/>
           </a:p>
@@ -1279,7 +1279,7 @@
           <a:p>
             <a:fld id="{8E6E6A2A-E9D3-4A0D-B04A-ABDD367A1E08}" type="datetimeFigureOut">
               <a:rPr lang="ru-RU" smtClean="0"/>
-              <a:t>04.03.2014</a:t>
+              <a:t>12.09.2014</a:t>
             </a:fld>
             <a:endParaRPr lang="ru-RU"/>
           </a:p>
@@ -2727,7 +2727,7 @@
           <a:p>
             <a:fld id="{AC3D3127-B7C4-45E3-9797-C527EC9FDD78}" type="datetimeFigureOut">
               <a:rPr lang="ru-RU" smtClean="0"/>
-              <a:t>04.03.2014</a:t>
+              <a:t>12.09.2014</a:t>
             </a:fld>
             <a:endParaRPr lang="ru-RU"/>
           </a:p>
@@ -5252,22 +5252,72 @@
           <a:bodyPr/>
           <a:lstStyle/>
           <a:p>
-            <a:r>
-              <a:rPr lang="en-US" dirty="0" smtClean="0"/>
-              <a:t>Pro WPF in C# 2010, Mathew McDonald, </a:t>
-            </a:r>
-            <a:r>
-              <a:rPr lang="en-US" dirty="0" err="1" smtClean="0"/>
-              <a:t>Apress</a:t>
-            </a:r>
-            <a:r>
-              <a:rPr lang="en-US" dirty="0" smtClean="0"/>
-              <a:t>; ISBN </a:t>
-            </a:r>
-            <a:r>
-              <a:rPr lang="en-US" dirty="0"/>
-              <a:t>978-1-4302-7205-2</a:t>
-            </a:r>
+            <a:pPr marL="0" indent="0">
+              <a:buNone/>
+            </a:pPr>
+            <a:r>
+              <a:rPr lang="ru-RU" dirty="0"/>
+              <a:t>WPF: Windows Presentation Foundation в .NET 4.5 с примерами на C# 5.0 для </a:t>
+            </a:r>
+            <a:r>
+              <a:rPr lang="ru-RU" dirty="0" smtClean="0"/>
+              <a:t>профессионалов</a:t>
+            </a:r>
+          </a:p>
+          <a:p>
+            <a:pPr marL="0" indent="0">
+              <a:buNone/>
+            </a:pPr>
+            <a:r>
+              <a:rPr lang="ru-RU" dirty="0"/>
+              <a:t>Мэтью </a:t>
+            </a:r>
+            <a:r>
+              <a:rPr lang="ru-RU" dirty="0" smtClean="0"/>
+              <a:t>Мак-Дональд</a:t>
+            </a:r>
+          </a:p>
+          <a:p>
+            <a:pPr marL="0" indent="0">
+              <a:buNone/>
+            </a:pPr>
+            <a:r>
+              <a:rPr lang="en-US" dirty="0">
+                <a:hlinkClick r:id="rId2"/>
+              </a:rPr>
+              <a:t>http://</a:t>
+            </a:r>
+            <a:r>
+              <a:rPr lang="en-US" dirty="0" smtClean="0">
+                <a:hlinkClick r:id="rId2"/>
+              </a:rPr>
+              <a:t>oz.by/books/more10172890.html</a:t>
+            </a:r>
+            <a:endParaRPr lang="ru-RU" dirty="0" smtClean="0"/>
+          </a:p>
+          <a:p>
+            <a:pPr marL="0" indent="0">
+              <a:buNone/>
+            </a:pPr>
+            <a:r>
+              <a:rPr lang="en-US" dirty="0">
+                <a:hlinkClick r:id="rId3"/>
+              </a:rPr>
+              <a:t>http://</a:t>
+            </a:r>
+            <a:r>
+              <a:rPr lang="en-US" dirty="0" smtClean="0">
+                <a:hlinkClick r:id="rId3"/>
+              </a:rPr>
+              <a:t>www.apress.com/9781430243656</a:t>
+            </a:r>
+            <a:endParaRPr lang="ru-RU" dirty="0" smtClean="0"/>
+          </a:p>
+          <a:p>
+            <a:pPr marL="0" indent="0">
+              <a:buNone/>
+            </a:pPr>
+            <a:endParaRPr lang="en-US" dirty="0"/>
           </a:p>
         </p:txBody>
       </p:sp>

--- a/Presentation/lesson-12-wpf.pptx
+++ b/Presentation/lesson-12-wpf.pptx
@@ -5,7 +5,7 @@
     <p:sldMasterId id="2147483648" r:id="rId1"/>
   </p:sldMasterIdLst>
   <p:notesMasterIdLst>
-    <p:notesMasterId r:id="rId27"/>
+    <p:notesMasterId r:id="rId28"/>
   </p:notesMasterIdLst>
   <p:sldIdLst>
     <p:sldId id="256" r:id="rId2"/>
@@ -30,9 +30,10 @@
     <p:sldId id="279" r:id="rId21"/>
     <p:sldId id="274" r:id="rId22"/>
     <p:sldId id="280" r:id="rId23"/>
-    <p:sldId id="275" r:id="rId24"/>
-    <p:sldId id="276" r:id="rId25"/>
-    <p:sldId id="278" r:id="rId26"/>
+    <p:sldId id="282" r:id="rId24"/>
+    <p:sldId id="275" r:id="rId25"/>
+    <p:sldId id="276" r:id="rId26"/>
+    <p:sldId id="278" r:id="rId27"/>
   </p:sldIdLst>
   <p:sldSz cx="9144000" cy="6858000" type="screen4x3"/>
   <p:notesSz cx="6858000" cy="9144000"/>
@@ -216,7 +217,7 @@
           <a:p>
             <a:fld id="{B24A7054-7FFB-49F4-A126-5DF6E687FF53}" type="datetimeFigureOut">
               <a:rPr lang="ru-RU" smtClean="0"/>
-              <a:t>12.09.2014</a:t>
+              <a:t>20.09.2014</a:t>
             </a:fld>
             <a:endParaRPr lang="ru-RU"/>
           </a:p>
@@ -1279,7 +1280,7 @@
           <a:p>
             <a:fld id="{8E6E6A2A-E9D3-4A0D-B04A-ABDD367A1E08}" type="datetimeFigureOut">
               <a:rPr lang="ru-RU" smtClean="0"/>
-              <a:t>12.09.2014</a:t>
+              <a:t>20.09.2014</a:t>
             </a:fld>
             <a:endParaRPr lang="ru-RU"/>
           </a:p>
@@ -2727,7 +2728,7 @@
           <a:p>
             <a:fld id="{AC3D3127-B7C4-45E3-9797-C527EC9FDD78}" type="datetimeFigureOut">
               <a:rPr lang="ru-RU" smtClean="0"/>
-              <a:t>12.09.2014</a:t>
+              <a:t>20.09.2014</a:t>
             </a:fld>
             <a:endParaRPr lang="ru-RU"/>
           </a:p>
@@ -6921,9 +6922,18 @@
           <a:lstStyle/>
           <a:p>
             <a:r>
-              <a:rPr lang="en-US" dirty="0"/>
-              <a:t>Dependency Properties</a:t>
-            </a:r>
+              <a:rPr lang="en-US" dirty="0" smtClean="0"/>
+              <a:t>Debug Visualizer </a:t>
+            </a:r>
+            <a:r>
+              <a:rPr lang="ru-RU" dirty="0" smtClean="0"/>
+              <a:t>для </a:t>
+            </a:r>
+            <a:r>
+              <a:rPr lang="en-US" dirty="0" smtClean="0"/>
+              <a:t>WPF</a:t>
+            </a:r>
+            <a:endParaRPr lang="ru-RU" dirty="0"/>
           </a:p>
         </p:txBody>
       </p:sp>
@@ -6939,335 +6949,23 @@
         </p:nvSpPr>
         <p:spPr/>
         <p:txBody>
-          <a:bodyPr>
-            <a:normAutofit fontScale="55000" lnSpcReduction="20000"/>
-          </a:bodyPr>
+          <a:bodyPr/>
           <a:lstStyle/>
           <a:p>
-            <a:r>
-              <a:rPr lang="ru-RU" dirty="0" smtClean="0"/>
-              <a:t>Объявление</a:t>
-            </a:r>
-          </a:p>
-          <a:p>
-            <a:pPr lvl="1"/>
-            <a:r>
-              <a:rPr lang="en-US" dirty="0"/>
-              <a:t>public class </a:t>
-            </a:r>
-            <a:r>
-              <a:rPr lang="en-US" dirty="0" err="1"/>
-              <a:t>FrameworkElement</a:t>
-            </a:r>
-            <a:r>
-              <a:rPr lang="en-US" dirty="0"/>
-              <a:t>: </a:t>
-            </a:r>
-            <a:r>
-              <a:rPr lang="en-US" dirty="0" err="1"/>
-              <a:t>UIElement</a:t>
-            </a:r>
-            <a:r>
-              <a:rPr lang="en-US" dirty="0"/>
-              <a:t>, ...</a:t>
-            </a:r>
-            <a:r>
-              <a:rPr lang="ru-RU" dirty="0" smtClean="0"/>
-              <a:t/>
-            </a:r>
-            <a:br>
-              <a:rPr lang="ru-RU" dirty="0" smtClean="0"/>
-            </a:br>
-            <a:r>
-              <a:rPr lang="en-US" dirty="0" smtClean="0"/>
-              <a:t>{</a:t>
-            </a:r>
-            <a:br>
-              <a:rPr lang="en-US" dirty="0" smtClean="0"/>
-            </a:br>
-            <a:r>
-              <a:rPr lang="en-US" dirty="0" smtClean="0"/>
-              <a:t>public </a:t>
-            </a:r>
-            <a:r>
-              <a:rPr lang="en-US" dirty="0"/>
-              <a:t>static </a:t>
-            </a:r>
-            <a:r>
-              <a:rPr lang="en-US" dirty="0" err="1"/>
-              <a:t>readonly</a:t>
-            </a:r>
-            <a:r>
-              <a:rPr lang="en-US" dirty="0"/>
-              <a:t> </a:t>
-            </a:r>
-            <a:r>
-              <a:rPr lang="en-US" dirty="0" err="1">
-                <a:solidFill>
-                  <a:srgbClr val="FFFF00"/>
-                </a:solidFill>
-              </a:rPr>
-              <a:t>DependencyProperty</a:t>
-            </a:r>
-            <a:r>
-              <a:rPr lang="en-US" dirty="0"/>
-              <a:t> </a:t>
-            </a:r>
-            <a:r>
-              <a:rPr lang="en-US" dirty="0" err="1"/>
-              <a:t>Margin</a:t>
-            </a:r>
-            <a:r>
-              <a:rPr lang="en-US" dirty="0" err="1">
-                <a:solidFill>
-                  <a:srgbClr val="FFFF00"/>
-                </a:solidFill>
-              </a:rPr>
-              <a:t>Property</a:t>
-            </a:r>
-            <a:r>
-              <a:rPr lang="en-US" dirty="0" smtClean="0"/>
-              <a:t>;</a:t>
-            </a:r>
-            <a:br>
-              <a:rPr lang="en-US" dirty="0" smtClean="0"/>
-            </a:br>
-            <a:r>
-              <a:rPr lang="en-US" dirty="0" smtClean="0"/>
-              <a:t>}</a:t>
-            </a:r>
-            <a:endParaRPr lang="ru-RU" dirty="0" smtClean="0"/>
-          </a:p>
-          <a:p>
-            <a:r>
-              <a:rPr lang="ru-RU" dirty="0" smtClean="0"/>
-              <a:t>Регистрация</a:t>
-            </a:r>
-          </a:p>
-          <a:p>
-            <a:pPr lvl="1"/>
-            <a:r>
-              <a:rPr lang="en-US" dirty="0" err="1" smtClean="0"/>
-              <a:t>FrameworkPropertyMetadata</a:t>
-            </a:r>
-            <a:endParaRPr lang="ru-RU" dirty="0" smtClean="0"/>
-          </a:p>
-          <a:p>
-            <a:pPr lvl="1"/>
-            <a:r>
-              <a:rPr lang="en-US" dirty="0" err="1" smtClean="0"/>
-              <a:t>DependencyProperty.Register</a:t>
-            </a:r>
-            <a:endParaRPr lang="ru-RU" dirty="0" smtClean="0"/>
-          </a:p>
-          <a:p>
-            <a:r>
-              <a:rPr lang="ru-RU" dirty="0" smtClean="0"/>
-              <a:t>Объявление</a:t>
-            </a:r>
-          </a:p>
-          <a:p>
-            <a:pPr lvl="1"/>
-            <a:r>
-              <a:rPr lang="en-US" dirty="0"/>
-              <a:t>public Thickness </a:t>
-            </a:r>
-            <a:r>
-              <a:rPr lang="en-US" dirty="0" smtClean="0"/>
-              <a:t>Margin</a:t>
-            </a:r>
-            <a:r>
-              <a:rPr lang="ru-RU" dirty="0" smtClean="0"/>
-              <a:t/>
-            </a:r>
-            <a:br>
-              <a:rPr lang="ru-RU" dirty="0" smtClean="0"/>
-            </a:br>
-            <a:r>
-              <a:rPr lang="en-US" dirty="0" smtClean="0"/>
-              <a:t>{</a:t>
-            </a:r>
-            <a:r>
-              <a:rPr lang="ru-RU" dirty="0" smtClean="0"/>
-              <a:t/>
-            </a:r>
-            <a:br>
-              <a:rPr lang="ru-RU" dirty="0" smtClean="0"/>
-            </a:br>
-            <a:r>
-              <a:rPr lang="en-US" dirty="0" smtClean="0"/>
-              <a:t>set </a:t>
-            </a:r>
-            <a:r>
-              <a:rPr lang="en-US" dirty="0"/>
-              <a:t>{ </a:t>
-            </a:r>
-            <a:r>
-              <a:rPr lang="en-US" dirty="0" err="1"/>
-              <a:t>SetValue</a:t>
-            </a:r>
-            <a:r>
-              <a:rPr lang="en-US" dirty="0"/>
-              <a:t>(</a:t>
-            </a:r>
-            <a:r>
-              <a:rPr lang="en-US" dirty="0" err="1"/>
-              <a:t>MarginProperty</a:t>
-            </a:r>
-            <a:r>
-              <a:rPr lang="en-US" dirty="0"/>
-              <a:t>, value); </a:t>
-            </a:r>
-            <a:r>
-              <a:rPr lang="en-US" dirty="0" smtClean="0"/>
-              <a:t>}</a:t>
-            </a:r>
-            <a:r>
-              <a:rPr lang="ru-RU" dirty="0" smtClean="0"/>
-              <a:t/>
-            </a:r>
-            <a:br>
-              <a:rPr lang="ru-RU" dirty="0" smtClean="0"/>
-            </a:br>
-            <a:r>
-              <a:rPr lang="en-US" dirty="0" smtClean="0"/>
-              <a:t>get </a:t>
-            </a:r>
-            <a:r>
-              <a:rPr lang="en-US" dirty="0"/>
-              <a:t>{ return (Thickness)</a:t>
-            </a:r>
-            <a:r>
-              <a:rPr lang="en-US" dirty="0" err="1"/>
-              <a:t>GetValue</a:t>
-            </a:r>
-            <a:r>
-              <a:rPr lang="en-US" dirty="0"/>
-              <a:t>(</a:t>
-            </a:r>
-            <a:r>
-              <a:rPr lang="en-US" dirty="0" err="1"/>
-              <a:t>MarginProperty</a:t>
-            </a:r>
-            <a:r>
-              <a:rPr lang="en-US" dirty="0"/>
-              <a:t>); </a:t>
-            </a:r>
-            <a:r>
-              <a:rPr lang="en-US" dirty="0" smtClean="0"/>
-              <a:t>}</a:t>
-            </a:r>
-            <a:r>
-              <a:rPr lang="ru-RU" dirty="0" smtClean="0"/>
-              <a:t/>
-            </a:r>
-            <a:br>
-              <a:rPr lang="ru-RU" dirty="0" smtClean="0"/>
-            </a:br>
-            <a:r>
-              <a:rPr lang="en-US" dirty="0" smtClean="0"/>
-              <a:t>}</a:t>
-            </a:r>
-            <a:endParaRPr lang="ru-RU" dirty="0" smtClean="0"/>
-          </a:p>
-          <a:p>
-            <a:pPr lvl="1"/>
-            <a:r>
-              <a:rPr lang="ru-RU" dirty="0" smtClean="0">
-                <a:solidFill>
-                  <a:srgbClr val="FFFF00"/>
-                </a:solidFill>
-              </a:rPr>
-              <a:t>Только так! Ничего другого быть не должно!</a:t>
-            </a:r>
-            <a:r>
-              <a:rPr lang="ru-RU" dirty="0"/>
-              <a:t> </a:t>
-            </a:r>
-            <a:endParaRPr lang="ru-RU" dirty="0" smtClean="0"/>
-          </a:p>
-          <a:p>
-            <a:r>
-              <a:rPr lang="ru-RU" dirty="0" smtClean="0"/>
-              <a:t>Очистка</a:t>
-            </a:r>
-          </a:p>
-          <a:p>
-            <a:pPr lvl="1"/>
-            <a:r>
-              <a:rPr lang="en-US" dirty="0" err="1"/>
-              <a:t>myElement.ClearValue</a:t>
-            </a:r>
-            <a:r>
-              <a:rPr lang="en-US" dirty="0"/>
-              <a:t>(</a:t>
-            </a:r>
-            <a:r>
-              <a:rPr lang="en-US" dirty="0" err="1"/>
-              <a:t>FrameworkElement.MarginProperty</a:t>
-            </a:r>
-            <a:r>
-              <a:rPr lang="en-US" dirty="0" smtClean="0"/>
-              <a:t>);</a:t>
-            </a:r>
-            <a:endParaRPr lang="ru-RU" dirty="0" smtClean="0"/>
-          </a:p>
-          <a:p>
-            <a:r>
-              <a:rPr lang="ru-RU" dirty="0" smtClean="0">
-                <a:solidFill>
-                  <a:schemeClr val="bg1"/>
-                </a:solidFill>
-              </a:rPr>
-              <a:t>Достоинства</a:t>
-            </a:r>
-          </a:p>
-          <a:p>
-            <a:pPr lvl="1"/>
-            <a:r>
-              <a:rPr lang="ru-RU" dirty="0" smtClean="0">
-                <a:solidFill>
-                  <a:schemeClr val="bg1"/>
-                </a:solidFill>
-              </a:rPr>
-              <a:t>Тратят меньше памяти, если значение не было указано</a:t>
-            </a:r>
-          </a:p>
-          <a:p>
-            <a:pPr lvl="1"/>
-            <a:r>
-              <a:rPr lang="ru-RU" dirty="0" smtClean="0">
-                <a:solidFill>
-                  <a:schemeClr val="bg1"/>
-                </a:solidFill>
-              </a:rPr>
-              <a:t>Поддержка стилей</a:t>
-            </a:r>
-            <a:endParaRPr lang="en-US" dirty="0">
-              <a:solidFill>
-                <a:schemeClr val="bg1"/>
-              </a:solidFill>
-            </a:endParaRPr>
+            <a:endParaRPr lang="ru-RU"/>
           </a:p>
         </p:txBody>
       </p:sp>
     </p:spTree>
     <p:extLst>
       <p:ext uri="{BB962C8B-B14F-4D97-AF65-F5344CB8AC3E}">
-        <p14:creationId xmlns:p14="http://schemas.microsoft.com/office/powerpoint/2010/main" val="205489790"/>
+        <p14:creationId xmlns:p14="http://schemas.microsoft.com/office/powerpoint/2010/main" val="765424254"/>
       </p:ext>
     </p:extLst>
   </p:cSld>
   <p:clrMapOvr>
     <a:masterClrMapping/>
   </p:clrMapOvr>
-  <p:timing>
-    <p:tnLst>
-      <p:par>
-        <p:cTn id="1" dur="indefinite" restart="never" nodeType="tmRoot"/>
-      </p:par>
-    </p:tnLst>
-  </p:timing>
 </p:sld>
 </file>
 
@@ -7304,6 +7002,389 @@
           <a:lstStyle/>
           <a:p>
             <a:r>
+              <a:rPr lang="en-US" dirty="0"/>
+              <a:t>Dependency Properties</a:t>
+            </a:r>
+          </a:p>
+        </p:txBody>
+      </p:sp>
+      <p:sp>
+        <p:nvSpPr>
+          <p:cNvPr id="3" name="Content Placeholder 2"/>
+          <p:cNvSpPr>
+            <a:spLocks noGrp="1"/>
+          </p:cNvSpPr>
+          <p:nvPr>
+            <p:ph idx="1"/>
+          </p:nvPr>
+        </p:nvSpPr>
+        <p:spPr/>
+        <p:txBody>
+          <a:bodyPr>
+            <a:normAutofit fontScale="55000" lnSpcReduction="20000"/>
+          </a:bodyPr>
+          <a:lstStyle/>
+          <a:p>
+            <a:r>
+              <a:rPr lang="ru-RU" dirty="0" smtClean="0"/>
+              <a:t>Объявление</a:t>
+            </a:r>
+          </a:p>
+          <a:p>
+            <a:pPr lvl="1"/>
+            <a:r>
+              <a:rPr lang="en-US" dirty="0"/>
+              <a:t>public class </a:t>
+            </a:r>
+            <a:r>
+              <a:rPr lang="en-US" dirty="0" err="1"/>
+              <a:t>FrameworkElement</a:t>
+            </a:r>
+            <a:r>
+              <a:rPr lang="en-US" dirty="0"/>
+              <a:t>: </a:t>
+            </a:r>
+            <a:r>
+              <a:rPr lang="en-US" dirty="0" err="1"/>
+              <a:t>UIElement</a:t>
+            </a:r>
+            <a:r>
+              <a:rPr lang="en-US" dirty="0"/>
+              <a:t>, ...</a:t>
+            </a:r>
+            <a:r>
+              <a:rPr lang="ru-RU" dirty="0" smtClean="0"/>
+              <a:t/>
+            </a:r>
+            <a:br>
+              <a:rPr lang="ru-RU" dirty="0" smtClean="0"/>
+            </a:br>
+            <a:r>
+              <a:rPr lang="en-US" dirty="0" smtClean="0"/>
+              <a:t>{</a:t>
+            </a:r>
+            <a:br>
+              <a:rPr lang="en-US" dirty="0" smtClean="0"/>
+            </a:br>
+            <a:r>
+              <a:rPr lang="en-US" dirty="0" smtClean="0"/>
+              <a:t>public </a:t>
+            </a:r>
+            <a:r>
+              <a:rPr lang="en-US" dirty="0"/>
+              <a:t>static </a:t>
+            </a:r>
+            <a:r>
+              <a:rPr lang="en-US" dirty="0" err="1"/>
+              <a:t>readonly</a:t>
+            </a:r>
+            <a:r>
+              <a:rPr lang="en-US" dirty="0"/>
+              <a:t> </a:t>
+            </a:r>
+            <a:r>
+              <a:rPr lang="en-US" dirty="0" err="1">
+                <a:solidFill>
+                  <a:srgbClr val="FFFF00"/>
+                </a:solidFill>
+              </a:rPr>
+              <a:t>DependencyProperty</a:t>
+            </a:r>
+            <a:r>
+              <a:rPr lang="en-US" dirty="0"/>
+              <a:t> </a:t>
+            </a:r>
+            <a:r>
+              <a:rPr lang="en-US" dirty="0" err="1"/>
+              <a:t>Margin</a:t>
+            </a:r>
+            <a:r>
+              <a:rPr lang="en-US" dirty="0" err="1">
+                <a:solidFill>
+                  <a:srgbClr val="FFFF00"/>
+                </a:solidFill>
+              </a:rPr>
+              <a:t>Property</a:t>
+            </a:r>
+            <a:r>
+              <a:rPr lang="en-US" dirty="0" smtClean="0"/>
+              <a:t>;</a:t>
+            </a:r>
+            <a:br>
+              <a:rPr lang="en-US" dirty="0" smtClean="0"/>
+            </a:br>
+            <a:r>
+              <a:rPr lang="en-US" dirty="0" smtClean="0"/>
+              <a:t>}</a:t>
+            </a:r>
+            <a:endParaRPr lang="ru-RU" dirty="0" smtClean="0"/>
+          </a:p>
+          <a:p>
+            <a:r>
+              <a:rPr lang="ru-RU" dirty="0" smtClean="0"/>
+              <a:t>Регистрация</a:t>
+            </a:r>
+          </a:p>
+          <a:p>
+            <a:pPr lvl="1"/>
+            <a:r>
+              <a:rPr lang="en-US" dirty="0" err="1" smtClean="0"/>
+              <a:t>FrameworkPropertyMetadata</a:t>
+            </a:r>
+            <a:endParaRPr lang="ru-RU" dirty="0" smtClean="0"/>
+          </a:p>
+          <a:p>
+            <a:pPr lvl="1"/>
+            <a:r>
+              <a:rPr lang="en-US" dirty="0" err="1" smtClean="0"/>
+              <a:t>DependencyProperty.Register</a:t>
+            </a:r>
+            <a:endParaRPr lang="ru-RU" dirty="0" smtClean="0"/>
+          </a:p>
+          <a:p>
+            <a:r>
+              <a:rPr lang="ru-RU" dirty="0" smtClean="0"/>
+              <a:t>Объявление</a:t>
+            </a:r>
+          </a:p>
+          <a:p>
+            <a:pPr lvl="1"/>
+            <a:r>
+              <a:rPr lang="en-US" dirty="0"/>
+              <a:t>public Thickness </a:t>
+            </a:r>
+            <a:r>
+              <a:rPr lang="en-US" dirty="0" smtClean="0"/>
+              <a:t>Margin</a:t>
+            </a:r>
+            <a:r>
+              <a:rPr lang="ru-RU" dirty="0" smtClean="0"/>
+              <a:t/>
+            </a:r>
+            <a:br>
+              <a:rPr lang="ru-RU" dirty="0" smtClean="0"/>
+            </a:br>
+            <a:r>
+              <a:rPr lang="en-US" dirty="0" smtClean="0"/>
+              <a:t>{</a:t>
+            </a:r>
+            <a:r>
+              <a:rPr lang="ru-RU" dirty="0" smtClean="0"/>
+              <a:t/>
+            </a:r>
+            <a:br>
+              <a:rPr lang="ru-RU" dirty="0" smtClean="0"/>
+            </a:br>
+            <a:r>
+              <a:rPr lang="en-US" dirty="0" smtClean="0"/>
+              <a:t>set </a:t>
+            </a:r>
+            <a:r>
+              <a:rPr lang="en-US" dirty="0"/>
+              <a:t>{ </a:t>
+            </a:r>
+            <a:r>
+              <a:rPr lang="en-US" dirty="0" err="1"/>
+              <a:t>SetValue</a:t>
+            </a:r>
+            <a:r>
+              <a:rPr lang="en-US" dirty="0"/>
+              <a:t>(</a:t>
+            </a:r>
+            <a:r>
+              <a:rPr lang="en-US" dirty="0" err="1"/>
+              <a:t>MarginProperty</a:t>
+            </a:r>
+            <a:r>
+              <a:rPr lang="en-US" dirty="0"/>
+              <a:t>, value); </a:t>
+            </a:r>
+            <a:r>
+              <a:rPr lang="en-US" dirty="0" smtClean="0"/>
+              <a:t>}</a:t>
+            </a:r>
+            <a:r>
+              <a:rPr lang="ru-RU" dirty="0" smtClean="0"/>
+              <a:t/>
+            </a:r>
+            <a:br>
+              <a:rPr lang="ru-RU" dirty="0" smtClean="0"/>
+            </a:br>
+            <a:r>
+              <a:rPr lang="en-US" dirty="0" smtClean="0"/>
+              <a:t>get </a:t>
+            </a:r>
+            <a:r>
+              <a:rPr lang="en-US" dirty="0"/>
+              <a:t>{ return (Thickness)</a:t>
+            </a:r>
+            <a:r>
+              <a:rPr lang="en-US" dirty="0" err="1"/>
+              <a:t>GetValue</a:t>
+            </a:r>
+            <a:r>
+              <a:rPr lang="en-US" dirty="0"/>
+              <a:t>(</a:t>
+            </a:r>
+            <a:r>
+              <a:rPr lang="en-US" dirty="0" err="1"/>
+              <a:t>MarginProperty</a:t>
+            </a:r>
+            <a:r>
+              <a:rPr lang="en-US" dirty="0"/>
+              <a:t>); </a:t>
+            </a:r>
+            <a:r>
+              <a:rPr lang="en-US" dirty="0" smtClean="0"/>
+              <a:t>}</a:t>
+            </a:r>
+            <a:r>
+              <a:rPr lang="ru-RU" dirty="0" smtClean="0"/>
+              <a:t/>
+            </a:r>
+            <a:br>
+              <a:rPr lang="ru-RU" dirty="0" smtClean="0"/>
+            </a:br>
+            <a:r>
+              <a:rPr lang="en-US" dirty="0" smtClean="0"/>
+              <a:t>}</a:t>
+            </a:r>
+            <a:endParaRPr lang="ru-RU" dirty="0" smtClean="0"/>
+          </a:p>
+          <a:p>
+            <a:pPr lvl="1"/>
+            <a:r>
+              <a:rPr lang="ru-RU" dirty="0" smtClean="0">
+                <a:solidFill>
+                  <a:srgbClr val="FFFF00"/>
+                </a:solidFill>
+              </a:rPr>
+              <a:t>Только так! Ничего другого быть не должно!</a:t>
+            </a:r>
+            <a:r>
+              <a:rPr lang="ru-RU" dirty="0"/>
+              <a:t> </a:t>
+            </a:r>
+            <a:endParaRPr lang="ru-RU" dirty="0" smtClean="0"/>
+          </a:p>
+          <a:p>
+            <a:r>
+              <a:rPr lang="ru-RU" dirty="0" smtClean="0"/>
+              <a:t>Очистка</a:t>
+            </a:r>
+          </a:p>
+          <a:p>
+            <a:pPr lvl="1"/>
+            <a:r>
+              <a:rPr lang="en-US" dirty="0" err="1"/>
+              <a:t>myElement.ClearValue</a:t>
+            </a:r>
+            <a:r>
+              <a:rPr lang="en-US" dirty="0"/>
+              <a:t>(</a:t>
+            </a:r>
+            <a:r>
+              <a:rPr lang="en-US" dirty="0" err="1"/>
+              <a:t>FrameworkElement.MarginProperty</a:t>
+            </a:r>
+            <a:r>
+              <a:rPr lang="en-US" dirty="0" smtClean="0"/>
+              <a:t>);</a:t>
+            </a:r>
+            <a:endParaRPr lang="ru-RU" dirty="0" smtClean="0"/>
+          </a:p>
+          <a:p>
+            <a:r>
+              <a:rPr lang="ru-RU" dirty="0" smtClean="0">
+                <a:solidFill>
+                  <a:schemeClr val="bg1"/>
+                </a:solidFill>
+              </a:rPr>
+              <a:t>Достоинства</a:t>
+            </a:r>
+          </a:p>
+          <a:p>
+            <a:pPr lvl="1"/>
+            <a:r>
+              <a:rPr lang="ru-RU" dirty="0" smtClean="0">
+                <a:solidFill>
+                  <a:schemeClr val="bg1"/>
+                </a:solidFill>
+              </a:rPr>
+              <a:t>Тратят меньше памяти, если значение не было указано</a:t>
+            </a:r>
+          </a:p>
+          <a:p>
+            <a:pPr lvl="1"/>
+            <a:r>
+              <a:rPr lang="ru-RU" dirty="0" smtClean="0">
+                <a:solidFill>
+                  <a:schemeClr val="bg1"/>
+                </a:solidFill>
+              </a:rPr>
+              <a:t>Поддержка стилей</a:t>
+            </a:r>
+            <a:endParaRPr lang="en-US" dirty="0">
+              <a:solidFill>
+                <a:schemeClr val="bg1"/>
+              </a:solidFill>
+            </a:endParaRPr>
+          </a:p>
+        </p:txBody>
+      </p:sp>
+    </p:spTree>
+    <p:extLst>
+      <p:ext uri="{BB962C8B-B14F-4D97-AF65-F5344CB8AC3E}">
+        <p14:creationId xmlns:p14="http://schemas.microsoft.com/office/powerpoint/2010/main" val="205489790"/>
+      </p:ext>
+    </p:extLst>
+  </p:cSld>
+  <p:clrMapOvr>
+    <a:masterClrMapping/>
+  </p:clrMapOvr>
+  <p:timing>
+    <p:tnLst>
+      <p:par>
+        <p:cTn id="1" dur="indefinite" restart="never" nodeType="tmRoot"/>
+      </p:par>
+    </p:tnLst>
+  </p:timing>
+</p:sld>
+</file>
+
+<file path=ppt/slides/slide25.xml><?xml version="1.0" encoding="utf-8"?>
+<p:sld xmlns:a="http://schemas.openxmlformats.org/drawingml/2006/main" xmlns:r="http://schemas.openxmlformats.org/officeDocument/2006/relationships" xmlns:p="http://schemas.openxmlformats.org/presentationml/2006/main">
+  <p:cSld>
+    <p:spTree>
+      <p:nvGrpSpPr>
+        <p:cNvPr id="1" name=""/>
+        <p:cNvGrpSpPr/>
+        <p:nvPr/>
+      </p:nvGrpSpPr>
+      <p:grpSpPr>
+        <a:xfrm>
+          <a:off x="0" y="0"/>
+          <a:ext cx="0" cy="0"/>
+          <a:chOff x="0" y="0"/>
+          <a:chExt cx="0" cy="0"/>
+        </a:xfrm>
+      </p:grpSpPr>
+      <p:sp>
+        <p:nvSpPr>
+          <p:cNvPr id="2" name="Title 1"/>
+          <p:cNvSpPr>
+            <a:spLocks noGrp="1"/>
+          </p:cNvSpPr>
+          <p:nvPr>
+            <p:ph type="title"/>
+          </p:nvPr>
+        </p:nvSpPr>
+        <p:spPr/>
+        <p:txBody>
+          <a:bodyPr/>
+          <a:lstStyle/>
+          <a:p>
+            <a:r>
               <a:rPr lang="ru-RU" dirty="0" smtClean="0"/>
               <a:t>Валидация</a:t>
             </a:r>
@@ -7431,7 +7512,7 @@
 </p:sld>
 </file>
 
-<file path=ppt/slides/slide25.xml><?xml version="1.0" encoding="utf-8"?>
+<file path=ppt/slides/slide26.xml><?xml version="1.0" encoding="utf-8"?>
 <p:sld xmlns:a="http://schemas.openxmlformats.org/drawingml/2006/main" xmlns:r="http://schemas.openxmlformats.org/officeDocument/2006/relationships" xmlns:p="http://schemas.openxmlformats.org/presentationml/2006/main">
   <p:cSld>
     <p:spTree>

--- a/Presentation/lesson-12-wpf.pptx
+++ b/Presentation/lesson-12-wpf.pptx
@@ -217,7 +217,7 @@
           <a:p>
             <a:fld id="{B24A7054-7FFB-49F4-A126-5DF6E687FF53}" type="datetimeFigureOut">
               <a:rPr lang="ru-RU" smtClean="0"/>
-              <a:t>20.09.2014</a:t>
+              <a:t>19.10.2015</a:t>
             </a:fld>
             <a:endParaRPr lang="ru-RU"/>
           </a:p>
@@ -1280,7 +1280,7 @@
           <a:p>
             <a:fld id="{8E6E6A2A-E9D3-4A0D-B04A-ABDD367A1E08}" type="datetimeFigureOut">
               <a:rPr lang="ru-RU" smtClean="0"/>
-              <a:t>20.09.2014</a:t>
+              <a:t>19.10.2015</a:t>
             </a:fld>
             <a:endParaRPr lang="ru-RU"/>
           </a:p>
@@ -2728,7 +2728,7 @@
           <a:p>
             <a:fld id="{AC3D3127-B7C4-45E3-9797-C527EC9FDD78}" type="datetimeFigureOut">
               <a:rPr lang="ru-RU" smtClean="0"/>
-              <a:t>20.09.2014</a:t>
+              <a:t>19.10.2015</a:t>
             </a:fld>
             <a:endParaRPr lang="ru-RU"/>
           </a:p>
@@ -6809,7 +6809,19 @@
             </a:r>
             <a:r>
               <a:rPr lang="ru-RU" dirty="0" smtClean="0"/>
-              <a:t>документа в виде дерева. Выбор элемента в дереве выбирает его в визаульном дизайнере и окне свойств.</a:t>
+              <a:t>документа в виде дерева. Выбор элемента в дереве выбирает его </a:t>
+            </a:r>
+            <a:r>
+              <a:rPr lang="ru-RU" smtClean="0"/>
+              <a:t>в </a:t>
+            </a:r>
+            <a:r>
+              <a:rPr lang="ru-RU" smtClean="0"/>
+              <a:t>визуальном </a:t>
+            </a:r>
+            <a:r>
+              <a:rPr lang="ru-RU" dirty="0" smtClean="0"/>
+              <a:t>дизайнере и окне свойств.</a:t>
             </a:r>
             <a:endParaRPr lang="en-US" dirty="0"/>
           </a:p>

--- a/Presentation/lesson-12-wpf.pptx
+++ b/Presentation/lesson-12-wpf.pptx
@@ -132,6 +132,22 @@
       </a:defRPr>
     </a:lvl9pPr>
   </p:defaultTextStyle>
+  <p:extLst>
+    <p:ext uri="{EFAFB233-063F-42B5-8137-9DF3F51BA10A}">
+      <p15:sldGuideLst xmlns:p15="http://schemas.microsoft.com/office/powerpoint/2012/main">
+        <p15:guide id="1" orient="horz" pos="2160">
+          <p15:clr>
+            <a:srgbClr val="A4A3A4"/>
+          </p15:clr>
+        </p15:guide>
+        <p15:guide id="2" pos="2880">
+          <p15:clr>
+            <a:srgbClr val="A4A3A4"/>
+          </p15:clr>
+        </p15:guide>
+      </p15:sldGuideLst>
+    </p:ext>
+  </p:extLst>
 </p:presentation>
 </file>
 
@@ -217,7 +233,7 @@
           <a:p>
             <a:fld id="{B24A7054-7FFB-49F4-A126-5DF6E687FF53}" type="datetimeFigureOut">
               <a:rPr lang="ru-RU" smtClean="0"/>
-              <a:t>19.10.2015</a:t>
+              <a:t>01.07.2018</a:t>
             </a:fld>
             <a:endParaRPr lang="ru-RU"/>
           </a:p>
@@ -281,35 +297,35 @@
           <a:p>
             <a:pPr lvl="0"/>
             <a:r>
-              <a:rPr lang="en-US" smtClean="0"/>
+              <a:rPr lang="en-US"/>
               <a:t>Click to edit Master text styles</a:t>
             </a:r>
           </a:p>
           <a:p>
             <a:pPr lvl="1"/>
             <a:r>
-              <a:rPr lang="en-US" smtClean="0"/>
+              <a:rPr lang="en-US"/>
               <a:t>Second level</a:t>
             </a:r>
           </a:p>
           <a:p>
             <a:pPr lvl="2"/>
             <a:r>
-              <a:rPr lang="en-US" smtClean="0"/>
+              <a:rPr lang="en-US"/>
               <a:t>Third level</a:t>
             </a:r>
           </a:p>
           <a:p>
             <a:pPr lvl="3"/>
             <a:r>
-              <a:rPr lang="en-US" smtClean="0"/>
+              <a:rPr lang="en-US"/>
               <a:t>Fourth level</a:t>
             </a:r>
           </a:p>
           <a:p>
             <a:pPr lvl="4"/>
             <a:r>
-              <a:rPr lang="en-US" smtClean="0"/>
+              <a:rPr lang="en-US"/>
               <a:t>Fifth level</a:t>
             </a:r>
             <a:endParaRPr lang="ru-RU"/>
@@ -525,7 +541,7 @@
           <a:p>
             <a:pPr algn="ctr"/>
             <a:r>
-              <a:rPr lang="ru-RU" sz="3600" b="1" i="1" dirty="0" smtClean="0">
+              <a:rPr lang="ru-RU" sz="3600" b="1" i="1" dirty="0">
                 <a:solidFill>
                   <a:schemeClr val="bg1"/>
                 </a:solidFill>
@@ -533,7 +549,7 @@
               <a:t>Основы программирования на </a:t>
             </a:r>
             <a:r>
-              <a:rPr lang="en-US" sz="3600" b="1" i="1" dirty="0" smtClean="0">
+              <a:rPr lang="en-US" sz="3600" b="1" i="1" dirty="0">
                 <a:solidFill>
                   <a:schemeClr val="bg1"/>
                 </a:solidFill>
@@ -640,18 +656,10 @@
                   <a:schemeClr val="bg1"/>
                 </a:solidFill>
               </a:rPr>
-              <a:t>Занятие </a:t>
-            </a:r>
-            <a:r>
-              <a:rPr lang="ru-RU" sz="2400" dirty="0" smtClean="0">
-                <a:solidFill>
-                  <a:schemeClr val="bg1"/>
-                </a:solidFill>
-              </a:rPr>
-              <a:t>№</a:t>
-            </a:r>
-            <a:r>
-              <a:rPr lang="en-US" sz="2400" dirty="0" smtClean="0">
+              <a:t>Занятие №</a:t>
+            </a:r>
+            <a:r>
+              <a:rPr lang="en-US" sz="2400" dirty="0">
                 <a:solidFill>
                   <a:schemeClr val="bg1"/>
                 </a:solidFill>
@@ -659,7 +667,7 @@
               <a:t>?</a:t>
             </a:r>
             <a:r>
-              <a:rPr lang="ru-RU" sz="2400" dirty="0" smtClean="0">
+              <a:rPr lang="ru-RU" sz="2400" dirty="0">
                 <a:solidFill>
                   <a:schemeClr val="bg1"/>
                 </a:solidFill>
@@ -729,7 +737,7 @@
           </a:lstStyle>
           <a:p>
             <a:r>
-              <a:rPr lang="en-US" smtClean="0"/>
+              <a:rPr lang="en-US"/>
               <a:t>Click to edit Master title style</a:t>
             </a:r>
             <a:endParaRPr lang="ru-RU" dirty="0"/>
@@ -794,7 +802,7 @@
           </a:lstStyle>
           <a:p>
             <a:r>
-              <a:rPr lang="en-US" smtClean="0"/>
+              <a:rPr lang="en-US"/>
               <a:t>Click icon to add picture</a:t>
             </a:r>
             <a:endParaRPr lang="ru-RU"/>
@@ -860,7 +868,7 @@
           <a:p>
             <a:pPr lvl="0"/>
             <a:r>
-              <a:rPr lang="en-US" smtClean="0"/>
+              <a:rPr lang="en-US"/>
               <a:t>Click to edit Master text styles</a:t>
             </a:r>
           </a:p>
@@ -912,7 +920,7 @@
           <a:lstStyle/>
           <a:p>
             <a:r>
-              <a:rPr lang="en-US" smtClean="0"/>
+              <a:rPr lang="en-US"/>
               <a:t>Click to edit Master title style</a:t>
             </a:r>
             <a:endParaRPr lang="ru-RU" dirty="0"/>
@@ -936,35 +944,35 @@
           <a:p>
             <a:pPr lvl="0"/>
             <a:r>
-              <a:rPr lang="en-US" smtClean="0"/>
+              <a:rPr lang="en-US"/>
               <a:t>Click to edit Master text styles</a:t>
             </a:r>
           </a:p>
           <a:p>
             <a:pPr lvl="1"/>
             <a:r>
-              <a:rPr lang="en-US" smtClean="0"/>
+              <a:rPr lang="en-US"/>
               <a:t>Second level</a:t>
             </a:r>
           </a:p>
           <a:p>
             <a:pPr lvl="2"/>
             <a:r>
-              <a:rPr lang="en-US" smtClean="0"/>
+              <a:rPr lang="en-US"/>
               <a:t>Third level</a:t>
             </a:r>
           </a:p>
           <a:p>
             <a:pPr lvl="3"/>
             <a:r>
-              <a:rPr lang="en-US" smtClean="0"/>
+              <a:rPr lang="en-US"/>
               <a:t>Fourth level</a:t>
             </a:r>
           </a:p>
           <a:p>
             <a:pPr lvl="4"/>
             <a:r>
-              <a:rPr lang="en-US" smtClean="0"/>
+              <a:rPr lang="en-US"/>
               <a:t>Fifth level</a:t>
             </a:r>
             <a:endParaRPr lang="ru-RU" dirty="0"/>
@@ -1022,7 +1030,7 @@
           <a:lstStyle/>
           <a:p>
             <a:r>
-              <a:rPr lang="en-US" smtClean="0"/>
+              <a:rPr lang="en-US"/>
               <a:t>Click to edit Master title style</a:t>
             </a:r>
             <a:endParaRPr lang="ru-RU" dirty="0"/>
@@ -1051,35 +1059,35 @@
           <a:p>
             <a:pPr lvl="0"/>
             <a:r>
-              <a:rPr lang="en-US" smtClean="0"/>
+              <a:rPr lang="en-US"/>
               <a:t>Click to edit Master text styles</a:t>
             </a:r>
           </a:p>
           <a:p>
             <a:pPr lvl="1"/>
             <a:r>
-              <a:rPr lang="en-US" smtClean="0"/>
+              <a:rPr lang="en-US"/>
               <a:t>Second level</a:t>
             </a:r>
           </a:p>
           <a:p>
             <a:pPr lvl="2"/>
             <a:r>
-              <a:rPr lang="en-US" smtClean="0"/>
+              <a:rPr lang="en-US"/>
               <a:t>Third level</a:t>
             </a:r>
           </a:p>
           <a:p>
             <a:pPr lvl="3"/>
             <a:r>
-              <a:rPr lang="en-US" smtClean="0"/>
+              <a:rPr lang="en-US"/>
               <a:t>Fourth level</a:t>
             </a:r>
           </a:p>
           <a:p>
             <a:pPr lvl="4"/>
             <a:r>
-              <a:rPr lang="en-US" smtClean="0"/>
+              <a:rPr lang="en-US"/>
               <a:t>Fifth level</a:t>
             </a:r>
             <a:endParaRPr lang="ru-RU" dirty="0"/>
@@ -1137,7 +1145,7 @@
           <a:lstStyle/>
           <a:p>
             <a:r>
-              <a:rPr lang="en-US" smtClean="0"/>
+              <a:rPr lang="en-US"/>
               <a:t>Click to edit Master title style</a:t>
             </a:r>
             <a:endParaRPr lang="ru-RU"/>
@@ -1256,7 +1264,7 @@
           </a:lstStyle>
           <a:p>
             <a:r>
-              <a:rPr lang="en-US" smtClean="0"/>
+              <a:rPr lang="en-US"/>
               <a:t>Click to edit Master subtitle style</a:t>
             </a:r>
             <a:endParaRPr lang="ru-RU"/>
@@ -1280,7 +1288,7 @@
           <a:p>
             <a:fld id="{8E6E6A2A-E9D3-4A0D-B04A-ABDD367A1E08}" type="datetimeFigureOut">
               <a:rPr lang="ru-RU" smtClean="0"/>
-              <a:t>19.10.2015</a:t>
+              <a:t>01.07.2018</a:t>
             </a:fld>
             <a:endParaRPr lang="ru-RU"/>
           </a:p>
@@ -1374,7 +1382,7 @@
           <a:lstStyle/>
           <a:p>
             <a:r>
-              <a:rPr lang="en-US" smtClean="0"/>
+              <a:rPr lang="en-US"/>
               <a:t>Click to edit Master title style</a:t>
             </a:r>
             <a:endParaRPr lang="ru-RU" dirty="0"/>
@@ -1398,35 +1406,35 @@
           <a:p>
             <a:pPr lvl="0"/>
             <a:r>
-              <a:rPr lang="en-US" smtClean="0"/>
+              <a:rPr lang="en-US"/>
               <a:t>Click to edit Master text styles</a:t>
             </a:r>
           </a:p>
           <a:p>
             <a:pPr lvl="1"/>
             <a:r>
-              <a:rPr lang="en-US" smtClean="0"/>
+              <a:rPr lang="en-US"/>
               <a:t>Second level</a:t>
             </a:r>
           </a:p>
           <a:p>
             <a:pPr lvl="2"/>
             <a:r>
-              <a:rPr lang="en-US" smtClean="0"/>
+              <a:rPr lang="en-US"/>
               <a:t>Third level</a:t>
             </a:r>
           </a:p>
           <a:p>
             <a:pPr lvl="3"/>
             <a:r>
-              <a:rPr lang="en-US" smtClean="0"/>
+              <a:rPr lang="en-US"/>
               <a:t>Fourth level</a:t>
             </a:r>
           </a:p>
           <a:p>
             <a:pPr lvl="4"/>
             <a:r>
-              <a:rPr lang="en-US" smtClean="0"/>
+              <a:rPr lang="en-US"/>
               <a:t>Fifth level</a:t>
             </a:r>
             <a:endParaRPr lang="ru-RU" dirty="0"/>
@@ -1488,7 +1496,7 @@
           </a:lstStyle>
           <a:p>
             <a:r>
-              <a:rPr lang="en-US" smtClean="0"/>
+              <a:rPr lang="en-US"/>
               <a:t>Click to edit Master title style</a:t>
             </a:r>
             <a:endParaRPr lang="ru-RU" dirty="0"/>
@@ -1608,7 +1616,7 @@
           <a:p>
             <a:pPr lvl="0"/>
             <a:r>
-              <a:rPr lang="en-US" smtClean="0"/>
+              <a:rPr lang="en-US"/>
               <a:t>Click to edit Master text styles</a:t>
             </a:r>
           </a:p>
@@ -1660,7 +1668,7 @@
           <a:lstStyle/>
           <a:p>
             <a:r>
-              <a:rPr lang="en-US" smtClean="0"/>
+              <a:rPr lang="en-US"/>
               <a:t>Click to edit Master title style</a:t>
             </a:r>
             <a:endParaRPr lang="ru-RU" dirty="0"/>
@@ -1717,35 +1725,35 @@
           <a:p>
             <a:pPr lvl="0"/>
             <a:r>
-              <a:rPr lang="en-US" smtClean="0"/>
+              <a:rPr lang="en-US"/>
               <a:t>Click to edit Master text styles</a:t>
             </a:r>
           </a:p>
           <a:p>
             <a:pPr lvl="1"/>
             <a:r>
-              <a:rPr lang="en-US" smtClean="0"/>
+              <a:rPr lang="en-US"/>
               <a:t>Second level</a:t>
             </a:r>
           </a:p>
           <a:p>
             <a:pPr lvl="2"/>
             <a:r>
-              <a:rPr lang="en-US" smtClean="0"/>
+              <a:rPr lang="en-US"/>
               <a:t>Third level</a:t>
             </a:r>
           </a:p>
           <a:p>
             <a:pPr lvl="3"/>
             <a:r>
-              <a:rPr lang="en-US" smtClean="0"/>
+              <a:rPr lang="en-US"/>
               <a:t>Fourth level</a:t>
             </a:r>
           </a:p>
           <a:p>
             <a:pPr lvl="4"/>
             <a:r>
-              <a:rPr lang="en-US" smtClean="0"/>
+              <a:rPr lang="en-US"/>
               <a:t>Fifth level</a:t>
             </a:r>
             <a:endParaRPr lang="ru-RU" dirty="0"/>
@@ -1802,35 +1810,35 @@
           <a:p>
             <a:pPr lvl="0"/>
             <a:r>
-              <a:rPr lang="en-US" smtClean="0"/>
+              <a:rPr lang="en-US"/>
               <a:t>Click to edit Master text styles</a:t>
             </a:r>
           </a:p>
           <a:p>
             <a:pPr lvl="1"/>
             <a:r>
-              <a:rPr lang="en-US" smtClean="0"/>
+              <a:rPr lang="en-US"/>
               <a:t>Second level</a:t>
             </a:r>
           </a:p>
           <a:p>
             <a:pPr lvl="2"/>
             <a:r>
-              <a:rPr lang="en-US" smtClean="0"/>
+              <a:rPr lang="en-US"/>
               <a:t>Third level</a:t>
             </a:r>
           </a:p>
           <a:p>
             <a:pPr lvl="3"/>
             <a:r>
-              <a:rPr lang="en-US" smtClean="0"/>
+              <a:rPr lang="en-US"/>
               <a:t>Fourth level</a:t>
             </a:r>
           </a:p>
           <a:p>
             <a:pPr lvl="4"/>
             <a:r>
-              <a:rPr lang="en-US" smtClean="0"/>
+              <a:rPr lang="en-US"/>
               <a:t>Fifth level</a:t>
             </a:r>
             <a:endParaRPr lang="ru-RU" dirty="0"/>
@@ -1887,7 +1895,7 @@
           </a:lstStyle>
           <a:p>
             <a:r>
-              <a:rPr lang="en-US" smtClean="0"/>
+              <a:rPr lang="en-US"/>
               <a:t>Click to edit Master title style</a:t>
             </a:r>
             <a:endParaRPr lang="ru-RU" dirty="0"/>
@@ -1953,7 +1961,7 @@
           <a:p>
             <a:pPr lvl="0"/>
             <a:r>
-              <a:rPr lang="en-US" smtClean="0"/>
+              <a:rPr lang="en-US"/>
               <a:t>Click to edit Master text styles</a:t>
             </a:r>
           </a:p>
@@ -2009,35 +2017,35 @@
           <a:p>
             <a:pPr lvl="0"/>
             <a:r>
-              <a:rPr lang="en-US" smtClean="0"/>
+              <a:rPr lang="en-US"/>
               <a:t>Click to edit Master text styles</a:t>
             </a:r>
           </a:p>
           <a:p>
             <a:pPr lvl="1"/>
             <a:r>
-              <a:rPr lang="en-US" smtClean="0"/>
+              <a:rPr lang="en-US"/>
               <a:t>Second level</a:t>
             </a:r>
           </a:p>
           <a:p>
             <a:pPr lvl="2"/>
             <a:r>
-              <a:rPr lang="en-US" smtClean="0"/>
+              <a:rPr lang="en-US"/>
               <a:t>Third level</a:t>
             </a:r>
           </a:p>
           <a:p>
             <a:pPr lvl="3"/>
             <a:r>
-              <a:rPr lang="en-US" smtClean="0"/>
+              <a:rPr lang="en-US"/>
               <a:t>Fourth level</a:t>
             </a:r>
           </a:p>
           <a:p>
             <a:pPr lvl="4"/>
             <a:r>
-              <a:rPr lang="en-US" smtClean="0"/>
+              <a:rPr lang="en-US"/>
               <a:t>Fifth level</a:t>
             </a:r>
             <a:endParaRPr lang="ru-RU" dirty="0"/>
@@ -2103,7 +2111,7 @@
           <a:p>
             <a:pPr lvl="0"/>
             <a:r>
-              <a:rPr lang="en-US" smtClean="0"/>
+              <a:rPr lang="en-US"/>
               <a:t>Click to edit Master text styles</a:t>
             </a:r>
           </a:p>
@@ -2159,35 +2167,35 @@
           <a:p>
             <a:pPr lvl="0"/>
             <a:r>
-              <a:rPr lang="en-US" smtClean="0"/>
+              <a:rPr lang="en-US"/>
               <a:t>Click to edit Master text styles</a:t>
             </a:r>
           </a:p>
           <a:p>
             <a:pPr lvl="1"/>
             <a:r>
-              <a:rPr lang="en-US" smtClean="0"/>
+              <a:rPr lang="en-US"/>
               <a:t>Second level</a:t>
             </a:r>
           </a:p>
           <a:p>
             <a:pPr lvl="2"/>
             <a:r>
-              <a:rPr lang="en-US" smtClean="0"/>
+              <a:rPr lang="en-US"/>
               <a:t>Third level</a:t>
             </a:r>
           </a:p>
           <a:p>
             <a:pPr lvl="3"/>
             <a:r>
-              <a:rPr lang="en-US" smtClean="0"/>
+              <a:rPr lang="en-US"/>
               <a:t>Fourth level</a:t>
             </a:r>
           </a:p>
           <a:p>
             <a:pPr lvl="4"/>
             <a:r>
-              <a:rPr lang="en-US" smtClean="0"/>
+              <a:rPr lang="en-US"/>
               <a:t>Fifth level</a:t>
             </a:r>
             <a:endParaRPr lang="ru-RU" dirty="0"/>
@@ -2240,7 +2248,7 @@
           <a:lstStyle/>
           <a:p>
             <a:r>
-              <a:rPr lang="en-US" smtClean="0"/>
+              <a:rPr lang="en-US"/>
               <a:t>Click to edit Master title style</a:t>
             </a:r>
             <a:endParaRPr lang="ru-RU" dirty="0"/>
@@ -2301,14 +2309,14 @@
           <a:p>
             <a:pPr algn="ctr"/>
             <a:r>
-              <a:rPr lang="ru-RU" sz="3200" dirty="0" smtClean="0"/>
+              <a:rPr lang="ru-RU" sz="3200" dirty="0"/>
               <a:t>Название.</a:t>
             </a:r>
             <a:r>
-              <a:rPr lang="ru-RU" sz="3200" baseline="0" dirty="0" smtClean="0"/>
+              <a:rPr lang="ru-RU" sz="3200" baseline="0" dirty="0"/>
               <a:t> Демонстрация.</a:t>
             </a:r>
-            <a:endParaRPr lang="ru-RU" sz="3200" dirty="0" smtClean="0"/>
+            <a:endParaRPr lang="ru-RU" sz="3200" dirty="0"/>
           </a:p>
         </p:txBody>
       </p:sp>
@@ -2397,7 +2405,7 @@
           </a:lstStyle>
           <a:p>
             <a:r>
-              <a:rPr lang="en-US" smtClean="0"/>
+              <a:rPr lang="en-US"/>
               <a:t>Click to edit Master title style</a:t>
             </a:r>
             <a:endParaRPr lang="ru-RU" dirty="0"/>
@@ -2454,35 +2462,35 @@
           <a:p>
             <a:pPr lvl="0"/>
             <a:r>
-              <a:rPr lang="en-US" smtClean="0"/>
+              <a:rPr lang="en-US"/>
               <a:t>Click to edit Master text styles</a:t>
             </a:r>
           </a:p>
           <a:p>
             <a:pPr lvl="1"/>
             <a:r>
-              <a:rPr lang="en-US" smtClean="0"/>
+              <a:rPr lang="en-US"/>
               <a:t>Second level</a:t>
             </a:r>
           </a:p>
           <a:p>
             <a:pPr lvl="2"/>
             <a:r>
-              <a:rPr lang="en-US" smtClean="0"/>
+              <a:rPr lang="en-US"/>
               <a:t>Third level</a:t>
             </a:r>
           </a:p>
           <a:p>
             <a:pPr lvl="3"/>
             <a:r>
-              <a:rPr lang="en-US" smtClean="0"/>
+              <a:rPr lang="en-US"/>
               <a:t>Fourth level</a:t>
             </a:r>
           </a:p>
           <a:p>
             <a:pPr lvl="4"/>
             <a:r>
-              <a:rPr lang="en-US" smtClean="0"/>
+              <a:rPr lang="en-US"/>
               <a:t>Fifth level</a:t>
             </a:r>
             <a:endParaRPr lang="ru-RU" dirty="0"/>
@@ -2548,7 +2556,7 @@
           <a:p>
             <a:pPr lvl="0"/>
             <a:r>
-              <a:rPr lang="en-US" smtClean="0"/>
+              <a:rPr lang="en-US"/>
               <a:t>Click to edit Master text styles</a:t>
             </a:r>
           </a:p>
@@ -2624,7 +2632,7 @@
           <a:lstStyle/>
           <a:p>
             <a:r>
-              <a:rPr lang="en-US" smtClean="0"/>
+              <a:rPr lang="en-US"/>
               <a:t>Click to edit Master title style</a:t>
             </a:r>
             <a:endParaRPr lang="ru-RU"/>
@@ -2658,35 +2666,35 @@
           <a:p>
             <a:pPr lvl="0"/>
             <a:r>
-              <a:rPr lang="en-US" smtClean="0"/>
+              <a:rPr lang="en-US"/>
               <a:t>Click to edit Master text styles</a:t>
             </a:r>
           </a:p>
           <a:p>
             <a:pPr lvl="1"/>
             <a:r>
-              <a:rPr lang="en-US" smtClean="0"/>
+              <a:rPr lang="en-US"/>
               <a:t>Second level</a:t>
             </a:r>
           </a:p>
           <a:p>
             <a:pPr lvl="2"/>
             <a:r>
-              <a:rPr lang="en-US" smtClean="0"/>
+              <a:rPr lang="en-US"/>
               <a:t>Third level</a:t>
             </a:r>
           </a:p>
           <a:p>
             <a:pPr lvl="3"/>
             <a:r>
-              <a:rPr lang="en-US" smtClean="0"/>
+              <a:rPr lang="en-US"/>
               <a:t>Fourth level</a:t>
             </a:r>
           </a:p>
           <a:p>
             <a:pPr lvl="4"/>
             <a:r>
-              <a:rPr lang="en-US" smtClean="0"/>
+              <a:rPr lang="en-US"/>
               <a:t>Fifth level</a:t>
             </a:r>
             <a:endParaRPr lang="ru-RU"/>
@@ -2728,7 +2736,7 @@
           <a:p>
             <a:fld id="{AC3D3127-B7C4-45E3-9797-C527EC9FDD78}" type="datetimeFigureOut">
               <a:rPr lang="ru-RU" smtClean="0"/>
-              <a:t>19.10.2015</a:t>
+              <a:t>01.07.2018</a:t>
             </a:fld>
             <a:endParaRPr lang="ru-RU"/>
           </a:p>
@@ -3114,7 +3122,7 @@
         <p:spPr>
           <a:xfrm>
             <a:off x="143508" y="1304764"/>
-            <a:ext cx="8856984" cy="646331"/>
+            <a:ext cx="8856984" cy="523220"/>
           </a:xfrm>
           <a:prstGeom prst="rect">
             <a:avLst/>
@@ -3128,7 +3136,7 @@
           <a:p>
             <a:pPr algn="ctr"/>
             <a:r>
-              <a:rPr lang="ru-RU" sz="3600" b="1" i="1" dirty="0" smtClean="0">
+              <a:rPr lang="ru-RU" sz="2800" i="1" dirty="0">
                 <a:solidFill>
                   <a:schemeClr val="bg1"/>
                 </a:solidFill>
@@ -3136,14 +3144,14 @@
               <a:t>Основы программирования на </a:t>
             </a:r>
             <a:r>
-              <a:rPr lang="en-US" sz="3600" b="1" i="1" dirty="0" smtClean="0">
+              <a:rPr lang="en-US" sz="2800" i="1" dirty="0">
                 <a:solidFill>
                   <a:schemeClr val="bg1"/>
                 </a:solidFill>
               </a:rPr>
               <a:t>C#</a:t>
             </a:r>
-            <a:endParaRPr lang="ru-RU" sz="3600" b="1" i="1" dirty="0">
+            <a:endParaRPr lang="ru-RU" sz="2800" i="1" dirty="0">
               <a:solidFill>
                 <a:schemeClr val="bg1"/>
               </a:solidFill>
@@ -3151,70 +3159,6 @@
           </a:p>
         </p:txBody>
       </p:sp>
-      <p:pic>
-        <p:nvPicPr>
-          <p:cNvPr id="6" name="Picture 5"/>
-          <p:cNvPicPr>
-            <a:picLocks noChangeAspect="1" noChangeArrowheads="1"/>
-          </p:cNvPicPr>
-          <p:nvPr/>
-        </p:nvPicPr>
-        <p:blipFill>
-          <a:blip r:embed="rId2">
-            <a:extLst>
-              <a:ext uri="{28A0092B-C50C-407E-A947-70E740481C1C}">
-                <a14:useLocalDpi xmlns:a14="http://schemas.microsoft.com/office/drawing/2010/main" val="0"/>
-              </a:ext>
-            </a:extLst>
-          </a:blip>
-          <a:srcRect/>
-          <a:stretch>
-            <a:fillRect/>
-          </a:stretch>
-        </p:blipFill>
-        <p:spPr bwMode="auto">
-          <a:xfrm>
-            <a:off x="1638300" y="3829211"/>
-            <a:ext cx="5867400" cy="1724025"/>
-          </a:xfrm>
-          <a:prstGeom prst="rect">
-            <a:avLst/>
-          </a:prstGeom>
-          <a:noFill/>
-          <a:ln>
-            <a:noFill/>
-          </a:ln>
-          <a:effectLst/>
-          <a:extLst>
-            <a:ext uri="{909E8E84-426E-40DD-AFC4-6F175D3DCCD1}">
-              <a14:hiddenFill xmlns:a14="http://schemas.microsoft.com/office/drawing/2010/main">
-                <a:solidFill>
-                  <a:schemeClr val="accent1"/>
-                </a:solidFill>
-              </a14:hiddenFill>
-            </a:ext>
-            <a:ext uri="{91240B29-F687-4F45-9708-019B960494DF}">
-              <a14:hiddenLine xmlns:a14="http://schemas.microsoft.com/office/drawing/2010/main" w="9525">
-                <a:solidFill>
-                  <a:schemeClr val="tx1"/>
-                </a:solidFill>
-                <a:miter lim="800000"/>
-                <a:headEnd/>
-                <a:tailEnd/>
-              </a14:hiddenLine>
-            </a:ext>
-            <a:ext uri="{AF507438-7753-43E0-B8FC-AC1667EBCBE1}">
-              <a14:hiddenEffects xmlns:a14="http://schemas.microsoft.com/office/drawing/2010/main">
-                <a:effectLst>
-                  <a:outerShdw dist="35921" dir="2700000" algn="ctr" rotWithShape="0">
-                    <a:schemeClr val="bg2"/>
-                  </a:outerShdw>
-                </a:effectLst>
-              </a14:hiddenEffects>
-            </a:ext>
-          </a:extLst>
-        </p:spPr>
-      </p:pic>
       <p:sp>
         <p:nvSpPr>
           <p:cNvPr id="7" name="TextBox 6"/>
@@ -3224,7 +3168,7 @@
         <p:spPr>
           <a:xfrm>
             <a:off x="143508" y="2528900"/>
-            <a:ext cx="8856984" cy="461665"/>
+            <a:ext cx="8856984" cy="1200329"/>
           </a:xfrm>
           <a:prstGeom prst="rect">
             <a:avLst/>
@@ -3239,41 +3183,136 @@
           <a:p>
             <a:pPr algn="ctr"/>
             <a:r>
-              <a:rPr lang="ru-RU" sz="2400" dirty="0" smtClean="0">
+              <a:rPr lang="ru-RU" sz="3600" b="1" dirty="0">
                 <a:solidFill>
                   <a:schemeClr val="bg1"/>
                 </a:solidFill>
+                <a:latin typeface="Footlight MT Light" panose="0204060206030A020304" pitchFamily="18" charset="77"/>
               </a:rPr>
-              <a:t>Занятие №</a:t>
-            </a:r>
-            <a:r>
-              <a:rPr lang="en-US" sz="2400" dirty="0" smtClean="0">
+              <a:t>§ Введение в </a:t>
+            </a:r>
+            <a:r>
+              <a:rPr lang="en-US" sz="3600" b="1" dirty="0">
                 <a:solidFill>
                   <a:schemeClr val="bg1"/>
                 </a:solidFill>
+                <a:latin typeface="Footlight MT Light" panose="0204060206030A020304" pitchFamily="18" charset="77"/>
               </a:rPr>
-              <a:t>12</a:t>
-            </a:r>
-            <a:r>
-              <a:rPr lang="ru-RU" sz="2400" dirty="0" smtClean="0">
+              <a:t>Windows  Presentation Foundation (WPF)</a:t>
+            </a:r>
+          </a:p>
+        </p:txBody>
+      </p:sp>
+      <p:sp>
+        <p:nvSpPr>
+          <p:cNvPr id="8" name="TextBox 7">
+            <a:extLst>
+              <a:ext uri="{FF2B5EF4-FFF2-40B4-BE49-F238E27FC236}">
+                <a16:creationId xmlns:a16="http://schemas.microsoft.com/office/drawing/2014/main" id="{A9395EDB-9161-F94F-95A1-B4B7ED8D2F49}"/>
+              </a:ext>
+            </a:extLst>
+          </p:cNvPr>
+          <p:cNvSpPr txBox="1"/>
+          <p:nvPr/>
+        </p:nvSpPr>
+        <p:spPr>
+          <a:xfrm>
+            <a:off x="2339752" y="4984720"/>
+            <a:ext cx="4464496" cy="1138773"/>
+          </a:xfrm>
+          <a:prstGeom prst="rect">
+            <a:avLst/>
+          </a:prstGeom>
+          <a:noFill/>
+        </p:spPr>
+        <p:txBody>
+          <a:bodyPr wrap="square" rtlCol="0">
+            <a:spAutoFit/>
+          </a:bodyPr>
+          <a:lstStyle/>
+          <a:p>
+            <a:r>
+              <a:rPr lang="ru-RU" sz="2000" dirty="0">
                 <a:solidFill>
                   <a:schemeClr val="bg1"/>
                 </a:solidFill>
+                <a:effectLst>
+                  <a:outerShdw blurRad="50800" dist="38100" dir="5400000" algn="t" rotWithShape="0">
+                    <a:prstClr val="black">
+                      <a:alpha val="40000"/>
+                    </a:prstClr>
+                  </a:outerShdw>
+                </a:effectLst>
+                <a:latin typeface="Segoe Print" panose="02000800000000000000" pitchFamily="2" charset="0"/>
               </a:rPr>
-              <a:t>. </a:t>
-            </a:r>
-            <a:r>
-              <a:rPr lang="en-US" sz="2400" dirty="0" smtClean="0">
+              <a:t>Центр Обучающих Технологий</a:t>
+            </a:r>
+          </a:p>
+          <a:p>
+            <a:pPr algn="ctr"/>
+            <a:r>
+              <a:rPr lang="ru-RU" sz="1600" dirty="0">
                 <a:solidFill>
                   <a:schemeClr val="bg1"/>
                 </a:solidFill>
+                <a:effectLst>
+                  <a:outerShdw blurRad="50800" dist="38100" dir="5400000" algn="t" rotWithShape="0">
+                    <a:prstClr val="black">
+                      <a:alpha val="40000"/>
+                    </a:prstClr>
+                  </a:outerShdw>
+                </a:effectLst>
+                <a:latin typeface="Segoe Print" panose="02000800000000000000" pitchFamily="2" charset="0"/>
               </a:rPr>
-              <a:t>Windows  Presentation Foundation (WPF)</a:t>
-            </a:r>
-            <a:endParaRPr lang="en-US" sz="2400" dirty="0">
+              <a:t>основан в 2002 году</a:t>
+            </a:r>
+          </a:p>
+          <a:p>
+            <a:pPr algn="ctr"/>
+            <a:endParaRPr lang="ru-RU" sz="1600" dirty="0">
               <a:solidFill>
                 <a:schemeClr val="bg1"/>
               </a:solidFill>
+              <a:effectLst>
+                <a:outerShdw blurRad="50800" dist="38100" dir="5400000" algn="t" rotWithShape="0">
+                  <a:prstClr val="black">
+                    <a:alpha val="40000"/>
+                  </a:prstClr>
+                </a:outerShdw>
+              </a:effectLst>
+              <a:latin typeface="Segoe Print" panose="02000800000000000000" pitchFamily="2" charset="0"/>
+            </a:endParaRPr>
+          </a:p>
+          <a:p>
+            <a:pPr algn="ctr"/>
+            <a:r>
+              <a:rPr lang="en-US" sz="1600" dirty="0" err="1">
+                <a:solidFill>
+                  <a:schemeClr val="bg1"/>
+                </a:solidFill>
+                <a:effectLst>
+                  <a:outerShdw blurRad="50800" dist="38100" dir="5400000" algn="t" rotWithShape="0">
+                    <a:prstClr val="black">
+                      <a:alpha val="40000"/>
+                    </a:prstClr>
+                  </a:outerShdw>
+                </a:effectLst>
+                <a:latin typeface="Segoe Print" panose="02000800000000000000" pitchFamily="2" charset="0"/>
+              </a:rPr>
+              <a:t>trainingcenter.by</a:t>
+            </a:r>
+            <a:endParaRPr lang="en-US" sz="1600" dirty="0">
+              <a:solidFill>
+                <a:schemeClr val="bg1"/>
+              </a:solidFill>
+              <a:effectLst>
+                <a:outerShdw blurRad="50800" dist="38100" dir="5400000" algn="t" rotWithShape="0">
+                  <a:prstClr val="black">
+                    <a:alpha val="40000"/>
+                  </a:prstClr>
+                </a:outerShdw>
+              </a:effectLst>
+              <a:latin typeface="Segoe Print" panose="02000800000000000000" pitchFamily="2" charset="0"/>
             </a:endParaRPr>
           </a:p>
         </p:txBody>
@@ -3288,13 +3327,6 @@
   <p:clrMapOvr>
     <a:masterClrMapping/>
   </p:clrMapOvr>
-  <p:timing>
-    <p:tnLst>
-      <p:par>
-        <p:cTn id="1" dur="indefinite" restart="never" nodeType="tmRoot"/>
-      </p:par>
-    </p:tnLst>
-  </p:timing>
 </p:sld>
 </file>
 
@@ -3341,7 +3373,7 @@
           <a:lstStyle/>
           <a:p>
             <a:r>
-              <a:rPr lang="ru-RU" dirty="0" smtClean="0">
+              <a:rPr lang="ru-RU" dirty="0">
                 <a:solidFill>
                   <a:srgbClr val="002060"/>
                 </a:solidFill>
@@ -3349,20 +3381,12 @@
               <a:t>Иерархия классов </a:t>
             </a:r>
             <a:r>
-              <a:rPr lang="en-US" dirty="0" smtClean="0">
+              <a:rPr lang="en-US" dirty="0">
                 <a:solidFill>
                   <a:srgbClr val="002060"/>
                 </a:solidFill>
               </a:rPr>
               <a:t>WPF</a:t>
-            </a:r>
-            <a:r>
-              <a:rPr lang="ru-RU" dirty="0">
-                <a:solidFill>
-                  <a:srgbClr val="002060"/>
-                </a:solidFill>
-              </a:rPr>
-              <a:t/>
             </a:r>
             <a:br>
               <a:rPr lang="ru-RU" dirty="0">
@@ -3372,7 +3396,7 @@
               </a:rPr>
             </a:br>
             <a:r>
-              <a:rPr lang="en-US" dirty="0" err="1" smtClean="0">
+              <a:rPr lang="en-US" dirty="0" err="1">
                 <a:solidFill>
                   <a:srgbClr val="002060"/>
                 </a:solidFill>
@@ -3380,7 +3404,7 @@
               <a:t>System.Windows</a:t>
             </a:r>
             <a:r>
-              <a:rPr lang="ru-RU" dirty="0" smtClean="0">
+              <a:rPr lang="ru-RU" dirty="0">
                 <a:solidFill>
                   <a:srgbClr val="002060"/>
                 </a:solidFill>
@@ -3388,18 +3412,13 @@
               <a:t> </a:t>
             </a:r>
             <a:r>
-              <a:rPr lang="en-US" dirty="0" smtClean="0">
+              <a:rPr lang="en-US" dirty="0">
                 <a:solidFill>
                   <a:srgbClr val="002060"/>
                 </a:solidFill>
               </a:rPr>
               <a:t>namespace</a:t>
             </a:r>
-            <a:endParaRPr lang="en-US" dirty="0">
-              <a:solidFill>
-                <a:srgbClr val="002060"/>
-              </a:solidFill>
-            </a:endParaRPr>
           </a:p>
         </p:txBody>
       </p:sp>
@@ -3477,13 +3496,6 @@
   <p:clrMapOvr>
     <a:masterClrMapping/>
   </p:clrMapOvr>
-  <p:timing>
-    <p:tnLst>
-      <p:par>
-        <p:cTn id="1" dur="indefinite" restart="never" nodeType="tmRoot"/>
-      </p:par>
-    </p:tnLst>
-  </p:timing>
 </p:sld>
 </file>
 
@@ -3523,14 +3535,10 @@
           <a:p>
             <a:r>
               <a:rPr lang="en-US" dirty="0"/>
-              <a:t>Extensible Application Markup </a:t>
-            </a:r>
-            <a:r>
-              <a:rPr lang="en-US" dirty="0" smtClean="0"/>
-              <a:t>Language </a:t>
-            </a:r>
-            <a:r>
-              <a:rPr lang="ru-RU" dirty="0" smtClean="0"/>
+              <a:t>Extensible Application Markup Language </a:t>
+            </a:r>
+            <a:r>
+              <a:rPr lang="ru-RU" dirty="0"/>
               <a:t>(</a:t>
             </a:r>
             <a:r>
@@ -3538,7 +3546,7 @@
               <a:t>XAML</a:t>
             </a:r>
             <a:r>
-              <a:rPr lang="ru-RU" dirty="0" smtClean="0"/>
+              <a:rPr lang="ru-RU" dirty="0"/>
               <a:t>)</a:t>
             </a:r>
             <a:endParaRPr lang="en-US" dirty="0"/>
@@ -3561,56 +3569,56 @@
           <a:lstStyle/>
           <a:p>
             <a:r>
-              <a:rPr lang="ru-RU" dirty="0" smtClean="0"/>
+              <a:rPr lang="ru-RU" dirty="0"/>
               <a:t>Произносится как «</a:t>
             </a:r>
             <a:r>
-              <a:rPr lang="en-US" dirty="0" err="1" smtClean="0"/>
+              <a:rPr lang="en-US" dirty="0" err="1"/>
               <a:t>zammel</a:t>
             </a:r>
             <a:r>
-              <a:rPr lang="ru-RU" dirty="0" smtClean="0"/>
+              <a:rPr lang="ru-RU" dirty="0"/>
               <a:t>»</a:t>
             </a:r>
           </a:p>
           <a:p>
             <a:r>
-              <a:rPr lang="ru-RU" dirty="0" smtClean="0"/>
+              <a:rPr lang="ru-RU" dirty="0"/>
               <a:t>Язык описания </a:t>
             </a:r>
             <a:r>
-              <a:rPr lang="en-US" dirty="0" smtClean="0"/>
+              <a:rPr lang="en-US" dirty="0"/>
               <a:t>UI </a:t>
             </a:r>
             <a:r>
-              <a:rPr lang="ru-RU" dirty="0" smtClean="0"/>
+              <a:rPr lang="ru-RU" dirty="0"/>
               <a:t>на основе </a:t>
             </a:r>
             <a:r>
-              <a:rPr lang="en-US" dirty="0" smtClean="0"/>
+              <a:rPr lang="en-US" dirty="0"/>
               <a:t>XML</a:t>
             </a:r>
-            <a:endParaRPr lang="ru-RU" dirty="0" smtClean="0"/>
+            <a:endParaRPr lang="ru-RU" dirty="0"/>
           </a:p>
           <a:p>
             <a:pPr lvl="1"/>
             <a:r>
-              <a:rPr lang="ru-RU" dirty="0" smtClean="0"/>
+              <a:rPr lang="ru-RU" dirty="0"/>
               <a:t>Использует те же спецсимволы для </a:t>
             </a:r>
             <a:r>
-              <a:rPr lang="en-US" dirty="0" smtClean="0"/>
+              <a:rPr lang="en-US" dirty="0"/>
               <a:t>&lt;, &gt; </a:t>
             </a:r>
             <a:r>
-              <a:rPr lang="ru-RU" dirty="0" smtClean="0"/>
+              <a:rPr lang="ru-RU" dirty="0"/>
               <a:t>и </a:t>
             </a:r>
             <a:r>
-              <a:rPr lang="en-US" dirty="0" smtClean="0"/>
+              <a:rPr lang="en-US" dirty="0"/>
               <a:t>&amp;</a:t>
             </a:r>
-            <a:endParaRPr lang="ru-RU" dirty="0" smtClean="0"/>
+            <a:endParaRPr lang="ru-RU" dirty="0"/>
           </a:p>
           <a:p>
             <a:pPr lvl="1"/>
@@ -3622,11 +3630,10 @@
               <a:rPr lang="en-US" dirty="0"/>
               <a:t>="preserve"</a:t>
             </a:r>
-            <a:endParaRPr lang="en-US" dirty="0" smtClean="0"/>
-          </a:p>
-          <a:p>
-            <a:r>
-              <a:rPr lang="ru-RU" dirty="0" smtClean="0"/>
+          </a:p>
+          <a:p>
+            <a:r>
+              <a:rPr lang="ru-RU" dirty="0"/>
               <a:t>Разделяет описание интерфейса от кода</a:t>
             </a:r>
           </a:p>
@@ -3635,15 +3642,9 @@
               <a:rPr lang="en-US" dirty="0">
                 <a:hlinkClick r:id="rId2"/>
               </a:rPr>
-              <a:t>http://</a:t>
-            </a:r>
-            <a:r>
-              <a:rPr lang="en-US" dirty="0" smtClean="0">
-                <a:hlinkClick r:id="rId2"/>
-              </a:rPr>
-              <a:t>windowsclient.net/wpf/white-papers/thenewiteration.aspx</a:t>
-            </a:r>
-            <a:endParaRPr lang="ru-RU" dirty="0" smtClean="0"/>
+              <a:t>http://windowsclient.net/wpf/white-papers/thenewiteration.aspx</a:t>
+            </a:r>
+            <a:endParaRPr lang="ru-RU" dirty="0"/>
           </a:p>
           <a:p>
             <a:endParaRPr lang="en-US" dirty="0"/>
@@ -3660,13 +3661,6 @@
   <p:clrMapOvr>
     <a:masterClrMapping/>
   </p:clrMapOvr>
-  <p:timing>
-    <p:tnLst>
-      <p:par>
-        <p:cTn id="1" dur="indefinite" restart="never" nodeType="tmRoot"/>
-      </p:par>
-    </p:tnLst>
-  </p:timing>
 </p:sld>
 </file>
 
@@ -3703,14 +3697,13 @@
           <a:lstStyle/>
           <a:p>
             <a:r>
-              <a:rPr lang="ru-RU" dirty="0" smtClean="0"/>
+              <a:rPr lang="ru-RU" dirty="0"/>
               <a:t>Виды </a:t>
             </a:r>
             <a:r>
-              <a:rPr lang="en-US" dirty="0" smtClean="0"/>
+              <a:rPr lang="en-US" dirty="0"/>
               <a:t>XAML</a:t>
             </a:r>
-            <a:endParaRPr lang="en-US" dirty="0"/>
           </a:p>
         </p:txBody>
       </p:sp>
@@ -3733,41 +3726,26 @@
           <a:p>
             <a:r>
               <a:rPr lang="en-US" dirty="0"/>
-              <a:t>WPF </a:t>
-            </a:r>
-            <a:r>
-              <a:rPr lang="en-US" dirty="0" smtClean="0"/>
-              <a:t>XAML</a:t>
-            </a:r>
-            <a:endParaRPr lang="en-US" dirty="0"/>
-          </a:p>
-          <a:p>
-            <a:r>
-              <a:rPr lang="en-US" dirty="0"/>
-              <a:t> XPS </a:t>
-            </a:r>
-            <a:r>
-              <a:rPr lang="en-US" dirty="0" smtClean="0"/>
-              <a:t>XAML</a:t>
-            </a:r>
-          </a:p>
-          <a:p>
-            <a:r>
-              <a:rPr lang="en-US" dirty="0" smtClean="0"/>
+              <a:t>WPF XAML</a:t>
+            </a:r>
+          </a:p>
+          <a:p>
+            <a:r>
+              <a:rPr lang="en-US" dirty="0"/>
+              <a:t> XPS XAML</a:t>
+            </a:r>
+          </a:p>
+          <a:p>
+            <a:r>
+              <a:rPr lang="en-US" dirty="0"/>
               <a:t> Silverlight XAML</a:t>
             </a:r>
-            <a:endParaRPr lang="en-US" dirty="0"/>
-          </a:p>
-          <a:p>
-            <a:r>
-              <a:rPr lang="en-US" dirty="0"/>
-              <a:t> WF </a:t>
-            </a:r>
-            <a:r>
-              <a:rPr lang="en-US" dirty="0" smtClean="0"/>
-              <a:t>XAML</a:t>
-            </a:r>
-            <a:endParaRPr lang="en-US" dirty="0"/>
+          </a:p>
+          <a:p>
+            <a:r>
+              <a:rPr lang="en-US" dirty="0"/>
+              <a:t> WF XAML</a:t>
+            </a:r>
           </a:p>
         </p:txBody>
       </p:sp>
@@ -3781,13 +3759,6 @@
   <p:clrMapOvr>
     <a:masterClrMapping/>
   </p:clrMapOvr>
-  <p:timing>
-    <p:tnLst>
-      <p:par>
-        <p:cTn id="1" dur="indefinite" restart="never" nodeType="tmRoot"/>
-      </p:par>
-    </p:tnLst>
-  </p:timing>
 </p:sld>
 </file>
 
@@ -3826,12 +3797,8 @@
           <a:lstStyle/>
           <a:p>
             <a:r>
-              <a:rPr lang="en-US" dirty="0" smtClean="0"/>
-              <a:t>Binary </a:t>
-            </a:r>
-            <a:r>
-              <a:rPr lang="en-US" dirty="0"/>
-              <a:t>Application Markup Language (BAML).</a:t>
+              <a:rPr lang="en-US" dirty="0"/>
+              <a:t>Binary Application Markup Language (BAML).</a:t>
             </a:r>
           </a:p>
         </p:txBody>
@@ -3852,25 +3819,25 @@
           <a:lstStyle/>
           <a:p>
             <a:r>
-              <a:rPr lang="ru-RU" dirty="0" smtClean="0"/>
+              <a:rPr lang="ru-RU" dirty="0"/>
               <a:t>Компилированая версия </a:t>
             </a:r>
             <a:r>
-              <a:rPr lang="en-US" dirty="0" smtClean="0"/>
+              <a:rPr lang="en-US" dirty="0"/>
               <a:t>XAML</a:t>
             </a:r>
           </a:p>
           <a:p>
             <a:r>
-              <a:rPr lang="ru-RU" dirty="0" smtClean="0"/>
+              <a:rPr lang="ru-RU" dirty="0"/>
               <a:t>Хранится </a:t>
             </a:r>
             <a:r>
-              <a:rPr lang="ru-RU" smtClean="0"/>
+              <a:rPr lang="ru-RU"/>
               <a:t>в ресурсах </a:t>
             </a:r>
             <a:r>
-              <a:rPr lang="ru-RU" dirty="0" smtClean="0"/>
+              <a:rPr lang="ru-RU" dirty="0"/>
               <a:t>сборки</a:t>
             </a:r>
             <a:endParaRPr lang="en-US" dirty="0"/>
@@ -3887,13 +3854,6 @@
   <p:clrMapOvr>
     <a:masterClrMapping/>
   </p:clrMapOvr>
-  <p:timing>
-    <p:tnLst>
-      <p:par>
-        <p:cTn id="1" dur="indefinite" restart="never" nodeType="tmRoot"/>
-      </p:par>
-    </p:tnLst>
-  </p:timing>
 </p:sld>
 </file>
 
@@ -3930,14 +3890,13 @@
           <a:lstStyle/>
           <a:p>
             <a:r>
-              <a:rPr lang="ru-RU" dirty="0" smtClean="0"/>
+              <a:rPr lang="ru-RU" dirty="0"/>
               <a:t>Пример </a:t>
             </a:r>
             <a:r>
-              <a:rPr lang="en-US" dirty="0" smtClean="0"/>
+              <a:rPr lang="en-US" dirty="0"/>
               <a:t>XAML</a:t>
             </a:r>
-            <a:endParaRPr lang="en-US" dirty="0"/>
           </a:p>
         </p:txBody>
       </p:sp>
@@ -3967,27 +3926,27 @@
               <a:buNone/>
             </a:pPr>
             <a:r>
-              <a:rPr lang="en-US" sz="1400" dirty="0" smtClean="0">
+              <a:rPr lang="en-US" sz="1400" dirty="0">
                 <a:latin typeface="Courier New" pitchFamily="49" charset="0"/>
                 <a:cs typeface="Courier New" pitchFamily="49" charset="0"/>
               </a:rPr>
               <a:t>&lt;Window</a:t>
             </a:r>
             <a:br>
-              <a:rPr lang="en-US" sz="1400" dirty="0" smtClean="0">
+              <a:rPr lang="en-US" sz="1400" dirty="0">
                 <a:latin typeface="Courier New" pitchFamily="49" charset="0"/>
                 <a:cs typeface="Courier New" pitchFamily="49" charset="0"/>
               </a:rPr>
             </a:br>
             <a:r>
-              <a:rPr lang="en-US" sz="1400" dirty="0" smtClean="0">
+              <a:rPr lang="en-US" sz="1400" dirty="0">
                 <a:latin typeface="Courier New" pitchFamily="49" charset="0"/>
                 <a:cs typeface="Courier New" pitchFamily="49" charset="0"/>
               </a:rPr>
               <a:t>     x:Class=“</a:t>
             </a:r>
             <a:r>
-              <a:rPr lang="en-US" sz="1400" dirty="0" smtClean="0">
+              <a:rPr lang="en-US" sz="1400" dirty="0">
                 <a:solidFill>
                   <a:srgbClr val="FFFF00"/>
                 </a:solidFill>
@@ -3997,161 +3956,129 @@
               <a:t>WindowsApplication1.Window1</a:t>
             </a:r>
             <a:r>
-              <a:rPr lang="en-US" sz="1400" dirty="0" smtClean="0">
+              <a:rPr lang="en-US" sz="1400" dirty="0">
                 <a:latin typeface="Courier New" pitchFamily="49" charset="0"/>
                 <a:cs typeface="Courier New" pitchFamily="49" charset="0"/>
               </a:rPr>
               <a:t>”</a:t>
             </a:r>
             <a:br>
-              <a:rPr lang="en-US" sz="1400" dirty="0" smtClean="0">
+              <a:rPr lang="en-US" sz="1400" dirty="0">
                 <a:latin typeface="Courier New" pitchFamily="49" charset="0"/>
                 <a:cs typeface="Courier New" pitchFamily="49" charset="0"/>
               </a:rPr>
             </a:br>
             <a:r>
-              <a:rPr lang="en-US" sz="1400" dirty="0" smtClean="0">
+              <a:rPr lang="en-US" sz="1400" dirty="0">
                 <a:latin typeface="Courier New" pitchFamily="49" charset="0"/>
                 <a:cs typeface="Courier New" pitchFamily="49" charset="0"/>
               </a:rPr>
               <a:t>     </a:t>
             </a:r>
             <a:r>
-              <a:rPr lang="en-US" sz="1400" dirty="0" err="1" smtClean="0">
+              <a:rPr lang="en-US" sz="1400" dirty="0" err="1">
                 <a:latin typeface="Courier New" pitchFamily="49" charset="0"/>
                 <a:cs typeface="Courier New" pitchFamily="49" charset="0"/>
               </a:rPr>
               <a:t>xmlns</a:t>
             </a:r>
             <a:r>
-              <a:rPr lang="en-US" sz="1400" dirty="0" smtClean="0">
-                <a:latin typeface="Courier New" pitchFamily="49" charset="0"/>
-                <a:cs typeface="Courier New" pitchFamily="49" charset="0"/>
-              </a:rPr>
-              <a:t>=“http</a:t>
-            </a:r>
-            <a:r>
               <a:rPr lang="en-US" sz="1400" dirty="0">
                 <a:latin typeface="Courier New" pitchFamily="49" charset="0"/>
                 <a:cs typeface="Courier New" pitchFamily="49" charset="0"/>
               </a:rPr>
-              <a:t>://</a:t>
-            </a:r>
-            <a:r>
-              <a:rPr lang="en-US" sz="1400" dirty="0" smtClean="0">
-                <a:latin typeface="Courier New" pitchFamily="49" charset="0"/>
-                <a:cs typeface="Courier New" pitchFamily="49" charset="0"/>
-              </a:rPr>
-              <a:t>schemas.microsoft.com/</a:t>
-            </a:r>
-            <a:r>
-              <a:rPr lang="en-US" sz="1400" dirty="0" err="1" smtClean="0">
+              <a:t>=“http://schemas.microsoft.com/</a:t>
+            </a:r>
+            <a:r>
+              <a:rPr lang="en-US" sz="1400" dirty="0" err="1">
                 <a:latin typeface="Courier New" pitchFamily="49" charset="0"/>
                 <a:cs typeface="Courier New" pitchFamily="49" charset="0"/>
               </a:rPr>
               <a:t>winfx</a:t>
             </a:r>
             <a:r>
-              <a:rPr lang="en-US" sz="1400" dirty="0" smtClean="0">
+              <a:rPr lang="en-US" sz="1400" dirty="0">
                 <a:latin typeface="Courier New" pitchFamily="49" charset="0"/>
                 <a:cs typeface="Courier New" pitchFamily="49" charset="0"/>
               </a:rPr>
               <a:t>/2006/</a:t>
             </a:r>
             <a:r>
-              <a:rPr lang="en-US" sz="1400" dirty="0" err="1" smtClean="0">
+              <a:rPr lang="en-US" sz="1400" dirty="0" err="1">
                 <a:latin typeface="Courier New" pitchFamily="49" charset="0"/>
                 <a:cs typeface="Courier New" pitchFamily="49" charset="0"/>
               </a:rPr>
               <a:t>xaml</a:t>
             </a:r>
             <a:r>
-              <a:rPr lang="en-US" sz="1400" dirty="0" smtClean="0">
+              <a:rPr lang="en-US" sz="1400" dirty="0">
                 <a:latin typeface="Courier New" pitchFamily="49" charset="0"/>
                 <a:cs typeface="Courier New" pitchFamily="49" charset="0"/>
               </a:rPr>
               <a:t>/presentation”</a:t>
             </a:r>
             <a:br>
-              <a:rPr lang="en-US" sz="1400" dirty="0" smtClean="0">
+              <a:rPr lang="en-US" sz="1400" dirty="0">
                 <a:latin typeface="Courier New" pitchFamily="49" charset="0"/>
                 <a:cs typeface="Courier New" pitchFamily="49" charset="0"/>
               </a:rPr>
             </a:br>
             <a:r>
-              <a:rPr lang="en-US" sz="1400" dirty="0" smtClean="0">
+              <a:rPr lang="en-US" sz="1400" dirty="0">
                 <a:latin typeface="Courier New" pitchFamily="49" charset="0"/>
                 <a:cs typeface="Courier New" pitchFamily="49" charset="0"/>
               </a:rPr>
               <a:t>     </a:t>
             </a:r>
             <a:r>
-              <a:rPr lang="en-US" sz="1400" dirty="0" err="1" smtClean="0">
+              <a:rPr lang="en-US" sz="1400" dirty="0" err="1">
                 <a:latin typeface="Courier New" pitchFamily="49" charset="0"/>
                 <a:cs typeface="Courier New" pitchFamily="49" charset="0"/>
               </a:rPr>
               <a:t>xmlns:x</a:t>
             </a:r>
             <a:r>
-              <a:rPr lang="en-US" sz="1400" dirty="0" smtClean="0">
-                <a:latin typeface="Courier New" pitchFamily="49" charset="0"/>
-                <a:cs typeface="Courier New" pitchFamily="49" charset="0"/>
-              </a:rPr>
-              <a:t>=“http</a:t>
-            </a:r>
-            <a:r>
               <a:rPr lang="en-US" sz="1400" dirty="0">
                 <a:latin typeface="Courier New" pitchFamily="49" charset="0"/>
                 <a:cs typeface="Courier New" pitchFamily="49" charset="0"/>
               </a:rPr>
-              <a:t>://</a:t>
-            </a:r>
-            <a:r>
-              <a:rPr lang="en-US" sz="1400" dirty="0" smtClean="0">
-                <a:latin typeface="Courier New" pitchFamily="49" charset="0"/>
-                <a:cs typeface="Courier New" pitchFamily="49" charset="0"/>
-              </a:rPr>
-              <a:t>schemas.microsoft.com/</a:t>
-            </a:r>
-            <a:r>
-              <a:rPr lang="en-US" sz="1400" dirty="0" err="1" smtClean="0">
+              <a:t>=“http://schemas.microsoft.com/</a:t>
+            </a:r>
+            <a:r>
+              <a:rPr lang="en-US" sz="1400" dirty="0" err="1">
                 <a:latin typeface="Courier New" pitchFamily="49" charset="0"/>
                 <a:cs typeface="Courier New" pitchFamily="49" charset="0"/>
               </a:rPr>
               <a:t>winfx</a:t>
             </a:r>
             <a:r>
-              <a:rPr lang="en-US" sz="1400" dirty="0" smtClean="0">
+              <a:rPr lang="en-US" sz="1400" dirty="0">
                 <a:latin typeface="Courier New" pitchFamily="49" charset="0"/>
                 <a:cs typeface="Courier New" pitchFamily="49" charset="0"/>
               </a:rPr>
               <a:t>/2006/</a:t>
             </a:r>
             <a:r>
-              <a:rPr lang="en-US" sz="1400" dirty="0" err="1" smtClean="0">
+              <a:rPr lang="en-US" sz="1400" dirty="0" err="1">
                 <a:latin typeface="Courier New" pitchFamily="49" charset="0"/>
                 <a:cs typeface="Courier New" pitchFamily="49" charset="0"/>
               </a:rPr>
               <a:t>xaml</a:t>
             </a:r>
             <a:r>
-              <a:rPr lang="en-US" sz="1400" dirty="0" smtClean="0">
+              <a:rPr lang="en-US" sz="1400" dirty="0">
                 <a:latin typeface="Courier New" pitchFamily="49" charset="0"/>
                 <a:cs typeface="Courier New" pitchFamily="49" charset="0"/>
               </a:rPr>
               <a:t>”</a:t>
             </a:r>
-            <a:endParaRPr lang="en-US" sz="1400" dirty="0">
-              <a:latin typeface="Courier New" pitchFamily="49" charset="0"/>
-              <a:cs typeface="Courier New" pitchFamily="49" charset="0"/>
-            </a:endParaRPr>
           </a:p>
           <a:p>
             <a:pPr marL="0" indent="0">
               <a:buNone/>
             </a:pPr>
             <a:r>
-              <a:rPr lang="en-US" sz="1400" dirty="0" smtClean="0">
+              <a:rPr lang="en-US" sz="1400" dirty="0">
                 <a:latin typeface="Courier New" pitchFamily="49" charset="0"/>
                 <a:cs typeface="Courier New" pitchFamily="49" charset="0"/>
               </a:rPr>
@@ -4167,14 +4094,7 @@
                 <a:latin typeface="Courier New" pitchFamily="49" charset="0"/>
                 <a:cs typeface="Courier New" pitchFamily="49" charset="0"/>
               </a:rPr>
-              <a:t> </a:t>
-            </a:r>
-            <a:r>
-              <a:rPr lang="en-US" sz="1400" dirty="0" smtClean="0">
-                <a:latin typeface="Courier New" pitchFamily="49" charset="0"/>
-                <a:cs typeface="Courier New" pitchFamily="49" charset="0"/>
-              </a:rPr>
-              <a:t>    Height=“300” Width=“300”</a:t>
+              <a:t>     Height=“300” Width=“300”</a:t>
             </a:r>
           </a:p>
           <a:p>
@@ -4182,72 +4102,47 @@
               <a:buNone/>
             </a:pPr>
             <a:r>
-              <a:rPr lang="en-US" sz="1400" dirty="0" smtClean="0">
+              <a:rPr lang="en-US" sz="1400" dirty="0">
                 <a:latin typeface="Courier New" pitchFamily="49" charset="0"/>
                 <a:cs typeface="Courier New" pitchFamily="49" charset="0"/>
               </a:rPr>
               <a:t>&gt;</a:t>
             </a:r>
-            <a:endParaRPr lang="en-US" sz="1400" dirty="0">
-              <a:latin typeface="Courier New" pitchFamily="49" charset="0"/>
-              <a:cs typeface="Courier New" pitchFamily="49" charset="0"/>
-            </a:endParaRPr>
           </a:p>
           <a:p>
             <a:pPr marL="0" indent="0">
               <a:buNone/>
             </a:pPr>
-            <a:r>
-              <a:rPr lang="en-US" sz="1400" dirty="0" smtClean="0">
-                <a:latin typeface="Courier New" pitchFamily="49" charset="0"/>
-                <a:cs typeface="Courier New" pitchFamily="49" charset="0"/>
-              </a:rPr>
-              <a:t>  &lt;</a:t>
-            </a:r>
             <a:r>
               <a:rPr lang="en-US" sz="1400" dirty="0">
                 <a:latin typeface="Courier New" pitchFamily="49" charset="0"/>
                 <a:cs typeface="Courier New" pitchFamily="49" charset="0"/>
               </a:rPr>
-              <a:t>Grid&gt;</a:t>
+              <a:t>  &lt;Grid&gt;</a:t>
             </a:r>
           </a:p>
           <a:p>
             <a:pPr marL="0" indent="0">
               <a:buNone/>
             </a:pPr>
-            <a:r>
-              <a:rPr lang="en-US" sz="1400" dirty="0" smtClean="0">
-                <a:latin typeface="Courier New" pitchFamily="49" charset="0"/>
-                <a:cs typeface="Courier New" pitchFamily="49" charset="0"/>
-              </a:rPr>
-              <a:t>  &lt;/</a:t>
-            </a:r>
             <a:r>
               <a:rPr lang="en-US" sz="1400" dirty="0">
                 <a:latin typeface="Courier New" pitchFamily="49" charset="0"/>
                 <a:cs typeface="Courier New" pitchFamily="49" charset="0"/>
               </a:rPr>
-              <a:t>Grid&gt;</a:t>
+              <a:t>  &lt;/Grid&gt;</a:t>
             </a:r>
           </a:p>
           <a:p>
             <a:pPr marL="0" indent="0">
               <a:buNone/>
             </a:pPr>
-            <a:r>
-              <a:rPr lang="en-US" sz="1400" dirty="0" smtClean="0">
-                <a:latin typeface="Courier New" pitchFamily="49" charset="0"/>
-                <a:cs typeface="Courier New" pitchFamily="49" charset="0"/>
-              </a:rPr>
-              <a:t>&lt;/</a:t>
-            </a:r>
             <a:r>
               <a:rPr lang="en-US" sz="1400" dirty="0">
                 <a:latin typeface="Courier New" pitchFamily="49" charset="0"/>
                 <a:cs typeface="Courier New" pitchFamily="49" charset="0"/>
               </a:rPr>
-              <a:t>Window&gt;</a:t>
+              <a:t>&lt;/Window&gt;</a:t>
             </a:r>
           </a:p>
         </p:txBody>
@@ -4275,7 +4170,7 @@
           <a:lstStyle/>
           <a:p>
             <a:r>
-              <a:rPr lang="en-US" sz="3200" dirty="0" smtClean="0"/>
+              <a:rPr lang="en-US" sz="3200" dirty="0"/>
               <a:t>Window, Page, Application</a:t>
             </a:r>
           </a:p>
@@ -4291,13 +4186,6 @@
   <p:clrMapOvr>
     <a:masterClrMapping/>
   </p:clrMapOvr>
-  <p:timing>
-    <p:tnLst>
-      <p:par>
-        <p:cTn id="1" dur="indefinite" restart="never" nodeType="tmRoot"/>
-      </p:par>
-    </p:tnLst>
-  </p:timing>
 </p:sld>
 </file>
 
@@ -4334,7 +4222,7 @@
           <a:lstStyle/>
           <a:p>
             <a:r>
-              <a:rPr lang="ru-RU" dirty="0" smtClean="0"/>
+              <a:rPr lang="ru-RU" dirty="0"/>
               <a:t>Свойства</a:t>
             </a:r>
             <a:endParaRPr lang="en-US" dirty="0"/>
@@ -4360,89 +4248,73 @@
           <a:p>
             <a:r>
               <a:rPr lang="en-US" dirty="0"/>
-              <a:t>Simple Properties and Type </a:t>
-            </a:r>
-            <a:r>
-              <a:rPr lang="en-US" dirty="0" smtClean="0"/>
-              <a:t>Converters</a:t>
-            </a:r>
-            <a:endParaRPr lang="ru-RU" dirty="0" smtClean="0"/>
+              <a:t>Simple Properties and Type Converters</a:t>
+            </a:r>
+            <a:endParaRPr lang="ru-RU" dirty="0"/>
           </a:p>
           <a:p>
             <a:pPr lvl="1"/>
             <a:r>
-              <a:rPr lang="en-US" dirty="0" err="1" smtClean="0"/>
+              <a:rPr lang="en-US" dirty="0" err="1"/>
               <a:t>TypeConverter</a:t>
             </a:r>
             <a:r>
-              <a:rPr lang="en-US" dirty="0" smtClean="0"/>
+              <a:rPr lang="en-US" dirty="0"/>
               <a:t>(</a:t>
             </a:r>
             <a:r>
-              <a:rPr lang="en-US" dirty="0" err="1" smtClean="0"/>
+              <a:rPr lang="en-US" dirty="0" err="1"/>
               <a:t>typeof</a:t>
             </a:r>
             <a:r>
-              <a:rPr lang="en-US" dirty="0" smtClean="0"/>
+              <a:rPr lang="en-US" dirty="0"/>
               <a:t>(</a:t>
             </a:r>
             <a:r>
-              <a:rPr lang="ru-RU" dirty="0" smtClean="0"/>
+              <a:rPr lang="ru-RU" dirty="0"/>
               <a:t>ИмяТипа</a:t>
             </a:r>
             <a:r>
-              <a:rPr lang="en-US" dirty="0" smtClean="0"/>
+              <a:rPr lang="en-US" dirty="0"/>
               <a:t>))</a:t>
             </a:r>
-            <a:endParaRPr lang="ru-RU" dirty="0" smtClean="0"/>
-          </a:p>
-          <a:p>
-            <a:r>
-              <a:rPr lang="en-US" dirty="0"/>
-              <a:t>Complex </a:t>
-            </a:r>
-            <a:r>
-              <a:rPr lang="en-US" dirty="0" smtClean="0"/>
-              <a:t>Properties</a:t>
-            </a:r>
-            <a:r>
-              <a:rPr lang="ru-RU" dirty="0" smtClean="0"/>
+            <a:endParaRPr lang="ru-RU" dirty="0"/>
+          </a:p>
+          <a:p>
+            <a:r>
+              <a:rPr lang="en-US" dirty="0"/>
+              <a:t>Complex Properties</a:t>
+            </a:r>
+            <a:r>
+              <a:rPr lang="ru-RU" dirty="0"/>
               <a:t> </a:t>
             </a:r>
             <a:r>
               <a:rPr lang="en-US" dirty="0"/>
-              <a:t>and property-element </a:t>
-            </a:r>
-            <a:r>
-              <a:rPr lang="en-US" dirty="0" smtClean="0"/>
-              <a:t>syntax</a:t>
+              <a:t>and property-element syntax</a:t>
             </a:r>
           </a:p>
           <a:p>
             <a:pPr lvl="1"/>
             <a:r>
-              <a:rPr lang="en-US" dirty="0" err="1" smtClean="0"/>
+              <a:rPr lang="en-US" dirty="0" err="1"/>
               <a:t>EightBall</a:t>
             </a:r>
             <a:r>
-              <a:rPr lang="en-US" dirty="0" smtClean="0"/>
+              <a:rPr lang="en-US" dirty="0"/>
               <a:t> demo (Chapter02)</a:t>
             </a:r>
           </a:p>
           <a:p>
             <a:r>
               <a:rPr lang="en-US" dirty="0"/>
-              <a:t>Markup </a:t>
-            </a:r>
-            <a:r>
-              <a:rPr lang="en-US" dirty="0" smtClean="0"/>
-              <a:t>Extensions</a:t>
+              <a:t>Markup Extensions</a:t>
             </a:r>
           </a:p>
           <a:p>
             <a:pPr lvl="1"/>
             <a:r>
-              <a:rPr lang="ru-RU" dirty="0" smtClean="0"/>
+              <a:rPr lang="ru-RU" dirty="0"/>
               <a:t>Для ссылок на другие объекты или для подстановки динамических значений</a:t>
             </a:r>
           </a:p>
@@ -4468,19 +4340,19 @@
               <a:rPr lang="en-US" dirty="0"/>
               <a:t>}" &gt;</a:t>
             </a:r>
-            <a:endParaRPr lang="ru-RU" dirty="0" smtClean="0"/>
+            <a:endParaRPr lang="ru-RU" dirty="0"/>
           </a:p>
           <a:p>
             <a:pPr lvl="1"/>
             <a:r>
-              <a:rPr lang="en-US" dirty="0" err="1" smtClean="0"/>
+              <a:rPr lang="en-US" dirty="0" err="1"/>
               <a:t>System.Windows.Markup.MarkupExtension</a:t>
             </a:r>
-            <a:endParaRPr lang="ru-RU" dirty="0" smtClean="0"/>
-          </a:p>
-          <a:p>
-            <a:r>
-              <a:rPr lang="en-US" dirty="0" smtClean="0"/>
+            <a:endParaRPr lang="ru-RU" dirty="0"/>
+          </a:p>
+          <a:p>
+            <a:r>
+              <a:rPr lang="en-US" dirty="0"/>
               <a:t>Attached properties</a:t>
             </a:r>
           </a:p>
@@ -4504,17 +4376,13 @@
             </a:r>
             <a:r>
               <a:rPr lang="en-US" dirty="0"/>
-              <a:t>="0</a:t>
-            </a:r>
-            <a:r>
-              <a:rPr lang="en-US" dirty="0" smtClean="0"/>
-              <a:t>"&gt;</a:t>
+              <a:t>="0"&gt;</a:t>
             </a:r>
           </a:p>
           <a:p>
             <a:pPr lvl="1"/>
             <a:r>
-              <a:rPr lang="ru-RU" dirty="0" smtClean="0"/>
+              <a:rPr lang="ru-RU" dirty="0"/>
               <a:t>Транслируются в вызовы методов </a:t>
             </a:r>
             <a:r>
@@ -4525,7 +4393,7 @@
               <a:rPr lang="en-US" dirty="0"/>
               <a:t>()</a:t>
             </a:r>
-            <a:endParaRPr lang="ru-RU" dirty="0" smtClean="0"/>
+            <a:endParaRPr lang="ru-RU" dirty="0"/>
           </a:p>
           <a:p>
             <a:pPr lvl="1"/>
@@ -4543,13 +4411,6 @@
   <p:clrMapOvr>
     <a:masterClrMapping/>
   </p:clrMapOvr>
-  <p:timing>
-    <p:tnLst>
-      <p:par>
-        <p:cTn id="1" dur="indefinite" restart="never" nodeType="tmRoot"/>
-      </p:par>
-    </p:tnLst>
-  </p:timing>
 </p:sld>
 </file>
 
@@ -4586,7 +4447,7 @@
           <a:lstStyle/>
           <a:p>
             <a:r>
-              <a:rPr lang="ru-RU" dirty="0" smtClean="0"/>
+              <a:rPr lang="ru-RU" dirty="0"/>
               <a:t>Типы из других сборок</a:t>
             </a:r>
             <a:endParaRPr lang="en-US" dirty="0"/>
@@ -4617,19 +4478,19 @@
               <a:t>="</a:t>
             </a:r>
             <a:r>
-              <a:rPr lang="en-US" sz="2000" dirty="0" err="1" smtClean="0"/>
+              <a:rPr lang="en-US" sz="2000" dirty="0" err="1"/>
               <a:t>clr-namespace:Namespace;assembly</a:t>
             </a:r>
             <a:r>
-              <a:rPr lang="en-US" sz="2000" dirty="0" smtClean="0"/>
+              <a:rPr lang="en-US" sz="2000" dirty="0"/>
               <a:t>=</a:t>
             </a:r>
             <a:r>
-              <a:rPr lang="en-US" sz="2000" dirty="0" err="1" smtClean="0"/>
+              <a:rPr lang="en-US" sz="2000" dirty="0" err="1"/>
               <a:t>AssemblyName</a:t>
             </a:r>
             <a:r>
-              <a:rPr lang="en-US" sz="2000" dirty="0" smtClean="0"/>
+              <a:rPr lang="en-US" sz="2000" dirty="0"/>
               <a:t>“</a:t>
             </a:r>
           </a:p>
@@ -4644,19 +4505,19 @@
               <a:t>="</a:t>
             </a:r>
             <a:r>
-              <a:rPr lang="en-US" sz="2000" dirty="0" err="1" smtClean="0"/>
+              <a:rPr lang="en-US" sz="2000" dirty="0" err="1"/>
               <a:t>clr-namespace:System;assembly</a:t>
             </a:r>
             <a:r>
-              <a:rPr lang="en-US" sz="2000" dirty="0" smtClean="0"/>
+              <a:rPr lang="en-US" sz="2000" dirty="0"/>
               <a:t>=</a:t>
             </a:r>
             <a:r>
-              <a:rPr lang="en-US" sz="2000" dirty="0" err="1" smtClean="0"/>
+              <a:rPr lang="en-US" sz="2000" dirty="0" err="1"/>
               <a:t>mscorlib</a:t>
             </a:r>
             <a:r>
-              <a:rPr lang="en-US" sz="2000" dirty="0" smtClean="0"/>
+              <a:rPr lang="en-US" sz="2000" dirty="0"/>
               <a:t>“</a:t>
             </a:r>
           </a:p>
@@ -4686,7 +4547,7 @@
           <a:p>
             <a:pPr lvl="1"/>
             <a:r>
-              <a:rPr lang="en-US" sz="2000" dirty="0" err="1" smtClean="0"/>
+              <a:rPr lang="en-US" sz="2000" dirty="0" err="1"/>
               <a:t>xmlns:local</a:t>
             </a:r>
             <a:r>
@@ -4694,18 +4555,18 @@
               <a:t>="</a:t>
             </a:r>
             <a:r>
-              <a:rPr lang="en-US" sz="2000" dirty="0" err="1" smtClean="0"/>
+              <a:rPr lang="en-US" sz="2000" dirty="0" err="1"/>
               <a:t>clr-namespace:MyNamespace</a:t>
             </a:r>
             <a:r>
-              <a:rPr lang="en-US" sz="2000" dirty="0" smtClean="0"/>
+              <a:rPr lang="en-US" sz="2000" dirty="0"/>
               <a:t>“</a:t>
             </a:r>
           </a:p>
           <a:p>
             <a:pPr lvl="2"/>
             <a:r>
-              <a:rPr lang="en-US" sz="2000" dirty="0" smtClean="0"/>
+              <a:rPr lang="en-US" sz="2000" dirty="0"/>
               <a:t>&lt;</a:t>
             </a:r>
             <a:r>
@@ -4724,7 +4585,7 @@
               <a:rPr lang="en-US" sz="2000" dirty="0"/>
               <a:t>&gt;</a:t>
             </a:r>
-            <a:endParaRPr lang="ru-RU" sz="2000" dirty="0" smtClean="0"/>
+            <a:endParaRPr lang="ru-RU" sz="2000" dirty="0"/>
           </a:p>
           <a:p>
             <a:pPr lvl="1"/>
@@ -4742,13 +4603,6 @@
   <p:clrMapOvr>
     <a:masterClrMapping/>
   </p:clrMapOvr>
-  <p:timing>
-    <p:tnLst>
-      <p:par>
-        <p:cTn id="1" dur="indefinite" restart="never" nodeType="tmRoot"/>
-      </p:par>
-    </p:tnLst>
-  </p:timing>
 </p:sld>
 </file>
 
@@ -4785,14 +4639,13 @@
           <a:lstStyle/>
           <a:p>
             <a:r>
-              <a:rPr lang="ru-RU" dirty="0" smtClean="0"/>
+              <a:rPr lang="ru-RU" dirty="0"/>
               <a:t>Модели работы с </a:t>
             </a:r>
             <a:r>
-              <a:rPr lang="en-US" dirty="0" smtClean="0"/>
+              <a:rPr lang="en-US" dirty="0"/>
               <a:t>XAML</a:t>
             </a:r>
-            <a:endParaRPr lang="en-US" dirty="0"/>
           </a:p>
         </p:txBody>
       </p:sp>
@@ -4822,11 +4675,7 @@
             <a:pPr lvl="1"/>
             <a:r>
               <a:rPr lang="ru-RU" dirty="0"/>
-              <a:t>Предпочтительный подход используемый по </a:t>
-            </a:r>
-            <a:r>
-              <a:rPr lang="ru-RU" dirty="0" smtClean="0"/>
-              <a:t>умолчанию</a:t>
+              <a:t>Предпочтительный подход используемый по умолчанию</a:t>
             </a:r>
           </a:p>
           <a:p>
@@ -4866,29 +4715,29 @@
               <a:t>.</a:t>
             </a:r>
             <a:r>
-              <a:rPr lang="en-US" dirty="0" err="1" smtClean="0"/>
+              <a:rPr lang="en-US" dirty="0" err="1"/>
               <a:t>XamlReader</a:t>
             </a:r>
-            <a:endParaRPr lang="ru-RU" dirty="0" smtClean="0"/>
-          </a:p>
-          <a:p>
-            <a:r>
-              <a:rPr lang="en-US" dirty="0" smtClean="0"/>
+            <a:endParaRPr lang="ru-RU" dirty="0"/>
+          </a:p>
+          <a:p>
+            <a:r>
+              <a:rPr lang="en-US" dirty="0"/>
               <a:t>Code-only</a:t>
             </a:r>
-            <a:endParaRPr lang="ru-RU" dirty="0" smtClean="0"/>
+            <a:endParaRPr lang="ru-RU" dirty="0"/>
           </a:p>
           <a:p>
             <a:pPr lvl="1"/>
             <a:r>
-              <a:rPr lang="ru-RU" dirty="0" smtClean="0"/>
+              <a:rPr lang="ru-RU" dirty="0"/>
               <a:t>Традиционный подход из </a:t>
             </a:r>
             <a:r>
-              <a:rPr lang="en-US" dirty="0" err="1" smtClean="0"/>
+              <a:rPr lang="en-US" dirty="0" err="1"/>
               <a:t>WinForms</a:t>
             </a:r>
-            <a:endParaRPr lang="en-US" dirty="0" smtClean="0"/>
+            <a:endParaRPr lang="en-US" dirty="0"/>
           </a:p>
           <a:p>
             <a:endParaRPr lang="en-US" dirty="0"/>
@@ -4905,13 +4754,6 @@
   <p:clrMapOvr>
     <a:masterClrMapping/>
   </p:clrMapOvr>
-  <p:timing>
-    <p:tnLst>
-      <p:par>
-        <p:cTn id="1" dur="indefinite" restart="never" nodeType="tmRoot"/>
-      </p:par>
-    </p:tnLst>
-  </p:timing>
 </p:sld>
 </file>
 
@@ -4948,18 +4790,17 @@
           <a:lstStyle/>
           <a:p>
             <a:r>
-              <a:rPr lang="en-US" dirty="0" smtClean="0"/>
+              <a:rPr lang="en-US" dirty="0"/>
               <a:t>Layout</a:t>
             </a:r>
             <a:r>
-              <a:rPr lang="ru-RU" dirty="0" smtClean="0"/>
+              <a:rPr lang="ru-RU" dirty="0"/>
               <a:t> в </a:t>
             </a:r>
             <a:r>
-              <a:rPr lang="en-US" dirty="0" smtClean="0"/>
+              <a:rPr lang="en-US" dirty="0"/>
               <a:t>Windows Forms</a:t>
             </a:r>
-            <a:endParaRPr lang="en-US" dirty="0"/>
           </a:p>
         </p:txBody>
       </p:sp>
@@ -4979,65 +4820,65 @@
           <a:lstStyle/>
           <a:p>
             <a:r>
-              <a:rPr lang="ru-RU" dirty="0" smtClean="0"/>
+              <a:rPr lang="ru-RU" dirty="0"/>
               <a:t>Жестко заданные координаты и размеры элементов управления</a:t>
             </a:r>
-            <a:endParaRPr lang="en-US" dirty="0" smtClean="0"/>
-          </a:p>
-          <a:p>
-            <a:r>
-              <a:rPr lang="ru-RU" dirty="0" smtClean="0"/>
+            <a:endParaRPr lang="en-US" dirty="0"/>
+          </a:p>
+          <a:p>
+            <a:r>
+              <a:rPr lang="ru-RU" dirty="0"/>
               <a:t>В </a:t>
             </a:r>
             <a:r>
-              <a:rPr lang="en-US" dirty="0" smtClean="0"/>
+              <a:rPr lang="en-US" dirty="0"/>
               <a:t>.NET 1 </a:t>
             </a:r>
             <a:r>
-              <a:rPr lang="ru-RU" dirty="0" smtClean="0"/>
+              <a:rPr lang="ru-RU" dirty="0"/>
               <a:t>был доступен только </a:t>
             </a:r>
             <a:r>
-              <a:rPr lang="en-US" dirty="0" smtClean="0"/>
+              <a:rPr lang="en-US" dirty="0"/>
               <a:t>anchoring</a:t>
             </a:r>
             <a:r>
-              <a:rPr lang="ru-RU" dirty="0" smtClean="0"/>
+              <a:rPr lang="ru-RU" dirty="0"/>
               <a:t> и</a:t>
             </a:r>
             <a:r>
-              <a:rPr lang="en-US" dirty="0" smtClean="0"/>
+              <a:rPr lang="en-US" dirty="0"/>
               <a:t> docking</a:t>
             </a:r>
-            <a:endParaRPr lang="ru-RU" dirty="0" smtClean="0"/>
-          </a:p>
-          <a:p>
-            <a:r>
-              <a:rPr lang="ru-RU" dirty="0" smtClean="0"/>
+            <a:endParaRPr lang="ru-RU" dirty="0"/>
+          </a:p>
+          <a:p>
+            <a:r>
+              <a:rPr lang="ru-RU" dirty="0"/>
               <a:t>В </a:t>
             </a:r>
             <a:r>
-              <a:rPr lang="en-US" dirty="0" smtClean="0"/>
+              <a:rPr lang="en-US" dirty="0"/>
               <a:t>.NET 2 </a:t>
             </a:r>
             <a:r>
-              <a:rPr lang="ru-RU" dirty="0" smtClean="0"/>
+              <a:rPr lang="ru-RU" dirty="0"/>
               <a:t>добавили </a:t>
             </a:r>
             <a:r>
-              <a:rPr lang="en-US" dirty="0" err="1" smtClean="0"/>
+              <a:rPr lang="en-US" dirty="0" err="1"/>
               <a:t>FlowLayoutPanel</a:t>
             </a:r>
             <a:r>
-              <a:rPr lang="ru-RU" dirty="0" smtClean="0"/>
+              <a:rPr lang="ru-RU" dirty="0"/>
               <a:t> и</a:t>
             </a:r>
             <a:r>
-              <a:rPr lang="en-US" dirty="0" smtClean="0"/>
+              <a:rPr lang="en-US" dirty="0"/>
               <a:t> </a:t>
             </a:r>
             <a:r>
-              <a:rPr lang="en-US" dirty="0" err="1" smtClean="0"/>
+              <a:rPr lang="en-US" dirty="0" err="1"/>
               <a:t>TableLayoutPanel</a:t>
             </a:r>
             <a:endParaRPr lang="en-US" dirty="0"/>
@@ -5054,13 +4895,6 @@
   <p:clrMapOvr>
     <a:masterClrMapping/>
   </p:clrMapOvr>
-  <p:timing>
-    <p:tnLst>
-      <p:par>
-        <p:cTn id="1" dur="indefinite" restart="never" nodeType="tmRoot"/>
-      </p:par>
-    </p:tnLst>
-  </p:timing>
 </p:sld>
 </file>
 
@@ -5097,18 +4931,17 @@
           <a:lstStyle/>
           <a:p>
             <a:r>
-              <a:rPr lang="en-US" dirty="0" smtClean="0"/>
+              <a:rPr lang="en-US" dirty="0"/>
               <a:t>Layout</a:t>
             </a:r>
             <a:r>
-              <a:rPr lang="ru-RU" dirty="0" smtClean="0"/>
+              <a:rPr lang="ru-RU" dirty="0"/>
               <a:t> в </a:t>
             </a:r>
             <a:r>
-              <a:rPr lang="en-US" dirty="0" smtClean="0"/>
+              <a:rPr lang="en-US" dirty="0"/>
               <a:t>WPF</a:t>
             </a:r>
-            <a:endParaRPr lang="en-US" dirty="0"/>
           </a:p>
         </p:txBody>
       </p:sp>
@@ -5128,50 +4961,50 @@
           <a:lstStyle/>
           <a:p>
             <a:r>
-              <a:rPr lang="ru-RU" dirty="0" smtClean="0"/>
+              <a:rPr lang="ru-RU" dirty="0"/>
               <a:t>В идеале:</a:t>
             </a:r>
           </a:p>
           <a:p>
             <a:pPr lvl="1"/>
             <a:r>
-              <a:rPr lang="ru-RU" dirty="0" smtClean="0"/>
+              <a:rPr lang="ru-RU" dirty="0"/>
               <a:t>Размер не задается, а зависит от контейнера</a:t>
             </a:r>
           </a:p>
           <a:p>
             <a:pPr lvl="1"/>
             <a:r>
-              <a:rPr lang="ru-RU" dirty="0" smtClean="0"/>
+              <a:rPr lang="ru-RU" dirty="0"/>
               <a:t>Нет явных координат. Положение на экране зависит от размера, порядка в контейнере.</a:t>
             </a:r>
           </a:p>
           <a:p>
             <a:pPr lvl="2"/>
             <a:r>
-              <a:rPr lang="ru-RU" dirty="0" smtClean="0"/>
+              <a:rPr lang="ru-RU" dirty="0"/>
               <a:t>Можем задать </a:t>
             </a:r>
             <a:r>
-              <a:rPr lang="en-US" dirty="0" smtClean="0"/>
+              <a:rPr lang="en-US" dirty="0"/>
               <a:t>Margin</a:t>
             </a:r>
             <a:r>
-              <a:rPr lang="ru-RU" dirty="0" smtClean="0"/>
+              <a:rPr lang="ru-RU" dirty="0"/>
               <a:t>, если необходимо</a:t>
             </a:r>
           </a:p>
           <a:p>
             <a:pPr lvl="1"/>
             <a:r>
-              <a:rPr lang="ru-RU" dirty="0" smtClean="0"/>
+              <a:rPr lang="ru-RU" dirty="0"/>
               <a:t>Контейнеры «делят» пространство между всеми дочерними элементами</a:t>
             </a:r>
           </a:p>
           <a:p>
             <a:pPr lvl="1"/>
             <a:r>
-              <a:rPr lang="ru-RU" dirty="0" smtClean="0"/>
+              <a:rPr lang="ru-RU" dirty="0"/>
               <a:t>Контейнеры могут вкладываться друг в друга</a:t>
             </a:r>
             <a:endParaRPr lang="en-US" dirty="0"/>
@@ -5188,13 +5021,6 @@
   <p:clrMapOvr>
     <a:masterClrMapping/>
   </p:clrMapOvr>
-  <p:timing>
-    <p:tnLst>
-      <p:par>
-        <p:cTn id="1" dur="indefinite" restart="never" nodeType="tmRoot"/>
-      </p:par>
-    </p:tnLst>
-  </p:timing>
 </p:sld>
 </file>
 
@@ -5231,7 +5057,7 @@
           <a:lstStyle/>
           <a:p>
             <a:r>
-              <a:rPr lang="ru-RU" dirty="0" smtClean="0"/>
+              <a:rPr lang="ru-RU" dirty="0"/>
               <a:t>Литература</a:t>
             </a:r>
             <a:endParaRPr lang="en-US" dirty="0"/>
@@ -5258,11 +5084,7 @@
             </a:pPr>
             <a:r>
               <a:rPr lang="ru-RU" dirty="0"/>
-              <a:t>WPF: Windows Presentation Foundation в .NET 4.5 с примерами на C# 5.0 для </a:t>
-            </a:r>
-            <a:r>
-              <a:rPr lang="ru-RU" dirty="0" smtClean="0"/>
-              <a:t>профессионалов</a:t>
+              <a:t>WPF: Windows Presentation Foundation в .NET 4.5 с примерами на C# 5.0 для профессионалов</a:t>
             </a:r>
           </a:p>
           <a:p>
@@ -5271,11 +5093,7 @@
             </a:pPr>
             <a:r>
               <a:rPr lang="ru-RU" dirty="0"/>
-              <a:t>Мэтью </a:t>
-            </a:r>
-            <a:r>
-              <a:rPr lang="ru-RU" dirty="0" smtClean="0"/>
-              <a:t>Мак-Дональд</a:t>
+              <a:t>Мэтью Мак-Дональд</a:t>
             </a:r>
           </a:p>
           <a:p>
@@ -5286,15 +5104,9 @@
               <a:rPr lang="en-US" dirty="0">
                 <a:hlinkClick r:id="rId2"/>
               </a:rPr>
-              <a:t>http://</a:t>
-            </a:r>
-            <a:r>
-              <a:rPr lang="en-US" dirty="0" smtClean="0">
-                <a:hlinkClick r:id="rId2"/>
-              </a:rPr>
-              <a:t>oz.by/books/more10172890.html</a:t>
-            </a:r>
-            <a:endParaRPr lang="ru-RU" dirty="0" smtClean="0"/>
+              <a:t>http://oz.by/books/more10172890.html</a:t>
+            </a:r>
+            <a:endParaRPr lang="ru-RU" dirty="0"/>
           </a:p>
           <a:p>
             <a:pPr marL="0" indent="0">
@@ -5304,15 +5116,9 @@
               <a:rPr lang="en-US" dirty="0">
                 <a:hlinkClick r:id="rId3"/>
               </a:rPr>
-              <a:t>http://</a:t>
-            </a:r>
-            <a:r>
-              <a:rPr lang="en-US" dirty="0" smtClean="0">
-                <a:hlinkClick r:id="rId3"/>
-              </a:rPr>
-              <a:t>www.apress.com/9781430243656</a:t>
-            </a:r>
-            <a:endParaRPr lang="ru-RU" dirty="0" smtClean="0"/>
+              <a:t>http://www.apress.com/9781430243656</a:t>
+            </a:r>
+            <a:endParaRPr lang="ru-RU" dirty="0"/>
           </a:p>
           <a:p>
             <a:pPr marL="0" indent="0">
@@ -5332,13 +5138,6 @@
   <p:clrMapOvr>
     <a:masterClrMapping/>
   </p:clrMapOvr>
-  <p:timing>
-    <p:tnLst>
-      <p:par>
-        <p:cTn id="1" dur="indefinite" restart="never" nodeType="tmRoot"/>
-      </p:par>
-    </p:tnLst>
-  </p:timing>
 </p:sld>
 </file>
 
@@ -5377,18 +5176,17 @@
           <a:lstStyle/>
           <a:p>
             <a:r>
-              <a:rPr lang="en-US" dirty="0" smtClean="0"/>
+              <a:rPr lang="en-US" dirty="0"/>
               <a:t>Margin (</a:t>
             </a:r>
             <a:r>
-              <a:rPr lang="ru-RU" dirty="0" smtClean="0"/>
+              <a:rPr lang="ru-RU" dirty="0"/>
               <a:t>граница</a:t>
             </a:r>
             <a:r>
-              <a:rPr lang="en-US" dirty="0" smtClean="0"/>
+              <a:rPr lang="en-US" dirty="0"/>
               <a:t>)</a:t>
             </a:r>
-            <a:endParaRPr lang="en-US" dirty="0"/>
           </a:p>
         </p:txBody>
       </p:sp>
@@ -5469,7 +5267,7 @@
           <a:lstStyle/>
           <a:p>
             <a:r>
-              <a:rPr lang="ru-RU" sz="2400" dirty="0" smtClean="0"/>
+              <a:rPr lang="ru-RU" sz="2400" dirty="0"/>
               <a:t>Свойство </a:t>
             </a:r>
             <a:r>
@@ -5477,7 +5275,7 @@
               <a:t>Margin </a:t>
             </a:r>
             <a:r>
-              <a:rPr lang="ru-RU" sz="2400" dirty="0" smtClean="0"/>
+              <a:rPr lang="ru-RU" sz="2400" dirty="0"/>
               <a:t>позволяет задать отступы вокруг элемента который запрещено занимать другим:</a:t>
             </a:r>
           </a:p>
@@ -5487,42 +5285,42 @@
               <a:buChar char="•"/>
             </a:pPr>
             <a:r>
-              <a:rPr lang="en-US" sz="2400" dirty="0" smtClean="0"/>
+              <a:rPr lang="en-US" sz="2400" dirty="0"/>
               <a:t>Margin="</a:t>
             </a:r>
             <a:r>
-              <a:rPr lang="ru-RU" sz="2400" dirty="0" smtClean="0"/>
+              <a:rPr lang="ru-RU" sz="2400" dirty="0"/>
               <a:t>слева</a:t>
             </a:r>
             <a:r>
-              <a:rPr lang="en-US" sz="2400" dirty="0" smtClean="0"/>
+              <a:rPr lang="en-US" sz="2400" dirty="0"/>
               <a:t>,</a:t>
             </a:r>
             <a:r>
-              <a:rPr lang="ru-RU" sz="2400" dirty="0" smtClean="0"/>
+              <a:rPr lang="ru-RU" sz="2400" dirty="0"/>
               <a:t>сверху</a:t>
             </a:r>
             <a:r>
-              <a:rPr lang="en-US" sz="2400" dirty="0" smtClean="0"/>
+              <a:rPr lang="en-US" sz="2400" dirty="0"/>
               <a:t>,</a:t>
             </a:r>
             <a:r>
-              <a:rPr lang="ru-RU" sz="2400" dirty="0" smtClean="0"/>
+              <a:rPr lang="ru-RU" sz="2400" dirty="0"/>
               <a:t>справа</a:t>
             </a:r>
             <a:r>
-              <a:rPr lang="en-US" sz="2400" dirty="0" smtClean="0"/>
+              <a:rPr lang="en-US" sz="2400" dirty="0"/>
               <a:t>,</a:t>
             </a:r>
             <a:r>
-              <a:rPr lang="ru-RU" sz="2400" dirty="0" smtClean="0"/>
+              <a:rPr lang="ru-RU" sz="2400" dirty="0"/>
               <a:t>снизу</a:t>
             </a:r>
             <a:r>
-              <a:rPr lang="en-US" sz="2400" dirty="0" smtClean="0"/>
+              <a:rPr lang="en-US" sz="2400" dirty="0"/>
               <a:t>"</a:t>
             </a:r>
-            <a:endParaRPr lang="ru-RU" sz="2400" dirty="0" smtClean="0"/>
+            <a:endParaRPr lang="ru-RU" sz="2400" dirty="0"/>
           </a:p>
           <a:p>
             <a:pPr marL="342900" indent="-342900">
@@ -5530,26 +5328,26 @@
               <a:buChar char="•"/>
             </a:pPr>
             <a:r>
-              <a:rPr lang="en-US" sz="2400" dirty="0" smtClean="0"/>
+              <a:rPr lang="en-US" sz="2400" dirty="0"/>
               <a:t>Margin="</a:t>
             </a:r>
             <a:r>
-              <a:rPr lang="ru-RU" sz="2400" dirty="0" smtClean="0"/>
+              <a:rPr lang="ru-RU" sz="2400" dirty="0"/>
               <a:t>слева и справа</a:t>
             </a:r>
             <a:r>
-              <a:rPr lang="en-US" sz="2400" dirty="0" smtClean="0"/>
+              <a:rPr lang="en-US" sz="2400" dirty="0"/>
               <a:t>,</a:t>
             </a:r>
             <a:r>
-              <a:rPr lang="ru-RU" sz="2400" dirty="0" smtClean="0"/>
+              <a:rPr lang="ru-RU" sz="2400" dirty="0"/>
               <a:t>сверху и снизу</a:t>
             </a:r>
             <a:r>
-              <a:rPr lang="en-US" sz="2400" dirty="0" smtClean="0"/>
+              <a:rPr lang="en-US" sz="2400" dirty="0"/>
               <a:t>«</a:t>
             </a:r>
-            <a:endParaRPr lang="ru-RU" sz="2400" dirty="0" smtClean="0"/>
+            <a:endParaRPr lang="ru-RU" sz="2400" dirty="0"/>
           </a:p>
           <a:p>
             <a:pPr marL="342900" indent="-342900">
@@ -5558,29 +5356,24 @@
             </a:pPr>
             <a:r>
               <a:rPr lang="en-US" sz="2400" dirty="0"/>
-              <a:t>Margin</a:t>
-            </a:r>
-            <a:r>
-              <a:rPr lang="en-US" sz="2400" dirty="0" smtClean="0"/>
-              <a:t>="</a:t>
-            </a:r>
-            <a:r>
-              <a:rPr lang="ru-RU" sz="2400" smtClean="0"/>
+              <a:t>Margin="</a:t>
+            </a:r>
+            <a:r>
+              <a:rPr lang="ru-RU" sz="2400"/>
               <a:t>одинаковый отступ </a:t>
             </a:r>
             <a:r>
-              <a:rPr lang="ru-RU" sz="2400" dirty="0" smtClean="0"/>
+              <a:rPr lang="ru-RU" sz="2400" dirty="0"/>
               <a:t>со всех сторон</a:t>
             </a:r>
             <a:r>
-              <a:rPr lang="en-US" sz="2400" dirty="0" smtClean="0"/>
+              <a:rPr lang="en-US" sz="2400" dirty="0"/>
               <a:t>"</a:t>
             </a:r>
+          </a:p>
+          <a:p>
+            <a:pPr algn="ctr"/>
             <a:endParaRPr lang="en-US" sz="2400" dirty="0"/>
-          </a:p>
-          <a:p>
-            <a:pPr algn="ctr"/>
-            <a:endParaRPr lang="en-US" sz="2400" dirty="0" smtClean="0"/>
           </a:p>
         </p:txBody>
       </p:sp>
@@ -5594,13 +5387,6 @@
   <p:clrMapOvr>
     <a:masterClrMapping/>
   </p:clrMapOvr>
-  <p:timing>
-    <p:tnLst>
-      <p:par>
-        <p:cTn id="1" dur="indefinite" restart="never" nodeType="tmRoot"/>
-      </p:par>
-    </p:tnLst>
-  </p:timing>
 </p:sld>
 </file>
 
@@ -5637,7 +5423,7 @@
           <a:lstStyle/>
           <a:p>
             <a:r>
-              <a:rPr lang="ru-RU" dirty="0" smtClean="0"/>
+              <a:rPr lang="ru-RU" dirty="0"/>
               <a:t>Стандартные контейнеры</a:t>
             </a:r>
             <a:endParaRPr lang="en-US" dirty="0"/>
@@ -5670,8 +5456,20 @@
                 <a:tableStyleId>{5C22544A-7EE6-4342-B048-85BDC9FD1C3A}</a:tableStyleId>
               </a:tblPr>
               <a:tblGrid>
-                <a:gridCol w="1594520"/>
-                <a:gridCol w="6635080"/>
+                <a:gridCol w="1594520">
+                  <a:extLst>
+                    <a:ext uri="{9D8B030D-6E8A-4147-A177-3AD203B41FA5}">
+                      <a16:colId xmlns:a16="http://schemas.microsoft.com/office/drawing/2014/main" val="20000"/>
+                    </a:ext>
+                  </a:extLst>
+                </a:gridCol>
+                <a:gridCol w="6635080">
+                  <a:extLst>
+                    <a:ext uri="{9D8B030D-6E8A-4147-A177-3AD203B41FA5}">
+                      <a16:colId xmlns:a16="http://schemas.microsoft.com/office/drawing/2014/main" val="20001"/>
+                    </a:ext>
+                  </a:extLst>
+                </a:gridCol>
               </a:tblGrid>
               <a:tr h="370840">
                 <a:tc>
@@ -5680,14 +5478,14 @@
                     <a:lstStyle/>
                     <a:p>
                       <a:r>
-                        <a:rPr lang="en-US" sz="1600" b="0" dirty="0" err="1" smtClean="0">
+                        <a:rPr lang="en-US" sz="1600" b="0" dirty="0" err="1">
                           <a:solidFill>
                             <a:srgbClr val="002060"/>
                           </a:solidFill>
                         </a:rPr>
                         <a:t>StackPanel</a:t>
                       </a:r>
-                      <a:endParaRPr lang="en-US" sz="1600" b="0" dirty="0" smtClean="0">
+                      <a:endParaRPr lang="en-US" sz="1600" b="0" dirty="0">
                         <a:solidFill>
                           <a:srgbClr val="002060"/>
                         </a:solidFill>
@@ -5754,7 +5552,7 @@
                     <a:lstStyle/>
                     <a:p>
                       <a:r>
-                        <a:rPr lang="ru-RU" sz="1600" b="0" dirty="0" smtClean="0">
+                        <a:rPr lang="ru-RU" sz="1600" b="0" dirty="0">
                           <a:solidFill>
                             <a:srgbClr val="002060"/>
                           </a:solidFill>
@@ -5762,7 +5560,7 @@
                         <a:t>Размещает элементы по горизонтали или по вертикали.</a:t>
                       </a:r>
                       <a:r>
-                        <a:rPr lang="ru-RU" sz="1600" b="0" baseline="0" dirty="0" smtClean="0">
+                        <a:rPr lang="ru-RU" sz="1600" b="0" baseline="0" dirty="0">
                           <a:solidFill>
                             <a:srgbClr val="002060"/>
                           </a:solidFill>
@@ -5823,6 +5621,11 @@
                     </a:lnBlToTr>
                   </a:tcPr>
                 </a:tc>
+                <a:extLst>
+                  <a:ext uri="{0D108BD9-81ED-4DB2-BD59-A6C34878D82A}">
+                    <a16:rowId xmlns:a16="http://schemas.microsoft.com/office/drawing/2014/main" val="10000"/>
+                  </a:ext>
+                </a:extLst>
               </a:tr>
               <a:tr h="370840">
                 <a:tc>
@@ -5831,21 +5634,21 @@
                     <a:lstStyle/>
                     <a:p>
                       <a:r>
-                        <a:rPr lang="en-US" sz="1600" b="0" dirty="0" err="1" smtClean="0">
+                        <a:rPr lang="en-US" sz="1600" b="0" dirty="0" err="1">
                           <a:solidFill>
                             <a:srgbClr val="002060"/>
                           </a:solidFill>
                         </a:rPr>
                         <a:t>WrapPanel</a:t>
                       </a:r>
-                      <a:endParaRPr lang="ru-RU" sz="1600" b="0" dirty="0" smtClean="0">
+                      <a:endParaRPr lang="ru-RU" sz="1600" b="0" dirty="0">
                         <a:solidFill>
                           <a:srgbClr val="002060"/>
                         </a:solidFill>
                       </a:endParaRPr>
                     </a:p>
                     <a:p>
-                      <a:endParaRPr lang="en-US" sz="1600" b="0" dirty="0" smtClean="0">
+                      <a:endParaRPr lang="en-US" sz="1600" b="0" dirty="0">
                         <a:solidFill>
                           <a:srgbClr val="002060"/>
                         </a:solidFill>
@@ -5905,7 +5708,7 @@
                     <a:lstStyle/>
                     <a:p>
                       <a:r>
-                        <a:rPr lang="ru-RU" sz="1600" b="0" dirty="0" smtClean="0">
+                        <a:rPr lang="ru-RU" sz="1600" b="0" dirty="0">
                           <a:solidFill>
                             <a:srgbClr val="002060"/>
                           </a:solidFill>
@@ -5913,14 +5716,14 @@
                         <a:t>Размещает элементы построчно, перенося их по мере необходимости. При </a:t>
                       </a:r>
                       <a:r>
-                        <a:rPr lang="ru-RU" sz="1600" b="0" baseline="0" dirty="0" smtClean="0">
+                        <a:rPr lang="ru-RU" sz="1600" b="0" baseline="0" dirty="0">
                           <a:solidFill>
                             <a:srgbClr val="002060"/>
                           </a:solidFill>
                         </a:rPr>
                         <a:t>горизонтальной ориентации элементы располагются слева направо с переносом на следующие строки. При вертикальной ориентации элементы располагаются сверху вниз формируя дополнительные колонки для размещения оставшихся элементов.</a:t>
                       </a:r>
-                      <a:endParaRPr lang="ru-RU" sz="1600" b="0" dirty="0" smtClean="0">
+                      <a:endParaRPr lang="ru-RU" sz="1600" b="0" dirty="0">
                         <a:solidFill>
                           <a:srgbClr val="002060"/>
                         </a:solidFill>
@@ -5974,6 +5777,11 @@
                     </a:lnBlToTr>
                   </a:tcPr>
                 </a:tc>
+                <a:extLst>
+                  <a:ext uri="{0D108BD9-81ED-4DB2-BD59-A6C34878D82A}">
+                    <a16:rowId xmlns:a16="http://schemas.microsoft.com/office/drawing/2014/main" val="10001"/>
+                  </a:ext>
+                </a:extLst>
               </a:tr>
               <a:tr h="370840">
                 <a:tc>
@@ -5982,165 +5790,12 @@
                     <a:lstStyle/>
                     <a:p>
                       <a:r>
-                        <a:rPr lang="en-US" sz="1600" b="0" dirty="0" err="1" smtClean="0">
+                        <a:rPr lang="en-US" sz="1600" b="0" dirty="0" err="1">
                           <a:solidFill>
                             <a:srgbClr val="002060"/>
                           </a:solidFill>
                         </a:rPr>
                         <a:t>DockPanel</a:t>
-                      </a:r>
-                      <a:endParaRPr lang="en-US" sz="1600" b="0" dirty="0" smtClean="0">
-                        <a:solidFill>
-                          <a:srgbClr val="002060"/>
-                        </a:solidFill>
-                      </a:endParaRPr>
-                    </a:p>
-                  </a:txBody>
-                  <a:tcPr>
-                    <a:lnL w="12700" cap="flat" cmpd="sng" algn="ctr">
-                      <a:solidFill>
-                        <a:srgbClr val="002060"/>
-                      </a:solidFill>
-                      <a:prstDash val="solid"/>
-                      <a:round/>
-                      <a:headEnd type="none" w="med" len="med"/>
-                      <a:tailEnd type="none" w="med" len="med"/>
-                    </a:lnL>
-                    <a:lnR w="12700" cap="flat" cmpd="sng" algn="ctr">
-                      <a:solidFill>
-                        <a:srgbClr val="002060"/>
-                      </a:solidFill>
-                      <a:prstDash val="solid"/>
-                      <a:round/>
-                      <a:headEnd type="none" w="med" len="med"/>
-                      <a:tailEnd type="none" w="med" len="med"/>
-                    </a:lnR>
-                    <a:lnT w="12700" cap="flat" cmpd="sng" algn="ctr">
-                      <a:solidFill>
-                        <a:srgbClr val="002060"/>
-                      </a:solidFill>
-                      <a:prstDash val="solid"/>
-                      <a:round/>
-                      <a:headEnd type="none" w="med" len="med"/>
-                      <a:tailEnd type="none" w="med" len="med"/>
-                    </a:lnT>
-                    <a:lnB w="12700" cap="flat" cmpd="sng" algn="ctr">
-                      <a:solidFill>
-                        <a:srgbClr val="002060"/>
-                      </a:solidFill>
-                      <a:prstDash val="solid"/>
-                      <a:round/>
-                      <a:headEnd type="none" w="med" len="med"/>
-                      <a:tailEnd type="none" w="med" len="med"/>
-                    </a:lnB>
-                    <a:lnTlToBr w="12700" cmpd="sng">
-                      <a:noFill/>
-                      <a:prstDash val="solid"/>
-                    </a:lnTlToBr>
-                    <a:lnBlToTr w="12700" cmpd="sng">
-                      <a:noFill/>
-                      <a:prstDash val="solid"/>
-                    </a:lnBlToTr>
-                  </a:tcPr>
-                </a:tc>
-                <a:tc>
-                  <a:txBody>
-                    <a:bodyPr/>
-                    <a:lstStyle/>
-                    <a:p>
-                      <a:r>
-                        <a:rPr lang="ru-RU" sz="1600" b="0" dirty="0" smtClean="0">
-                          <a:solidFill>
-                            <a:srgbClr val="002060"/>
-                          </a:solidFill>
-                        </a:rPr>
-                        <a:t>Выравнивает элементы границе контейнера.</a:t>
-                      </a:r>
-                      <a:endParaRPr lang="en-US" sz="1600" b="0" dirty="0">
-                        <a:solidFill>
-                          <a:srgbClr val="002060"/>
-                        </a:solidFill>
-                      </a:endParaRPr>
-                    </a:p>
-                  </a:txBody>
-                  <a:tcPr>
-                    <a:lnL w="12700" cap="flat" cmpd="sng" algn="ctr">
-                      <a:solidFill>
-                        <a:srgbClr val="002060"/>
-                      </a:solidFill>
-                      <a:prstDash val="solid"/>
-                      <a:round/>
-                      <a:headEnd type="none" w="med" len="med"/>
-                      <a:tailEnd type="none" w="med" len="med"/>
-                    </a:lnL>
-                    <a:lnR w="12700" cap="flat" cmpd="sng" algn="ctr">
-                      <a:solidFill>
-                        <a:srgbClr val="002060"/>
-                      </a:solidFill>
-                      <a:prstDash val="solid"/>
-                      <a:round/>
-                      <a:headEnd type="none" w="med" len="med"/>
-                      <a:tailEnd type="none" w="med" len="med"/>
-                    </a:lnR>
-                    <a:lnT w="12700" cap="flat" cmpd="sng" algn="ctr">
-                      <a:solidFill>
-                        <a:srgbClr val="002060"/>
-                      </a:solidFill>
-                      <a:prstDash val="solid"/>
-                      <a:round/>
-                      <a:headEnd type="none" w="med" len="med"/>
-                      <a:tailEnd type="none" w="med" len="med"/>
-                    </a:lnT>
-                    <a:lnB w="12700" cap="flat" cmpd="sng" algn="ctr">
-                      <a:solidFill>
-                        <a:srgbClr val="002060"/>
-                      </a:solidFill>
-                      <a:prstDash val="solid"/>
-                      <a:round/>
-                      <a:headEnd type="none" w="med" len="med"/>
-                      <a:tailEnd type="none" w="med" len="med"/>
-                    </a:lnB>
-                    <a:lnTlToBr w="12700" cmpd="sng">
-                      <a:noFill/>
-                      <a:prstDash val="solid"/>
-                    </a:lnTlToBr>
-                    <a:lnBlToTr w="12700" cmpd="sng">
-                      <a:noFill/>
-                      <a:prstDash val="solid"/>
-                    </a:lnBlToTr>
-                  </a:tcPr>
-                </a:tc>
-              </a:tr>
-              <a:tr h="370840">
-                <a:tc>
-                  <a:txBody>
-                    <a:bodyPr/>
-                    <a:lstStyle/>
-                    <a:p>
-                      <a:pPr marL="0" marR="0" indent="0" algn="l" defTabSz="914400" rtl="0" eaLnBrk="1" fontAlgn="auto" latinLnBrk="0" hangingPunct="1">
-                        <a:lnSpc>
-                          <a:spcPct val="100000"/>
-                        </a:lnSpc>
-                        <a:spcBef>
-                          <a:spcPts val="0"/>
-                        </a:spcBef>
-                        <a:spcAft>
-                          <a:spcPts val="0"/>
-                        </a:spcAft>
-                        <a:buClrTx/>
-                        <a:buSzTx/>
-                        <a:buFontTx/>
-                        <a:buNone/>
-                        <a:tabLst/>
-                        <a:defRPr/>
-                      </a:pPr>
-                      <a:r>
-                        <a:rPr lang="en-US" sz="1600" b="0" dirty="0" smtClean="0">
-                          <a:solidFill>
-                            <a:srgbClr val="002060"/>
-                          </a:solidFill>
-                        </a:rPr>
-                        <a:t>Grid</a:t>
                       </a:r>
                       <a:endParaRPr lang="en-US" sz="1600" b="0" dirty="0">
                         <a:solidFill>
@@ -6202,7 +5857,160 @@
                     <a:lstStyle/>
                     <a:p>
                       <a:r>
-                        <a:rPr lang="ru-RU" sz="1600" b="0" dirty="0" smtClean="0">
+                        <a:rPr lang="ru-RU" sz="1600" b="0" dirty="0">
+                          <a:solidFill>
+                            <a:srgbClr val="002060"/>
+                          </a:solidFill>
+                        </a:rPr>
+                        <a:t>Выравнивает элементы границе контейнера.</a:t>
+                      </a:r>
+                      <a:endParaRPr lang="en-US" sz="1600" b="0" dirty="0">
+                        <a:solidFill>
+                          <a:srgbClr val="002060"/>
+                        </a:solidFill>
+                      </a:endParaRPr>
+                    </a:p>
+                  </a:txBody>
+                  <a:tcPr>
+                    <a:lnL w="12700" cap="flat" cmpd="sng" algn="ctr">
+                      <a:solidFill>
+                        <a:srgbClr val="002060"/>
+                      </a:solidFill>
+                      <a:prstDash val="solid"/>
+                      <a:round/>
+                      <a:headEnd type="none" w="med" len="med"/>
+                      <a:tailEnd type="none" w="med" len="med"/>
+                    </a:lnL>
+                    <a:lnR w="12700" cap="flat" cmpd="sng" algn="ctr">
+                      <a:solidFill>
+                        <a:srgbClr val="002060"/>
+                      </a:solidFill>
+                      <a:prstDash val="solid"/>
+                      <a:round/>
+                      <a:headEnd type="none" w="med" len="med"/>
+                      <a:tailEnd type="none" w="med" len="med"/>
+                    </a:lnR>
+                    <a:lnT w="12700" cap="flat" cmpd="sng" algn="ctr">
+                      <a:solidFill>
+                        <a:srgbClr val="002060"/>
+                      </a:solidFill>
+                      <a:prstDash val="solid"/>
+                      <a:round/>
+                      <a:headEnd type="none" w="med" len="med"/>
+                      <a:tailEnd type="none" w="med" len="med"/>
+                    </a:lnT>
+                    <a:lnB w="12700" cap="flat" cmpd="sng" algn="ctr">
+                      <a:solidFill>
+                        <a:srgbClr val="002060"/>
+                      </a:solidFill>
+                      <a:prstDash val="solid"/>
+                      <a:round/>
+                      <a:headEnd type="none" w="med" len="med"/>
+                      <a:tailEnd type="none" w="med" len="med"/>
+                    </a:lnB>
+                    <a:lnTlToBr w="12700" cmpd="sng">
+                      <a:noFill/>
+                      <a:prstDash val="solid"/>
+                    </a:lnTlToBr>
+                    <a:lnBlToTr w="12700" cmpd="sng">
+                      <a:noFill/>
+                      <a:prstDash val="solid"/>
+                    </a:lnBlToTr>
+                  </a:tcPr>
+                </a:tc>
+                <a:extLst>
+                  <a:ext uri="{0D108BD9-81ED-4DB2-BD59-A6C34878D82A}">
+                    <a16:rowId xmlns:a16="http://schemas.microsoft.com/office/drawing/2014/main" val="10002"/>
+                  </a:ext>
+                </a:extLst>
+              </a:tr>
+              <a:tr h="370840">
+                <a:tc>
+                  <a:txBody>
+                    <a:bodyPr/>
+                    <a:lstStyle/>
+                    <a:p>
+                      <a:pPr marL="0" marR="0" indent="0" algn="l" defTabSz="914400" rtl="0" eaLnBrk="1" fontAlgn="auto" latinLnBrk="0" hangingPunct="1">
+                        <a:lnSpc>
+                          <a:spcPct val="100000"/>
+                        </a:lnSpc>
+                        <a:spcBef>
+                          <a:spcPts val="0"/>
+                        </a:spcBef>
+                        <a:spcAft>
+                          <a:spcPts val="0"/>
+                        </a:spcAft>
+                        <a:buClrTx/>
+                        <a:buSzTx/>
+                        <a:buFontTx/>
+                        <a:buNone/>
+                        <a:tabLst/>
+                        <a:defRPr/>
+                      </a:pPr>
+                      <a:r>
+                        <a:rPr lang="en-US" sz="1600" b="0" dirty="0">
+                          <a:solidFill>
+                            <a:srgbClr val="002060"/>
+                          </a:solidFill>
+                        </a:rPr>
+                        <a:t>Grid</a:t>
+                      </a:r>
+                    </a:p>
+                  </a:txBody>
+                  <a:tcPr>
+                    <a:lnL w="12700" cap="flat" cmpd="sng" algn="ctr">
+                      <a:solidFill>
+                        <a:srgbClr val="002060"/>
+                      </a:solidFill>
+                      <a:prstDash val="solid"/>
+                      <a:round/>
+                      <a:headEnd type="none" w="med" len="med"/>
+                      <a:tailEnd type="none" w="med" len="med"/>
+                    </a:lnL>
+                    <a:lnR w="12700" cap="flat" cmpd="sng" algn="ctr">
+                      <a:solidFill>
+                        <a:srgbClr val="002060"/>
+                      </a:solidFill>
+                      <a:prstDash val="solid"/>
+                      <a:round/>
+                      <a:headEnd type="none" w="med" len="med"/>
+                      <a:tailEnd type="none" w="med" len="med"/>
+                    </a:lnR>
+                    <a:lnT w="12700" cap="flat" cmpd="sng" algn="ctr">
+                      <a:solidFill>
+                        <a:srgbClr val="002060"/>
+                      </a:solidFill>
+                      <a:prstDash val="solid"/>
+                      <a:round/>
+                      <a:headEnd type="none" w="med" len="med"/>
+                      <a:tailEnd type="none" w="med" len="med"/>
+                    </a:lnT>
+                    <a:lnB w="12700" cap="flat" cmpd="sng" algn="ctr">
+                      <a:solidFill>
+                        <a:srgbClr val="002060"/>
+                      </a:solidFill>
+                      <a:prstDash val="solid"/>
+                      <a:round/>
+                      <a:headEnd type="none" w="med" len="med"/>
+                      <a:tailEnd type="none" w="med" len="med"/>
+                    </a:lnB>
+                    <a:lnTlToBr w="12700" cmpd="sng">
+                      <a:noFill/>
+                      <a:prstDash val="solid"/>
+                    </a:lnTlToBr>
+                    <a:lnBlToTr w="12700" cmpd="sng">
+                      <a:noFill/>
+                      <a:prstDash val="solid"/>
+                    </a:lnBlToTr>
+                  </a:tcPr>
+                </a:tc>
+                <a:tc>
+                  <a:txBody>
+                    <a:bodyPr/>
+                    <a:lstStyle/>
+                    <a:p>
+                      <a:r>
+                        <a:rPr lang="ru-RU" sz="1600" b="0" dirty="0">
                           <a:solidFill>
                             <a:srgbClr val="002060"/>
                           </a:solidFill>
@@ -6210,7 +6018,7 @@
                         <a:t>Размещает элементы</a:t>
                       </a:r>
                       <a:r>
-                        <a:rPr lang="ru-RU" sz="1600" b="0" baseline="0" dirty="0" smtClean="0">
+                        <a:rPr lang="ru-RU" sz="1600" b="0" baseline="0" dirty="0">
                           <a:solidFill>
                             <a:srgbClr val="002060"/>
                           </a:solidFill>
@@ -6271,6 +6079,11 @@
                     </a:lnBlToTr>
                   </a:tcPr>
                 </a:tc>
+                <a:extLst>
+                  <a:ext uri="{0D108BD9-81ED-4DB2-BD59-A6C34878D82A}">
+                    <a16:rowId xmlns:a16="http://schemas.microsoft.com/office/drawing/2014/main" val="10003"/>
+                  </a:ext>
+                </a:extLst>
               </a:tr>
               <a:tr h="370840">
                 <a:tc>
@@ -6296,7 +6109,7 @@
                         <a:defRPr/>
                       </a:pPr>
                       <a:r>
-                        <a:rPr lang="en-US" sz="1600" b="0" dirty="0" err="1" smtClean="0">
+                        <a:rPr lang="en-US" sz="1600" b="0" dirty="0" err="1">
                           <a:solidFill>
                             <a:srgbClr val="002060"/>
                           </a:solidFill>
@@ -6363,7 +6176,7 @@
                     <a:lstStyle/>
                     <a:p>
                       <a:r>
-                        <a:rPr lang="ru-RU" sz="1600" b="0" dirty="0" smtClean="0">
+                        <a:rPr lang="ru-RU" sz="1600" b="0" dirty="0">
                           <a:solidFill>
                             <a:srgbClr val="002060"/>
                           </a:solidFill>
@@ -6371,7 +6184,7 @@
                         <a:t>Размещает элементы</a:t>
                       </a:r>
                       <a:r>
-                        <a:rPr lang="ru-RU" sz="1600" b="0" baseline="0" dirty="0" smtClean="0">
+                        <a:rPr lang="ru-RU" sz="1600" b="0" baseline="0" dirty="0">
                           <a:solidFill>
                             <a:srgbClr val="002060"/>
                           </a:solidFill>
@@ -6379,7 +6192,7 @@
                         <a:t> в строках и колонках невидимой таблицы. В отличие от </a:t>
                       </a:r>
                       <a:r>
-                        <a:rPr lang="en-US" sz="1600" b="0" baseline="0" dirty="0" smtClean="0">
+                        <a:rPr lang="en-US" sz="1600" b="0" baseline="0" dirty="0">
                           <a:solidFill>
                             <a:srgbClr val="002060"/>
                           </a:solidFill>
@@ -6387,7 +6200,7 @@
                         <a:t>Grid </a:t>
                       </a:r>
                       <a:r>
-                        <a:rPr lang="ru-RU" sz="1600" b="0" baseline="0" dirty="0" smtClean="0">
+                        <a:rPr lang="ru-RU" sz="1600" b="0" baseline="0" dirty="0">
                           <a:solidFill>
                             <a:srgbClr val="002060"/>
                           </a:solidFill>
@@ -6448,6 +6261,11 @@
                     </a:lnBlToTr>
                   </a:tcPr>
                 </a:tc>
+                <a:extLst>
+                  <a:ext uri="{0D108BD9-81ED-4DB2-BD59-A6C34878D82A}">
+                    <a16:rowId xmlns:a16="http://schemas.microsoft.com/office/drawing/2014/main" val="10004"/>
+                  </a:ext>
+                </a:extLst>
               </a:tr>
               <a:tr h="370840">
                 <a:tc>
@@ -6473,18 +6291,13 @@
                         <a:defRPr/>
                       </a:pPr>
                       <a:r>
-                        <a:rPr lang="en-US" sz="1600" b="0" dirty="0" smtClean="0">
+                        <a:rPr lang="en-US" sz="1600" b="0" dirty="0">
                           <a:solidFill>
                             <a:srgbClr val="002060"/>
                           </a:solidFill>
                         </a:rPr>
                         <a:t>Canvas</a:t>
                       </a:r>
-                      <a:endParaRPr lang="en-US" sz="1600" b="0" dirty="0">
-                        <a:solidFill>
-                          <a:srgbClr val="002060"/>
-                        </a:solidFill>
-                      </a:endParaRPr>
                     </a:p>
                   </a:txBody>
                   <a:tcPr>
@@ -6540,7 +6353,7 @@
                     <a:lstStyle/>
                     <a:p>
                       <a:r>
-                        <a:rPr lang="ru-RU" sz="1600" b="0" dirty="0" smtClean="0">
+                        <a:rPr lang="ru-RU" sz="1600" b="0" dirty="0">
                           <a:solidFill>
                             <a:srgbClr val="002060"/>
                           </a:solidFill>
@@ -6548,7 +6361,7 @@
                         <a:t>Позволяет размещать элементы</a:t>
                       </a:r>
                       <a:r>
-                        <a:rPr lang="ru-RU" sz="1600" b="0" baseline="0" dirty="0" smtClean="0">
+                        <a:rPr lang="ru-RU" sz="1600" b="0" baseline="0" dirty="0">
                           <a:solidFill>
                             <a:srgbClr val="002060"/>
                           </a:solidFill>
@@ -6556,7 +6369,7 @@
                         <a:t> используя абсолютные координаты. Эта схема размещения очень похожа на подход принятый в </a:t>
                       </a:r>
                       <a:r>
-                        <a:rPr lang="en-US" sz="1600" b="0" baseline="0" dirty="0" smtClean="0">
+                        <a:rPr lang="en-US" sz="1600" b="0" baseline="0" dirty="0">
                           <a:solidFill>
                             <a:srgbClr val="002060"/>
                           </a:solidFill>
@@ -6564,7 +6377,7 @@
                         <a:t>Windows Forms.</a:t>
                       </a:r>
                       <a:r>
-                        <a:rPr lang="ru-RU" sz="1600" b="0" baseline="0" dirty="0" smtClean="0">
+                        <a:rPr lang="ru-RU" sz="1600" b="0" baseline="0" dirty="0">
                           <a:solidFill>
                             <a:srgbClr val="002060"/>
                           </a:solidFill>
@@ -6572,7 +6385,7 @@
                         <a:t> Однако</a:t>
                       </a:r>
                       <a:r>
-                        <a:rPr lang="en-US" sz="1600" b="0" baseline="0" dirty="0" smtClean="0">
+                        <a:rPr lang="en-US" sz="1600" b="0" baseline="0" dirty="0">
                           <a:solidFill>
                             <a:srgbClr val="002060"/>
                           </a:solidFill>
@@ -6580,7 +6393,7 @@
                         <a:t> Canvas </a:t>
                       </a:r>
                       <a:r>
-                        <a:rPr lang="ru-RU" sz="1600" b="0" baseline="0" dirty="0" smtClean="0">
+                        <a:rPr lang="ru-RU" sz="1600" b="0" baseline="0" dirty="0">
                           <a:solidFill>
                             <a:srgbClr val="002060"/>
                           </a:solidFill>
@@ -6588,7 +6401,7 @@
                         <a:t>не поддерживает </a:t>
                       </a:r>
                       <a:r>
-                        <a:rPr lang="en-US" sz="1600" b="0" baseline="0" dirty="0" smtClean="0">
+                        <a:rPr lang="en-US" sz="1600" b="0" baseline="0" dirty="0">
                           <a:solidFill>
                             <a:srgbClr val="002060"/>
                           </a:solidFill>
@@ -6596,7 +6409,7 @@
                         <a:t>anchor </a:t>
                       </a:r>
                       <a:r>
-                        <a:rPr lang="ru-RU" sz="1600" b="0" baseline="0" dirty="0" smtClean="0">
+                        <a:rPr lang="ru-RU" sz="1600" b="0" baseline="0" dirty="0">
                           <a:solidFill>
                             <a:srgbClr val="002060"/>
                           </a:solidFill>
@@ -6604,7 +6417,7 @@
                         <a:t>и </a:t>
                       </a:r>
                       <a:r>
-                        <a:rPr lang="en-US" sz="1600" b="0" baseline="0" dirty="0" smtClean="0">
+                        <a:rPr lang="en-US" sz="1600" b="0" baseline="0" dirty="0">
                           <a:solidFill>
                             <a:srgbClr val="002060"/>
                           </a:solidFill>
@@ -6612,7 +6425,7 @@
                         <a:t>dock </a:t>
                       </a:r>
                       <a:r>
-                        <a:rPr lang="ru-RU" sz="1600" b="0" baseline="0" dirty="0" smtClean="0">
+                        <a:rPr lang="ru-RU" sz="1600" b="0" baseline="0" dirty="0">
                           <a:solidFill>
                             <a:srgbClr val="002060"/>
                           </a:solidFill>
@@ -6673,6 +6486,11 @@
                     </a:lnBlToTr>
                   </a:tcPr>
                 </a:tc>
+                <a:extLst>
+                  <a:ext uri="{0D108BD9-81ED-4DB2-BD59-A6C34878D82A}">
+                    <a16:rowId xmlns:a16="http://schemas.microsoft.com/office/drawing/2014/main" val="10005"/>
+                  </a:ext>
+                </a:extLst>
               </a:tr>
             </a:tbl>
           </a:graphicData>
@@ -6688,13 +6506,6 @@
   <p:clrMapOvr>
     <a:masterClrMapping/>
   </p:clrMapOvr>
-  <p:timing>
-    <p:tnLst>
-      <p:par>
-        <p:cTn id="1" dur="indefinite" restart="never" nodeType="tmRoot"/>
-      </p:par>
-    </p:tnLst>
-  </p:timing>
 </p:sld>
 </file>
 
@@ -6731,10 +6542,9 @@
           <a:lstStyle/>
           <a:p>
             <a:r>
-              <a:rPr lang="en-US" dirty="0" smtClean="0"/>
+              <a:rPr lang="en-US" dirty="0"/>
               <a:t>Document Outline</a:t>
             </a:r>
-            <a:endParaRPr lang="en-US" dirty="0"/>
           </a:p>
         </p:txBody>
       </p:sp>
@@ -6764,63 +6574,55 @@
               <a:buNone/>
             </a:pPr>
             <a:r>
-              <a:rPr lang="ru-RU" dirty="0" smtClean="0"/>
+              <a:rPr lang="ru-RU" dirty="0"/>
               <a:t>Для упрощения работы с </a:t>
             </a:r>
             <a:r>
-              <a:rPr lang="en-US" dirty="0" smtClean="0"/>
+              <a:rPr lang="en-US" dirty="0"/>
               <a:t>XAML </a:t>
             </a:r>
             <a:r>
-              <a:rPr lang="ru-RU" dirty="0" smtClean="0"/>
+              <a:rPr lang="ru-RU" dirty="0"/>
               <a:t>«деревом» в </a:t>
             </a:r>
             <a:r>
-              <a:rPr lang="en-US" dirty="0" smtClean="0"/>
+              <a:rPr lang="en-US" dirty="0"/>
               <a:t>Visual Studio </a:t>
             </a:r>
             <a:r>
-              <a:rPr lang="ru-RU" dirty="0" smtClean="0"/>
+              <a:rPr lang="ru-RU" dirty="0"/>
               <a:t>есть окно </a:t>
             </a:r>
             <a:r>
               <a:rPr lang="en-US" dirty="0"/>
-              <a:t>Document </a:t>
-            </a:r>
-            <a:r>
-              <a:rPr lang="en-US" dirty="0" smtClean="0"/>
-              <a:t>Outline</a:t>
-            </a:r>
-            <a:r>
-              <a:rPr lang="ru-RU" dirty="0" smtClean="0"/>
+              <a:t>Document Outline</a:t>
+            </a:r>
+            <a:r>
+              <a:rPr lang="ru-RU" dirty="0"/>
               <a:t>. Вывести его можно из меню </a:t>
             </a:r>
             <a:r>
-              <a:rPr lang="en-US" dirty="0" smtClean="0"/>
+              <a:rPr lang="en-US" dirty="0"/>
               <a:t>View -&gt; Other Windows -&gt; Document Outline. </a:t>
             </a:r>
             <a:r>
-              <a:rPr lang="ru-RU" dirty="0" smtClean="0"/>
+              <a:rPr lang="ru-RU" dirty="0"/>
               <a:t>Окно показывает элементы текущего </a:t>
             </a:r>
             <a:r>
-              <a:rPr lang="en-US" dirty="0" smtClean="0"/>
+              <a:rPr lang="en-US" dirty="0"/>
               <a:t>XAML </a:t>
             </a:r>
             <a:r>
-              <a:rPr lang="ru-RU" dirty="0" smtClean="0"/>
+              <a:rPr lang="ru-RU" dirty="0"/>
               <a:t>документа в виде дерева. Выбор элемента в дереве выбирает его </a:t>
             </a:r>
             <a:r>
-              <a:rPr lang="ru-RU" smtClean="0"/>
-              <a:t>в </a:t>
-            </a:r>
-            <a:r>
-              <a:rPr lang="ru-RU" smtClean="0"/>
-              <a:t>визуальном </a:t>
-            </a:r>
-            <a:r>
-              <a:rPr lang="ru-RU" dirty="0" smtClean="0"/>
+              <a:rPr lang="ru-RU"/>
+              <a:t>в визуальном </a:t>
+            </a:r>
+            <a:r>
+              <a:rPr lang="ru-RU" dirty="0"/>
               <a:t>дизайнере и окне свойств.</a:t>
             </a:r>
             <a:endParaRPr lang="en-US" dirty="0"/>
@@ -6891,13 +6693,6 @@
   <p:clrMapOvr>
     <a:masterClrMapping/>
   </p:clrMapOvr>
-  <p:timing>
-    <p:tnLst>
-      <p:par>
-        <p:cTn id="1" dur="indefinite" restart="never" nodeType="tmRoot"/>
-      </p:par>
-    </p:tnLst>
-  </p:timing>
 </p:sld>
 </file>
 
@@ -6934,15 +6729,15 @@
           <a:lstStyle/>
           <a:p>
             <a:r>
-              <a:rPr lang="en-US" dirty="0" smtClean="0"/>
+              <a:rPr lang="en-US" dirty="0"/>
               <a:t>Debug Visualizer </a:t>
             </a:r>
             <a:r>
-              <a:rPr lang="ru-RU" dirty="0" smtClean="0"/>
+              <a:rPr lang="ru-RU" dirty="0"/>
               <a:t>для </a:t>
             </a:r>
             <a:r>
-              <a:rPr lang="en-US" dirty="0" smtClean="0"/>
+              <a:rPr lang="en-US" dirty="0"/>
               <a:t>WPF</a:t>
             </a:r>
             <a:endParaRPr lang="ru-RU" dirty="0"/>
@@ -7038,7 +6833,7 @@
           <a:lstStyle/>
           <a:p>
             <a:r>
-              <a:rPr lang="ru-RU" dirty="0" smtClean="0"/>
+              <a:rPr lang="ru-RU" dirty="0"/>
               <a:t>Объявление</a:t>
             </a:r>
           </a:p>
@@ -7064,27 +6859,19 @@
               <a:rPr lang="en-US" dirty="0"/>
               <a:t>, ...</a:t>
             </a:r>
-            <a:r>
-              <a:rPr lang="ru-RU" dirty="0" smtClean="0"/>
-              <a:t/>
-            </a:r>
             <a:br>
-              <a:rPr lang="ru-RU" dirty="0" smtClean="0"/>
+              <a:rPr lang="ru-RU" dirty="0"/>
             </a:br>
             <a:r>
-              <a:rPr lang="en-US" dirty="0" smtClean="0"/>
+              <a:rPr lang="en-US" dirty="0"/>
               <a:t>{</a:t>
             </a:r>
             <a:br>
-              <a:rPr lang="en-US" dirty="0" smtClean="0"/>
+              <a:rPr lang="en-US" dirty="0"/>
             </a:br>
             <a:r>
-              <a:rPr lang="en-US" dirty="0" smtClean="0"/>
-              <a:t>public </a:t>
-            </a:r>
-            <a:r>
-              <a:rPr lang="en-US" dirty="0"/>
-              <a:t>static </a:t>
+              <a:rPr lang="en-US" dirty="0"/>
+              <a:t>public static </a:t>
             </a:r>
             <a:r>
               <a:rPr lang="en-US" dirty="0" err="1"/>
@@ -7119,43 +6906,43 @@
               <a:t>Property</a:t>
             </a:r>
             <a:r>
-              <a:rPr lang="en-US" dirty="0" smtClean="0"/>
+              <a:rPr lang="en-US" dirty="0"/>
               <a:t>;</a:t>
             </a:r>
             <a:br>
-              <a:rPr lang="en-US" dirty="0" smtClean="0"/>
+              <a:rPr lang="en-US" dirty="0"/>
             </a:br>
             <a:r>
-              <a:rPr lang="en-US" dirty="0" smtClean="0"/>
+              <a:rPr lang="en-US" dirty="0"/>
               <a:t>}</a:t>
             </a:r>
-            <a:endParaRPr lang="ru-RU" dirty="0" smtClean="0"/>
-          </a:p>
-          <a:p>
-            <a:r>
-              <a:rPr lang="ru-RU" dirty="0" smtClean="0"/>
+            <a:endParaRPr lang="ru-RU" dirty="0"/>
+          </a:p>
+          <a:p>
+            <a:r>
+              <a:rPr lang="ru-RU" dirty="0"/>
               <a:t>Регистрация</a:t>
             </a:r>
           </a:p>
           <a:p>
             <a:pPr lvl="1"/>
             <a:r>
-              <a:rPr lang="en-US" dirty="0" err="1" smtClean="0"/>
+              <a:rPr lang="en-US" dirty="0" err="1"/>
               <a:t>FrameworkPropertyMetadata</a:t>
             </a:r>
-            <a:endParaRPr lang="ru-RU" dirty="0" smtClean="0"/>
+            <a:endParaRPr lang="ru-RU" dirty="0"/>
           </a:p>
           <a:p>
             <a:pPr lvl="1"/>
             <a:r>
-              <a:rPr lang="en-US" dirty="0" err="1" smtClean="0"/>
+              <a:rPr lang="en-US" dirty="0" err="1"/>
               <a:t>DependencyProperty.Register</a:t>
             </a:r>
-            <a:endParaRPr lang="ru-RU" dirty="0" smtClean="0"/>
-          </a:p>
-          <a:p>
-            <a:r>
-              <a:rPr lang="ru-RU" dirty="0" smtClean="0"/>
+            <a:endParaRPr lang="ru-RU" dirty="0"/>
+          </a:p>
+          <a:p>
+            <a:r>
+              <a:rPr lang="ru-RU" dirty="0"/>
               <a:t>Объявление</a:t>
             </a:r>
           </a:p>
@@ -7163,37 +6950,21 @@
             <a:pPr lvl="1"/>
             <a:r>
               <a:rPr lang="en-US" dirty="0"/>
-              <a:t>public Thickness </a:t>
-            </a:r>
-            <a:r>
-              <a:rPr lang="en-US" dirty="0" smtClean="0"/>
-              <a:t>Margin</a:t>
-            </a:r>
-            <a:r>
-              <a:rPr lang="ru-RU" dirty="0" smtClean="0"/>
-              <a:t/>
+              <a:t>public Thickness Margin</a:t>
             </a:r>
             <a:br>
-              <a:rPr lang="ru-RU" dirty="0" smtClean="0"/>
+              <a:rPr lang="ru-RU" dirty="0"/>
             </a:br>
             <a:r>
-              <a:rPr lang="en-US" dirty="0" smtClean="0"/>
+              <a:rPr lang="en-US" dirty="0"/>
               <a:t>{</a:t>
             </a:r>
-            <a:r>
-              <a:rPr lang="ru-RU" dirty="0" smtClean="0"/>
-              <a:t/>
-            </a:r>
             <a:br>
-              <a:rPr lang="ru-RU" dirty="0" smtClean="0"/>
+              <a:rPr lang="ru-RU" dirty="0"/>
             </a:br>
             <a:r>
-              <a:rPr lang="en-US" dirty="0" smtClean="0"/>
-              <a:t>set </a:t>
-            </a:r>
-            <a:r>
-              <a:rPr lang="en-US" dirty="0"/>
-              <a:t>{ </a:t>
+              <a:rPr lang="en-US" dirty="0"/>
+              <a:t>set { </a:t>
             </a:r>
             <a:r>
               <a:rPr lang="en-US" dirty="0" err="1"/>
@@ -7209,26 +6980,14 @@
             </a:r>
             <a:r>
               <a:rPr lang="en-US" dirty="0"/>
-              <a:t>, value); </a:t>
-            </a:r>
-            <a:r>
-              <a:rPr lang="en-US" dirty="0" smtClean="0"/>
-              <a:t>}</a:t>
-            </a:r>
-            <a:r>
-              <a:rPr lang="ru-RU" dirty="0" smtClean="0"/>
-              <a:t/>
+              <a:t>, value); }</a:t>
             </a:r>
             <a:br>
-              <a:rPr lang="ru-RU" dirty="0" smtClean="0"/>
+              <a:rPr lang="ru-RU" dirty="0"/>
             </a:br>
             <a:r>
-              <a:rPr lang="en-US" dirty="0" smtClean="0"/>
-              <a:t>get </a:t>
-            </a:r>
-            <a:r>
-              <a:rPr lang="en-US" dirty="0"/>
-              <a:t>{ return (Thickness)</a:t>
+              <a:rPr lang="en-US" dirty="0"/>
+              <a:t>get { return (Thickness)</a:t>
             </a:r>
             <a:r>
               <a:rPr lang="en-US" dirty="0" err="1"/>
@@ -7244,29 +7003,21 @@
             </a:r>
             <a:r>
               <a:rPr lang="en-US" dirty="0"/>
-              <a:t>); </a:t>
-            </a:r>
-            <a:r>
-              <a:rPr lang="en-US" dirty="0" smtClean="0"/>
+              <a:t>); }</a:t>
+            </a:r>
+            <a:br>
+              <a:rPr lang="ru-RU" dirty="0"/>
+            </a:br>
+            <a:r>
+              <a:rPr lang="en-US" dirty="0"/>
               <a:t>}</a:t>
             </a:r>
-            <a:r>
-              <a:rPr lang="ru-RU" dirty="0" smtClean="0"/>
-              <a:t/>
-            </a:r>
-            <a:br>
-              <a:rPr lang="ru-RU" dirty="0" smtClean="0"/>
-            </a:br>
-            <a:r>
-              <a:rPr lang="en-US" dirty="0" smtClean="0"/>
-              <a:t>}</a:t>
-            </a:r>
-            <a:endParaRPr lang="ru-RU" dirty="0" smtClean="0"/>
+            <a:endParaRPr lang="ru-RU" dirty="0"/>
           </a:p>
           <a:p>
             <a:pPr lvl="1"/>
             <a:r>
-              <a:rPr lang="ru-RU" dirty="0" smtClean="0">
+              <a:rPr lang="ru-RU" dirty="0">
                 <a:solidFill>
                   <a:srgbClr val="FFFF00"/>
                 </a:solidFill>
@@ -7277,11 +7028,10 @@
               <a:rPr lang="ru-RU" dirty="0"/>
               <a:t> </a:t>
             </a:r>
-            <a:endParaRPr lang="ru-RU" dirty="0" smtClean="0"/>
-          </a:p>
-          <a:p>
-            <a:r>
-              <a:rPr lang="ru-RU" dirty="0" smtClean="0"/>
+          </a:p>
+          <a:p>
+            <a:r>
+              <a:rPr lang="ru-RU" dirty="0"/>
               <a:t>Очистка</a:t>
             </a:r>
           </a:p>
@@ -7300,14 +7050,14 @@
               <a:t>FrameworkElement.MarginProperty</a:t>
             </a:r>
             <a:r>
-              <a:rPr lang="en-US" dirty="0" smtClean="0"/>
+              <a:rPr lang="en-US" dirty="0"/>
               <a:t>);</a:t>
             </a:r>
-            <a:endParaRPr lang="ru-RU" dirty="0" smtClean="0"/>
-          </a:p>
-          <a:p>
-            <a:r>
-              <a:rPr lang="ru-RU" dirty="0" smtClean="0">
+            <a:endParaRPr lang="ru-RU" dirty="0"/>
+          </a:p>
+          <a:p>
+            <a:r>
+              <a:rPr lang="ru-RU" dirty="0">
                 <a:solidFill>
                   <a:schemeClr val="bg1"/>
                 </a:solidFill>
@@ -7318,7 +7068,7 @@
           <a:p>
             <a:pPr lvl="1"/>
             <a:r>
-              <a:rPr lang="ru-RU" dirty="0" smtClean="0">
+              <a:rPr lang="ru-RU" dirty="0">
                 <a:solidFill>
                   <a:schemeClr val="bg1"/>
                 </a:solidFill>
@@ -7329,7 +7079,7 @@
           <a:p>
             <a:pPr lvl="1"/>
             <a:r>
-              <a:rPr lang="ru-RU" dirty="0" smtClean="0">
+              <a:rPr lang="ru-RU" dirty="0">
                 <a:solidFill>
                   <a:schemeClr val="bg1"/>
                 </a:solidFill>
@@ -7354,13 +7104,6 @@
   <p:clrMapOvr>
     <a:masterClrMapping/>
   </p:clrMapOvr>
-  <p:timing>
-    <p:tnLst>
-      <p:par>
-        <p:cTn id="1" dur="indefinite" restart="never" nodeType="tmRoot"/>
-      </p:par>
-    </p:tnLst>
-  </p:timing>
 </p:sld>
 </file>
 
@@ -7397,7 +7140,7 @@
           <a:lstStyle/>
           <a:p>
             <a:r>
-              <a:rPr lang="ru-RU" dirty="0" smtClean="0"/>
+              <a:rPr lang="ru-RU" dirty="0"/>
               <a:t>Валидация</a:t>
             </a:r>
             <a:endParaRPr lang="en-US" dirty="0"/>
@@ -7422,49 +7165,49 @@
           <a:lstStyle/>
           <a:p>
             <a:r>
-              <a:rPr lang="en-US" dirty="0" err="1" smtClean="0"/>
+              <a:rPr lang="en-US" dirty="0" err="1"/>
               <a:t>ValidateValueCallback</a:t>
             </a:r>
             <a:r>
-              <a:rPr lang="en-US" dirty="0" smtClean="0"/>
+              <a:rPr lang="en-US" dirty="0"/>
               <a:t> [2]</a:t>
             </a:r>
           </a:p>
           <a:p>
             <a:pPr lvl="1"/>
             <a:r>
-              <a:rPr lang="ru-RU" dirty="0" smtClean="0"/>
+              <a:rPr lang="ru-RU" dirty="0"/>
               <a:t>Передается в </a:t>
             </a:r>
             <a:r>
-              <a:rPr lang="en-US" dirty="0" err="1" smtClean="0"/>
+              <a:rPr lang="en-US" dirty="0" err="1"/>
               <a:t>DependencyProperty.Register</a:t>
             </a:r>
             <a:r>
-              <a:rPr lang="en-US" dirty="0" smtClean="0"/>
+              <a:rPr lang="en-US" dirty="0"/>
               <a:t>()</a:t>
             </a:r>
-            <a:endParaRPr lang="ru-RU" dirty="0" smtClean="0"/>
-          </a:p>
-          <a:p>
-            <a:r>
-              <a:rPr lang="en-US" dirty="0" err="1" smtClean="0"/>
+            <a:endParaRPr lang="ru-RU" dirty="0"/>
+          </a:p>
+          <a:p>
+            <a:r>
+              <a:rPr lang="en-US" dirty="0" err="1"/>
               <a:t>CoerceValueCallback</a:t>
             </a:r>
             <a:r>
-              <a:rPr lang="ru-RU" dirty="0" smtClean="0"/>
+              <a:rPr lang="ru-RU" dirty="0"/>
               <a:t> </a:t>
             </a:r>
             <a:r>
-              <a:rPr lang="en-US" dirty="0" smtClean="0"/>
+              <a:rPr lang="en-US" dirty="0"/>
               <a:t>[1]</a:t>
             </a:r>
-            <a:endParaRPr lang="ru-RU" dirty="0" smtClean="0"/>
+            <a:endParaRPr lang="ru-RU" dirty="0"/>
           </a:p>
           <a:p>
             <a:pPr lvl="1"/>
             <a:r>
-              <a:rPr lang="ru-RU" dirty="0" smtClean="0"/>
+              <a:rPr lang="ru-RU" dirty="0"/>
               <a:t>Используется для разрешения конфликтов между несколькими связанными свойствами</a:t>
             </a:r>
           </a:p>
@@ -7472,32 +7215,28 @@
             <a:pPr lvl="1"/>
             <a:r>
               <a:rPr lang="ru-RU" dirty="0"/>
-              <a:t>Передается </a:t>
-            </a:r>
-            <a:r>
-              <a:rPr lang="ru-RU" dirty="0" smtClean="0"/>
-              <a:t>через конструктор </a:t>
-            </a:r>
-            <a:r>
-              <a:rPr lang="en-US" dirty="0" err="1" smtClean="0"/>
+              <a:t>Передается через конструктор </a:t>
+            </a:r>
+            <a:r>
+              <a:rPr lang="en-US" dirty="0" err="1"/>
               <a:t>FrameworkPropertyMetadata</a:t>
             </a:r>
-            <a:endParaRPr lang="en-US" dirty="0" smtClean="0"/>
-          </a:p>
-          <a:p>
-            <a:r>
-              <a:rPr lang="en-US" dirty="0" err="1" smtClean="0"/>
+            <a:endParaRPr lang="en-US" dirty="0"/>
+          </a:p>
+          <a:p>
+            <a:r>
+              <a:rPr lang="en-US" dirty="0" err="1"/>
               <a:t>PropertyChangedCallback</a:t>
             </a:r>
             <a:r>
-              <a:rPr lang="en-US" dirty="0" smtClean="0"/>
+              <a:rPr lang="en-US" dirty="0"/>
               <a:t> [3]</a:t>
             </a:r>
           </a:p>
           <a:p>
             <a:pPr lvl="1"/>
             <a:r>
-              <a:rPr lang="ru-RU" smtClean="0"/>
+              <a:rPr lang="ru-RU"/>
               <a:t>Уведомление что свойство было изменено</a:t>
             </a:r>
             <a:endParaRPr lang="en-US" dirty="0"/>
@@ -7514,13 +7253,6 @@
   <p:clrMapOvr>
     <a:masterClrMapping/>
   </p:clrMapOvr>
-  <p:timing>
-    <p:tnLst>
-      <p:par>
-        <p:cTn id="1" dur="indefinite" restart="never" nodeType="tmRoot"/>
-      </p:par>
-    </p:tnLst>
-  </p:timing>
 </p:sld>
 </file>
 
@@ -7557,10 +7289,9 @@
           <a:lstStyle/>
           <a:p>
             <a:r>
-              <a:rPr lang="en-US" dirty="0" smtClean="0"/>
+              <a:rPr lang="en-US" dirty="0"/>
               <a:t>MVVM: Model View View-Model</a:t>
             </a:r>
-            <a:endParaRPr lang="en-US" dirty="0"/>
           </a:p>
         </p:txBody>
       </p:sp>
@@ -7628,13 +7359,6 @@
   <p:clrMapOvr>
     <a:masterClrMapping/>
   </p:clrMapOvr>
-  <p:timing>
-    <p:tnLst>
-      <p:par>
-        <p:cTn id="1" dur="indefinite" restart="never" nodeType="tmRoot"/>
-      </p:par>
-    </p:tnLst>
-  </p:timing>
 </p:sld>
 </file>
 
@@ -7708,34 +7432,17 @@
                 </a:solidFill>
                 <a:hlinkClick r:id="rId2"/>
               </a:rPr>
-              <a:t>https://</a:t>
-            </a:r>
-            <a:r>
-              <a:rPr lang="en-US" dirty="0" smtClean="0">
-                <a:solidFill>
-                  <a:schemeClr val="bg1"/>
-                </a:solidFill>
-                <a:hlinkClick r:id="rId2"/>
-              </a:rPr>
-              <a:t>github.com/bazile/Training</a:t>
-            </a:r>
-            <a:r>
-              <a:rPr lang="en-US" dirty="0" smtClean="0">
-                <a:solidFill>
-                  <a:schemeClr val="bg1"/>
-                </a:solidFill>
-              </a:rPr>
-              <a:t/>
+              <a:t>https://github.com/bazile/Training</a:t>
             </a:r>
             <a:br>
-              <a:rPr lang="en-US" dirty="0" smtClean="0">
+              <a:rPr lang="en-US" dirty="0">
                 <a:solidFill>
                   <a:schemeClr val="bg1"/>
                 </a:solidFill>
               </a:rPr>
             </a:br>
             <a:r>
-              <a:rPr lang="ru-RU" dirty="0" smtClean="0">
+              <a:rPr lang="ru-RU" dirty="0">
                 <a:solidFill>
                   <a:schemeClr val="bg1"/>
                 </a:solidFill>
@@ -7744,7 +7451,7 @@
             </a:r>
           </a:p>
           <a:p>
-            <a:endParaRPr lang="ru-RU" dirty="0" smtClean="0">
+            <a:endParaRPr lang="ru-RU" dirty="0">
               <a:solidFill>
                 <a:schemeClr val="bg1"/>
               </a:solidFill>
@@ -7758,45 +7465,23 @@
                 </a:solidFill>
                 <a:hlinkClick r:id="rId3"/>
               </a:rPr>
-              <a:t>http://belhard.nullptr.ru</a:t>
-            </a:r>
-            <a:r>
-              <a:rPr lang="en-US" dirty="0" smtClean="0">
-                <a:solidFill>
-                  <a:schemeClr val="bg1"/>
-                </a:solidFill>
-                <a:hlinkClick r:id="rId3"/>
-              </a:rPr>
-              <a:t>/</a:t>
-            </a:r>
-            <a:r>
-              <a:rPr lang="ru-RU" dirty="0" smtClean="0">
-                <a:solidFill>
-                  <a:schemeClr val="bg1"/>
-                </a:solidFill>
-              </a:rPr>
-              <a:t/>
+              <a:t>http://belhard.nullptr.ru/</a:t>
             </a:r>
             <a:br>
-              <a:rPr lang="ru-RU" dirty="0" smtClean="0">
+              <a:rPr lang="ru-RU" dirty="0">
                 <a:solidFill>
                   <a:schemeClr val="bg1"/>
                 </a:solidFill>
               </a:rPr>
             </a:br>
             <a:r>
-              <a:rPr lang="ru-RU" dirty="0" smtClean="0">
+              <a:rPr lang="ru-RU" dirty="0">
                 <a:solidFill>
                   <a:schemeClr val="bg1"/>
                 </a:solidFill>
               </a:rPr>
               <a:t>Книги, примеры к ним и другие полезные файлы.</a:t>
             </a:r>
-            <a:endParaRPr lang="ru-RU" dirty="0">
-              <a:solidFill>
-                <a:schemeClr val="bg1"/>
-              </a:solidFill>
-            </a:endParaRPr>
           </a:p>
           <a:p>
             <a:endParaRPr lang="en-US" dirty="0"/>
@@ -7813,13 +7498,6 @@
   <p:clrMapOvr>
     <a:masterClrMapping/>
   </p:clrMapOvr>
-  <p:timing>
-    <p:tnLst>
-      <p:par>
-        <p:cTn id="1" dur="indefinite" restart="never" nodeType="tmRoot"/>
-      </p:par>
-    </p:tnLst>
-  </p:timing>
 </p:sld>
 </file>
 
@@ -7882,15 +7560,9 @@
               <a:rPr lang="en-US" dirty="0">
                 <a:hlinkClick r:id="rId2"/>
               </a:rPr>
-              <a:t>http://wpf.codeplex.com</a:t>
-            </a:r>
-            <a:r>
-              <a:rPr lang="en-US" dirty="0" smtClean="0">
-                <a:hlinkClick r:id="rId2"/>
-              </a:rPr>
-              <a:t>/</a:t>
-            </a:r>
-            <a:endParaRPr lang="ru-RU" dirty="0" smtClean="0"/>
+              <a:t>http://wpf.codeplex.com/</a:t>
+            </a:r>
+            <a:endParaRPr lang="ru-RU" dirty="0"/>
           </a:p>
           <a:p>
             <a:endParaRPr lang="en-US" dirty="0"/>
@@ -7907,13 +7579,6 @@
   <p:clrMapOvr>
     <a:masterClrMapping/>
   </p:clrMapOvr>
-  <p:timing>
-    <p:tnLst>
-      <p:par>
-        <p:cTn id="1" dur="indefinite" restart="never" nodeType="tmRoot"/>
-      </p:par>
-    </p:tnLst>
-  </p:timing>
 </p:sld>
 </file>
 
@@ -7950,10 +7615,9 @@
           <a:lstStyle/>
           <a:p>
             <a:r>
-              <a:rPr lang="en-US" dirty="0" smtClean="0"/>
+              <a:rPr lang="en-US" dirty="0"/>
               <a:t>WPF</a:t>
             </a:r>
-            <a:endParaRPr lang="en-US" dirty="0"/>
           </a:p>
         </p:txBody>
       </p:sp>
@@ -7975,63 +7639,63 @@
           <a:lstStyle/>
           <a:p>
             <a:r>
-              <a:rPr lang="ru-RU" dirty="0" smtClean="0"/>
+              <a:rPr lang="ru-RU" dirty="0"/>
               <a:t>Веб-подобная модель размещения элементов</a:t>
             </a:r>
           </a:p>
           <a:p>
             <a:pPr lvl="1"/>
             <a:r>
-              <a:rPr lang="ru-RU" dirty="0" smtClean="0"/>
+              <a:rPr lang="ru-RU" dirty="0"/>
               <a:t>Дает независимость от разрешения экрана</a:t>
             </a:r>
           </a:p>
           <a:p>
             <a:r>
-              <a:rPr lang="ru-RU" dirty="0" smtClean="0"/>
+              <a:rPr lang="ru-RU" dirty="0"/>
               <a:t>Множество примитивов для рисования</a:t>
             </a:r>
           </a:p>
           <a:p>
             <a:r>
-              <a:rPr lang="ru-RU" dirty="0" smtClean="0"/>
+              <a:rPr lang="ru-RU" dirty="0"/>
               <a:t>Удобная модель работы с текстом</a:t>
             </a:r>
           </a:p>
           <a:p>
             <a:r>
-              <a:rPr lang="ru-RU" dirty="0" smtClean="0"/>
+              <a:rPr lang="ru-RU" dirty="0"/>
               <a:t>Анимация</a:t>
             </a:r>
           </a:p>
           <a:p>
             <a:r>
-              <a:rPr lang="ru-RU" dirty="0" smtClean="0"/>
+              <a:rPr lang="ru-RU" dirty="0"/>
               <a:t>Поддержка аудио и видео</a:t>
             </a:r>
           </a:p>
           <a:p>
             <a:r>
-              <a:rPr lang="ru-RU" dirty="0" smtClean="0"/>
+              <a:rPr lang="ru-RU" dirty="0"/>
               <a:t>Стили и шаблоны</a:t>
             </a:r>
           </a:p>
           <a:p>
             <a:r>
-              <a:rPr lang="ru-RU" dirty="0" smtClean="0"/>
+              <a:rPr lang="ru-RU" dirty="0"/>
               <a:t>Команды</a:t>
             </a:r>
           </a:p>
           <a:p>
             <a:r>
-              <a:rPr lang="ru-RU" dirty="0" smtClean="0"/>
+              <a:rPr lang="ru-RU" dirty="0"/>
               <a:t>Декларативное описание </a:t>
             </a:r>
             <a:r>
-              <a:rPr lang="en-US" dirty="0" smtClean="0"/>
+              <a:rPr lang="en-US" dirty="0"/>
               <a:t>UI</a:t>
             </a:r>
-            <a:endParaRPr lang="ru-RU" dirty="0" smtClean="0"/>
+            <a:endParaRPr lang="ru-RU" dirty="0"/>
           </a:p>
           <a:p>
             <a:endParaRPr lang="en-US" dirty="0"/>
@@ -8048,13 +7712,6 @@
   <p:clrMapOvr>
     <a:masterClrMapping/>
   </p:clrMapOvr>
-  <p:timing>
-    <p:tnLst>
-      <p:par>
-        <p:cTn id="1" dur="indefinite" restart="never" nodeType="tmRoot"/>
-      </p:par>
-    </p:tnLst>
-  </p:timing>
 </p:sld>
 </file>
 
@@ -8091,7 +7748,7 @@
           <a:lstStyle/>
           <a:p>
             <a:r>
-              <a:rPr lang="en-US" dirty="0" smtClean="0"/>
+              <a:rPr lang="en-US" dirty="0"/>
               <a:t>WPF vs Windows Forms</a:t>
             </a:r>
             <a:endParaRPr lang="ru-RU" dirty="0"/>
@@ -8114,72 +7771,56 @@
           <a:lstStyle/>
           <a:p>
             <a:r>
-              <a:rPr lang="en-US" dirty="0" smtClean="0"/>
+              <a:rPr lang="en-US" dirty="0"/>
               <a:t>WPF </a:t>
             </a:r>
             <a:r>
-              <a:rPr lang="ru-RU" dirty="0" smtClean="0"/>
-              <a:t>не </a:t>
-            </a:r>
-            <a:r>
-              <a:rPr lang="ru-RU" dirty="0"/>
-              <a:t>заменяет, а дополняет </a:t>
-            </a:r>
-            <a:r>
-              <a:rPr lang="en-US" dirty="0"/>
-              <a:t>Windows </a:t>
-            </a:r>
-            <a:r>
-              <a:rPr lang="en-US" dirty="0" smtClean="0"/>
-              <a:t>Forms</a:t>
-            </a:r>
-            <a:endParaRPr lang="ru-RU" dirty="0" smtClean="0"/>
-          </a:p>
-          <a:p>
-            <a:r>
-              <a:rPr lang="en-US" dirty="0" smtClean="0"/>
+              <a:rPr lang="ru-RU" dirty="0"/>
+              <a:t>не заменяет, а дополняет </a:t>
+            </a:r>
+            <a:r>
+              <a:rPr lang="en-US" dirty="0"/>
+              <a:t>Windows Forms</a:t>
+            </a:r>
+            <a:endParaRPr lang="ru-RU" dirty="0"/>
+          </a:p>
+          <a:p>
+            <a:r>
+              <a:rPr lang="en-US" dirty="0"/>
               <a:t>Windows Store </a:t>
             </a:r>
             <a:r>
               <a:rPr lang="ru-RU" dirty="0"/>
-              <a:t>п</a:t>
-            </a:r>
-            <a:r>
-              <a:rPr lang="ru-RU" dirty="0" smtClean="0"/>
-              <a:t>риложения для </a:t>
-            </a:r>
-            <a:r>
-              <a:rPr lang="en-US" dirty="0" smtClean="0"/>
+              <a:t>приложения для </a:t>
+            </a:r>
+            <a:r>
+              <a:rPr lang="en-US" dirty="0"/>
               <a:t>Windows 8.x</a:t>
             </a:r>
             <a:r>
               <a:rPr lang="ru-RU" dirty="0"/>
-              <a:t> </a:t>
-            </a:r>
-            <a:r>
-              <a:rPr lang="ru-RU" dirty="0" smtClean="0"/>
-              <a:t>пишутся с использованием </a:t>
-            </a:r>
-            <a:r>
-              <a:rPr lang="en-US" dirty="0" smtClean="0"/>
+              <a:t> пишутся с использованием </a:t>
+            </a:r>
+            <a:r>
+              <a:rPr lang="en-US" dirty="0"/>
               <a:t>WPF</a:t>
             </a:r>
           </a:p>
           <a:p>
             <a:r>
-              <a:rPr lang="ru-RU" dirty="0" smtClean="0"/>
+              <a:rPr lang="ru-RU" dirty="0"/>
               <a:t>Технология </a:t>
             </a:r>
             <a:r>
-              <a:rPr lang="en-US" dirty="0" smtClean="0"/>
+              <a:rPr lang="en-US" dirty="0"/>
               <a:t>WPF </a:t>
             </a:r>
             <a:r>
-              <a:rPr lang="ru-RU" dirty="0" smtClean="0"/>
+              <a:rPr lang="ru-RU" dirty="0"/>
               <a:t>более сложная в освоении, </a:t>
             </a:r>
             <a:r>
-              <a:rPr lang="ru-RU" smtClean="0"/>
+              <a:rPr lang="ru-RU"/>
               <a:t>но дающая больше встроенных инструментов для правильной организации приложений</a:t>
             </a:r>
             <a:endParaRPr lang="ru-RU" dirty="0"/>
@@ -8232,10 +7873,9 @@
           <a:lstStyle/>
           <a:p>
             <a:r>
-              <a:rPr lang="en-US" dirty="0" smtClean="0"/>
+              <a:rPr lang="en-US" dirty="0"/>
               <a:t>WPF</a:t>
             </a:r>
-            <a:endParaRPr lang="en-US" dirty="0"/>
           </a:p>
         </p:txBody>
       </p:sp>
@@ -8257,18 +7897,18 @@
           <a:lstStyle/>
           <a:p>
             <a:r>
-              <a:rPr lang="ru-RU" dirty="0" smtClean="0"/>
+              <a:rPr lang="ru-RU" dirty="0"/>
               <a:t>Работает через </a:t>
             </a:r>
             <a:r>
-              <a:rPr lang="en-US" dirty="0" smtClean="0"/>
+              <a:rPr lang="en-US" dirty="0"/>
               <a:t>DirectX </a:t>
             </a:r>
             <a:r>
-              <a:rPr lang="ru-RU" dirty="0" smtClean="0"/>
+              <a:rPr lang="ru-RU" dirty="0"/>
               <a:t>т.е. использует аппаратную акселерацию</a:t>
             </a:r>
-            <a:endParaRPr lang="en-US" dirty="0" smtClean="0"/>
+            <a:endParaRPr lang="en-US" dirty="0"/>
           </a:p>
           <a:p>
             <a:pPr lvl="1"/>
@@ -8277,85 +7917,56 @@
               <a:t>Rendering Tier 0. </a:t>
             </a:r>
             <a:r>
-              <a:rPr lang="ru-RU" dirty="0" smtClean="0"/>
+              <a:rPr lang="ru-RU" dirty="0"/>
               <a:t>Аппаратное ускорение отсутствует</a:t>
             </a:r>
             <a:r>
-              <a:rPr lang="en-US" dirty="0" smtClean="0"/>
+              <a:rPr lang="en-US" dirty="0"/>
               <a:t>. DirectX &lt; 7.0</a:t>
             </a:r>
-            <a:endParaRPr lang="en-US" dirty="0"/>
           </a:p>
           <a:p>
             <a:pPr lvl="1"/>
             <a:r>
-              <a:rPr lang="en-US" dirty="0" smtClean="0"/>
-              <a:t>Rendering </a:t>
-            </a:r>
-            <a:r>
-              <a:rPr lang="en-US" dirty="0"/>
-              <a:t>Tier </a:t>
-            </a:r>
-            <a:r>
-              <a:rPr lang="en-US" dirty="0" smtClean="0"/>
-              <a:t>1. </a:t>
-            </a:r>
-            <a:r>
-              <a:rPr lang="ru-RU" dirty="0" smtClean="0"/>
+              <a:rPr lang="en-US" dirty="0"/>
+              <a:t>Rendering Tier 1. </a:t>
+            </a:r>
+            <a:r>
+              <a:rPr lang="ru-RU" dirty="0"/>
               <a:t>Частичное аппаратное ускорение</a:t>
             </a:r>
             <a:r>
-              <a:rPr lang="en-US" dirty="0" smtClean="0"/>
-              <a:t>. </a:t>
-            </a:r>
-            <a:r>
-              <a:rPr lang="en-US" dirty="0"/>
-              <a:t>7.0 </a:t>
-            </a:r>
-            <a:r>
-              <a:rPr lang="en-US" dirty="0" smtClean="0"/>
-              <a:t>&lt;= DirectX  &lt; 9.0</a:t>
-            </a:r>
-            <a:r>
-              <a:rPr lang="en-US" dirty="0"/>
-              <a:t>.</a:t>
+              <a:rPr lang="en-US" dirty="0"/>
+              <a:t>. 7.0 &lt;= DirectX  &lt; 9.0.</a:t>
             </a:r>
           </a:p>
           <a:p>
             <a:pPr lvl="1"/>
             <a:r>
-              <a:rPr lang="en-US" dirty="0" smtClean="0"/>
-              <a:t>Rendering </a:t>
-            </a:r>
-            <a:r>
-              <a:rPr lang="en-US" dirty="0"/>
-              <a:t>Tier 2</a:t>
-            </a:r>
-            <a:r>
-              <a:rPr lang="en-US" dirty="0" smtClean="0"/>
-              <a:t>.</a:t>
-            </a:r>
-            <a:r>
-              <a:rPr lang="ru-RU" dirty="0" smtClean="0"/>
+              <a:rPr lang="en-US" dirty="0"/>
+              <a:t>Rendering Tier 2.</a:t>
+            </a:r>
+            <a:r>
+              <a:rPr lang="ru-RU" dirty="0"/>
               <a:t> Полное аппаратное ускорение</a:t>
             </a:r>
             <a:r>
-              <a:rPr lang="en-US" dirty="0" smtClean="0"/>
+              <a:rPr lang="en-US" dirty="0"/>
               <a:t>. DirectX &gt;</a:t>
             </a:r>
             <a:r>
-              <a:rPr lang="ru-RU" dirty="0" smtClean="0"/>
+              <a:rPr lang="ru-RU" dirty="0"/>
               <a:t>= </a:t>
             </a:r>
             <a:r>
-              <a:rPr lang="en-US" dirty="0" smtClean="0"/>
+              <a:rPr lang="en-US" dirty="0"/>
               <a:t>9.0</a:t>
             </a:r>
           </a:p>
           <a:p>
             <a:pPr lvl="1"/>
             <a:r>
-              <a:rPr lang="en-US" dirty="0" err="1" smtClean="0"/>
+              <a:rPr lang="en-US" dirty="0" err="1"/>
               <a:t>System.Windows.Media.RenderCapability</a:t>
             </a:r>
             <a:endParaRPr lang="en-US" dirty="0"/>
@@ -8372,13 +7983,6 @@
   <p:clrMapOvr>
     <a:masterClrMapping/>
   </p:clrMapOvr>
-  <p:timing>
-    <p:tnLst>
-      <p:par>
-        <p:cTn id="1" dur="indefinite" restart="never" nodeType="tmRoot"/>
-      </p:par>
-    </p:tnLst>
-  </p:timing>
 </p:sld>
 </file>
 
@@ -8415,10 +8019,9 @@
           <a:lstStyle/>
           <a:p>
             <a:r>
-              <a:rPr lang="en-US" dirty="0" smtClean="0"/>
+              <a:rPr lang="en-US" dirty="0"/>
               <a:t>Silverlight</a:t>
             </a:r>
-            <a:endParaRPr lang="en-US" dirty="0"/>
           </a:p>
         </p:txBody>
       </p:sp>
@@ -8438,23 +8041,23 @@
           <a:lstStyle/>
           <a:p>
             <a:r>
-              <a:rPr lang="ru-RU" dirty="0" smtClean="0"/>
+              <a:rPr lang="ru-RU" dirty="0"/>
               <a:t>Веб-приложения на основе </a:t>
             </a:r>
             <a:r>
-              <a:rPr lang="en-US" dirty="0" smtClean="0"/>
+              <a:rPr lang="en-US" dirty="0"/>
               <a:t>WPF</a:t>
             </a:r>
           </a:p>
           <a:p>
             <a:r>
-              <a:rPr lang="ru-RU" dirty="0" smtClean="0"/>
+              <a:rPr lang="ru-RU" dirty="0"/>
               <a:t>Работает в браузере через специальный плагин</a:t>
             </a:r>
           </a:p>
           <a:p>
             <a:r>
-              <a:rPr lang="ru-RU" dirty="0" smtClean="0"/>
+              <a:rPr lang="ru-RU" dirty="0"/>
               <a:t>Неясное будущее</a:t>
             </a:r>
             <a:endParaRPr lang="en-US" dirty="0"/>
@@ -8471,13 +8074,6 @@
   <p:clrMapOvr>
     <a:masterClrMapping/>
   </p:clrMapOvr>
-  <p:timing>
-    <p:tnLst>
-      <p:par>
-        <p:cTn id="1" dur="indefinite" restart="never" nodeType="tmRoot"/>
-      </p:par>
-    </p:tnLst>
-  </p:timing>
 </p:sld>
 </file>
 
@@ -8522,7 +8118,7 @@
           <a:lstStyle/>
           <a:p>
             <a:r>
-              <a:rPr lang="ru-RU" dirty="0" smtClean="0">
+              <a:rPr lang="ru-RU" dirty="0">
                 <a:solidFill>
                   <a:srgbClr val="002060"/>
                 </a:solidFill>
@@ -8530,18 +8126,13 @@
               <a:t>Архитектура </a:t>
             </a:r>
             <a:r>
-              <a:rPr lang="en-US" dirty="0" smtClean="0">
+              <a:rPr lang="en-US" dirty="0">
                 <a:solidFill>
                   <a:srgbClr val="002060"/>
                 </a:solidFill>
               </a:rPr>
               <a:t>WPF</a:t>
             </a:r>
-            <a:endParaRPr lang="en-US" dirty="0">
-              <a:solidFill>
-                <a:srgbClr val="002060"/>
-              </a:solidFill>
-            </a:endParaRPr>
           </a:p>
         </p:txBody>
       </p:sp>
@@ -8619,13 +8210,6 @@
   <p:clrMapOvr>
     <a:masterClrMapping/>
   </p:clrMapOvr>
-  <p:timing>
-    <p:tnLst>
-      <p:par>
-        <p:cTn id="1" dur="indefinite" restart="never" nodeType="tmRoot"/>
-      </p:par>
-    </p:tnLst>
-  </p:timing>
 </p:sld>
 </file>
 

--- a/Presentation/lesson-12-wpf.pptx
+++ b/Presentation/lesson-12-wpf.pptx
@@ -134,7 +134,7 @@
   </p:defaultTextStyle>
   <p:extLst>
     <p:ext uri="{EFAFB233-063F-42B5-8137-9DF3F51BA10A}">
-      <p15:sldGuideLst xmlns:p15="http://schemas.microsoft.com/office/powerpoint/2012/main">
+      <p15:sldGuideLst xmlns:p15="http://schemas.microsoft.com/office/powerpoint/2012/main" xmlns="">
         <p15:guide id="1" orient="horz" pos="2160">
           <p15:clr>
             <a:srgbClr val="A4A3A4"/>
@@ -233,7 +233,7 @@
           <a:p>
             <a:fld id="{B24A7054-7FFB-49F4-A126-5DF6E687FF53}" type="datetimeFigureOut">
               <a:rPr lang="ru-RU" smtClean="0"/>
-              <a:t>01.07.2018</a:t>
+              <a:t>22.02.2019</a:t>
             </a:fld>
             <a:endParaRPr lang="ru-RU"/>
           </a:p>
@@ -502,8 +502,8 @@
 </file>
 
 <file path=ppt/slideLayouts/slideLayout1.xml><?xml version="1.0" encoding="utf-8"?>
-<p:sldLayout xmlns:a="http://schemas.openxmlformats.org/drawingml/2006/main" xmlns:r="http://schemas.openxmlformats.org/officeDocument/2006/relationships" xmlns:p="http://schemas.openxmlformats.org/presentationml/2006/main" preserve="1" userDrawn="1">
-  <p:cSld name="Title Slide">
+<p:sldLayout xmlns:a="http://schemas.openxmlformats.org/drawingml/2006/main" xmlns:r="http://schemas.openxmlformats.org/officeDocument/2006/relationships" xmlns:p="http://schemas.openxmlformats.org/presentationml/2006/main" type="obj" preserve="1">
+  <p:cSld name="Title and Content">
     <p:spTree>
       <p:nvGrpSpPr>
         <p:cNvPr id="1" name=""/>
@@ -520,172 +520,83 @@
       </p:grpSpPr>
       <p:sp>
         <p:nvSpPr>
-          <p:cNvPr id="7" name="Rectangle 6"/>
-          <p:cNvSpPr/>
-          <p:nvPr userDrawn="1"/>
-        </p:nvSpPr>
-        <p:spPr>
-          <a:xfrm>
-            <a:off x="143508" y="1304764"/>
-            <a:ext cx="8856984" cy="646331"/>
-          </a:xfrm>
-          <a:prstGeom prst="rect">
-            <a:avLst/>
-          </a:prstGeom>
-        </p:spPr>
-        <p:txBody>
-          <a:bodyPr wrap="square">
-            <a:spAutoFit/>
-          </a:bodyPr>
+          <p:cNvPr id="2" name="Title 1"/>
+          <p:cNvSpPr>
+            <a:spLocks noGrp="1"/>
+          </p:cNvSpPr>
+          <p:nvPr>
+            <p:ph type="title"/>
+          </p:nvPr>
+        </p:nvSpPr>
+        <p:spPr/>
+        <p:txBody>
+          <a:bodyPr/>
           <a:lstStyle/>
           <a:p>
-            <a:pPr algn="ctr"/>
-            <a:r>
-              <a:rPr lang="ru-RU" sz="3600" b="1" i="1" dirty="0">
-                <a:solidFill>
-                  <a:schemeClr val="bg1"/>
-                </a:solidFill>
-              </a:rPr>
-              <a:t>Основы программирования на </a:t>
-            </a:r>
-            <a:r>
-              <a:rPr lang="en-US" sz="3600" b="1" i="1" dirty="0">
-                <a:solidFill>
-                  <a:schemeClr val="bg1"/>
-                </a:solidFill>
-              </a:rPr>
-              <a:t>C#</a:t>
-            </a:r>
-            <a:endParaRPr lang="ru-RU" sz="3600" b="1" i="1" dirty="0">
-              <a:solidFill>
-                <a:schemeClr val="bg1"/>
-              </a:solidFill>
-            </a:endParaRPr>
-          </a:p>
-        </p:txBody>
-      </p:sp>
-      <p:pic>
-        <p:nvPicPr>
-          <p:cNvPr id="8" name="Picture 5"/>
-          <p:cNvPicPr>
-            <a:picLocks noChangeAspect="1" noChangeArrowheads="1"/>
-          </p:cNvPicPr>
-          <p:nvPr userDrawn="1"/>
-        </p:nvPicPr>
-        <p:blipFill>
-          <a:blip r:embed="rId2">
-            <a:extLst>
-              <a:ext uri="{28A0092B-C50C-407E-A947-70E740481C1C}">
-                <a14:useLocalDpi xmlns:a14="http://schemas.microsoft.com/office/drawing/2010/main" val="0"/>
-              </a:ext>
-            </a:extLst>
-          </a:blip>
-          <a:srcRect/>
-          <a:stretch>
-            <a:fillRect/>
-          </a:stretch>
-        </p:blipFill>
-        <p:spPr bwMode="auto">
-          <a:xfrm>
-            <a:off x="1638300" y="3829211"/>
-            <a:ext cx="5867400" cy="1724025"/>
-          </a:xfrm>
-          <a:prstGeom prst="rect">
-            <a:avLst/>
-          </a:prstGeom>
-          <a:noFill/>
-          <a:ln>
-            <a:noFill/>
-          </a:ln>
-          <a:effectLst/>
-          <a:extLst>
-            <a:ext uri="{909E8E84-426E-40DD-AFC4-6F175D3DCCD1}">
-              <a14:hiddenFill xmlns:a14="http://schemas.microsoft.com/office/drawing/2010/main">
-                <a:solidFill>
-                  <a:schemeClr val="accent1"/>
-                </a:solidFill>
-              </a14:hiddenFill>
-            </a:ext>
-            <a:ext uri="{91240B29-F687-4F45-9708-019B960494DF}">
-              <a14:hiddenLine xmlns:a14="http://schemas.microsoft.com/office/drawing/2010/main" w="9525">
-                <a:solidFill>
-                  <a:schemeClr val="tx1"/>
-                </a:solidFill>
-                <a:miter lim="800000"/>
-                <a:headEnd/>
-                <a:tailEnd/>
-              </a14:hiddenLine>
-            </a:ext>
-            <a:ext uri="{AF507438-7753-43E0-B8FC-AC1667EBCBE1}">
-              <a14:hiddenEffects xmlns:a14="http://schemas.microsoft.com/office/drawing/2010/main">
-                <a:effectLst>
-                  <a:outerShdw dist="35921" dir="2700000" algn="ctr" rotWithShape="0">
-                    <a:schemeClr val="bg2"/>
-                  </a:outerShdw>
-                </a:effectLst>
-              </a14:hiddenEffects>
-            </a:ext>
-          </a:extLst>
-        </p:spPr>
-      </p:pic>
-      <p:sp>
-        <p:nvSpPr>
-          <p:cNvPr id="9" name="TextBox 8"/>
-          <p:cNvSpPr txBox="1"/>
-          <p:nvPr userDrawn="1"/>
-        </p:nvSpPr>
-        <p:spPr>
-          <a:xfrm>
-            <a:off x="2774873" y="2528900"/>
-            <a:ext cx="4240263" cy="461665"/>
-          </a:xfrm>
-          <a:prstGeom prst="rect">
-            <a:avLst/>
-          </a:prstGeom>
-          <a:noFill/>
-        </p:spPr>
-        <p:txBody>
-          <a:bodyPr wrap="none" rtlCol="0">
-            <a:spAutoFit/>
-          </a:bodyPr>
+            <a:r>
+              <a:rPr lang="en-US"/>
+              <a:t>Click to edit Master title style</a:t>
+            </a:r>
+            <a:endParaRPr lang="ru-RU" dirty="0"/>
+          </a:p>
+        </p:txBody>
+      </p:sp>
+      <p:sp>
+        <p:nvSpPr>
+          <p:cNvPr id="3" name="Content Placeholder 2"/>
+          <p:cNvSpPr>
+            <a:spLocks noGrp="1"/>
+          </p:cNvSpPr>
+          <p:nvPr>
+            <p:ph idx="1"/>
+          </p:nvPr>
+        </p:nvSpPr>
+        <p:spPr/>
+        <p:txBody>
+          <a:bodyPr/>
           <a:lstStyle/>
           <a:p>
-            <a:r>
-              <a:rPr lang="ru-RU" sz="2400" dirty="0">
-                <a:solidFill>
-                  <a:schemeClr val="bg1"/>
-                </a:solidFill>
-              </a:rPr>
-              <a:t>Занятие №</a:t>
-            </a:r>
-            <a:r>
-              <a:rPr lang="en-US" sz="2400" dirty="0">
-                <a:solidFill>
-                  <a:schemeClr val="bg1"/>
-                </a:solidFill>
-              </a:rPr>
-              <a:t>?</a:t>
-            </a:r>
-            <a:r>
-              <a:rPr lang="ru-RU" sz="2400" dirty="0">
-                <a:solidFill>
-                  <a:schemeClr val="bg1"/>
-                </a:solidFill>
-              </a:rPr>
-              <a:t>. Название занятия</a:t>
-            </a:r>
-            <a:endParaRPr lang="en-US" sz="2400" dirty="0">
-              <a:solidFill>
-                <a:schemeClr val="bg1"/>
-              </a:solidFill>
-            </a:endParaRPr>
+            <a:pPr lvl="0"/>
+            <a:r>
+              <a:rPr lang="en-US"/>
+              <a:t>Click to edit Master text styles</a:t>
+            </a:r>
+          </a:p>
+          <a:p>
+            <a:pPr lvl="1"/>
+            <a:r>
+              <a:rPr lang="en-US"/>
+              <a:t>Second level</a:t>
+            </a:r>
+          </a:p>
+          <a:p>
+            <a:pPr lvl="2"/>
+            <a:r>
+              <a:rPr lang="en-US"/>
+              <a:t>Third level</a:t>
+            </a:r>
+          </a:p>
+          <a:p>
+            <a:pPr lvl="3"/>
+            <a:r>
+              <a:rPr lang="en-US"/>
+              <a:t>Fourth level</a:t>
+            </a:r>
+          </a:p>
+          <a:p>
+            <a:pPr lvl="4"/>
+            <a:r>
+              <a:rPr lang="en-US"/>
+              <a:t>Fifth level</a:t>
+            </a:r>
+            <a:endParaRPr lang="ru-RU" dirty="0"/>
           </a:p>
         </p:txBody>
       </p:sp>
     </p:spTree>
     <p:extLst>
       <p:ext uri="{BB962C8B-B14F-4D97-AF65-F5344CB8AC3E}">
-        <p14:creationId xmlns:p14="http://schemas.microsoft.com/office/powerpoint/2010/main" val="2062725571"/>
+        <p14:creationId xmlns:p14="http://schemas.microsoft.com/office/powerpoint/2010/main" val="3363467697"/>
       </p:ext>
     </p:extLst>
   </p:cSld>
@@ -696,198 +607,6 @@
 </file>
 
 <file path=ppt/slideLayouts/slideLayout10.xml><?xml version="1.0" encoding="utf-8"?>
-<p:sldLayout xmlns:a="http://schemas.openxmlformats.org/drawingml/2006/main" xmlns:r="http://schemas.openxmlformats.org/officeDocument/2006/relationships" xmlns:p="http://schemas.openxmlformats.org/presentationml/2006/main" type="picTx" preserve="1">
-  <p:cSld name="Picture with Caption">
-    <p:spTree>
-      <p:nvGrpSpPr>
-        <p:cNvPr id="1" name=""/>
-        <p:cNvGrpSpPr/>
-        <p:nvPr/>
-      </p:nvGrpSpPr>
-      <p:grpSpPr>
-        <a:xfrm>
-          <a:off x="0" y="0"/>
-          <a:ext cx="0" cy="0"/>
-          <a:chOff x="0" y="0"/>
-          <a:chExt cx="0" cy="0"/>
-        </a:xfrm>
-      </p:grpSpPr>
-      <p:sp>
-        <p:nvSpPr>
-          <p:cNvPr id="2" name="Title 1"/>
-          <p:cNvSpPr>
-            <a:spLocks noGrp="1"/>
-          </p:cNvSpPr>
-          <p:nvPr>
-            <p:ph type="title"/>
-          </p:nvPr>
-        </p:nvSpPr>
-        <p:spPr>
-          <a:xfrm>
-            <a:off x="1792288" y="4800600"/>
-            <a:ext cx="5486400" cy="566738"/>
-          </a:xfrm>
-        </p:spPr>
-        <p:txBody>
-          <a:bodyPr anchor="b"/>
-          <a:lstStyle>
-            <a:lvl1pPr algn="l">
-              <a:defRPr sz="2000" b="1"/>
-            </a:lvl1pPr>
-          </a:lstStyle>
-          <a:p>
-            <a:r>
-              <a:rPr lang="en-US"/>
-              <a:t>Click to edit Master title style</a:t>
-            </a:r>
-            <a:endParaRPr lang="ru-RU" dirty="0"/>
-          </a:p>
-        </p:txBody>
-      </p:sp>
-      <p:sp>
-        <p:nvSpPr>
-          <p:cNvPr id="3" name="Picture Placeholder 2"/>
-          <p:cNvSpPr>
-            <a:spLocks noGrp="1"/>
-          </p:cNvSpPr>
-          <p:nvPr>
-            <p:ph type="pic" idx="1"/>
-          </p:nvPr>
-        </p:nvSpPr>
-        <p:spPr>
-          <a:xfrm>
-            <a:off x="1792288" y="612775"/>
-            <a:ext cx="5486400" cy="4114800"/>
-          </a:xfrm>
-        </p:spPr>
-        <p:txBody>
-          <a:bodyPr/>
-          <a:lstStyle>
-            <a:lvl1pPr marL="0" indent="0">
-              <a:buNone/>
-              <a:defRPr sz="3200"/>
-            </a:lvl1pPr>
-            <a:lvl2pPr marL="457200" indent="0">
-              <a:buNone/>
-              <a:defRPr sz="2800"/>
-            </a:lvl2pPr>
-            <a:lvl3pPr marL="914400" indent="0">
-              <a:buNone/>
-              <a:defRPr sz="2400"/>
-            </a:lvl3pPr>
-            <a:lvl4pPr marL="1371600" indent="0">
-              <a:buNone/>
-              <a:defRPr sz="2000"/>
-            </a:lvl4pPr>
-            <a:lvl5pPr marL="1828800" indent="0">
-              <a:buNone/>
-              <a:defRPr sz="2000"/>
-            </a:lvl5pPr>
-            <a:lvl6pPr marL="2286000" indent="0">
-              <a:buNone/>
-              <a:defRPr sz="2000"/>
-            </a:lvl6pPr>
-            <a:lvl7pPr marL="2743200" indent="0">
-              <a:buNone/>
-              <a:defRPr sz="2000"/>
-            </a:lvl7pPr>
-            <a:lvl8pPr marL="3200400" indent="0">
-              <a:buNone/>
-              <a:defRPr sz="2000"/>
-            </a:lvl8pPr>
-            <a:lvl9pPr marL="3657600" indent="0">
-              <a:buNone/>
-              <a:defRPr sz="2000"/>
-            </a:lvl9pPr>
-          </a:lstStyle>
-          <a:p>
-            <a:r>
-              <a:rPr lang="en-US"/>
-              <a:t>Click icon to add picture</a:t>
-            </a:r>
-            <a:endParaRPr lang="ru-RU"/>
-          </a:p>
-        </p:txBody>
-      </p:sp>
-      <p:sp>
-        <p:nvSpPr>
-          <p:cNvPr id="4" name="Text Placeholder 3"/>
-          <p:cNvSpPr>
-            <a:spLocks noGrp="1"/>
-          </p:cNvSpPr>
-          <p:nvPr>
-            <p:ph type="body" sz="half" idx="2"/>
-          </p:nvPr>
-        </p:nvSpPr>
-        <p:spPr>
-          <a:xfrm>
-            <a:off x="1792288" y="5367338"/>
-            <a:ext cx="5486400" cy="804862"/>
-          </a:xfrm>
-        </p:spPr>
-        <p:txBody>
-          <a:bodyPr/>
-          <a:lstStyle>
-            <a:lvl1pPr marL="0" indent="0">
-              <a:buNone/>
-              <a:defRPr sz="1400"/>
-            </a:lvl1pPr>
-            <a:lvl2pPr marL="457200" indent="0">
-              <a:buNone/>
-              <a:defRPr sz="1200"/>
-            </a:lvl2pPr>
-            <a:lvl3pPr marL="914400" indent="0">
-              <a:buNone/>
-              <a:defRPr sz="1000"/>
-            </a:lvl3pPr>
-            <a:lvl4pPr marL="1371600" indent="0">
-              <a:buNone/>
-              <a:defRPr sz="900"/>
-            </a:lvl4pPr>
-            <a:lvl5pPr marL="1828800" indent="0">
-              <a:buNone/>
-              <a:defRPr sz="900"/>
-            </a:lvl5pPr>
-            <a:lvl6pPr marL="2286000" indent="0">
-              <a:buNone/>
-              <a:defRPr sz="900"/>
-            </a:lvl6pPr>
-            <a:lvl7pPr marL="2743200" indent="0">
-              <a:buNone/>
-              <a:defRPr sz="900"/>
-            </a:lvl7pPr>
-            <a:lvl8pPr marL="3200400" indent="0">
-              <a:buNone/>
-              <a:defRPr sz="900"/>
-            </a:lvl8pPr>
-            <a:lvl9pPr marL="3657600" indent="0">
-              <a:buNone/>
-              <a:defRPr sz="900"/>
-            </a:lvl9pPr>
-          </a:lstStyle>
-          <a:p>
-            <a:pPr lvl="0"/>
-            <a:r>
-              <a:rPr lang="en-US"/>
-              <a:t>Click to edit Master text styles</a:t>
-            </a:r>
-          </a:p>
-        </p:txBody>
-      </p:sp>
-    </p:spTree>
-    <p:extLst>
-      <p:ext uri="{BB962C8B-B14F-4D97-AF65-F5344CB8AC3E}">
-        <p14:creationId xmlns:p14="http://schemas.microsoft.com/office/powerpoint/2010/main" val="2103675460"/>
-      </p:ext>
-    </p:extLst>
-  </p:cSld>
-  <p:clrMapOvr>
-    <a:masterClrMapping/>
-  </p:clrMapOvr>
-</p:sldLayout>
-</file>
-
-<file path=ppt/slideLayouts/slideLayout11.xml><?xml version="1.0" encoding="utf-8"?>
 <p:sldLayout xmlns:a="http://schemas.openxmlformats.org/drawingml/2006/main" xmlns:r="http://schemas.openxmlformats.org/officeDocument/2006/relationships" xmlns:p="http://schemas.openxmlformats.org/presentationml/2006/main" type="vertTx" preserve="1">
   <p:cSld name="Title and Vertical Text">
     <p:spTree>
@@ -992,7 +711,7 @@
 </p:sldLayout>
 </file>
 
-<file path=ppt/slideLayouts/slideLayout12.xml><?xml version="1.0" encoding="utf-8"?>
+<file path=ppt/slideLayouts/slideLayout11.xml><?xml version="1.0" encoding="utf-8"?>
 <p:sldLayout xmlns:a="http://schemas.openxmlformats.org/drawingml/2006/main" xmlns:r="http://schemas.openxmlformats.org/officeDocument/2006/relationships" xmlns:p="http://schemas.openxmlformats.org/presentationml/2006/main" type="vertTitleAndTx" preserve="1">
   <p:cSld name="Vertical Title and Text">
     <p:spTree>
@@ -1107,7 +826,7 @@
 </p:sldLayout>
 </file>
 
-<file path=ppt/slideLayouts/slideLayout13.xml><?xml version="1.0" encoding="utf-8"?>
+<file path=ppt/slideLayouts/slideLayout12.xml><?xml version="1.0" encoding="utf-8"?>
 <p:sldLayout xmlns:a="http://schemas.openxmlformats.org/drawingml/2006/main" xmlns:r="http://schemas.openxmlformats.org/officeDocument/2006/relationships" xmlns:p="http://schemas.openxmlformats.org/presentationml/2006/main" type="title">
   <p:cSld name="2_Title Slide">
     <p:spTree>
@@ -1288,7 +1007,7 @@
           <a:p>
             <a:fld id="{8E6E6A2A-E9D3-4A0D-B04A-ABDD367A1E08}" type="datetimeFigureOut">
               <a:rPr lang="ru-RU" smtClean="0"/>
-              <a:t>01.07.2018</a:t>
+              <a:t>22.02.2019</a:t>
             </a:fld>
             <a:endParaRPr lang="ru-RU"/>
           </a:p>
@@ -1350,111 +1069,6 @@
 </file>
 
 <file path=ppt/slideLayouts/slideLayout2.xml><?xml version="1.0" encoding="utf-8"?>
-<p:sldLayout xmlns:a="http://schemas.openxmlformats.org/drawingml/2006/main" xmlns:r="http://schemas.openxmlformats.org/officeDocument/2006/relationships" xmlns:p="http://schemas.openxmlformats.org/presentationml/2006/main" type="obj" preserve="1">
-  <p:cSld name="Title and Content">
-    <p:spTree>
-      <p:nvGrpSpPr>
-        <p:cNvPr id="1" name=""/>
-        <p:cNvGrpSpPr/>
-        <p:nvPr/>
-      </p:nvGrpSpPr>
-      <p:grpSpPr>
-        <a:xfrm>
-          <a:off x="0" y="0"/>
-          <a:ext cx="0" cy="0"/>
-          <a:chOff x="0" y="0"/>
-          <a:chExt cx="0" cy="0"/>
-        </a:xfrm>
-      </p:grpSpPr>
-      <p:sp>
-        <p:nvSpPr>
-          <p:cNvPr id="2" name="Title 1"/>
-          <p:cNvSpPr>
-            <a:spLocks noGrp="1"/>
-          </p:cNvSpPr>
-          <p:nvPr>
-            <p:ph type="title"/>
-          </p:nvPr>
-        </p:nvSpPr>
-        <p:spPr/>
-        <p:txBody>
-          <a:bodyPr/>
-          <a:lstStyle/>
-          <a:p>
-            <a:r>
-              <a:rPr lang="en-US"/>
-              <a:t>Click to edit Master title style</a:t>
-            </a:r>
-            <a:endParaRPr lang="ru-RU" dirty="0"/>
-          </a:p>
-        </p:txBody>
-      </p:sp>
-      <p:sp>
-        <p:nvSpPr>
-          <p:cNvPr id="3" name="Content Placeholder 2"/>
-          <p:cNvSpPr>
-            <a:spLocks noGrp="1"/>
-          </p:cNvSpPr>
-          <p:nvPr>
-            <p:ph idx="1"/>
-          </p:nvPr>
-        </p:nvSpPr>
-        <p:spPr/>
-        <p:txBody>
-          <a:bodyPr/>
-          <a:lstStyle/>
-          <a:p>
-            <a:pPr lvl="0"/>
-            <a:r>
-              <a:rPr lang="en-US"/>
-              <a:t>Click to edit Master text styles</a:t>
-            </a:r>
-          </a:p>
-          <a:p>
-            <a:pPr lvl="1"/>
-            <a:r>
-              <a:rPr lang="en-US"/>
-              <a:t>Second level</a:t>
-            </a:r>
-          </a:p>
-          <a:p>
-            <a:pPr lvl="2"/>
-            <a:r>
-              <a:rPr lang="en-US"/>
-              <a:t>Third level</a:t>
-            </a:r>
-          </a:p>
-          <a:p>
-            <a:pPr lvl="3"/>
-            <a:r>
-              <a:rPr lang="en-US"/>
-              <a:t>Fourth level</a:t>
-            </a:r>
-          </a:p>
-          <a:p>
-            <a:pPr lvl="4"/>
-            <a:r>
-              <a:rPr lang="en-US"/>
-              <a:t>Fifth level</a:t>
-            </a:r>
-            <a:endParaRPr lang="ru-RU" dirty="0"/>
-          </a:p>
-        </p:txBody>
-      </p:sp>
-    </p:spTree>
-    <p:extLst>
-      <p:ext uri="{BB962C8B-B14F-4D97-AF65-F5344CB8AC3E}">
-        <p14:creationId xmlns:p14="http://schemas.microsoft.com/office/powerpoint/2010/main" val="3363467697"/>
-      </p:ext>
-    </p:extLst>
-  </p:cSld>
-  <p:clrMapOvr>
-    <a:masterClrMapping/>
-  </p:clrMapOvr>
-</p:sldLayout>
-</file>
-
-<file path=ppt/slideLayouts/slideLayout3.xml><?xml version="1.0" encoding="utf-8"?>
 <p:sldLayout xmlns:a="http://schemas.openxmlformats.org/drawingml/2006/main" xmlns:r="http://schemas.openxmlformats.org/officeDocument/2006/relationships" xmlns:p="http://schemas.openxmlformats.org/presentationml/2006/main" type="secHead" preserve="1">
   <p:cSld name="Section Header">
     <p:spTree>
@@ -1635,7 +1249,7 @@
 </p:sldLayout>
 </file>
 
-<file path=ppt/slideLayouts/slideLayout4.xml><?xml version="1.0" encoding="utf-8"?>
+<file path=ppt/slideLayouts/slideLayout3.xml><?xml version="1.0" encoding="utf-8"?>
 <p:sldLayout xmlns:a="http://schemas.openxmlformats.org/drawingml/2006/main" xmlns:r="http://schemas.openxmlformats.org/officeDocument/2006/relationships" xmlns:p="http://schemas.openxmlformats.org/presentationml/2006/main" type="twoObj" preserve="1">
   <p:cSld name="Two Content">
     <p:spTree>
@@ -1858,7 +1472,7 @@
 </p:sldLayout>
 </file>
 
-<file path=ppt/slideLayouts/slideLayout5.xml><?xml version="1.0" encoding="utf-8"?>
+<file path=ppt/slideLayouts/slideLayout4.xml><?xml version="1.0" encoding="utf-8"?>
 <p:sldLayout xmlns:a="http://schemas.openxmlformats.org/drawingml/2006/main" xmlns:r="http://schemas.openxmlformats.org/officeDocument/2006/relationships" xmlns:p="http://schemas.openxmlformats.org/presentationml/2006/main" type="twoTxTwoObj" preserve="1">
   <p:cSld name="Comparison">
     <p:spTree>
@@ -2215,7 +1829,7 @@
 </p:sldLayout>
 </file>
 
-<file path=ppt/slideLayouts/slideLayout6.xml><?xml version="1.0" encoding="utf-8"?>
+<file path=ppt/slideLayouts/slideLayout5.xml><?xml version="1.0" encoding="utf-8"?>
 <p:sldLayout xmlns:a="http://schemas.openxmlformats.org/drawingml/2006/main" xmlns:r="http://schemas.openxmlformats.org/officeDocument/2006/relationships" xmlns:p="http://schemas.openxmlformats.org/presentationml/2006/main" type="titleOnly" preserve="1">
   <p:cSld name="Title Only">
     <p:spTree>
@@ -2268,7 +1882,7 @@
 </p:sldLayout>
 </file>
 
-<file path=ppt/slideLayouts/slideLayout7.xml><?xml version="1.0" encoding="utf-8"?>
+<file path=ppt/slideLayouts/slideLayout6.xml><?xml version="1.0" encoding="utf-8"?>
 <p:sldLayout xmlns:a="http://schemas.openxmlformats.org/drawingml/2006/main" xmlns:r="http://schemas.openxmlformats.org/officeDocument/2006/relationships" xmlns:p="http://schemas.openxmlformats.org/presentationml/2006/main" preserve="1" userDrawn="1">
   <p:cSld name="Demo">
     <p:spTree>
@@ -2333,7 +1947,7 @@
 </p:sldLayout>
 </file>
 
-<file path=ppt/slideLayouts/slideLayout8.xml><?xml version="1.0" encoding="utf-8"?>
+<file path=ppt/slideLayouts/slideLayout7.xml><?xml version="1.0" encoding="utf-8"?>
 <p:sldLayout xmlns:a="http://schemas.openxmlformats.org/drawingml/2006/main" xmlns:r="http://schemas.openxmlformats.org/officeDocument/2006/relationships" xmlns:p="http://schemas.openxmlformats.org/presentationml/2006/main" type="blank" preserve="1">
   <p:cSld name="1_Blank">
     <p:spTree>
@@ -2363,7 +1977,7 @@
 </p:sldLayout>
 </file>
 
-<file path=ppt/slideLayouts/slideLayout9.xml><?xml version="1.0" encoding="utf-8"?>
+<file path=ppt/slideLayouts/slideLayout8.xml><?xml version="1.0" encoding="utf-8"?>
 <p:sldLayout xmlns:a="http://schemas.openxmlformats.org/drawingml/2006/main" xmlns:r="http://schemas.openxmlformats.org/officeDocument/2006/relationships" xmlns:p="http://schemas.openxmlformats.org/presentationml/2006/main" type="objTx" preserve="1">
   <p:cSld name="Content with Caption">
     <p:spTree>
@@ -2575,13 +2189,205 @@
 </p:sldLayout>
 </file>
 
+<file path=ppt/slideLayouts/slideLayout9.xml><?xml version="1.0" encoding="utf-8"?>
+<p:sldLayout xmlns:a="http://schemas.openxmlformats.org/drawingml/2006/main" xmlns:r="http://schemas.openxmlformats.org/officeDocument/2006/relationships" xmlns:p="http://schemas.openxmlformats.org/presentationml/2006/main" type="picTx" preserve="1">
+  <p:cSld name="Picture with Caption">
+    <p:spTree>
+      <p:nvGrpSpPr>
+        <p:cNvPr id="1" name=""/>
+        <p:cNvGrpSpPr/>
+        <p:nvPr/>
+      </p:nvGrpSpPr>
+      <p:grpSpPr>
+        <a:xfrm>
+          <a:off x="0" y="0"/>
+          <a:ext cx="0" cy="0"/>
+          <a:chOff x="0" y="0"/>
+          <a:chExt cx="0" cy="0"/>
+        </a:xfrm>
+      </p:grpSpPr>
+      <p:sp>
+        <p:nvSpPr>
+          <p:cNvPr id="2" name="Title 1"/>
+          <p:cNvSpPr>
+            <a:spLocks noGrp="1"/>
+          </p:cNvSpPr>
+          <p:nvPr>
+            <p:ph type="title"/>
+          </p:nvPr>
+        </p:nvSpPr>
+        <p:spPr>
+          <a:xfrm>
+            <a:off x="1792288" y="4800600"/>
+            <a:ext cx="5486400" cy="566738"/>
+          </a:xfrm>
+        </p:spPr>
+        <p:txBody>
+          <a:bodyPr anchor="b"/>
+          <a:lstStyle>
+            <a:lvl1pPr algn="l">
+              <a:defRPr sz="2000" b="1"/>
+            </a:lvl1pPr>
+          </a:lstStyle>
+          <a:p>
+            <a:r>
+              <a:rPr lang="en-US"/>
+              <a:t>Click to edit Master title style</a:t>
+            </a:r>
+            <a:endParaRPr lang="ru-RU" dirty="0"/>
+          </a:p>
+        </p:txBody>
+      </p:sp>
+      <p:sp>
+        <p:nvSpPr>
+          <p:cNvPr id="3" name="Picture Placeholder 2"/>
+          <p:cNvSpPr>
+            <a:spLocks noGrp="1"/>
+          </p:cNvSpPr>
+          <p:nvPr>
+            <p:ph type="pic" idx="1"/>
+          </p:nvPr>
+        </p:nvSpPr>
+        <p:spPr>
+          <a:xfrm>
+            <a:off x="1792288" y="612775"/>
+            <a:ext cx="5486400" cy="4114800"/>
+          </a:xfrm>
+        </p:spPr>
+        <p:txBody>
+          <a:bodyPr/>
+          <a:lstStyle>
+            <a:lvl1pPr marL="0" indent="0">
+              <a:buNone/>
+              <a:defRPr sz="3200"/>
+            </a:lvl1pPr>
+            <a:lvl2pPr marL="457200" indent="0">
+              <a:buNone/>
+              <a:defRPr sz="2800"/>
+            </a:lvl2pPr>
+            <a:lvl3pPr marL="914400" indent="0">
+              <a:buNone/>
+              <a:defRPr sz="2400"/>
+            </a:lvl3pPr>
+            <a:lvl4pPr marL="1371600" indent="0">
+              <a:buNone/>
+              <a:defRPr sz="2000"/>
+            </a:lvl4pPr>
+            <a:lvl5pPr marL="1828800" indent="0">
+              <a:buNone/>
+              <a:defRPr sz="2000"/>
+            </a:lvl5pPr>
+            <a:lvl6pPr marL="2286000" indent="0">
+              <a:buNone/>
+              <a:defRPr sz="2000"/>
+            </a:lvl6pPr>
+            <a:lvl7pPr marL="2743200" indent="0">
+              <a:buNone/>
+              <a:defRPr sz="2000"/>
+            </a:lvl7pPr>
+            <a:lvl8pPr marL="3200400" indent="0">
+              <a:buNone/>
+              <a:defRPr sz="2000"/>
+            </a:lvl8pPr>
+            <a:lvl9pPr marL="3657600" indent="0">
+              <a:buNone/>
+              <a:defRPr sz="2000"/>
+            </a:lvl9pPr>
+          </a:lstStyle>
+          <a:p>
+            <a:r>
+              <a:rPr lang="en-US"/>
+              <a:t>Click icon to add picture</a:t>
+            </a:r>
+            <a:endParaRPr lang="ru-RU"/>
+          </a:p>
+        </p:txBody>
+      </p:sp>
+      <p:sp>
+        <p:nvSpPr>
+          <p:cNvPr id="4" name="Text Placeholder 3"/>
+          <p:cNvSpPr>
+            <a:spLocks noGrp="1"/>
+          </p:cNvSpPr>
+          <p:nvPr>
+            <p:ph type="body" sz="half" idx="2"/>
+          </p:nvPr>
+        </p:nvSpPr>
+        <p:spPr>
+          <a:xfrm>
+            <a:off x="1792288" y="5367338"/>
+            <a:ext cx="5486400" cy="804862"/>
+          </a:xfrm>
+        </p:spPr>
+        <p:txBody>
+          <a:bodyPr/>
+          <a:lstStyle>
+            <a:lvl1pPr marL="0" indent="0">
+              <a:buNone/>
+              <a:defRPr sz="1400"/>
+            </a:lvl1pPr>
+            <a:lvl2pPr marL="457200" indent="0">
+              <a:buNone/>
+              <a:defRPr sz="1200"/>
+            </a:lvl2pPr>
+            <a:lvl3pPr marL="914400" indent="0">
+              <a:buNone/>
+              <a:defRPr sz="1000"/>
+            </a:lvl3pPr>
+            <a:lvl4pPr marL="1371600" indent="0">
+              <a:buNone/>
+              <a:defRPr sz="900"/>
+            </a:lvl4pPr>
+            <a:lvl5pPr marL="1828800" indent="0">
+              <a:buNone/>
+              <a:defRPr sz="900"/>
+            </a:lvl5pPr>
+            <a:lvl6pPr marL="2286000" indent="0">
+              <a:buNone/>
+              <a:defRPr sz="900"/>
+            </a:lvl6pPr>
+            <a:lvl7pPr marL="2743200" indent="0">
+              <a:buNone/>
+              <a:defRPr sz="900"/>
+            </a:lvl7pPr>
+            <a:lvl8pPr marL="3200400" indent="0">
+              <a:buNone/>
+              <a:defRPr sz="900"/>
+            </a:lvl8pPr>
+            <a:lvl9pPr marL="3657600" indent="0">
+              <a:buNone/>
+              <a:defRPr sz="900"/>
+            </a:lvl9pPr>
+          </a:lstStyle>
+          <a:p>
+            <a:pPr lvl="0"/>
+            <a:r>
+              <a:rPr lang="en-US"/>
+              <a:t>Click to edit Master text styles</a:t>
+            </a:r>
+          </a:p>
+        </p:txBody>
+      </p:sp>
+    </p:spTree>
+    <p:extLst>
+      <p:ext uri="{BB962C8B-B14F-4D97-AF65-F5344CB8AC3E}">
+        <p14:creationId xmlns:p14="http://schemas.microsoft.com/office/powerpoint/2010/main" val="2103675460"/>
+      </p:ext>
+    </p:extLst>
+  </p:cSld>
+  <p:clrMapOvr>
+    <a:masterClrMapping/>
+  </p:clrMapOvr>
+</p:sldLayout>
+</file>
+
 <file path=ppt/slideMasters/slideMaster1.xml><?xml version="1.0" encoding="utf-8"?>
 <p:sldMaster xmlns:a="http://schemas.openxmlformats.org/drawingml/2006/main" xmlns:r="http://schemas.openxmlformats.org/officeDocument/2006/relationships" xmlns:p="http://schemas.openxmlformats.org/presentationml/2006/main">
   <p:cSld>
     <p:bg>
       <p:bgPr>
         <a:blipFill dpi="0" rotWithShape="1">
-          <a:blip r:embed="rId15">
+          <a:blip r:embed="rId14">
             <a:lum/>
           </a:blip>
           <a:srcRect/>
@@ -2736,7 +2542,7 @@
           <a:p>
             <a:fld id="{AC3D3127-B7C4-45E3-9797-C527EC9FDD78}" type="datetimeFigureOut">
               <a:rPr lang="ru-RU" smtClean="0"/>
-              <a:t>01.07.2018</a:t>
+              <a:t>22.02.2019</a:t>
             </a:fld>
             <a:endParaRPr lang="ru-RU"/>
           </a:p>
@@ -2829,19 +2635,18 @@
   </p:cSld>
   <p:clrMap bg1="lt1" tx1="dk1" bg2="lt2" tx2="dk2" accent1="accent1" accent2="accent2" accent3="accent3" accent4="accent4" accent5="accent5" accent6="accent6" hlink="hlink" folHlink="folHlink"/>
   <p:sldLayoutIdLst>
-    <p:sldLayoutId id="2147483649" r:id="rId1"/>
-    <p:sldLayoutId id="2147483650" r:id="rId2"/>
-    <p:sldLayoutId id="2147483651" r:id="rId3"/>
-    <p:sldLayoutId id="2147483652" r:id="rId4"/>
-    <p:sldLayoutId id="2147483653" r:id="rId5"/>
-    <p:sldLayoutId id="2147483654" r:id="rId6"/>
-    <p:sldLayoutId id="2147483655" r:id="rId7"/>
-    <p:sldLayoutId id="2147483660" r:id="rId8"/>
-    <p:sldLayoutId id="2147483656" r:id="rId9"/>
-    <p:sldLayoutId id="2147483657" r:id="rId10"/>
-    <p:sldLayoutId id="2147483658" r:id="rId11"/>
-    <p:sldLayoutId id="2147483659" r:id="rId12"/>
-    <p:sldLayoutId id="2147483661" r:id="rId13"/>
+    <p:sldLayoutId id="2147483650" r:id="rId1"/>
+    <p:sldLayoutId id="2147483651" r:id="rId2"/>
+    <p:sldLayoutId id="2147483652" r:id="rId3"/>
+    <p:sldLayoutId id="2147483653" r:id="rId4"/>
+    <p:sldLayoutId id="2147483654" r:id="rId5"/>
+    <p:sldLayoutId id="2147483655" r:id="rId6"/>
+    <p:sldLayoutId id="2147483660" r:id="rId7"/>
+    <p:sldLayoutId id="2147483656" r:id="rId8"/>
+    <p:sldLayoutId id="2147483657" r:id="rId9"/>
+    <p:sldLayoutId id="2147483658" r:id="rId10"/>
+    <p:sldLayoutId id="2147483659" r:id="rId11"/>
+    <p:sldLayoutId id="2147483661" r:id="rId12"/>
   </p:sldLayoutIdLst>
   <p:txStyles>
     <p:titleStyle>
@@ -3208,7 +3013,7 @@
           <p:cNvPr id="8" name="TextBox 7">
             <a:extLst>
               <a:ext uri="{FF2B5EF4-FFF2-40B4-BE49-F238E27FC236}">
-                <a16:creationId xmlns:a16="http://schemas.microsoft.com/office/drawing/2014/main" id="{A9395EDB-9161-F94F-95A1-B4B7ED8D2F49}"/>
+                <a16:creationId xmlns:a16="http://schemas.microsoft.com/office/drawing/2014/main" xmlns="" id="{A9395EDB-9161-F94F-95A1-B4B7ED8D2F49}"/>
               </a:ext>
             </a:extLst>
           </p:cNvPr>
@@ -3387,6 +3192,14 @@
                 </a:solidFill>
               </a:rPr>
               <a:t>WPF</a:t>
+            </a:r>
+            <a:r>
+              <a:rPr lang="ru-RU" dirty="0">
+                <a:solidFill>
+                  <a:srgbClr val="002060"/>
+                </a:solidFill>
+              </a:rPr>
+              <a:t/>
             </a:r>
             <a:br>
               <a:rPr lang="ru-RU" dirty="0">
@@ -5459,14 +5272,14 @@
                 <a:gridCol w="1594520">
                   <a:extLst>
                     <a:ext uri="{9D8B030D-6E8A-4147-A177-3AD203B41FA5}">
-                      <a16:colId xmlns:a16="http://schemas.microsoft.com/office/drawing/2014/main" val="20000"/>
+                      <a16:colId xmlns:a16="http://schemas.microsoft.com/office/drawing/2014/main" xmlns="" val="20000"/>
                     </a:ext>
                   </a:extLst>
                 </a:gridCol>
                 <a:gridCol w="6635080">
                   <a:extLst>
                     <a:ext uri="{9D8B030D-6E8A-4147-A177-3AD203B41FA5}">
-                      <a16:colId xmlns:a16="http://schemas.microsoft.com/office/drawing/2014/main" val="20001"/>
+                      <a16:colId xmlns:a16="http://schemas.microsoft.com/office/drawing/2014/main" xmlns="" val="20001"/>
                     </a:ext>
                   </a:extLst>
                 </a:gridCol>
@@ -5623,7 +5436,7 @@
                 </a:tc>
                 <a:extLst>
                   <a:ext uri="{0D108BD9-81ED-4DB2-BD59-A6C34878D82A}">
-                    <a16:rowId xmlns:a16="http://schemas.microsoft.com/office/drawing/2014/main" val="10000"/>
+                    <a16:rowId xmlns:a16="http://schemas.microsoft.com/office/drawing/2014/main" xmlns="" val="10000"/>
                   </a:ext>
                 </a:extLst>
               </a:tr>
@@ -5779,7 +5592,7 @@
                 </a:tc>
                 <a:extLst>
                   <a:ext uri="{0D108BD9-81ED-4DB2-BD59-A6C34878D82A}">
-                    <a16:rowId xmlns:a16="http://schemas.microsoft.com/office/drawing/2014/main" val="10001"/>
+                    <a16:rowId xmlns:a16="http://schemas.microsoft.com/office/drawing/2014/main" xmlns="" val="10001"/>
                   </a:ext>
                 </a:extLst>
               </a:tr>
@@ -5920,7 +5733,7 @@
                 </a:tc>
                 <a:extLst>
                   <a:ext uri="{0D108BD9-81ED-4DB2-BD59-A6C34878D82A}">
-                    <a16:rowId xmlns:a16="http://schemas.microsoft.com/office/drawing/2014/main" val="10002"/>
+                    <a16:rowId xmlns:a16="http://schemas.microsoft.com/office/drawing/2014/main" xmlns="" val="10002"/>
                   </a:ext>
                 </a:extLst>
               </a:tr>
@@ -6081,7 +5894,7 @@
                 </a:tc>
                 <a:extLst>
                   <a:ext uri="{0D108BD9-81ED-4DB2-BD59-A6C34878D82A}">
-                    <a16:rowId xmlns:a16="http://schemas.microsoft.com/office/drawing/2014/main" val="10003"/>
+                    <a16:rowId xmlns:a16="http://schemas.microsoft.com/office/drawing/2014/main" xmlns="" val="10003"/>
                   </a:ext>
                 </a:extLst>
               </a:tr>
@@ -6263,7 +6076,7 @@
                 </a:tc>
                 <a:extLst>
                   <a:ext uri="{0D108BD9-81ED-4DB2-BD59-A6C34878D82A}">
-                    <a16:rowId xmlns:a16="http://schemas.microsoft.com/office/drawing/2014/main" val="10004"/>
+                    <a16:rowId xmlns:a16="http://schemas.microsoft.com/office/drawing/2014/main" xmlns="" val="10004"/>
                   </a:ext>
                 </a:extLst>
               </a:tr>
@@ -6488,7 +6301,7 @@
                 </a:tc>
                 <a:extLst>
                   <a:ext uri="{0D108BD9-81ED-4DB2-BD59-A6C34878D82A}">
-                    <a16:rowId xmlns:a16="http://schemas.microsoft.com/office/drawing/2014/main" val="10005"/>
+                    <a16:rowId xmlns:a16="http://schemas.microsoft.com/office/drawing/2014/main" xmlns="" val="10005"/>
                   </a:ext>
                 </a:extLst>
               </a:tr>
@@ -6859,6 +6672,10 @@
               <a:rPr lang="en-US" dirty="0"/>
               <a:t>, ...</a:t>
             </a:r>
+            <a:r>
+              <a:rPr lang="ru-RU" dirty="0"/>
+              <a:t/>
+            </a:r>
             <a:br>
               <a:rPr lang="ru-RU" dirty="0"/>
             </a:br>
@@ -6952,12 +6769,20 @@
               <a:rPr lang="en-US" dirty="0"/>
               <a:t>public Thickness Margin</a:t>
             </a:r>
+            <a:r>
+              <a:rPr lang="ru-RU" dirty="0"/>
+              <a:t/>
+            </a:r>
             <a:br>
               <a:rPr lang="ru-RU" dirty="0"/>
             </a:br>
             <a:r>
               <a:rPr lang="en-US" dirty="0"/>
               <a:t>{</a:t>
+            </a:r>
+            <a:r>
+              <a:rPr lang="ru-RU" dirty="0"/>
+              <a:t/>
             </a:r>
             <a:br>
               <a:rPr lang="ru-RU" dirty="0"/>
@@ -6982,6 +6807,10 @@
               <a:rPr lang="en-US" dirty="0"/>
               <a:t>, value); }</a:t>
             </a:r>
+            <a:r>
+              <a:rPr lang="ru-RU" dirty="0"/>
+              <a:t/>
+            </a:r>
             <a:br>
               <a:rPr lang="ru-RU" dirty="0"/>
             </a:br>
@@ -7004,6 +6833,10 @@
             <a:r>
               <a:rPr lang="en-US" dirty="0"/>
               <a:t>); }</a:t>
+            </a:r>
+            <a:r>
+              <a:rPr lang="ru-RU" dirty="0"/>
+              <a:t/>
             </a:r>
             <a:br>
               <a:rPr lang="ru-RU" dirty="0"/>
@@ -7434,6 +7267,14 @@
               </a:rPr>
               <a:t>https://github.com/bazile/Training</a:t>
             </a:r>
+            <a:r>
+              <a:rPr lang="en-US" dirty="0">
+                <a:solidFill>
+                  <a:schemeClr val="bg1"/>
+                </a:solidFill>
+              </a:rPr>
+              <a:t/>
+            </a:r>
             <a:br>
               <a:rPr lang="en-US" dirty="0">
                 <a:solidFill>
@@ -7466,6 +7307,14 @@
                 <a:hlinkClick r:id="rId3"/>
               </a:rPr>
               <a:t>http://belhard.nullptr.ru/</a:t>
+            </a:r>
+            <a:r>
+              <a:rPr lang="ru-RU" dirty="0">
+                <a:solidFill>
+                  <a:schemeClr val="bg1"/>
+                </a:solidFill>
+              </a:rPr>
+              <a:t/>
             </a:r>
             <a:br>
               <a:rPr lang="ru-RU" dirty="0">
